--- a/Poster/Poster.pptx
+++ b/Poster/Poster.pptx
@@ -204,7 +204,7 @@
             <a:fld id="{E6CC2317-6751-4CD4-9995-8782DD78E936}" type="datetimeFigureOut">
               <a:rPr lang="en-US" smtClean="0"/>
               <a:pPr/>
-              <a:t>11/26/2012</a:t>
+              <a:t>11/27/2012</a:t>
             </a:fld>
             <a:endParaRPr lang="en-US" dirty="0"/>
           </a:p>
@@ -16848,24 +16848,50 @@
         <p:spPr>
           <a:xfrm>
             <a:off x="678141" y="3997645"/>
-            <a:ext cx="7542610" cy="5592684"/>
+            <a:ext cx="7542610" cy="3044294"/>
           </a:xfrm>
         </p:spPr>
         <p:txBody>
           <a:bodyPr/>
           <a:lstStyle/>
           <a:p>
-            <a:r>
-              <a:rPr lang="en-US" dirty="0" smtClean="0"/>
-              <a:t>Politics in the United States is central to who we are. People are divided by their party and political beliefs as often as they are by their religion. At the center of it all is Congress. Congress is made up of the House of Representatives and the Senate which each vote on bills as to whether they should become law. These laws can have wide ranging influence on the American people and corporations. A single bill may effect millions of people, for instance the Patient Protection and Affordable Care Act. What if we could predict whether  a bill would pass Congress or not? Given advance warning about the likely outcome of a bill, citizens and corporations could prepare themselves or influence bill content. Further, predicting the vote of a representative on a bill can give insights into the beliefs and platforms that could help educate  American voters about their Congressmen. Previous work on the subject of applying machine </a:t>
-            </a:r>
-            <a:r>
-              <a:rPr lang="en-US" dirty="0"/>
-              <a:t>l</a:t>
-            </a:r>
-            <a:r>
-              <a:rPr lang="en-US" dirty="0" smtClean="0"/>
-              <a:t>earning to vote prediction have extended the ideal point model, which places a legislator and bills in a space and the legislator’s vote is a function of the two locations (</a:t>
+            <a:pPr marL="285750" indent="-285750">
+              <a:buFont typeface="Arial" pitchFamily="34" charset="0"/>
+              <a:buChar char="•"/>
+            </a:pPr>
+            <a:r>
+              <a:rPr lang="en-US" dirty="0" smtClean="0"/>
+              <a:t>Bills passed by Congress may have huge effects on corporations and citizens.</a:t>
+            </a:r>
+          </a:p>
+          <a:p>
+            <a:pPr marL="285750" indent="-285750">
+              <a:buFont typeface="Arial" pitchFamily="34" charset="0"/>
+              <a:buChar char="•"/>
+            </a:pPr>
+            <a:r>
+              <a:rPr lang="en-US" dirty="0" smtClean="0"/>
+              <a:t>Being able to predict outcome of votes could give corporations and citizens advanced warning.</a:t>
+            </a:r>
+          </a:p>
+          <a:p>
+            <a:pPr marL="285750" indent="-285750">
+              <a:buFont typeface="Arial" pitchFamily="34" charset="0"/>
+              <a:buChar char="•"/>
+            </a:pPr>
+            <a:r>
+              <a:rPr lang="en-US" dirty="0" smtClean="0"/>
+              <a:t>Representative vote prediction could give insight into representatives’ actual beliefs and platforms.</a:t>
+            </a:r>
+          </a:p>
+          <a:p>
+            <a:pPr marL="285750" indent="-285750">
+              <a:buFont typeface="Arial" pitchFamily="34" charset="0"/>
+              <a:buChar char="•"/>
+            </a:pPr>
+            <a:r>
+              <a:rPr lang="en-US" dirty="0" smtClean="0"/>
+              <a:t>Previous work by </a:t>
             </a:r>
             <a:r>
               <a:rPr lang="en-US" dirty="0" err="1" smtClean="0"/>
@@ -16881,24 +16907,19 @@
             </a:r>
             <a:r>
               <a:rPr lang="en-US" dirty="0" smtClean="0"/>
-              <a:t>, 2011). However, </a:t>
-            </a:r>
-            <a:r>
-              <a:rPr lang="en-US" dirty="0" err="1" smtClean="0"/>
-              <a:t>Gerrish</a:t>
-            </a:r>
-            <a:r>
-              <a:rPr lang="en-US" dirty="0" smtClean="0"/>
-              <a:t> and </a:t>
-            </a:r>
-            <a:r>
-              <a:rPr lang="en-US" dirty="0" err="1" smtClean="0"/>
-              <a:t>Blei</a:t>
-            </a:r>
-            <a:r>
-              <a:rPr lang="en-US" dirty="0" smtClean="0"/>
-              <a:t> only used the text of bills and not other information about each bill to predict votes. </a:t>
-            </a:r>
+              <a:t> focused upon bill text.</a:t>
+            </a:r>
+          </a:p>
+          <a:p>
+            <a:pPr marL="285750" indent="-285750">
+              <a:buFont typeface="Arial" pitchFamily="34" charset="0"/>
+              <a:buChar char="•"/>
+            </a:pPr>
+            <a:r>
+              <a:rPr lang="en-US" dirty="0" smtClean="0"/>
+              <a:t>Previous work extended the ideal point model from political science.</a:t>
+            </a:r>
+            <a:endParaRPr lang="en-US" dirty="0" smtClean="0"/>
           </a:p>
         </p:txBody>
       </p:sp>
@@ -16961,16 +16982,30 @@
         <p:spPr>
           <a:xfrm>
             <a:off x="8690374" y="3997645"/>
-            <a:ext cx="7536656" cy="12628456"/>
+            <a:ext cx="7536656" cy="11908259"/>
           </a:xfrm>
         </p:spPr>
         <p:txBody>
           <a:bodyPr/>
           <a:lstStyle/>
           <a:p>
-            <a:r>
-              <a:rPr lang="en-US" dirty="0" smtClean="0"/>
-              <a:t>We took congressional voting data from the website </a:t>
+            <a:pPr marL="285750" indent="-285750">
+              <a:buFont typeface="Arial" pitchFamily="34" charset="0"/>
+              <a:buChar char="•"/>
+            </a:pPr>
+            <a:r>
+              <a:rPr lang="en-US" dirty="0" smtClean="0"/>
+              <a:t>Limited scope to House of Representatives</a:t>
+            </a:r>
+          </a:p>
+          <a:p>
+            <a:pPr marL="285750" indent="-285750">
+              <a:buFont typeface="Arial" pitchFamily="34" charset="0"/>
+              <a:buChar char="•"/>
+            </a:pPr>
+            <a:r>
+              <a:rPr lang="en-US" dirty="0" smtClean="0"/>
+              <a:t>Data was taken from </a:t>
             </a:r>
             <a:r>
               <a:rPr lang="en-US" dirty="0" smtClean="0">
@@ -16978,125 +17013,342 @@
               </a:rPr>
               <a:t>www.govtrack.us</a:t>
             </a:r>
-            <a:r>
-              <a:rPr lang="en-US" dirty="0" smtClean="0"/>
-              <a:t>, using their API to access their database of votes, bills and representatives. We chose to only work with the members of the House of Representatives as there were more members and typically more bills are presented to the House, giving us more data to work with than  the Senate would provide. Depending on how long a representative has been a member of the House there are about 200 to 4,000 data points (votes on bills). We limited our data to only bills that were being voted on for passage, rather than  also including votes on amendments to bills.</a:t>
-            </a:r>
-          </a:p>
-          <a:p>
-            <a:endParaRPr lang="en-US" dirty="0"/>
-          </a:p>
-          <a:p>
-            <a:r>
-              <a:rPr lang="en-US" dirty="0" smtClean="0"/>
-              <a:t>With this data we were looking to predict votes using a separate support vector machine for each representative. For each candidate a bill would be an example. From the fields provided to us by govtrack.us we selected a feature set to test with. Further we pulled official bill summaries from </a:t>
+            <a:endParaRPr lang="en-US" dirty="0"/>
+          </a:p>
+          <a:p>
+            <a:pPr marL="285750" indent="-285750">
+              <a:buFont typeface="Arial" pitchFamily="34" charset="0"/>
+              <a:buChar char="•"/>
+            </a:pPr>
+            <a:r>
+              <a:rPr lang="en-US" dirty="0" smtClean="0"/>
+              <a:t>Pulled all current members of the House of Representatives</a:t>
+            </a:r>
+          </a:p>
+          <a:p>
+            <a:pPr marL="285750" indent="-285750">
+              <a:buFont typeface="Arial" pitchFamily="34" charset="0"/>
+              <a:buChar char="•"/>
+            </a:pPr>
+            <a:r>
+              <a:rPr lang="en-US" dirty="0" smtClean="0"/>
+              <a:t>Pulled all votes made by each current member (200-3,500)</a:t>
+            </a:r>
+          </a:p>
+          <a:p>
+            <a:pPr marL="285750" indent="-285750">
+              <a:buFont typeface="Arial" pitchFamily="34" charset="0"/>
+              <a:buChar char="•"/>
+            </a:pPr>
+            <a:r>
+              <a:rPr lang="en-US" dirty="0" smtClean="0"/>
+              <a:t>Pulled information for each bill</a:t>
+            </a:r>
+          </a:p>
+          <a:p>
+            <a:pPr marL="285750" indent="-285750">
+              <a:buFont typeface="Arial" pitchFamily="34" charset="0"/>
+              <a:buChar char="•"/>
+            </a:pPr>
+            <a:endParaRPr lang="en-US" dirty="0"/>
+          </a:p>
+          <a:p>
+            <a:pPr marL="285750" indent="-285750">
+              <a:buFont typeface="Arial" pitchFamily="34" charset="0"/>
+              <a:buChar char="•"/>
+            </a:pPr>
+            <a:r>
+              <a:rPr lang="en-US" dirty="0" smtClean="0"/>
+              <a:t>Each representative </a:t>
             </a:r>
             <a:r>
               <a:rPr lang="en-US" dirty="0" err="1" smtClean="0"/>
-              <a:t>govtrack’s</a:t>
-            </a:r>
-            <a:r>
-              <a:rPr lang="en-US" dirty="0" smtClean="0"/>
-              <a:t> website by parsing html and ran a bag of words to generate  a feature set of words that appear in </a:t>
-            </a:r>
-            <a:r>
-              <a:rPr lang="en-US" dirty="0" smtClean="0"/>
-              <a:t>bills. The bag of words feature set was then added to the existing feature set.</a:t>
+              <a:t>wsa</a:t>
+            </a:r>
+            <a:r>
+              <a:rPr lang="en-US" dirty="0" smtClean="0"/>
+              <a:t> an individual prediction task</a:t>
+            </a:r>
+          </a:p>
+          <a:p>
+            <a:pPr marL="285750" indent="-285750">
+              <a:buFont typeface="Arial" pitchFamily="34" charset="0"/>
+              <a:buChar char="•"/>
+            </a:pPr>
+            <a:r>
+              <a:rPr lang="en-US" dirty="0" smtClean="0"/>
+              <a:t>One SVM per representative</a:t>
+            </a:r>
+          </a:p>
+          <a:p>
+            <a:pPr marL="285750" indent="-285750">
+              <a:buFont typeface="Arial" pitchFamily="34" charset="0"/>
+              <a:buChar char="•"/>
+            </a:pPr>
+            <a:r>
+              <a:rPr lang="en-US" dirty="0" smtClean="0"/>
+              <a:t>Each SVM</a:t>
+            </a:r>
+            <a:r>
+              <a:rPr lang="en-US" dirty="0" smtClean="0"/>
+              <a:t> trained and tested on it’s representative votes</a:t>
+            </a:r>
+          </a:p>
+          <a:p>
+            <a:endParaRPr lang="en-US" dirty="0"/>
+          </a:p>
+          <a:p>
+            <a:pPr marL="285750" indent="-285750">
+              <a:buFont typeface="Arial" pitchFamily="34" charset="0"/>
+              <a:buChar char="•"/>
+            </a:pPr>
+            <a:r>
+              <a:rPr lang="en-US" dirty="0" smtClean="0"/>
+              <a:t>Features of SVM:</a:t>
+            </a:r>
+          </a:p>
+          <a:p>
+            <a:pPr marL="1346926" lvl="1" indent="-285750">
+              <a:buFont typeface="Arial" pitchFamily="34" charset="0"/>
+              <a:buChar char="•"/>
+            </a:pPr>
+            <a:r>
+              <a:rPr lang="en-US" dirty="0" smtClean="0"/>
+              <a:t>Party of bill </a:t>
+            </a:r>
+            <a:r>
+              <a:rPr lang="en-US" dirty="0"/>
+              <a:t>s</a:t>
+            </a:r>
+            <a:r>
+              <a:rPr lang="en-US" dirty="0" smtClean="0"/>
+              <a:t>ponsor</a:t>
+            </a:r>
+          </a:p>
+          <a:p>
+            <a:pPr marL="1346926" lvl="1" indent="-285750">
+              <a:buFont typeface="Arial" pitchFamily="34" charset="0"/>
+              <a:buChar char="•"/>
+            </a:pPr>
+            <a:r>
+              <a:rPr lang="en-US" dirty="0" smtClean="0"/>
+              <a:t>Name of bill sponsor</a:t>
+            </a:r>
+          </a:p>
+          <a:p>
+            <a:pPr marL="1346926" lvl="1" indent="-285750">
+              <a:buFont typeface="Arial" pitchFamily="34" charset="0"/>
+              <a:buChar char="•"/>
+            </a:pPr>
+            <a:r>
+              <a:rPr lang="en-US" dirty="0" smtClean="0"/>
+              <a:t>District of bill sponsor</a:t>
+            </a:r>
+          </a:p>
+          <a:p>
+            <a:pPr marL="1346926" lvl="1" indent="-285750">
+              <a:buFont typeface="Arial" pitchFamily="34" charset="0"/>
+              <a:buChar char="•"/>
+            </a:pPr>
+            <a:r>
+              <a:rPr lang="en-US" dirty="0" smtClean="0"/>
+              <a:t>Gender of bill sponsor</a:t>
+            </a:r>
+          </a:p>
+          <a:p>
+            <a:pPr marL="1346926" lvl="1" indent="-285750">
+              <a:buFont typeface="Arial" pitchFamily="34" charset="0"/>
+              <a:buChar char="•"/>
+            </a:pPr>
+            <a:r>
+              <a:rPr lang="en-US" dirty="0" smtClean="0"/>
+              <a:t>Date bill sponsor joined House of Representatives</a:t>
+            </a:r>
+          </a:p>
+          <a:p>
+            <a:pPr marL="1346926" lvl="1" indent="-285750">
+              <a:buFont typeface="Arial" pitchFamily="34" charset="0"/>
+              <a:buChar char="•"/>
+            </a:pPr>
+            <a:r>
+              <a:rPr lang="en-US" dirty="0" smtClean="0"/>
+              <a:t>Whether bill sponsor has Twitter</a:t>
+            </a:r>
+          </a:p>
+          <a:p>
+            <a:pPr marL="1346926" lvl="1" indent="-285750">
+              <a:buFont typeface="Arial" pitchFamily="34" charset="0"/>
+              <a:buChar char="•"/>
+            </a:pPr>
+            <a:r>
+              <a:rPr lang="en-US" dirty="0" smtClean="0"/>
+              <a:t>Whether bill sponsor has a website</a:t>
+            </a:r>
+          </a:p>
+          <a:p>
+            <a:pPr marL="1346926" lvl="1" indent="-285750">
+              <a:buFont typeface="Arial" pitchFamily="34" charset="0"/>
+              <a:buChar char="•"/>
+            </a:pPr>
+            <a:r>
+              <a:rPr lang="en-US" dirty="0" smtClean="0"/>
+              <a:t>Whether sponsor has a nickname</a:t>
             </a:r>
             <a:endParaRPr lang="en-US" dirty="0" smtClean="0"/>
           </a:p>
           <a:p>
-            <a:endParaRPr lang="en-US" dirty="0"/>
-          </a:p>
-          <a:p>
-            <a:r>
-              <a:rPr lang="en-US" dirty="0" smtClean="0"/>
-              <a:t>Features:</a:t>
-            </a:r>
-            <a:endParaRPr lang="en-US" dirty="0"/>
-          </a:p>
-          <a:p>
-            <a:r>
-              <a:rPr lang="en-US" dirty="0" smtClean="0"/>
-              <a:t>Bill Introduce Date – Date the bill was introduced</a:t>
-            </a:r>
-          </a:p>
-          <a:p>
-            <a:r>
-              <a:rPr lang="en-US" dirty="0" smtClean="0"/>
-              <a:t>Bill Summary – Bag of words feature vector</a:t>
-            </a:r>
-          </a:p>
-          <a:p>
-            <a:r>
-              <a:rPr lang="en-US" dirty="0" smtClean="0"/>
-              <a:t>Bill Length  - Length a bill lasts before it is voted on</a:t>
-            </a:r>
-          </a:p>
-          <a:p>
-            <a:r>
-              <a:rPr lang="en-US" dirty="0" smtClean="0"/>
-              <a:t>Bill Vote Year – Year it was voted on</a:t>
-            </a:r>
-          </a:p>
-          <a:p>
-            <a:r>
-              <a:rPr lang="en-US" dirty="0" smtClean="0"/>
-              <a:t>Sponsor Party – representatives may have party bias</a:t>
-            </a:r>
-          </a:p>
-          <a:p>
-            <a:r>
-              <a:rPr lang="en-US" dirty="0" smtClean="0"/>
-              <a:t>Sponsor Name – representatives may favor certain sponsors</a:t>
-            </a:r>
-          </a:p>
-          <a:p>
-            <a:r>
-              <a:rPr lang="en-US" dirty="0" smtClean="0"/>
-              <a:t>Sponsor District – representatives may favor certain districts</a:t>
-            </a:r>
-          </a:p>
-          <a:p>
-            <a:r>
-              <a:rPr lang="en-US" dirty="0" smtClean="0"/>
-              <a:t>Sponsor Gender – representatives may have a gender bias</a:t>
-            </a:r>
-          </a:p>
-          <a:p>
-            <a:r>
-              <a:rPr lang="en-US" dirty="0" smtClean="0"/>
-              <a:t>Sponsor Begin Date – When the sponsor started as a rep.</a:t>
-            </a:r>
-          </a:p>
-          <a:p>
-            <a:r>
-              <a:rPr lang="en-US" dirty="0" smtClean="0"/>
-              <a:t>Sponsor Has Twitter – whether a </a:t>
-            </a:r>
-            <a:r>
-              <a:rPr lang="en-US" dirty="0"/>
-              <a:t>T</a:t>
-            </a:r>
-            <a:r>
-              <a:rPr lang="en-US" dirty="0" smtClean="0"/>
-              <a:t>witter account is listed for the rep</a:t>
-            </a:r>
-          </a:p>
-          <a:p>
-            <a:r>
-              <a:rPr lang="en-US" dirty="0" smtClean="0"/>
-              <a:t>Sponsor Has Website – whether a website is listed for the rep.</a:t>
-            </a:r>
-          </a:p>
-          <a:p>
-            <a:endParaRPr lang="en-US" dirty="0"/>
-          </a:p>
-          <a:p>
-            <a:r>
-              <a:rPr lang="en-US" dirty="0" smtClean="0"/>
-              <a:t>For each  representative we adjusted the parameters of the Support Vector Machine (C, gamma, kernel) by splitting our data set randomly into training and test sets and then maximizing the test accuracy for that representative. Further to compare the success of our learning algorithm we compared our support vector machines to a baseline test. The baseline test was to predict that a representative would vote for passage only if the sponsor was of the same party as the representative. </a:t>
-            </a:r>
+            <a:pPr marL="1346926" lvl="1" indent="-285750">
+              <a:buFont typeface="Arial" pitchFamily="34" charset="0"/>
+              <a:buChar char="•"/>
+            </a:pPr>
+            <a:r>
+              <a:rPr lang="en-US" dirty="0" smtClean="0"/>
+              <a:t>Length of time bill has been alive</a:t>
+            </a:r>
+          </a:p>
+          <a:p>
+            <a:pPr marL="1346926" lvl="1" indent="-285750">
+              <a:buFont typeface="Arial" pitchFamily="34" charset="0"/>
+              <a:buChar char="•"/>
+            </a:pPr>
+            <a:r>
+              <a:rPr lang="en-US" dirty="0" smtClean="0"/>
+              <a:t>Congressional Session</a:t>
+            </a:r>
+          </a:p>
+          <a:p>
+            <a:pPr marL="1346926" lvl="1" indent="-285750">
+              <a:buFont typeface="Arial" pitchFamily="34" charset="0"/>
+              <a:buChar char="•"/>
+            </a:pPr>
+            <a:r>
+              <a:rPr lang="en-US" dirty="0" smtClean="0"/>
+              <a:t>Year the bill was introduced</a:t>
+            </a:r>
+          </a:p>
+          <a:p>
+            <a:pPr marL="1346926" lvl="1" indent="-285750">
+              <a:buFont typeface="Arial" pitchFamily="34" charset="0"/>
+              <a:buChar char="•"/>
+            </a:pPr>
+            <a:r>
+              <a:rPr lang="en-US" dirty="0" smtClean="0"/>
+              <a:t>Day the bill was voted on</a:t>
+            </a:r>
+          </a:p>
+          <a:p>
+            <a:pPr marL="1346926" lvl="1" indent="-285750">
+              <a:buFont typeface="Arial" pitchFamily="34" charset="0"/>
+              <a:buChar char="•"/>
+            </a:pPr>
+            <a:r>
+              <a:rPr lang="en-US" dirty="0" smtClean="0"/>
+              <a:t>Month the bill was voted on</a:t>
+            </a:r>
+            <a:endParaRPr lang="en-US" dirty="0" smtClean="0"/>
+          </a:p>
+          <a:p>
+            <a:pPr marL="1346926" lvl="1" indent="-285750">
+              <a:buFont typeface="Arial" pitchFamily="34" charset="0"/>
+              <a:buChar char="•"/>
+            </a:pPr>
+            <a:r>
+              <a:rPr lang="en-US" dirty="0" smtClean="0"/>
+              <a:t>Year the bill was voted on</a:t>
+            </a:r>
+          </a:p>
+          <a:p>
+            <a:pPr marL="1346926" lvl="1" indent="-285750">
+              <a:buFont typeface="Arial" pitchFamily="34" charset="0"/>
+              <a:buChar char="•"/>
+            </a:pPr>
+            <a:r>
+              <a:rPr lang="en-US" dirty="0" smtClean="0"/>
+              <a:t>Year the bill was voted on mod 2</a:t>
+            </a:r>
+          </a:p>
+          <a:p>
+            <a:pPr marL="1346926" lvl="1" indent="-285750">
+              <a:buFont typeface="Arial" pitchFamily="34" charset="0"/>
+              <a:buChar char="•"/>
+            </a:pPr>
+            <a:r>
+              <a:rPr lang="en-US" dirty="0" smtClean="0"/>
+              <a:t>Year the bill was voted on mod 4</a:t>
+            </a:r>
+          </a:p>
+          <a:p>
+            <a:pPr marL="1346926" lvl="1" indent="-285750">
+              <a:buFont typeface="Arial" pitchFamily="34" charset="0"/>
+              <a:buChar char="•"/>
+            </a:pPr>
+            <a:r>
+              <a:rPr lang="en-US" dirty="0" smtClean="0"/>
+              <a:t>Year the bill was voted on mod 6</a:t>
+            </a:r>
+          </a:p>
+          <a:p>
+            <a:pPr marL="285750" indent="-285750">
+              <a:buFont typeface="Arial" pitchFamily="34" charset="0"/>
+              <a:buChar char="•"/>
+            </a:pPr>
+            <a:endParaRPr lang="en-US" dirty="0"/>
+          </a:p>
+          <a:p>
+            <a:pPr marL="285750" indent="-285750">
+              <a:buFont typeface="Arial" pitchFamily="34" charset="0"/>
+              <a:buChar char="•"/>
+            </a:pPr>
+            <a:r>
+              <a:rPr lang="en-US" dirty="0" smtClean="0"/>
+              <a:t>Optimized each SVM from XXXXXXXXXXXXXX options.</a:t>
+            </a:r>
+          </a:p>
+          <a:p>
+            <a:pPr marL="285750" indent="-285750">
+              <a:buFont typeface="Arial" pitchFamily="34" charset="0"/>
+              <a:buChar char="•"/>
+            </a:pPr>
+            <a:r>
+              <a:rPr lang="en-US" dirty="0" smtClean="0"/>
+              <a:t>Compared each SVM against the baseline hypothesis.</a:t>
+            </a:r>
+          </a:p>
+          <a:p>
+            <a:pPr marL="285750" indent="-285750">
+              <a:buFont typeface="Arial" pitchFamily="34" charset="0"/>
+              <a:buChar char="•"/>
+            </a:pPr>
+            <a:r>
+              <a:rPr lang="en-US" dirty="0" smtClean="0"/>
+              <a:t>Baseline Hypothesis: representative will vote along party lines</a:t>
+            </a:r>
+          </a:p>
+          <a:p>
+            <a:pPr marL="1346926" lvl="1" indent="-285750">
+              <a:buFont typeface="Arial" pitchFamily="34" charset="0"/>
+              <a:buChar char="•"/>
+            </a:pPr>
+            <a:r>
+              <a:rPr lang="en-US" dirty="0" smtClean="0"/>
+              <a:t>Vote yes (1) if party of rep = party of sponsor</a:t>
+            </a:r>
+          </a:p>
+          <a:p>
+            <a:pPr marL="1346926" lvl="1" indent="-285750">
+              <a:buFont typeface="Arial" pitchFamily="34" charset="0"/>
+              <a:buChar char="•"/>
+            </a:pPr>
+            <a:r>
+              <a:rPr lang="en-US" dirty="0" smtClean="0"/>
+              <a:t>Vote no (0) otherwise</a:t>
+            </a:r>
+          </a:p>
+          <a:p>
+            <a:pPr marL="285750" indent="-285750">
+              <a:buFont typeface="Arial" pitchFamily="34" charset="0"/>
+              <a:buChar char="•"/>
+            </a:pPr>
             <a:endParaRPr lang="en-US" dirty="0"/>
           </a:p>
         </p:txBody>
@@ -17212,11 +17464,42 @@
             <p:ph type="body" sz="quarter" idx="26"/>
           </p:nvPr>
         </p:nvSpPr>
-        <p:spPr/>
+        <p:spPr>
+          <a:xfrm>
+            <a:off x="24694957" y="3997645"/>
+            <a:ext cx="7535264" cy="1216101"/>
+          </a:xfrm>
+        </p:spPr>
         <p:txBody>
           <a:bodyPr/>
           <a:lstStyle/>
           <a:p>
+            <a:pPr marL="285750" indent="-285750">
+              <a:buFont typeface="Arial" pitchFamily="34" charset="0"/>
+              <a:buChar char="•"/>
+            </a:pPr>
+            <a:r>
+              <a:rPr lang="en-US" dirty="0" smtClean="0"/>
+              <a:t>Run </a:t>
+            </a:r>
+            <a:r>
+              <a:rPr lang="en-US" dirty="0" err="1" smtClean="0"/>
+              <a:t>McNemar’s</a:t>
+            </a:r>
+            <a:r>
+              <a:rPr lang="en-US" dirty="0" smtClean="0"/>
+              <a:t> test on each representative’s optimized SVM against the baseline for </a:t>
+            </a:r>
+            <a:r>
+              <a:rPr lang="en-US" smtClean="0"/>
+              <a:t>each representative</a:t>
+            </a:r>
+          </a:p>
+          <a:p>
+            <a:pPr marL="285750" indent="-285750">
+              <a:buFont typeface="Arial" pitchFamily="34" charset="0"/>
+              <a:buChar char="•"/>
+            </a:pPr>
             <a:endParaRPr lang="en-US"/>
           </a:p>
         </p:txBody>
@@ -17382,7 +17665,7 @@
         <p:spPr>
           <a:xfrm>
             <a:off x="678141" y="9967702"/>
-            <a:ext cx="7542610" cy="4817087"/>
+            <a:ext cx="7542610" cy="2767295"/>
           </a:xfrm>
         </p:spPr>
         <p:txBody>
@@ -17391,16 +17674,11 @@
           <a:p>
             <a:r>
               <a:rPr lang="en-US" dirty="0" smtClean="0"/>
-              <a:t>The goal of this project was, in general, to predict the vote of each member of the United States House of Representatives on a bill, by using their voting history on previous bills. From these bills we wanted to pull features such as sponsor, summary text, sponsor party, etc. and use these as features in a support vector machine. Specifically we asked the questions:</a:t>
-            </a:r>
-          </a:p>
-          <a:p>
-            <a:endParaRPr lang="en-US" dirty="0"/>
-          </a:p>
-          <a:p>
-            <a:r>
-              <a:rPr lang="en-US" dirty="0" smtClean="0"/>
-              <a:t>Can we predict with high accuracy (above a baseline prediction) how a representative will vote on a given item in Congress?</a:t>
+              <a:t>Can </a:t>
+            </a:r>
+            <a:r>
+              <a:rPr lang="en-US" dirty="0" smtClean="0"/>
+              <a:t>we predict with high accuracy (above a baseline prediction) how a representative will vote on a given item in Congress?</a:t>
             </a:r>
           </a:p>
           <a:p>
@@ -17418,7 +17696,11 @@
           <a:p>
             <a:r>
               <a:rPr lang="en-US" dirty="0" smtClean="0"/>
-              <a:t>Can we predict the number of votes a bill will receive in Congress by individually predicting each congressman?</a:t>
+              <a:t>Can we predict </a:t>
+            </a:r>
+            <a:r>
+              <a:rPr lang="en-US" dirty="0" smtClean="0"/>
+              <a:t>whether a bill will pass using individual representatives’ predictions?</a:t>
             </a:r>
             <a:endParaRPr lang="en-US" dirty="0"/>
           </a:p>
@@ -17625,7 +17907,7 @@
           <a:lstStyle/>
           <a:p>
             <a:r>
-              <a:rPr lang="en-US" smtClean="0"/>
+              <a:rPr lang="en-US" dirty="0" smtClean="0"/>
               <a:t>PUT A GRAPHIC IN THIS COLUMN</a:t>
             </a:r>
             <a:endParaRPr lang="en-US" dirty="0"/>

--- a/Poster/Poster.pptx
+++ b/Poster/Poster.pptx
@@ -16919,7 +16919,6 @@
               <a:rPr lang="en-US" dirty="0" smtClean="0"/>
               <a:t>Previous work extended the ideal point model from political science.</a:t>
             </a:r>
-            <a:endParaRPr lang="en-US" dirty="0" smtClean="0"/>
           </a:p>
         </p:txBody>
       </p:sp>
@@ -17087,11 +17086,7 @@
             </a:pPr>
             <a:r>
               <a:rPr lang="en-US" dirty="0" smtClean="0"/>
-              <a:t>Each SVM</a:t>
-            </a:r>
-            <a:r>
-              <a:rPr lang="en-US" dirty="0" smtClean="0"/>
-              <a:t> trained and tested on it’s representative votes</a:t>
+              <a:t>Each SVM trained and tested on it’s representative votes</a:t>
             </a:r>
           </a:p>
           <a:p>
@@ -17194,7 +17189,6 @@
               <a:rPr lang="en-US" dirty="0" smtClean="0"/>
               <a:t>Whether sponsor has a nickname</a:t>
             </a:r>
-            <a:endParaRPr lang="en-US" dirty="0" smtClean="0"/>
           </a:p>
           <a:p>
             <a:pPr marL="1346926" lvl="1" indent="-285750">
@@ -17245,7 +17239,6 @@
               <a:rPr lang="en-US" dirty="0" smtClean="0"/>
               <a:t>Month the bill was voted on</a:t>
             </a:r>
-            <a:endParaRPr lang="en-US" dirty="0" smtClean="0"/>
           </a:p>
           <a:p>
             <a:pPr marL="1346926" lvl="1" indent="-285750">
@@ -17402,7 +17395,11 @@
           <a:p>
             <a:r>
               <a:rPr lang="en-US" dirty="0" smtClean="0"/>
-              <a:t>Results + Statistical Analysis + Graphs go in this column.</a:t>
+              <a:t>List of best SVMs. </a:t>
+            </a:r>
+            <a:r>
+              <a:rPr lang="en-US" dirty="0" smtClean="0"/>
+              <a:t>Graph of compared accuracies. Average accuracies</a:t>
             </a:r>
             <a:endParaRPr lang="en-US" dirty="0"/>
           </a:p>
@@ -17467,7 +17464,7 @@
         <p:spPr>
           <a:xfrm>
             <a:off x="24694957" y="3997645"/>
-            <a:ext cx="7535264" cy="1216101"/>
+            <a:ext cx="7535264" cy="1548500"/>
           </a:xfrm>
         </p:spPr>
         <p:txBody>
@@ -17488,11 +17485,11 @@
             </a:r>
             <a:r>
               <a:rPr lang="en-US" dirty="0" smtClean="0"/>
-              <a:t> test on each representative’s optimized SVM against the baseline for </a:t>
-            </a:r>
-            <a:r>
-              <a:rPr lang="en-US" smtClean="0"/>
-              <a:t>each representative</a:t>
+              <a:t> test on each representative’s optimized SVM against the baseline for each </a:t>
+            </a:r>
+            <a:r>
+              <a:rPr lang="en-US" dirty="0" smtClean="0"/>
+              <a:t>representative.</a:t>
             </a:r>
           </a:p>
           <a:p>
@@ -17500,7 +17497,18 @@
               <a:buFont typeface="Arial" pitchFamily="34" charset="0"/>
               <a:buChar char="•"/>
             </a:pPr>
-            <a:endParaRPr lang="en-US"/>
+            <a:r>
+              <a:rPr lang="en-US" dirty="0" smtClean="0"/>
+              <a:t>Consider bill summary and bill category as further features. </a:t>
+            </a:r>
+            <a:endParaRPr lang="en-US" dirty="0" smtClean="0"/>
+          </a:p>
+          <a:p>
+            <a:pPr marL="285750" indent="-285750">
+              <a:buFont typeface="Arial" pitchFamily="34" charset="0"/>
+              <a:buChar char="•"/>
+            </a:pPr>
+            <a:endParaRPr lang="en-US" dirty="0"/>
           </a:p>
         </p:txBody>
       </p:sp>
@@ -17674,11 +17682,7 @@
           <a:p>
             <a:r>
               <a:rPr lang="en-US" dirty="0" smtClean="0"/>
-              <a:t>Can </a:t>
-            </a:r>
-            <a:r>
-              <a:rPr lang="en-US" dirty="0" smtClean="0"/>
-              <a:t>we predict with high accuracy (above a baseline prediction) how a representative will vote on a given item in Congress?</a:t>
+              <a:t>Can we predict with high accuracy (above a baseline prediction) how a representative will vote on a given item in Congress?</a:t>
             </a:r>
           </a:p>
           <a:p>
@@ -17696,11 +17700,7 @@
           <a:p>
             <a:r>
               <a:rPr lang="en-US" dirty="0" smtClean="0"/>
-              <a:t>Can we predict </a:t>
-            </a:r>
-            <a:r>
-              <a:rPr lang="en-US" dirty="0" smtClean="0"/>
-              <a:t>whether a bill will pass using individual representatives’ predictions?</a:t>
+              <a:t>Can we predict whether a bill will pass using individual representatives’ predictions?</a:t>
             </a:r>
             <a:endParaRPr lang="en-US" dirty="0"/>
           </a:p>

--- a/Poster/Poster.pptx
+++ b/Poster/Poster.pptx
@@ -204,7 +204,7 @@
             <a:fld id="{E6CC2317-6751-4CD4-9995-8782DD78E936}" type="datetimeFigureOut">
               <a:rPr lang="en-US" smtClean="0"/>
               <a:pPr/>
-              <a:t>11/27/2012</a:t>
+              <a:t>11/28/2012</a:t>
             </a:fld>
             <a:endParaRPr lang="en-US" dirty="0"/>
           </a:p>
@@ -9611,21 +9611,19 @@
       <p:bgPr>
         <a:gradFill flip="none" rotWithShape="1">
           <a:gsLst>
-            <a:gs pos="0">
-              <a:schemeClr val="accent5">
-                <a:lumMod val="50000"/>
+            <a:gs pos="15000">
+              <a:schemeClr val="tx1">
+                <a:lumMod val="85000"/>
+                <a:lumOff val="15000"/>
               </a:schemeClr>
             </a:gs>
             <a:gs pos="50000">
-              <a:schemeClr val="accent5">
-                <a:lumMod val="60000"/>
-                <a:lumOff val="40000"/>
-              </a:schemeClr>
+              <a:srgbClr val="C00000"/>
             </a:gs>
-            <a:gs pos="100000">
-              <a:schemeClr val="accent5">
-                <a:lumMod val="20000"/>
-                <a:lumOff val="80000"/>
+            <a:gs pos="85000">
+              <a:schemeClr val="tx1">
+                <a:lumMod val="85000"/>
+                <a:lumOff val="15000"/>
               </a:schemeClr>
             </a:gs>
           </a:gsLst>
@@ -12061,21 +12059,19 @@
       <p:bgPr>
         <a:gradFill flip="none" rotWithShape="1">
           <a:gsLst>
-            <a:gs pos="0">
-              <a:schemeClr val="accent5">
-                <a:lumMod val="50000"/>
+            <a:gs pos="15000">
+              <a:schemeClr val="tx1">
+                <a:lumMod val="85000"/>
+                <a:lumOff val="15000"/>
               </a:schemeClr>
             </a:gs>
             <a:gs pos="50000">
-              <a:schemeClr val="accent5">
-                <a:lumMod val="60000"/>
-                <a:lumOff val="40000"/>
-              </a:schemeClr>
+              <a:srgbClr val="C00000"/>
             </a:gs>
-            <a:gs pos="100000">
-              <a:schemeClr val="accent5">
-                <a:lumMod val="20000"/>
-                <a:lumOff val="80000"/>
+            <a:gs pos="85000">
+              <a:schemeClr val="tx1">
+                <a:lumMod val="85000"/>
+                <a:lumOff val="15000"/>
               </a:schemeClr>
             </a:gs>
           </a:gsLst>
@@ -14451,21 +14447,19 @@
       <p:bgPr>
         <a:gradFill flip="none" rotWithShape="1">
           <a:gsLst>
-            <a:gs pos="0">
-              <a:schemeClr val="accent5">
-                <a:lumMod val="50000"/>
+            <a:gs pos="15000">
+              <a:schemeClr val="tx1">
+                <a:lumMod val="85000"/>
+                <a:lumOff val="15000"/>
               </a:schemeClr>
             </a:gs>
             <a:gs pos="50000">
-              <a:schemeClr val="accent5">
-                <a:lumMod val="60000"/>
-                <a:lumOff val="40000"/>
-              </a:schemeClr>
+              <a:srgbClr val="C00000"/>
             </a:gs>
-            <a:gs pos="100000">
-              <a:schemeClr val="accent5">
-                <a:lumMod val="20000"/>
-                <a:lumOff val="80000"/>
+            <a:gs pos="85000">
+              <a:schemeClr val="tx1">
+                <a:lumMod val="85000"/>
+                <a:lumOff val="15000"/>
               </a:schemeClr>
             </a:gs>
           </a:gsLst>
@@ -16821,6 +16815,32 @@
 <file path=ppt/slides/slide1.xml><?xml version="1.0" encoding="utf-8"?>
 <p:sld xmlns:a="http://schemas.openxmlformats.org/drawingml/2006/main" xmlns:r="http://schemas.openxmlformats.org/officeDocument/2006/relationships" xmlns:p="http://schemas.openxmlformats.org/presentationml/2006/main">
   <p:cSld>
+    <p:bg>
+      <p:bgPr>
+        <a:gradFill flip="none" rotWithShape="1">
+          <a:gsLst>
+            <a:gs pos="15000">
+              <a:schemeClr val="tx1">
+                <a:lumMod val="85000"/>
+                <a:lumOff val="15000"/>
+              </a:schemeClr>
+            </a:gs>
+            <a:gs pos="50000">
+              <a:srgbClr val="8E0000"/>
+            </a:gs>
+            <a:gs pos="85000">
+              <a:schemeClr val="tx1">
+                <a:lumMod val="85000"/>
+                <a:lumOff val="15000"/>
+              </a:schemeClr>
+            </a:gs>
+          </a:gsLst>
+          <a:lin ang="16200000" scaled="1"/>
+          <a:tileRect/>
+        </a:gradFill>
+        <a:effectLst/>
+      </p:bgPr>
+    </p:bg>
     <p:spTree>
       <p:nvGrpSpPr>
         <p:cNvPr id="1" name=""/>
@@ -16848,7 +16868,7 @@
         <p:spPr>
           <a:xfrm>
             <a:off x="678141" y="3997645"/>
-            <a:ext cx="7542610" cy="3044294"/>
+            <a:ext cx="7542610" cy="3376693"/>
           </a:xfrm>
         </p:spPr>
         <p:txBody>
@@ -16860,7 +16880,11 @@
               <a:buChar char="•"/>
             </a:pPr>
             <a:r>
-              <a:rPr lang="en-US" dirty="0" smtClean="0"/>
+              <a:rPr lang="en-US" dirty="0" smtClean="0">
+                <a:solidFill>
+                  <a:schemeClr val="tx1"/>
+                </a:solidFill>
+              </a:rPr>
               <a:t>Bills passed by Congress may have huge effects on corporations and citizens.</a:t>
             </a:r>
           </a:p>
@@ -16870,7 +16894,11 @@
               <a:buChar char="•"/>
             </a:pPr>
             <a:r>
-              <a:rPr lang="en-US" dirty="0" smtClean="0"/>
+              <a:rPr lang="en-US" dirty="0" smtClean="0">
+                <a:solidFill>
+                  <a:schemeClr val="tx1"/>
+                </a:solidFill>
+              </a:rPr>
               <a:t>Being able to predict outcome of votes could give corporations and citizens advanced warning.</a:t>
             </a:r>
           </a:p>
@@ -16880,8 +16908,20 @@
               <a:buChar char="•"/>
             </a:pPr>
             <a:r>
-              <a:rPr lang="en-US" dirty="0" smtClean="0"/>
-              <a:t>Representative vote prediction could give insight into representatives’ actual beliefs and platforms.</a:t>
+              <a:rPr lang="en-US" dirty="0" smtClean="0">
+                <a:solidFill>
+                  <a:schemeClr val="tx1"/>
+                </a:solidFill>
+              </a:rPr>
+              <a:t>Representative vote prediction could give insight into representatives’ actual beliefs and platforms</a:t>
+            </a:r>
+            <a:r>
+              <a:rPr lang="en-US" dirty="0" smtClean="0">
+                <a:solidFill>
+                  <a:schemeClr val="tx1"/>
+                </a:solidFill>
+              </a:rPr>
+              <a:t>.</a:t>
             </a:r>
           </a:p>
           <a:p>
@@ -16890,25 +16930,18 @@
               <a:buChar char="•"/>
             </a:pPr>
             <a:r>
-              <a:rPr lang="en-US" dirty="0" smtClean="0"/>
-              <a:t>Previous work by </a:t>
-            </a:r>
-            <a:r>
-              <a:rPr lang="en-US" dirty="0" err="1" smtClean="0"/>
-              <a:t>Gerrish</a:t>
-            </a:r>
-            <a:r>
-              <a:rPr lang="en-US" dirty="0" smtClean="0"/>
-              <a:t> and </a:t>
-            </a:r>
-            <a:r>
-              <a:rPr lang="en-US" dirty="0" err="1" smtClean="0"/>
-              <a:t>Blei</a:t>
-            </a:r>
-            <a:r>
-              <a:rPr lang="en-US" dirty="0" smtClean="0"/>
-              <a:t> focused upon bill text.</a:t>
-            </a:r>
+              <a:rPr lang="en-US" dirty="0" smtClean="0">
+                <a:solidFill>
+                  <a:schemeClr val="tx1"/>
+                </a:solidFill>
+              </a:rPr>
+              <a:t>It’s cool to predict political actions.</a:t>
+            </a:r>
+            <a:endParaRPr lang="en-US" dirty="0" smtClean="0">
+              <a:solidFill>
+                <a:schemeClr val="tx1"/>
+              </a:solidFill>
+            </a:endParaRPr>
           </a:p>
           <a:p>
             <a:pPr marL="285750" indent="-285750">
@@ -16916,103 +16949,148 @@
               <a:buChar char="•"/>
             </a:pPr>
             <a:r>
-              <a:rPr lang="en-US" dirty="0" smtClean="0"/>
-              <a:t>Previous work extended the ideal point model from political science.</a:t>
-            </a:r>
-          </a:p>
-        </p:txBody>
-      </p:sp>
-      <p:sp>
-        <p:nvSpPr>
-          <p:cNvPr id="3" name="Text Placeholder 2"/>
-          <p:cNvSpPr>
-            <a:spLocks noGrp="1"/>
-          </p:cNvSpPr>
-          <p:nvPr>
-            <p:ph type="body" sz="quarter" idx="11"/>
-          </p:nvPr>
-        </p:nvSpPr>
-        <p:spPr/>
-        <p:txBody>
-          <a:bodyPr/>
-          <a:lstStyle/>
-          <a:p>
-            <a:r>
-              <a:rPr lang="en-US" dirty="0" smtClean="0"/>
-              <a:t>Introduction</a:t>
-            </a:r>
-            <a:endParaRPr lang="en-US" dirty="0"/>
-          </a:p>
-        </p:txBody>
-      </p:sp>
-      <p:sp>
-        <p:nvSpPr>
-          <p:cNvPr id="6" name="Text Placeholder 5"/>
-          <p:cNvSpPr>
-            <a:spLocks noGrp="1"/>
-          </p:cNvSpPr>
-          <p:nvPr>
-            <p:ph type="body" sz="quarter" idx="20"/>
-          </p:nvPr>
-        </p:nvSpPr>
-        <p:spPr/>
-        <p:txBody>
-          <a:bodyPr/>
-          <a:lstStyle/>
-          <a:p>
-            <a:r>
-              <a:rPr lang="en-US" dirty="0" smtClean="0"/>
-              <a:t>Objectives</a:t>
-            </a:r>
-            <a:endParaRPr lang="en-US" dirty="0"/>
-          </a:p>
-        </p:txBody>
-      </p:sp>
-      <p:sp>
-        <p:nvSpPr>
-          <p:cNvPr id="7" name="Text Placeholder 6"/>
-          <p:cNvSpPr>
-            <a:spLocks noGrp="1"/>
-          </p:cNvSpPr>
-          <p:nvPr>
-            <p:ph type="body" sz="quarter" idx="21"/>
-          </p:nvPr>
-        </p:nvSpPr>
-        <p:spPr>
-          <a:xfrm>
-            <a:off x="8690374" y="3997645"/>
-            <a:ext cx="7536656" cy="11908259"/>
-          </a:xfrm>
-        </p:spPr>
-        <p:txBody>
-          <a:bodyPr/>
-          <a:lstStyle/>
+              <a:rPr lang="en-US" dirty="0" smtClean="0">
+                <a:solidFill>
+                  <a:schemeClr val="tx1"/>
+                </a:solidFill>
+              </a:rPr>
+              <a:t>Previous work by </a:t>
+            </a:r>
+            <a:r>
+              <a:rPr lang="en-US" dirty="0" err="1" smtClean="0">
+                <a:solidFill>
+                  <a:schemeClr val="tx1"/>
+                </a:solidFill>
+              </a:rPr>
+              <a:t>Gerrish</a:t>
+            </a:r>
+            <a:r>
+              <a:rPr lang="en-US" dirty="0" smtClean="0">
+                <a:solidFill>
+                  <a:schemeClr val="tx1"/>
+                </a:solidFill>
+              </a:rPr>
+              <a:t> and </a:t>
+            </a:r>
+            <a:r>
+              <a:rPr lang="en-US" dirty="0" err="1" smtClean="0">
+                <a:solidFill>
+                  <a:schemeClr val="tx1"/>
+                </a:solidFill>
+              </a:rPr>
+              <a:t>Blei</a:t>
+            </a:r>
+            <a:r>
+              <a:rPr lang="en-US" dirty="0" smtClean="0">
+                <a:solidFill>
+                  <a:schemeClr val="tx1"/>
+                </a:solidFill>
+              </a:rPr>
+              <a:t> focused upon bill text.</a:t>
+            </a:r>
+          </a:p>
           <a:p>
             <a:pPr marL="285750" indent="-285750">
               <a:buFont typeface="Arial" pitchFamily="34" charset="0"/>
               <a:buChar char="•"/>
             </a:pPr>
             <a:r>
-              <a:rPr lang="en-US" dirty="0" smtClean="0"/>
-              <a:t>Limited scope to House of Representatives</a:t>
-            </a:r>
-          </a:p>
+              <a:rPr lang="en-US" dirty="0" smtClean="0">
+                <a:solidFill>
+                  <a:schemeClr val="tx1"/>
+                </a:solidFill>
+              </a:rPr>
+              <a:t>Previous work extended the ideal point model from political science</a:t>
+            </a:r>
+            <a:r>
+              <a:rPr lang="en-US" dirty="0" smtClean="0">
+                <a:solidFill>
+                  <a:schemeClr val="tx1"/>
+                </a:solidFill>
+              </a:rPr>
+              <a:t>.</a:t>
+            </a:r>
+          </a:p>
+        </p:txBody>
+      </p:sp>
+      <p:sp>
+        <p:nvSpPr>
+          <p:cNvPr id="3" name="Text Placeholder 2"/>
+          <p:cNvSpPr>
+            <a:spLocks noGrp="1"/>
+          </p:cNvSpPr>
+          <p:nvPr>
+            <p:ph type="body" sz="quarter" idx="11"/>
+          </p:nvPr>
+        </p:nvSpPr>
+        <p:spPr/>
+        <p:txBody>
+          <a:bodyPr/>
+          <a:lstStyle/>
+          <a:p>
+            <a:r>
+              <a:rPr lang="en-US" dirty="0" smtClean="0"/>
+              <a:t>Introduction</a:t>
+            </a:r>
+            <a:endParaRPr lang="en-US" dirty="0"/>
+          </a:p>
+        </p:txBody>
+      </p:sp>
+      <p:sp>
+        <p:nvSpPr>
+          <p:cNvPr id="6" name="Text Placeholder 5"/>
+          <p:cNvSpPr>
+            <a:spLocks noGrp="1"/>
+          </p:cNvSpPr>
+          <p:nvPr>
+            <p:ph type="body" sz="quarter" idx="20"/>
+          </p:nvPr>
+        </p:nvSpPr>
+        <p:spPr/>
+        <p:txBody>
+          <a:bodyPr/>
+          <a:lstStyle/>
+          <a:p>
+            <a:r>
+              <a:rPr lang="en-US" dirty="0" smtClean="0"/>
+              <a:t>Objectives</a:t>
+            </a:r>
+            <a:endParaRPr lang="en-US" dirty="0"/>
+          </a:p>
+        </p:txBody>
+      </p:sp>
+      <p:sp>
+        <p:nvSpPr>
+          <p:cNvPr id="7" name="Text Placeholder 6"/>
+          <p:cNvSpPr>
+            <a:spLocks noGrp="1"/>
+          </p:cNvSpPr>
+          <p:nvPr>
+            <p:ph type="body" sz="quarter" idx="21"/>
+          </p:nvPr>
+        </p:nvSpPr>
+        <p:spPr>
+          <a:xfrm>
+            <a:off x="8690374" y="4114754"/>
+            <a:ext cx="7536656" cy="8251873"/>
+          </a:xfrm>
+        </p:spPr>
+        <p:txBody>
+          <a:bodyPr/>
+          <a:lstStyle/>
           <a:p>
             <a:pPr marL="285750" indent="-285750">
               <a:buFont typeface="Arial" pitchFamily="34" charset="0"/>
               <a:buChar char="•"/>
             </a:pPr>
             <a:r>
-              <a:rPr lang="en-US" dirty="0" smtClean="0"/>
-              <a:t>Data was taken from </a:t>
-            </a:r>
-            <a:r>
               <a:rPr lang="en-US" dirty="0" smtClean="0">
-                <a:hlinkClick r:id="rId2"/>
-              </a:rPr>
-              <a:t>www.govtrack.us</a:t>
-            </a:r>
-            <a:endParaRPr lang="en-US" dirty="0"/>
+                <a:solidFill>
+                  <a:schemeClr val="tx1"/>
+                </a:solidFill>
+              </a:rPr>
+              <a:t>Limited scope to House of Representatives</a:t>
+            </a:r>
           </a:p>
           <a:p>
             <a:pPr marL="285750" indent="-285750">
@@ -17020,9 +17098,27 @@
               <a:buChar char="•"/>
             </a:pPr>
             <a:r>
-              <a:rPr lang="en-US" dirty="0" smtClean="0"/>
-              <a:t>Pulled all current members of the House of Representatives</a:t>
-            </a:r>
+              <a:rPr lang="en-US" dirty="0" smtClean="0">
+                <a:solidFill>
+                  <a:schemeClr val="tx1"/>
+                </a:solidFill>
+              </a:rPr>
+              <a:t>Data was taken from </a:t>
+            </a:r>
+            <a:r>
+              <a:rPr lang="en-US" dirty="0" smtClean="0">
+                <a:solidFill>
+                  <a:schemeClr val="tx1"/>
+                </a:solidFill>
+                <a:hlinkClick r:id="rId2"/>
+              </a:rPr>
+              <a:t>www.govtrack.us</a:t>
+            </a:r>
+            <a:endParaRPr lang="en-US" dirty="0">
+              <a:solidFill>
+                <a:schemeClr val="tx1"/>
+              </a:solidFill>
+            </a:endParaRPr>
           </a:p>
           <a:p>
             <a:pPr marL="285750" indent="-285750">
@@ -17030,8 +17126,12 @@
               <a:buChar char="•"/>
             </a:pPr>
             <a:r>
-              <a:rPr lang="en-US" dirty="0" smtClean="0"/>
-              <a:t>Pulled all votes made by each current member (200-3,500)</a:t>
+              <a:rPr lang="en-US" dirty="0" smtClean="0">
+                <a:solidFill>
+                  <a:schemeClr val="tx1"/>
+                </a:solidFill>
+              </a:rPr>
+              <a:t>Pulled all current members of the House of Representatives</a:t>
             </a:r>
           </a:p>
           <a:p>
@@ -17040,8 +17140,12 @@
               <a:buChar char="•"/>
             </a:pPr>
             <a:r>
-              <a:rPr lang="en-US" dirty="0" smtClean="0"/>
-              <a:t>Pulled information for each bill</a:t>
+              <a:rPr lang="en-US" dirty="0" smtClean="0">
+                <a:solidFill>
+                  <a:schemeClr val="tx1"/>
+                </a:solidFill>
+              </a:rPr>
+              <a:t>Pulled all votes made by each current member (200-3,500)</a:t>
             </a:r>
           </a:p>
           <a:p>
@@ -17049,7 +17153,27 @@
               <a:buFont typeface="Arial" pitchFamily="34" charset="0"/>
               <a:buChar char="•"/>
             </a:pPr>
-            <a:endParaRPr lang="en-US" dirty="0"/>
+            <a:r>
+              <a:rPr lang="en-US" dirty="0" smtClean="0">
+                <a:solidFill>
+                  <a:schemeClr val="tx1"/>
+                </a:solidFill>
+              </a:rPr>
+              <a:t>Pulled information for each </a:t>
+            </a:r>
+            <a:r>
+              <a:rPr lang="en-US" dirty="0" smtClean="0">
+                <a:solidFill>
+                  <a:schemeClr val="tx1"/>
+                </a:solidFill>
+              </a:rPr>
+              <a:t>bill</a:t>
+            </a:r>
+            <a:endParaRPr lang="en-US" dirty="0">
+              <a:solidFill>
+                <a:schemeClr val="tx1"/>
+              </a:solidFill>
+            </a:endParaRPr>
           </a:p>
           <a:p>
             <a:pPr marL="285750" indent="-285750">
@@ -17057,16 +17181,190 @@
               <a:buChar char="•"/>
             </a:pPr>
             <a:r>
-              <a:rPr lang="en-US" dirty="0" smtClean="0"/>
-              <a:t>Each representative </a:t>
-            </a:r>
-            <a:r>
-              <a:rPr lang="en-US" dirty="0" err="1" smtClean="0"/>
-              <a:t>wsa</a:t>
-            </a:r>
-            <a:r>
-              <a:rPr lang="en-US" dirty="0" smtClean="0"/>
-              <a:t> an individual prediction task</a:t>
+              <a:rPr lang="en-US" dirty="0" smtClean="0">
+                <a:solidFill>
+                  <a:schemeClr val="tx1"/>
+                </a:solidFill>
+              </a:rPr>
+              <a:t>Features of SVM:</a:t>
+            </a:r>
+          </a:p>
+          <a:p>
+            <a:pPr marL="1346926" lvl="1" indent="-285750">
+              <a:buFont typeface="Arial" pitchFamily="34" charset="0"/>
+              <a:buChar char="•"/>
+            </a:pPr>
+            <a:r>
+              <a:rPr lang="en-US" dirty="0" smtClean="0"/>
+              <a:t>Party of bill </a:t>
+            </a:r>
+            <a:r>
+              <a:rPr lang="en-US" dirty="0"/>
+              <a:t>s</a:t>
+            </a:r>
+            <a:r>
+              <a:rPr lang="en-US" dirty="0" smtClean="0"/>
+              <a:t>ponsor</a:t>
+            </a:r>
+          </a:p>
+          <a:p>
+            <a:pPr marL="1346926" lvl="1" indent="-285750">
+              <a:buFont typeface="Arial" pitchFamily="34" charset="0"/>
+              <a:buChar char="•"/>
+            </a:pPr>
+            <a:r>
+              <a:rPr lang="en-US" dirty="0" smtClean="0"/>
+              <a:t>Name of bill sponsor</a:t>
+            </a:r>
+          </a:p>
+          <a:p>
+            <a:pPr marL="1346926" lvl="1" indent="-285750">
+              <a:buFont typeface="Arial" pitchFamily="34" charset="0"/>
+              <a:buChar char="•"/>
+            </a:pPr>
+            <a:r>
+              <a:rPr lang="en-US" dirty="0" smtClean="0"/>
+              <a:t>District of bill sponsor</a:t>
+            </a:r>
+          </a:p>
+          <a:p>
+            <a:pPr marL="1346926" lvl="1" indent="-285750">
+              <a:buFont typeface="Arial" pitchFamily="34" charset="0"/>
+              <a:buChar char="•"/>
+            </a:pPr>
+            <a:r>
+              <a:rPr lang="en-US" dirty="0" smtClean="0"/>
+              <a:t>Gender of bill sponsor</a:t>
+            </a:r>
+          </a:p>
+          <a:p>
+            <a:pPr marL="1346926" lvl="1" indent="-285750">
+              <a:buFont typeface="Arial" pitchFamily="34" charset="0"/>
+              <a:buChar char="•"/>
+            </a:pPr>
+            <a:r>
+              <a:rPr lang="en-US" dirty="0" smtClean="0"/>
+              <a:t>Date bill sponsor joined House of Representatives</a:t>
+            </a:r>
+          </a:p>
+          <a:p>
+            <a:pPr marL="1346926" lvl="1" indent="-285750">
+              <a:buFont typeface="Arial" pitchFamily="34" charset="0"/>
+              <a:buChar char="•"/>
+            </a:pPr>
+            <a:r>
+              <a:rPr lang="en-US" dirty="0" smtClean="0"/>
+              <a:t>Whether bill sponsor has Twitter</a:t>
+            </a:r>
+          </a:p>
+          <a:p>
+            <a:pPr marL="1346926" lvl="1" indent="-285750">
+              <a:buFont typeface="Arial" pitchFamily="34" charset="0"/>
+              <a:buChar char="•"/>
+            </a:pPr>
+            <a:r>
+              <a:rPr lang="en-US" dirty="0" smtClean="0"/>
+              <a:t>Whether bill sponsor has a website</a:t>
+            </a:r>
+          </a:p>
+          <a:p>
+            <a:pPr marL="1346926" lvl="1" indent="-285750">
+              <a:buFont typeface="Arial" pitchFamily="34" charset="0"/>
+              <a:buChar char="•"/>
+            </a:pPr>
+            <a:r>
+              <a:rPr lang="en-US" dirty="0" smtClean="0"/>
+              <a:t>Whether sponsor has a nickname</a:t>
+            </a:r>
+          </a:p>
+          <a:p>
+            <a:pPr marL="1346926" lvl="1" indent="-285750">
+              <a:buFont typeface="Arial" pitchFamily="34" charset="0"/>
+              <a:buChar char="•"/>
+            </a:pPr>
+            <a:r>
+              <a:rPr lang="en-US" dirty="0" smtClean="0"/>
+              <a:t>Length of time bill has been alive</a:t>
+            </a:r>
+          </a:p>
+          <a:p>
+            <a:pPr marL="1346926" lvl="1" indent="-285750">
+              <a:buFont typeface="Arial" pitchFamily="34" charset="0"/>
+              <a:buChar char="•"/>
+            </a:pPr>
+            <a:r>
+              <a:rPr lang="en-US" dirty="0" smtClean="0"/>
+              <a:t>Congressional Session</a:t>
+            </a:r>
+          </a:p>
+          <a:p>
+            <a:pPr marL="1346926" lvl="1" indent="-285750">
+              <a:buFont typeface="Arial" pitchFamily="34" charset="0"/>
+              <a:buChar char="•"/>
+            </a:pPr>
+            <a:r>
+              <a:rPr lang="en-US" dirty="0" smtClean="0"/>
+              <a:t>Year the bill was introduced</a:t>
+            </a:r>
+          </a:p>
+          <a:p>
+            <a:pPr marL="1346926" lvl="1" indent="-285750">
+              <a:buFont typeface="Arial" pitchFamily="34" charset="0"/>
+              <a:buChar char="•"/>
+            </a:pPr>
+            <a:r>
+              <a:rPr lang="en-US" dirty="0" smtClean="0"/>
+              <a:t>Day the bill was voted on</a:t>
+            </a:r>
+          </a:p>
+          <a:p>
+            <a:pPr marL="1346926" lvl="1" indent="-285750">
+              <a:buFont typeface="Arial" pitchFamily="34" charset="0"/>
+              <a:buChar char="•"/>
+            </a:pPr>
+            <a:r>
+              <a:rPr lang="en-US" dirty="0" smtClean="0"/>
+              <a:t>Month the bill was voted on</a:t>
+            </a:r>
+          </a:p>
+          <a:p>
+            <a:pPr marL="1346926" lvl="1" indent="-285750">
+              <a:buFont typeface="Arial" pitchFamily="34" charset="0"/>
+              <a:buChar char="•"/>
+            </a:pPr>
+            <a:r>
+              <a:rPr lang="en-US" dirty="0" smtClean="0"/>
+              <a:t>Year the bill was voted on</a:t>
+            </a:r>
+          </a:p>
+          <a:p>
+            <a:pPr marL="1346926" lvl="1" indent="-285750">
+              <a:buFont typeface="Arial" pitchFamily="34" charset="0"/>
+              <a:buChar char="•"/>
+            </a:pPr>
+            <a:r>
+              <a:rPr lang="en-US" dirty="0" smtClean="0"/>
+              <a:t>Year the bill was voted on mod 2</a:t>
+            </a:r>
+          </a:p>
+          <a:p>
+            <a:pPr marL="1346926" lvl="1" indent="-285750">
+              <a:buFont typeface="Arial" pitchFamily="34" charset="0"/>
+              <a:buChar char="•"/>
+            </a:pPr>
+            <a:r>
+              <a:rPr lang="en-US" dirty="0" smtClean="0"/>
+              <a:t>Year the bill was voted on mod 4</a:t>
+            </a:r>
+          </a:p>
+          <a:p>
+            <a:pPr marL="1346926" lvl="1" indent="-285750">
+              <a:buFont typeface="Arial" pitchFamily="34" charset="0"/>
+              <a:buChar char="•"/>
+            </a:pPr>
+            <a:r>
+              <a:rPr lang="en-US" dirty="0" smtClean="0"/>
+              <a:t>Year the bill was voted on mod 6</a:t>
             </a:r>
           </a:p>
           <a:p>
@@ -17074,11 +17372,56 @@
               <a:buFont typeface="Arial" pitchFamily="34" charset="0"/>
               <a:buChar char="•"/>
             </a:pPr>
-            <a:r>
-              <a:rPr lang="en-US" dirty="0" smtClean="0"/>
-              <a:t>One SVM per representative</a:t>
-            </a:r>
-          </a:p>
+            <a:endParaRPr lang="en-US" dirty="0"/>
+          </a:p>
+        </p:txBody>
+      </p:sp>
+      <p:sp>
+        <p:nvSpPr>
+          <p:cNvPr id="8" name="Text Placeholder 7"/>
+          <p:cNvSpPr>
+            <a:spLocks noGrp="1"/>
+          </p:cNvSpPr>
+          <p:nvPr>
+            <p:ph type="body" sz="quarter" idx="22"/>
+          </p:nvPr>
+        </p:nvSpPr>
+        <p:spPr/>
+        <p:txBody>
+          <a:bodyPr/>
+          <a:lstStyle/>
+          <a:p>
+            <a:r>
+              <a:rPr lang="en-US" dirty="0" smtClean="0"/>
+              <a:t>Data </a:t>
+            </a:r>
+            <a:r>
+              <a:rPr lang="en-US" dirty="0" smtClean="0"/>
+              <a:t>Collection</a:t>
+            </a:r>
+            <a:endParaRPr lang="en-US" dirty="0"/>
+          </a:p>
+        </p:txBody>
+      </p:sp>
+      <p:sp>
+        <p:nvSpPr>
+          <p:cNvPr id="9" name="Text Placeholder 8"/>
+          <p:cNvSpPr>
+            <a:spLocks noGrp="1"/>
+          </p:cNvSpPr>
+          <p:nvPr>
+            <p:ph type="body" sz="quarter" idx="23"/>
+          </p:nvPr>
+        </p:nvSpPr>
+        <p:spPr>
+          <a:xfrm>
+            <a:off x="16693754" y="3997645"/>
+            <a:ext cx="7536656" cy="2490296"/>
+          </a:xfrm>
+        </p:spPr>
+        <p:txBody>
+          <a:bodyPr/>
+          <a:lstStyle/>
           <a:p>
             <a:pPr marL="285750" indent="-285750">
               <a:buFont typeface="Arial" pitchFamily="34" charset="0"/>
@@ -17086,11 +17429,8 @@
             </a:pPr>
             <a:r>
               <a:rPr lang="en-US" dirty="0" smtClean="0"/>
-              <a:t>Each SVM trained and tested on it’s representative votes</a:t>
-            </a:r>
-          </a:p>
-          <a:p>
-            <a:endParaRPr lang="en-US" dirty="0"/>
+              <a:t>Average test accuracy over all representatives for baseline: 80.80%</a:t>
+            </a:r>
           </a:p>
           <a:p>
             <a:pPr marL="285750" indent="-285750">
@@ -17099,7 +17439,626 @@
             </a:pPr>
             <a:r>
               <a:rPr lang="en-US" dirty="0" smtClean="0"/>
-              <a:t>Features of SVM:</a:t>
+              <a:t>Average test accuracy over all representatives for optimized SVM: 84.62%</a:t>
+            </a:r>
+          </a:p>
+          <a:p>
+            <a:pPr marL="285750" indent="-285750">
+              <a:buFont typeface="Arial" pitchFamily="34" charset="0"/>
+              <a:buChar char="•"/>
+            </a:pPr>
+            <a:r>
+              <a:rPr lang="en-US" dirty="0" smtClean="0"/>
+              <a:t>Range of test accuracies for baseline: [54.22%,</a:t>
+            </a:r>
+            <a:r>
+              <a:rPr lang="en-US" dirty="0" smtClean="0"/>
+              <a:t>100%</a:t>
+            </a:r>
+            <a:r>
+              <a:rPr lang="en-US" dirty="0" smtClean="0"/>
+              <a:t>]</a:t>
+            </a:r>
+          </a:p>
+          <a:p>
+            <a:pPr marL="285750" indent="-285750">
+              <a:buFont typeface="Arial" pitchFamily="34" charset="0"/>
+              <a:buChar char="•"/>
+            </a:pPr>
+            <a:r>
+              <a:rPr lang="en-US" dirty="0" smtClean="0"/>
+              <a:t>Range of test accuracies for optimized SVM: [63.64%,100%]</a:t>
+            </a:r>
+          </a:p>
+          <a:p>
+            <a:pPr marL="285750" indent="-285750">
+              <a:buFont typeface="Arial" pitchFamily="34" charset="0"/>
+              <a:buChar char="•"/>
+            </a:pPr>
+            <a:r>
+              <a:rPr lang="en-US" dirty="0" smtClean="0"/>
+              <a:t>Generally Optimized SVM performed better than baseline on a per representative basis.</a:t>
+            </a:r>
+            <a:endParaRPr lang="en-US" dirty="0" smtClean="0"/>
+          </a:p>
+        </p:txBody>
+      </p:sp>
+      <p:sp>
+        <p:nvSpPr>
+          <p:cNvPr id="10" name="Text Placeholder 9"/>
+          <p:cNvSpPr>
+            <a:spLocks noGrp="1"/>
+          </p:cNvSpPr>
+          <p:nvPr>
+            <p:ph type="body" sz="quarter" idx="24"/>
+          </p:nvPr>
+        </p:nvSpPr>
+        <p:spPr/>
+        <p:txBody>
+          <a:bodyPr/>
+          <a:lstStyle/>
+          <a:p>
+            <a:r>
+              <a:rPr lang="en-US" dirty="0" smtClean="0"/>
+              <a:t>Results</a:t>
+            </a:r>
+            <a:endParaRPr lang="en-US" dirty="0"/>
+          </a:p>
+        </p:txBody>
+      </p:sp>
+      <p:sp>
+        <p:nvSpPr>
+          <p:cNvPr id="11" name="Text Placeholder 10"/>
+          <p:cNvSpPr>
+            <a:spLocks noGrp="1"/>
+          </p:cNvSpPr>
+          <p:nvPr>
+            <p:ph type="body" sz="quarter" idx="25"/>
+          </p:nvPr>
+        </p:nvSpPr>
+        <p:spPr/>
+        <p:txBody>
+          <a:bodyPr/>
+          <a:lstStyle/>
+          <a:p>
+            <a:r>
+              <a:rPr lang="en-US" dirty="0" smtClean="0"/>
+              <a:t>Conclusions</a:t>
+            </a:r>
+            <a:endParaRPr lang="en-US" dirty="0"/>
+          </a:p>
+        </p:txBody>
+      </p:sp>
+      <p:sp>
+        <p:nvSpPr>
+          <p:cNvPr id="12" name="Text Placeholder 11"/>
+          <p:cNvSpPr>
+            <a:spLocks noGrp="1"/>
+          </p:cNvSpPr>
+          <p:nvPr>
+            <p:ph type="body" sz="quarter" idx="26"/>
+          </p:nvPr>
+        </p:nvSpPr>
+        <p:spPr>
+          <a:xfrm>
+            <a:off x="24694957" y="6820340"/>
+            <a:ext cx="7535264" cy="2822695"/>
+          </a:xfrm>
+        </p:spPr>
+        <p:txBody>
+          <a:bodyPr/>
+          <a:lstStyle/>
+          <a:p>
+            <a:pPr marL="285750" indent="-285750">
+              <a:buFont typeface="Arial" pitchFamily="34" charset="0"/>
+              <a:buChar char="•"/>
+            </a:pPr>
+            <a:r>
+              <a:rPr lang="en-US" dirty="0" smtClean="0">
+                <a:solidFill>
+                  <a:schemeClr val="tx1"/>
+                </a:solidFill>
+              </a:rPr>
+              <a:t>Run </a:t>
+            </a:r>
+            <a:r>
+              <a:rPr lang="en-US" dirty="0" err="1" smtClean="0">
+                <a:solidFill>
+                  <a:schemeClr val="tx1"/>
+                </a:solidFill>
+              </a:rPr>
+              <a:t>McNemar’s</a:t>
+            </a:r>
+            <a:r>
+              <a:rPr lang="en-US" dirty="0" smtClean="0">
+                <a:solidFill>
+                  <a:schemeClr val="tx1"/>
+                </a:solidFill>
+              </a:rPr>
+              <a:t> test on each representative’s optimized SVM against the baseline for each representative</a:t>
+            </a:r>
+            <a:r>
+              <a:rPr lang="en-US" dirty="0" smtClean="0">
+                <a:solidFill>
+                  <a:schemeClr val="tx1"/>
+                </a:solidFill>
+              </a:rPr>
+              <a:t>.</a:t>
+            </a:r>
+          </a:p>
+          <a:p>
+            <a:pPr marL="285750" indent="-285750">
+              <a:buFont typeface="Arial" pitchFamily="34" charset="0"/>
+              <a:buChar char="•"/>
+            </a:pPr>
+            <a:r>
+              <a:rPr lang="en-US" dirty="0" smtClean="0">
+                <a:solidFill>
+                  <a:schemeClr val="tx1"/>
+                </a:solidFill>
+              </a:rPr>
+              <a:t>Consolidate </a:t>
+            </a:r>
+            <a:r>
+              <a:rPr lang="en-US" dirty="0" err="1" smtClean="0">
+                <a:solidFill>
+                  <a:schemeClr val="tx1"/>
+                </a:solidFill>
+              </a:rPr>
+              <a:t>Mcnemar’s</a:t>
+            </a:r>
+            <a:r>
+              <a:rPr lang="en-US" dirty="0" smtClean="0">
+                <a:solidFill>
+                  <a:schemeClr val="tx1"/>
+                </a:solidFill>
+              </a:rPr>
+              <a:t> tests to determine if optimized SVMs are likely better than baseline hypothesis.</a:t>
+            </a:r>
+          </a:p>
+          <a:p>
+            <a:pPr marL="285750" indent="-285750">
+              <a:buFont typeface="Arial" pitchFamily="34" charset="0"/>
+              <a:buChar char="•"/>
+            </a:pPr>
+            <a:r>
+              <a:rPr lang="en-US" dirty="0" smtClean="0">
+                <a:solidFill>
+                  <a:schemeClr val="tx1"/>
+                </a:solidFill>
+              </a:rPr>
+              <a:t>Separate bills into categories using clustering on bill summaries.</a:t>
+            </a:r>
+            <a:endParaRPr lang="en-US" dirty="0" smtClean="0">
+              <a:solidFill>
+                <a:schemeClr val="tx1"/>
+              </a:solidFill>
+            </a:endParaRPr>
+          </a:p>
+          <a:p>
+            <a:pPr marL="285750" indent="-285750">
+              <a:buFont typeface="Arial" pitchFamily="34" charset="0"/>
+              <a:buChar char="•"/>
+            </a:pPr>
+            <a:r>
+              <a:rPr lang="en-US" dirty="0" smtClean="0">
+                <a:solidFill>
+                  <a:schemeClr val="tx1"/>
+                </a:solidFill>
+              </a:rPr>
+              <a:t>Consider bill summary and bill </a:t>
+            </a:r>
+            <a:r>
+              <a:rPr lang="en-US" dirty="0" smtClean="0">
+                <a:solidFill>
+                  <a:schemeClr val="tx1"/>
+                </a:solidFill>
+              </a:rPr>
+              <a:t>categories</a:t>
+            </a:r>
+            <a:r>
+              <a:rPr lang="en-US" dirty="0" smtClean="0">
+                <a:solidFill>
+                  <a:schemeClr val="tx1"/>
+                </a:solidFill>
+              </a:rPr>
+              <a:t> </a:t>
+            </a:r>
+            <a:r>
+              <a:rPr lang="en-US" dirty="0" smtClean="0">
+                <a:solidFill>
+                  <a:schemeClr val="tx1"/>
+                </a:solidFill>
+              </a:rPr>
+              <a:t>as further features. </a:t>
+            </a:r>
+          </a:p>
+          <a:p>
+            <a:pPr marL="285750" indent="-285750">
+              <a:buFont typeface="Arial" pitchFamily="34" charset="0"/>
+              <a:buChar char="•"/>
+            </a:pPr>
+            <a:r>
+              <a:rPr lang="en-US" dirty="0" smtClean="0">
+                <a:solidFill>
+                  <a:schemeClr val="tx1"/>
+                </a:solidFill>
+              </a:rPr>
+              <a:t>Consider bill summary and bill categories as isolated feature sets</a:t>
+            </a:r>
+            <a:r>
+              <a:rPr lang="en-US" dirty="0" smtClean="0">
+                <a:solidFill>
+                  <a:schemeClr val="tx1"/>
+                </a:solidFill>
+              </a:rPr>
+              <a:t>.</a:t>
+            </a:r>
+          </a:p>
+          <a:p>
+            <a:pPr marL="285750" indent="-285750">
+              <a:buFont typeface="Arial" pitchFamily="34" charset="0"/>
+              <a:buChar char="•"/>
+            </a:pPr>
+            <a:endParaRPr lang="en-US" dirty="0" smtClean="0">
+              <a:solidFill>
+                <a:schemeClr val="tx1"/>
+              </a:solidFill>
+            </a:endParaRPr>
+          </a:p>
+        </p:txBody>
+      </p:sp>
+      <p:sp>
+        <p:nvSpPr>
+          <p:cNvPr id="13" name="Text Placeholder 12"/>
+          <p:cNvSpPr>
+            <a:spLocks noGrp="1"/>
+          </p:cNvSpPr>
+          <p:nvPr>
+            <p:ph type="body" sz="quarter" idx="27"/>
+          </p:nvPr>
+        </p:nvSpPr>
+        <p:spPr>
+          <a:xfrm>
+            <a:off x="24717212" y="15651709"/>
+            <a:ext cx="7535264" cy="531993"/>
+          </a:xfrm>
+        </p:spPr>
+        <p:txBody>
+          <a:bodyPr/>
+          <a:lstStyle/>
+          <a:p>
+            <a:r>
+              <a:rPr lang="en-US" dirty="0" smtClean="0"/>
+              <a:t>References</a:t>
+            </a:r>
+            <a:endParaRPr lang="en-US" dirty="0"/>
+          </a:p>
+        </p:txBody>
+      </p:sp>
+      <p:sp>
+        <p:nvSpPr>
+          <p:cNvPr id="14" name="Text Placeholder 13"/>
+          <p:cNvSpPr>
+            <a:spLocks noGrp="1"/>
+          </p:cNvSpPr>
+          <p:nvPr>
+            <p:ph type="body" sz="quarter" idx="28"/>
+          </p:nvPr>
+        </p:nvSpPr>
+        <p:spPr>
+          <a:xfrm>
+            <a:off x="24689992" y="16419151"/>
+            <a:ext cx="7539038" cy="606704"/>
+          </a:xfrm>
+        </p:spPr>
+        <p:txBody>
+          <a:bodyPr/>
+          <a:lstStyle/>
+          <a:p>
+            <a:r>
+              <a:rPr lang="en-US" dirty="0" err="1" smtClean="0"/>
+              <a:t>Errish</a:t>
+            </a:r>
+            <a:r>
+              <a:rPr lang="en-US" dirty="0" smtClean="0"/>
+              <a:t> </a:t>
+            </a:r>
+            <a:r>
+              <a:rPr lang="en-US" dirty="0" err="1" smtClean="0"/>
+              <a:t>Blei</a:t>
+            </a:r>
+            <a:endParaRPr lang="en-US" dirty="0"/>
+          </a:p>
+        </p:txBody>
+      </p:sp>
+      <p:sp>
+        <p:nvSpPr>
+          <p:cNvPr id="15" name="Text Placeholder 14"/>
+          <p:cNvSpPr>
+            <a:spLocks noGrp="1"/>
+          </p:cNvSpPr>
+          <p:nvPr>
+            <p:ph type="body" sz="quarter" idx="29"/>
+          </p:nvPr>
+        </p:nvSpPr>
+        <p:spPr/>
+        <p:txBody>
+          <a:bodyPr/>
+          <a:lstStyle/>
+          <a:p>
+            <a:r>
+              <a:rPr lang="en-US" dirty="0" smtClean="0"/>
+              <a:t>Acknowledgements</a:t>
+            </a:r>
+            <a:endParaRPr lang="en-US" dirty="0"/>
+          </a:p>
+        </p:txBody>
+      </p:sp>
+      <p:sp>
+        <p:nvSpPr>
+          <p:cNvPr id="16" name="Text Placeholder 15"/>
+          <p:cNvSpPr>
+            <a:spLocks noGrp="1"/>
+          </p:cNvSpPr>
+          <p:nvPr>
+            <p:ph type="body" sz="quarter" idx="30"/>
+          </p:nvPr>
+        </p:nvSpPr>
+        <p:spPr>
+          <a:xfrm>
+            <a:off x="24691183" y="17622298"/>
+            <a:ext cx="7539038" cy="2268697"/>
+          </a:xfrm>
+        </p:spPr>
+        <p:txBody>
+          <a:bodyPr/>
+          <a:lstStyle/>
+          <a:p>
+            <a:r>
+              <a:rPr lang="en-US" dirty="0" smtClean="0"/>
+              <a:t>Cornell University</a:t>
+            </a:r>
+          </a:p>
+          <a:p>
+            <a:r>
+              <a:rPr lang="en-US" dirty="0" smtClean="0"/>
+              <a:t>Thorsten </a:t>
+            </a:r>
+            <a:r>
+              <a:rPr lang="en-US" dirty="0" err="1" smtClean="0"/>
+              <a:t>Joachims</a:t>
+            </a:r>
+            <a:endParaRPr lang="en-US" dirty="0" smtClean="0"/>
+          </a:p>
+          <a:p>
+            <a:r>
+              <a:rPr lang="en-US" dirty="0" smtClean="0"/>
+              <a:t>Igor </a:t>
+            </a:r>
+            <a:r>
+              <a:rPr lang="en-US" dirty="0" err="1" smtClean="0"/>
+              <a:t>Labutov</a:t>
+            </a:r>
+            <a:endParaRPr lang="en-US" dirty="0" smtClean="0"/>
+          </a:p>
+          <a:p>
+            <a:r>
+              <a:rPr lang="en-US" dirty="0" smtClean="0"/>
+              <a:t>Govtrack.us</a:t>
+            </a:r>
+          </a:p>
+          <a:p>
+            <a:r>
+              <a:rPr lang="en-US" dirty="0" smtClean="0"/>
+              <a:t>CS4780 Teaching Assistants and Consultants</a:t>
+            </a:r>
+          </a:p>
+          <a:p>
+            <a:endParaRPr lang="en-US" dirty="0" smtClean="0"/>
+          </a:p>
+        </p:txBody>
+      </p:sp>
+      <p:sp>
+        <p:nvSpPr>
+          <p:cNvPr id="17" name="Text Placeholder 16"/>
+          <p:cNvSpPr>
+            <a:spLocks noGrp="1"/>
+          </p:cNvSpPr>
+          <p:nvPr>
+            <p:ph type="body" sz="quarter" idx="95"/>
+          </p:nvPr>
+        </p:nvSpPr>
+        <p:spPr/>
+        <p:txBody>
+          <a:bodyPr/>
+          <a:lstStyle/>
+          <a:p>
+            <a:endParaRPr lang="en-US"/>
+          </a:p>
+        </p:txBody>
+      </p:sp>
+      <p:sp>
+        <p:nvSpPr>
+          <p:cNvPr id="18" name="Text Placeholder 17"/>
+          <p:cNvSpPr>
+            <a:spLocks noGrp="1"/>
+          </p:cNvSpPr>
+          <p:nvPr>
+            <p:ph type="body" sz="quarter" idx="96"/>
+          </p:nvPr>
+        </p:nvSpPr>
+        <p:spPr>
+          <a:xfrm>
+            <a:off x="678141" y="9967702"/>
+            <a:ext cx="7542610" cy="2767295"/>
+          </a:xfrm>
+        </p:spPr>
+        <p:txBody>
+          <a:bodyPr/>
+          <a:lstStyle/>
+          <a:p>
+            <a:r>
+              <a:rPr lang="en-US" dirty="0" smtClean="0">
+                <a:solidFill>
+                  <a:schemeClr val="tx1"/>
+                </a:solidFill>
+              </a:rPr>
+              <a:t>Can we predict with high accuracy (above a baseline prediction) how a representative will vote on a given </a:t>
+            </a:r>
+            <a:r>
+              <a:rPr lang="en-US" dirty="0" smtClean="0">
+                <a:solidFill>
+                  <a:schemeClr val="tx1"/>
+                </a:solidFill>
+              </a:rPr>
+              <a:t>bill </a:t>
+            </a:r>
+            <a:r>
+              <a:rPr lang="en-US" dirty="0" smtClean="0">
+                <a:solidFill>
+                  <a:schemeClr val="tx1"/>
+                </a:solidFill>
+              </a:rPr>
+              <a:t>in Congress?</a:t>
+            </a:r>
+          </a:p>
+          <a:p>
+            <a:endParaRPr lang="en-US" dirty="0">
+              <a:solidFill>
+                <a:schemeClr val="tx1"/>
+              </a:solidFill>
+            </a:endParaRPr>
+          </a:p>
+          <a:p>
+            <a:r>
+              <a:rPr lang="en-US" dirty="0" smtClean="0">
+                <a:solidFill>
+                  <a:schemeClr val="tx1"/>
+                </a:solidFill>
+              </a:rPr>
+              <a:t>What feature of a bill is most important to a representative when deciding how to vote on a bill?</a:t>
+            </a:r>
+          </a:p>
+          <a:p>
+            <a:endParaRPr lang="en-US" dirty="0">
+              <a:solidFill>
+                <a:schemeClr val="tx1"/>
+              </a:solidFill>
+            </a:endParaRPr>
+          </a:p>
+          <a:p>
+            <a:r>
+              <a:rPr lang="en-US" dirty="0" smtClean="0">
+                <a:solidFill>
+                  <a:schemeClr val="tx1"/>
+                </a:solidFill>
+              </a:rPr>
+              <a:t>Can we predict whether a bill will pass using individual representatives’ predictions?</a:t>
+            </a:r>
+            <a:endParaRPr lang="en-US" dirty="0">
+              <a:solidFill>
+                <a:schemeClr val="tx1"/>
+              </a:solidFill>
+            </a:endParaRPr>
+          </a:p>
+        </p:txBody>
+      </p:sp>
+      <p:sp>
+        <p:nvSpPr>
+          <p:cNvPr id="20" name="Text Placeholder 19"/>
+          <p:cNvSpPr>
+            <a:spLocks noGrp="1"/>
+          </p:cNvSpPr>
+          <p:nvPr>
+            <p:ph type="body" sz="quarter" idx="116"/>
+          </p:nvPr>
+        </p:nvSpPr>
+        <p:spPr>
+          <a:xfrm>
+            <a:off x="8690375" y="13461460"/>
+            <a:ext cx="7542610" cy="5814283"/>
+          </a:xfrm>
+        </p:spPr>
+        <p:txBody>
+          <a:bodyPr/>
+          <a:lstStyle/>
+          <a:p>
+            <a:pPr marL="285750" indent="-285750">
+              <a:buFont typeface="Arial" pitchFamily="34" charset="0"/>
+              <a:buChar char="•"/>
+            </a:pPr>
+            <a:r>
+              <a:rPr lang="en-US" dirty="0" smtClean="0">
+                <a:solidFill>
+                  <a:schemeClr val="tx1"/>
+                </a:solidFill>
+              </a:rPr>
+              <a:t>Individual prediction task for each representative</a:t>
+            </a:r>
+            <a:endParaRPr lang="en-US" dirty="0">
+              <a:solidFill>
+                <a:schemeClr val="tx1"/>
+              </a:solidFill>
+            </a:endParaRPr>
+          </a:p>
+          <a:p>
+            <a:pPr marL="285750" indent="-285750">
+              <a:buFont typeface="Arial" pitchFamily="34" charset="0"/>
+              <a:buChar char="•"/>
+            </a:pPr>
+            <a:r>
+              <a:rPr lang="en-US" dirty="0">
+                <a:solidFill>
+                  <a:schemeClr val="tx1"/>
+                </a:solidFill>
+              </a:rPr>
+              <a:t>One SVM per representative</a:t>
+            </a:r>
+          </a:p>
+          <a:p>
+            <a:pPr marL="285750" indent="-285750">
+              <a:buFont typeface="Arial" pitchFamily="34" charset="0"/>
+              <a:buChar char="•"/>
+            </a:pPr>
+            <a:r>
+              <a:rPr lang="en-US" dirty="0">
+                <a:solidFill>
+                  <a:schemeClr val="tx1"/>
+                </a:solidFill>
+              </a:rPr>
+              <a:t>Each SVM trained and tested on </a:t>
+            </a:r>
+            <a:r>
+              <a:rPr lang="en-US" dirty="0" smtClean="0">
+                <a:solidFill>
+                  <a:schemeClr val="tx1"/>
+                </a:solidFill>
+              </a:rPr>
+              <a:t>its representative’s </a:t>
+            </a:r>
+            <a:r>
+              <a:rPr lang="en-US" dirty="0">
+                <a:solidFill>
+                  <a:schemeClr val="tx1"/>
+                </a:solidFill>
+              </a:rPr>
+              <a:t>votes</a:t>
+            </a:r>
+            <a:endParaRPr lang="en-US" dirty="0"/>
+          </a:p>
+          <a:p>
+            <a:pPr marL="285750" indent="-285750">
+              <a:buFont typeface="Arial" pitchFamily="34" charset="0"/>
+              <a:buChar char="•"/>
+            </a:pPr>
+            <a:r>
+              <a:rPr lang="en-US" dirty="0" smtClean="0">
+                <a:solidFill>
+                  <a:schemeClr val="tx1"/>
+                </a:solidFill>
+              </a:rPr>
+              <a:t>SVM Optimization</a:t>
             </a:r>
           </a:p>
           <a:p>
@@ -17109,15 +18068,11 @@
             </a:pPr>
             <a:r>
               <a:rPr lang="en-US" dirty="0" smtClean="0"/>
-              <a:t>Party of bill </a:t>
+              <a:t>Split </a:t>
             </a:r>
             <a:r>
               <a:rPr lang="en-US" dirty="0"/>
-              <a:t>s</a:t>
-            </a:r>
-            <a:r>
-              <a:rPr lang="en-US" dirty="0" smtClean="0"/>
-              <a:t>ponsor</a:t>
+              <a:t>train set into train and validate</a:t>
             </a:r>
           </a:p>
           <a:p>
@@ -17126,8 +18081,8 @@
               <a:buChar char="•"/>
             </a:pPr>
             <a:r>
-              <a:rPr lang="en-US" dirty="0" smtClean="0"/>
-              <a:t>Name of bill sponsor</a:t>
+              <a:rPr lang="en-US" dirty="0"/>
+              <a:t>Trained 5 different SVMs, C values of [0.0001, 0.001, 0.01, 0.05, 0.1]</a:t>
             </a:r>
           </a:p>
           <a:p>
@@ -17136,8 +18091,44 @@
               <a:buChar char="•"/>
             </a:pPr>
             <a:r>
-              <a:rPr lang="en-US" dirty="0" smtClean="0"/>
-              <a:t>District of bill sponsor</a:t>
+              <a:rPr lang="en-US" dirty="0"/>
+              <a:t>Picked SVM with best validation accuracy</a:t>
+            </a:r>
+          </a:p>
+          <a:p>
+            <a:pPr marL="285750" indent="-285750">
+              <a:buFont typeface="Arial" pitchFamily="34" charset="0"/>
+              <a:buChar char="•"/>
+            </a:pPr>
+            <a:r>
+              <a:rPr lang="en-US" dirty="0" smtClean="0">
+                <a:solidFill>
+                  <a:schemeClr val="tx1"/>
+                </a:solidFill>
+              </a:rPr>
+              <a:t>Compared </a:t>
+            </a:r>
+            <a:r>
+              <a:rPr lang="en-US" dirty="0">
+                <a:solidFill>
+                  <a:schemeClr val="tx1"/>
+                </a:solidFill>
+              </a:rPr>
+              <a:t>each SVM against the baseline hypothesis.</a:t>
+            </a:r>
+          </a:p>
+          <a:p>
+            <a:pPr marL="285750" indent="-285750">
+              <a:buFont typeface="Arial" pitchFamily="34" charset="0"/>
+              <a:buChar char="•"/>
+            </a:pPr>
+            <a:r>
+              <a:rPr lang="en-US" dirty="0">
+                <a:solidFill>
+                  <a:schemeClr val="tx1"/>
+                </a:solidFill>
+              </a:rPr>
+              <a:t>Baseline Hypothesis: representative will vote along party lines</a:t>
             </a:r>
           </a:p>
           <a:p>
@@ -17146,8 +18137,8 @@
               <a:buChar char="•"/>
             </a:pPr>
             <a:r>
-              <a:rPr lang="en-US" dirty="0" smtClean="0"/>
-              <a:t>Gender of bill sponsor</a:t>
+              <a:rPr lang="en-US" dirty="0"/>
+              <a:t>Vote yes (1) if party of rep = party of sponsor</a:t>
             </a:r>
           </a:p>
           <a:p>
@@ -17156,8 +18147,27 @@
               <a:buChar char="•"/>
             </a:pPr>
             <a:r>
-              <a:rPr lang="en-US" dirty="0" smtClean="0"/>
-              <a:t>Date bill sponsor joined House of Representatives</a:t>
+              <a:rPr lang="en-US" dirty="0"/>
+              <a:t>Vote no (0) </a:t>
+            </a:r>
+            <a:r>
+              <a:rPr lang="en-US" dirty="0" smtClean="0"/>
+              <a:t>otherwise</a:t>
+            </a:r>
+            <a:endParaRPr lang="en-US" dirty="0"/>
+          </a:p>
+          <a:p>
+            <a:pPr marL="285750" indent="-285750">
+              <a:buFont typeface="Arial" pitchFamily="34" charset="0"/>
+              <a:buChar char="•"/>
+            </a:pPr>
+            <a:r>
+              <a:rPr lang="en-US" dirty="0" smtClean="0">
+                <a:solidFill>
+                  <a:schemeClr val="tx1"/>
+                </a:solidFill>
+              </a:rPr>
+              <a:t>Bill Passage Prediction</a:t>
             </a:r>
           </a:p>
           <a:p>
@@ -17167,7 +18177,7 @@
             </a:pPr>
             <a:r>
               <a:rPr lang="en-US" dirty="0" smtClean="0"/>
-              <a:t>Whether bill sponsor has Twitter</a:t>
+              <a:t>Pulled a newly voted on bill from govtrack.us</a:t>
             </a:r>
           </a:p>
           <a:p>
@@ -17177,115 +18187,67 @@
             </a:pPr>
             <a:r>
               <a:rPr lang="en-US" dirty="0" smtClean="0"/>
-              <a:t>Whether bill sponsor has a website</a:t>
-            </a:r>
-          </a:p>
-          <a:p>
-            <a:pPr marL="1346926" lvl="1" indent="-285750">
-              <a:buFont typeface="Arial" pitchFamily="34" charset="0"/>
-              <a:buChar char="•"/>
-            </a:pPr>
-            <a:r>
-              <a:rPr lang="en-US" dirty="0" smtClean="0"/>
-              <a:t>Whether sponsor has a nickname</a:t>
-            </a:r>
-          </a:p>
-          <a:p>
-            <a:pPr marL="1346926" lvl="1" indent="-285750">
-              <a:buFont typeface="Arial" pitchFamily="34" charset="0"/>
-              <a:buChar char="•"/>
-            </a:pPr>
-            <a:r>
-              <a:rPr lang="en-US" dirty="0" smtClean="0"/>
-              <a:t>Length of time bill has been alive</a:t>
-            </a:r>
-          </a:p>
-          <a:p>
-            <a:pPr marL="1346926" lvl="1" indent="-285750">
-              <a:buFont typeface="Arial" pitchFamily="34" charset="0"/>
-              <a:buChar char="•"/>
-            </a:pPr>
-            <a:r>
-              <a:rPr lang="en-US" dirty="0" smtClean="0"/>
-              <a:t>Congressional Session</a:t>
-            </a:r>
-          </a:p>
-          <a:p>
-            <a:pPr marL="1346926" lvl="1" indent="-285750">
-              <a:buFont typeface="Arial" pitchFamily="34" charset="0"/>
-              <a:buChar char="•"/>
-            </a:pPr>
-            <a:r>
-              <a:rPr lang="en-US" dirty="0" smtClean="0"/>
-              <a:t>Year the bill was introduced</a:t>
-            </a:r>
-          </a:p>
-          <a:p>
-            <a:pPr marL="1346926" lvl="1" indent="-285750">
-              <a:buFont typeface="Arial" pitchFamily="34" charset="0"/>
-              <a:buChar char="•"/>
-            </a:pPr>
-            <a:r>
-              <a:rPr lang="en-US" dirty="0" smtClean="0"/>
-              <a:t>Day the bill was voted on</a:t>
-            </a:r>
-          </a:p>
-          <a:p>
-            <a:pPr marL="1346926" lvl="1" indent="-285750">
-              <a:buFont typeface="Arial" pitchFamily="34" charset="0"/>
-              <a:buChar char="•"/>
-            </a:pPr>
-            <a:r>
-              <a:rPr lang="en-US" dirty="0" smtClean="0"/>
-              <a:t>Month the bill was voted on</a:t>
-            </a:r>
-          </a:p>
-          <a:p>
-            <a:pPr marL="1346926" lvl="1" indent="-285750">
-              <a:buFont typeface="Arial" pitchFamily="34" charset="0"/>
-              <a:buChar char="•"/>
-            </a:pPr>
-            <a:r>
-              <a:rPr lang="en-US" dirty="0" smtClean="0"/>
-              <a:t>Year the bill was voted on</a:t>
-            </a:r>
-          </a:p>
-          <a:p>
-            <a:pPr marL="1346926" lvl="1" indent="-285750">
-              <a:buFont typeface="Arial" pitchFamily="34" charset="0"/>
-              <a:buChar char="•"/>
-            </a:pPr>
-            <a:r>
-              <a:rPr lang="en-US" dirty="0" smtClean="0"/>
-              <a:t>Year the bill was voted on mod 2</a:t>
-            </a:r>
-          </a:p>
-          <a:p>
-            <a:pPr marL="1346926" lvl="1" indent="-285750">
-              <a:buFont typeface="Arial" pitchFamily="34" charset="0"/>
-              <a:buChar char="•"/>
-            </a:pPr>
-            <a:r>
-              <a:rPr lang="en-US" dirty="0" smtClean="0"/>
-              <a:t>Year the bill was voted on mod 4</a:t>
-            </a:r>
-          </a:p>
-          <a:p>
-            <a:pPr marL="1346926" lvl="1" indent="-285750">
-              <a:buFont typeface="Arial" pitchFamily="34" charset="0"/>
-              <a:buChar char="•"/>
-            </a:pPr>
-            <a:r>
-              <a:rPr lang="en-US" dirty="0" smtClean="0"/>
-              <a:t>Year the bill was voted on mod 6</a:t>
-            </a:r>
-          </a:p>
+              <a:t>Predicted outcome of the bill by weighted average of predicted votes</a:t>
+            </a:r>
+          </a:p>
+          <a:p>
+            <a:pPr marL="1755072" lvl="2" indent="-285750"/>
+            <a:r>
+              <a:rPr lang="en-US" dirty="0" smtClean="0"/>
+              <a:t>For optimized SVMs as well as baseline</a:t>
+            </a:r>
+            <a:endParaRPr lang="en-US" dirty="0"/>
+          </a:p>
+        </p:txBody>
+      </p:sp>
+      <p:sp>
+        <p:nvSpPr>
+          <p:cNvPr id="21" name="Text Placeholder 20"/>
+          <p:cNvSpPr>
+            <a:spLocks noGrp="1"/>
+          </p:cNvSpPr>
+          <p:nvPr>
+            <p:ph type="body" sz="quarter" idx="117"/>
+          </p:nvPr>
+        </p:nvSpPr>
+        <p:spPr>
+          <a:xfrm>
+            <a:off x="24686420" y="4300997"/>
+            <a:ext cx="7542610" cy="1770099"/>
+          </a:xfrm>
+        </p:spPr>
+        <p:txBody>
+          <a:bodyPr/>
+          <a:lstStyle/>
           <a:p>
             <a:pPr marL="285750" indent="-285750">
               <a:buFont typeface="Arial" pitchFamily="34" charset="0"/>
               <a:buChar char="•"/>
             </a:pPr>
-            <a:endParaRPr lang="en-US" dirty="0"/>
+            <a:r>
+              <a:rPr lang="en-US" dirty="0">
+                <a:solidFill>
+                  <a:schemeClr val="tx1"/>
+                </a:solidFill>
+              </a:rPr>
+              <a:t>R</a:t>
+            </a:r>
+            <a:r>
+              <a:rPr lang="en-US" dirty="0" smtClean="0">
+                <a:solidFill>
+                  <a:schemeClr val="tx1"/>
+                </a:solidFill>
+              </a:rPr>
+              <a:t>epresentatives with lower baseline accuracy tended </a:t>
+            </a:r>
+            <a:r>
+              <a:rPr lang="en-US" dirty="0" smtClean="0">
+                <a:solidFill>
+                  <a:schemeClr val="tx1"/>
+                </a:solidFill>
+              </a:rPr>
+              <a:t>to have much higher accuracies with the optimized SVM.</a:t>
+            </a:r>
           </a:p>
           <a:p>
             <a:pPr marL="285750" indent="-285750">
@@ -17293,100 +18255,63 @@
               <a:buChar char="•"/>
             </a:pPr>
             <a:r>
-              <a:rPr lang="en-US" dirty="0" smtClean="0"/>
-              <a:t>Optimized each SVM from XXXXXXXXXXXXXX options.</a:t>
-            </a:r>
-          </a:p>
-          <a:p>
-            <a:pPr marL="285750" indent="-285750">
-              <a:buFont typeface="Arial" pitchFamily="34" charset="0"/>
-              <a:buChar char="•"/>
-            </a:pPr>
-            <a:r>
-              <a:rPr lang="en-US" dirty="0" smtClean="0"/>
-              <a:t>Compared each SVM against the baseline hypothesis.</a:t>
-            </a:r>
-          </a:p>
-          <a:p>
-            <a:pPr marL="285750" indent="-285750">
-              <a:buFont typeface="Arial" pitchFamily="34" charset="0"/>
-              <a:buChar char="•"/>
-            </a:pPr>
-            <a:r>
-              <a:rPr lang="en-US" dirty="0" smtClean="0"/>
-              <a:t>Baseline Hypothesis: representative will vote along party lines</a:t>
-            </a:r>
-          </a:p>
-          <a:p>
-            <a:pPr marL="1346926" lvl="1" indent="-285750">
-              <a:buFont typeface="Arial" pitchFamily="34" charset="0"/>
-              <a:buChar char="•"/>
-            </a:pPr>
-            <a:r>
-              <a:rPr lang="en-US" dirty="0" smtClean="0"/>
-              <a:t>Vote yes (1) if party of rep = party of sponsor</a:t>
-            </a:r>
-          </a:p>
-          <a:p>
-            <a:pPr marL="1346926" lvl="1" indent="-285750">
-              <a:buFont typeface="Arial" pitchFamily="34" charset="0"/>
-              <a:buChar char="•"/>
-            </a:pPr>
-            <a:r>
-              <a:rPr lang="en-US" dirty="0" smtClean="0"/>
-              <a:t>Vote no (0) otherwise</a:t>
-            </a:r>
-          </a:p>
-          <a:p>
-            <a:pPr marL="285750" indent="-285750">
-              <a:buFont typeface="Arial" pitchFamily="34" charset="0"/>
-              <a:buChar char="•"/>
-            </a:pPr>
-            <a:endParaRPr lang="en-US" dirty="0"/>
-          </a:p>
-        </p:txBody>
-      </p:sp>
-      <p:sp>
-        <p:nvSpPr>
-          <p:cNvPr id="8" name="Text Placeholder 7"/>
-          <p:cNvSpPr>
-            <a:spLocks noGrp="1"/>
-          </p:cNvSpPr>
-          <p:nvPr>
-            <p:ph type="body" sz="quarter" idx="22"/>
-          </p:nvPr>
-        </p:nvSpPr>
-        <p:spPr/>
+              <a:rPr lang="en-US" dirty="0" smtClean="0">
+                <a:solidFill>
+                  <a:schemeClr val="tx1"/>
+                </a:solidFill>
+              </a:rPr>
+              <a:t>When party sponsor is not a predominant factor for a representative, our optimized SVM captures other factors and performs well.</a:t>
+            </a:r>
+            <a:endParaRPr lang="en-US" dirty="0">
+              <a:solidFill>
+                <a:schemeClr val="tx1"/>
+              </a:solidFill>
+            </a:endParaRPr>
+          </a:p>
+        </p:txBody>
+      </p:sp>
+      <p:sp>
+        <p:nvSpPr>
+          <p:cNvPr id="22" name="Text Placeholder 21"/>
+          <p:cNvSpPr>
+            <a:spLocks noGrp="1"/>
+          </p:cNvSpPr>
+          <p:nvPr>
+            <p:ph type="body" sz="quarter" idx="118"/>
+          </p:nvPr>
+        </p:nvSpPr>
+        <p:spPr>
+          <a:xfrm>
+            <a:off x="16687800" y="11944004"/>
+            <a:ext cx="7542610" cy="606704"/>
+          </a:xfrm>
+        </p:spPr>
         <p:txBody>
           <a:bodyPr/>
           <a:lstStyle/>
           <a:p>
             <a:r>
               <a:rPr lang="en-US" dirty="0" smtClean="0"/>
-              <a:t>Methodology and </a:t>
-            </a:r>
-            <a:r>
-              <a:rPr lang="en-US" smtClean="0"/>
-              <a:t>Data Collection</a:t>
-            </a:r>
-            <a:endParaRPr lang="en-US" dirty="0"/>
-          </a:p>
-        </p:txBody>
-      </p:sp>
-      <p:sp>
-        <p:nvSpPr>
-          <p:cNvPr id="9" name="Text Placeholder 8"/>
-          <p:cNvSpPr>
-            <a:spLocks noGrp="1"/>
-          </p:cNvSpPr>
-          <p:nvPr>
-            <p:ph type="body" sz="quarter" idx="23"/>
-          </p:nvPr>
-        </p:nvSpPr>
-        <p:spPr>
-          <a:xfrm>
-            <a:off x="16693754" y="3997645"/>
-            <a:ext cx="7536656" cy="606704"/>
+              <a:t>Explanation of above graph</a:t>
+            </a:r>
+            <a:endParaRPr lang="en-US" dirty="0"/>
+          </a:p>
+        </p:txBody>
+      </p:sp>
+      <p:sp>
+        <p:nvSpPr>
+          <p:cNvPr id="23" name="Text Placeholder 22"/>
+          <p:cNvSpPr>
+            <a:spLocks noGrp="1"/>
+          </p:cNvSpPr>
+          <p:nvPr>
+            <p:ph type="body" sz="quarter" idx="119"/>
+          </p:nvPr>
+        </p:nvSpPr>
+        <p:spPr>
+          <a:xfrm>
+            <a:off x="16709809" y="15007650"/>
+            <a:ext cx="7542610" cy="606704"/>
           </a:xfrm>
         </p:spPr>
         <p:txBody>
@@ -17395,131 +18320,95 @@
           <a:p>
             <a:r>
               <a:rPr lang="en-US" dirty="0" smtClean="0"/>
-              <a:t>List of best SVMs. </a:t>
-            </a:r>
-            <a:r>
-              <a:rPr lang="en-US" dirty="0" smtClean="0"/>
-              <a:t>Graph of compared accuracies. Average accuracies</a:t>
-            </a:r>
-            <a:endParaRPr lang="en-US" dirty="0"/>
-          </a:p>
-        </p:txBody>
-      </p:sp>
-      <p:sp>
-        <p:nvSpPr>
-          <p:cNvPr id="10" name="Text Placeholder 9"/>
-          <p:cNvSpPr>
-            <a:spLocks noGrp="1"/>
-          </p:cNvSpPr>
-          <p:nvPr>
-            <p:ph type="body" sz="quarter" idx="24"/>
-          </p:nvPr>
-        </p:nvSpPr>
-        <p:spPr/>
+              <a:t>Explanation of pie chart</a:t>
+            </a:r>
+            <a:endParaRPr lang="en-US" dirty="0"/>
+          </a:p>
+        </p:txBody>
+      </p:sp>
+      <p:sp>
+        <p:nvSpPr>
+          <p:cNvPr id="24" name="Text Placeholder 23"/>
+          <p:cNvSpPr>
+            <a:spLocks noGrp="1"/>
+          </p:cNvSpPr>
+          <p:nvPr>
+            <p:ph type="body" sz="quarter" idx="120"/>
+          </p:nvPr>
+        </p:nvSpPr>
+        <p:spPr>
+          <a:xfrm>
+            <a:off x="16749566" y="18967494"/>
+            <a:ext cx="7542610" cy="606704"/>
+          </a:xfrm>
+        </p:spPr>
         <p:txBody>
           <a:bodyPr/>
           <a:lstStyle/>
           <a:p>
             <a:r>
               <a:rPr lang="en-US" dirty="0" smtClean="0"/>
-              <a:t>Results</a:t>
-            </a:r>
-            <a:endParaRPr lang="en-US" dirty="0"/>
-          </a:p>
-        </p:txBody>
-      </p:sp>
-      <p:sp>
-        <p:nvSpPr>
-          <p:cNvPr id="11" name="Text Placeholder 10"/>
-          <p:cNvSpPr>
-            <a:spLocks noGrp="1"/>
-          </p:cNvSpPr>
-          <p:nvPr>
-            <p:ph type="body" sz="quarter" idx="25"/>
-          </p:nvPr>
-        </p:nvSpPr>
-        <p:spPr/>
+              <a:t>Explanation of histogram</a:t>
+            </a:r>
+            <a:endParaRPr lang="en-US" dirty="0"/>
+          </a:p>
+        </p:txBody>
+      </p:sp>
+      <p:sp>
+        <p:nvSpPr>
+          <p:cNvPr id="25" name="Text Placeholder 24"/>
+          <p:cNvSpPr>
+            <a:spLocks noGrp="1"/>
+          </p:cNvSpPr>
+          <p:nvPr>
+            <p:ph type="body" sz="quarter" idx="121"/>
+          </p:nvPr>
+        </p:nvSpPr>
+        <p:spPr>
+          <a:xfrm>
+            <a:off x="24686420" y="12963638"/>
+            <a:ext cx="7542610" cy="883702"/>
+          </a:xfrm>
+        </p:spPr>
         <p:txBody>
           <a:bodyPr/>
           <a:lstStyle/>
           <a:p>
             <a:r>
               <a:rPr lang="en-US" dirty="0" smtClean="0"/>
-              <a:t>Conclusion and Future Work</a:t>
-            </a:r>
-            <a:endParaRPr lang="en-US" dirty="0"/>
-          </a:p>
-        </p:txBody>
-      </p:sp>
-      <p:sp>
-        <p:nvSpPr>
-          <p:cNvPr id="12" name="Text Placeholder 11"/>
-          <p:cNvSpPr>
-            <a:spLocks noGrp="1"/>
-          </p:cNvSpPr>
-          <p:nvPr>
-            <p:ph type="body" sz="quarter" idx="26"/>
-          </p:nvPr>
-        </p:nvSpPr>
-        <p:spPr>
-          <a:xfrm>
-            <a:off x="24694957" y="3997645"/>
-            <a:ext cx="7535264" cy="1548500"/>
-          </a:xfrm>
-        </p:spPr>
+              <a:t>Put a graphic in this column, from John or of a random bill, show how baseline did</a:t>
+            </a:r>
+            <a:endParaRPr lang="en-US" dirty="0"/>
+          </a:p>
+        </p:txBody>
+      </p:sp>
+      <p:sp>
+        <p:nvSpPr>
+          <p:cNvPr id="26" name="Text Placeholder 25"/>
+          <p:cNvSpPr>
+            <a:spLocks noGrp="1"/>
+          </p:cNvSpPr>
+          <p:nvPr>
+            <p:ph type="body" sz="quarter" idx="122"/>
+          </p:nvPr>
+        </p:nvSpPr>
+        <p:spPr/>
         <p:txBody>
           <a:bodyPr/>
           <a:lstStyle/>
           <a:p>
-            <a:pPr marL="285750" indent="-285750">
-              <a:buFont typeface="Arial" pitchFamily="34" charset="0"/>
-              <a:buChar char="•"/>
-            </a:pPr>
-            <a:r>
-              <a:rPr lang="en-US" dirty="0" smtClean="0"/>
-              <a:t>Run </a:t>
-            </a:r>
-            <a:r>
-              <a:rPr lang="en-US" dirty="0" err="1" smtClean="0"/>
-              <a:t>McNemar’s</a:t>
-            </a:r>
-            <a:r>
-              <a:rPr lang="en-US" dirty="0" smtClean="0"/>
-              <a:t> test on each representative’s optimized SVM against the baseline for each </a:t>
-            </a:r>
-            <a:r>
-              <a:rPr lang="en-US" dirty="0" smtClean="0"/>
-              <a:t>representative.</a:t>
-            </a:r>
-          </a:p>
-          <a:p>
-            <a:pPr marL="285750" indent="-285750">
-              <a:buFont typeface="Arial" pitchFamily="34" charset="0"/>
-              <a:buChar char="•"/>
-            </a:pPr>
-            <a:r>
-              <a:rPr lang="en-US" dirty="0" smtClean="0"/>
-              <a:t>Consider bill summary and bill category as further features. </a:t>
-            </a:r>
-            <a:endParaRPr lang="en-US" dirty="0" smtClean="0"/>
-          </a:p>
-          <a:p>
-            <a:pPr marL="285750" indent="-285750">
-              <a:buFont typeface="Arial" pitchFamily="34" charset="0"/>
-              <a:buChar char="•"/>
-            </a:pPr>
-            <a:endParaRPr lang="en-US" dirty="0"/>
-          </a:p>
-        </p:txBody>
-      </p:sp>
-      <p:sp>
-        <p:nvSpPr>
-          <p:cNvPr id="13" name="Text Placeholder 12"/>
-          <p:cNvSpPr>
-            <a:spLocks noGrp="1"/>
-          </p:cNvSpPr>
-          <p:nvPr>
-            <p:ph type="body" sz="quarter" idx="27"/>
+            <a:endParaRPr lang="en-US"/>
+          </a:p>
+        </p:txBody>
+      </p:sp>
+      <p:sp>
+        <p:nvSpPr>
+          <p:cNvPr id="27" name="Text Placeholder 26"/>
+          <p:cNvSpPr>
+            <a:spLocks noGrp="1"/>
+          </p:cNvSpPr>
+          <p:nvPr>
+            <p:ph type="body" sz="quarter" idx="123"/>
           </p:nvPr>
         </p:nvSpPr>
         <p:spPr/>
@@ -17527,128 +18416,256 @@
           <a:bodyPr/>
           <a:lstStyle/>
           <a:p>
-            <a:r>
-              <a:rPr lang="en-US" dirty="0" smtClean="0"/>
-              <a:t>References</a:t>
-            </a:r>
-            <a:endParaRPr lang="en-US" dirty="0"/>
-          </a:p>
-        </p:txBody>
-      </p:sp>
-      <p:sp>
-        <p:nvSpPr>
-          <p:cNvPr id="14" name="Text Placeholder 13"/>
-          <p:cNvSpPr>
-            <a:spLocks noGrp="1"/>
-          </p:cNvSpPr>
-          <p:nvPr>
-            <p:ph type="body" sz="quarter" idx="28"/>
-          </p:nvPr>
-        </p:nvSpPr>
-        <p:spPr/>
+            <a:endParaRPr lang="en-US" dirty="0"/>
+          </a:p>
+        </p:txBody>
+      </p:sp>
+      <p:sp>
+        <p:nvSpPr>
+          <p:cNvPr id="28" name="Text Placeholder 27"/>
+          <p:cNvSpPr>
+            <a:spLocks noGrp="1"/>
+          </p:cNvSpPr>
+          <p:nvPr>
+            <p:ph type="body" sz="quarter" idx="124"/>
+          </p:nvPr>
+        </p:nvSpPr>
+        <p:spPr>
+          <a:xfrm>
+            <a:off x="678141" y="16722503"/>
+            <a:ext cx="7542610" cy="883702"/>
+          </a:xfrm>
+        </p:spPr>
         <p:txBody>
           <a:bodyPr/>
           <a:lstStyle/>
           <a:p>
-            <a:endParaRPr lang="en-US" dirty="0"/>
-          </a:p>
-        </p:txBody>
-      </p:sp>
-      <p:sp>
-        <p:nvSpPr>
-          <p:cNvPr id="15" name="Text Placeholder 14"/>
-          <p:cNvSpPr>
-            <a:spLocks noGrp="1"/>
-          </p:cNvSpPr>
-          <p:nvPr>
-            <p:ph type="body" sz="quarter" idx="29"/>
-          </p:nvPr>
-        </p:nvSpPr>
-        <p:spPr/>
+            <a:r>
+              <a:rPr lang="en-US" dirty="0" smtClean="0"/>
+              <a:t>PUT A GRAPHIC IN THIS </a:t>
+            </a:r>
+            <a:r>
+              <a:rPr lang="en-US" dirty="0" smtClean="0"/>
+              <a:t>COLUMN, Histogram of number of bills for each rep</a:t>
+            </a:r>
+            <a:endParaRPr lang="en-US" dirty="0"/>
+          </a:p>
+        </p:txBody>
+      </p:sp>
+      <p:sp>
+        <p:nvSpPr>
+          <p:cNvPr id="29" name="Text Placeholder 28"/>
+          <p:cNvSpPr>
+            <a:spLocks noGrp="1"/>
+          </p:cNvSpPr>
+          <p:nvPr>
+            <p:ph type="body" sz="quarter" idx="125"/>
+          </p:nvPr>
+        </p:nvSpPr>
+        <p:spPr>
+          <a:xfrm>
+            <a:off x="24694957" y="19890995"/>
+            <a:ext cx="7542610" cy="1534303"/>
+          </a:xfrm>
+        </p:spPr>
         <p:txBody>
           <a:bodyPr/>
           <a:lstStyle/>
           <a:p>
-            <a:r>
-              <a:rPr lang="en-US" dirty="0" smtClean="0"/>
-              <a:t>Acknowledgements</a:t>
-            </a:r>
-            <a:endParaRPr lang="en-US" dirty="0"/>
-          </a:p>
-        </p:txBody>
-      </p:sp>
-      <p:sp>
-        <p:nvSpPr>
-          <p:cNvPr id="16" name="Text Placeholder 15"/>
-          <p:cNvSpPr>
-            <a:spLocks noGrp="1"/>
-          </p:cNvSpPr>
-          <p:nvPr>
-            <p:ph type="body" sz="quarter" idx="30"/>
-          </p:nvPr>
-        </p:nvSpPr>
-        <p:spPr>
-          <a:xfrm>
-            <a:off x="24691183" y="17622298"/>
-            <a:ext cx="7539038" cy="2268697"/>
-          </a:xfrm>
-        </p:spPr>
+            <a:pPr algn="ctr"/>
+            <a:r>
+              <a:rPr lang="en-US" dirty="0" err="1" smtClean="0"/>
+              <a:t>Jisha</a:t>
+            </a:r>
+            <a:r>
+              <a:rPr lang="en-US" dirty="0" smtClean="0"/>
+              <a:t> </a:t>
+            </a:r>
+            <a:r>
+              <a:rPr lang="en-US" dirty="0" err="1" smtClean="0"/>
+              <a:t>Kambo</a:t>
+            </a:r>
+            <a:r>
+              <a:rPr lang="en-US" dirty="0" smtClean="0"/>
+              <a:t>:	jk2228@cornell.edu</a:t>
+            </a:r>
+          </a:p>
+          <a:p>
+            <a:pPr algn="ctr"/>
+            <a:r>
+              <a:rPr lang="en-US" dirty="0" smtClean="0"/>
+              <a:t>John Oliver: 	jro67@cornell.edu</a:t>
+            </a:r>
+          </a:p>
+          <a:p>
+            <a:pPr algn="ctr"/>
+            <a:r>
+              <a:rPr lang="en-US" dirty="0" smtClean="0"/>
+              <a:t>Benjamin Shulman: 	bgs53@cornell.edu </a:t>
+            </a:r>
+            <a:endParaRPr lang="en-US" dirty="0"/>
+          </a:p>
+        </p:txBody>
+      </p:sp>
+      <p:sp>
+        <p:nvSpPr>
+          <p:cNvPr id="30" name="Picture Placeholder 29"/>
+          <p:cNvSpPr>
+            <a:spLocks noGrp="1"/>
+          </p:cNvSpPr>
+          <p:nvPr>
+            <p:ph type="pic" sz="quarter" idx="115"/>
+          </p:nvPr>
+        </p:nvSpPr>
+        <p:spPr/>
+      </p:sp>
+      <p:sp>
+        <p:nvSpPr>
+          <p:cNvPr id="31" name="Picture Placeholder 30"/>
+          <p:cNvSpPr>
+            <a:spLocks noGrp="1"/>
+          </p:cNvSpPr>
+          <p:nvPr>
+            <p:ph type="pic" sz="quarter" idx="126"/>
+          </p:nvPr>
+        </p:nvSpPr>
+        <p:spPr/>
+      </p:sp>
+      <p:sp>
+        <p:nvSpPr>
+          <p:cNvPr id="32" name="Picture Placeholder 31"/>
+          <p:cNvSpPr>
+            <a:spLocks noGrp="1"/>
+          </p:cNvSpPr>
+          <p:nvPr>
+            <p:ph type="pic" sz="quarter" idx="127"/>
+          </p:nvPr>
+        </p:nvSpPr>
+        <p:spPr/>
+      </p:sp>
+      <p:sp>
+        <p:nvSpPr>
+          <p:cNvPr id="33" name="Picture Placeholder 32"/>
+          <p:cNvSpPr>
+            <a:spLocks noGrp="1"/>
+          </p:cNvSpPr>
+          <p:nvPr>
+            <p:ph type="pic" sz="quarter" idx="128"/>
+          </p:nvPr>
+        </p:nvSpPr>
+        <p:spPr/>
+      </p:sp>
+      <p:sp>
+        <p:nvSpPr>
+          <p:cNvPr id="34" name="Picture Placeholder 33"/>
+          <p:cNvSpPr>
+            <a:spLocks noGrp="1"/>
+          </p:cNvSpPr>
+          <p:nvPr>
+            <p:ph type="pic" sz="quarter" idx="129"/>
+          </p:nvPr>
+        </p:nvSpPr>
+        <p:spPr/>
+      </p:sp>
+      <p:sp>
+        <p:nvSpPr>
+          <p:cNvPr id="35" name="Picture Placeholder 34"/>
+          <p:cNvSpPr>
+            <a:spLocks noGrp="1"/>
+          </p:cNvSpPr>
+          <p:nvPr>
+            <p:ph type="pic" sz="quarter" idx="130"/>
+          </p:nvPr>
+        </p:nvSpPr>
+        <p:spPr/>
+      </p:sp>
+      <p:sp>
+        <p:nvSpPr>
+          <p:cNvPr id="36" name="Picture Placeholder 35"/>
+          <p:cNvSpPr>
+            <a:spLocks noGrp="1"/>
+          </p:cNvSpPr>
+          <p:nvPr>
+            <p:ph type="pic" sz="quarter" idx="131"/>
+          </p:nvPr>
+        </p:nvSpPr>
+        <p:spPr/>
+      </p:sp>
+      <p:sp>
+        <p:nvSpPr>
+          <p:cNvPr id="37" name="Picture Placeholder 36"/>
+          <p:cNvSpPr>
+            <a:spLocks noGrp="1"/>
+          </p:cNvSpPr>
+          <p:nvPr>
+            <p:ph type="pic" sz="quarter" idx="132"/>
+          </p:nvPr>
+        </p:nvSpPr>
+        <p:spPr/>
+      </p:sp>
+      <p:sp>
+        <p:nvSpPr>
+          <p:cNvPr id="38" name="Picture Placeholder 37"/>
+          <p:cNvSpPr>
+            <a:spLocks noGrp="1"/>
+          </p:cNvSpPr>
+          <p:nvPr>
+            <p:ph type="pic" sz="quarter" idx="133"/>
+          </p:nvPr>
+        </p:nvSpPr>
+        <p:spPr/>
+      </p:sp>
+      <p:sp>
+        <p:nvSpPr>
+          <p:cNvPr id="39" name="Picture Placeholder 38"/>
+          <p:cNvSpPr>
+            <a:spLocks noGrp="1"/>
+          </p:cNvSpPr>
+          <p:nvPr>
+            <p:ph type="pic" sz="quarter" idx="134"/>
+          </p:nvPr>
+        </p:nvSpPr>
+        <p:spPr/>
+      </p:sp>
+      <p:sp>
+        <p:nvSpPr>
+          <p:cNvPr id="40" name="Picture Placeholder 39"/>
+          <p:cNvSpPr>
+            <a:spLocks noGrp="1"/>
+          </p:cNvSpPr>
+          <p:nvPr>
+            <p:ph type="pic" sz="quarter" idx="135"/>
+          </p:nvPr>
+        </p:nvSpPr>
+        <p:spPr/>
+      </p:sp>
+      <p:sp>
+        <p:nvSpPr>
+          <p:cNvPr id="41" name="Text Placeholder 40"/>
+          <p:cNvSpPr>
+            <a:spLocks noGrp="1"/>
+          </p:cNvSpPr>
+          <p:nvPr>
+            <p:ph type="body" sz="quarter" idx="136"/>
+          </p:nvPr>
+        </p:nvSpPr>
+        <p:spPr/>
         <p:txBody>
           <a:bodyPr/>
           <a:lstStyle/>
           <a:p>
-            <a:r>
-              <a:rPr lang="en-US" dirty="0" smtClean="0"/>
-              <a:t>Cornell University</a:t>
-            </a:r>
-          </a:p>
-          <a:p>
-            <a:r>
-              <a:rPr lang="en-US" dirty="0" smtClean="0"/>
-              <a:t>Thorsten </a:t>
-            </a:r>
-            <a:r>
-              <a:rPr lang="en-US" dirty="0" err="1" smtClean="0"/>
-              <a:t>Joachims</a:t>
-            </a:r>
-            <a:endParaRPr lang="en-US" dirty="0" smtClean="0"/>
-          </a:p>
-          <a:p>
-            <a:r>
-              <a:rPr lang="en-US" dirty="0" smtClean="0"/>
-              <a:t>Igor </a:t>
-            </a:r>
-            <a:r>
-              <a:rPr lang="en-US" dirty="0" err="1" smtClean="0"/>
-              <a:t>Labutov</a:t>
-            </a:r>
-            <a:endParaRPr lang="en-US" dirty="0" smtClean="0"/>
-          </a:p>
-          <a:p>
-            <a:r>
-              <a:rPr lang="en-US" dirty="0" smtClean="0"/>
-              <a:t>Govtrack.us</a:t>
-            </a:r>
-          </a:p>
-          <a:p>
-            <a:r>
-              <a:rPr lang="en-US" dirty="0" smtClean="0"/>
-              <a:t>CS4780 Teaching Assistants and Consultants</a:t>
-            </a:r>
-          </a:p>
-          <a:p>
-            <a:endParaRPr lang="en-US" dirty="0" smtClean="0"/>
-          </a:p>
-        </p:txBody>
-      </p:sp>
-      <p:sp>
-        <p:nvSpPr>
-          <p:cNvPr id="17" name="Text Placeholder 16"/>
-          <p:cNvSpPr>
-            <a:spLocks noGrp="1"/>
-          </p:cNvSpPr>
-          <p:nvPr>
-            <p:ph type="body" sz="quarter" idx="95"/>
+            <a:endParaRPr lang="en-US"/>
+          </a:p>
+        </p:txBody>
+      </p:sp>
+      <p:sp>
+        <p:nvSpPr>
+          <p:cNvPr id="42" name="Text Placeholder 41"/>
+          <p:cNvSpPr>
+            <a:spLocks noGrp="1"/>
+          </p:cNvSpPr>
+          <p:nvPr>
+            <p:ph type="body" sz="quarter" idx="137"/>
           </p:nvPr>
         </p:nvSpPr>
         <p:spPr/>
@@ -17662,86 +18679,50 @@
       </p:sp>
       <p:sp>
         <p:nvSpPr>
-          <p:cNvPr id="18" name="Text Placeholder 17"/>
-          <p:cNvSpPr>
-            <a:spLocks noGrp="1"/>
-          </p:cNvSpPr>
-          <p:nvPr>
-            <p:ph type="body" sz="quarter" idx="96"/>
-          </p:nvPr>
-        </p:nvSpPr>
-        <p:spPr>
-          <a:xfrm>
-            <a:off x="678141" y="9967702"/>
-            <a:ext cx="7542610" cy="2767295"/>
-          </a:xfrm>
-        </p:spPr>
+          <p:cNvPr id="43" name="Text Placeholder 42"/>
+          <p:cNvSpPr>
+            <a:spLocks noGrp="1"/>
+          </p:cNvSpPr>
+          <p:nvPr>
+            <p:ph type="body" sz="quarter" idx="138"/>
+          </p:nvPr>
+        </p:nvSpPr>
+        <p:spPr/>
         <p:txBody>
           <a:bodyPr/>
           <a:lstStyle/>
           <a:p>
-            <a:r>
-              <a:rPr lang="en-US" dirty="0" smtClean="0"/>
-              <a:t>Can we predict with high accuracy (above a baseline prediction) how a representative will vote on a given item in Congress?</a:t>
-            </a:r>
-          </a:p>
-          <a:p>
-            <a:endParaRPr lang="en-US" dirty="0"/>
-          </a:p>
-          <a:p>
-            <a:r>
-              <a:rPr lang="en-US" dirty="0" smtClean="0"/>
-              <a:t>What feature of a bill is most important to a representative when deciding how to vote on a bill?</a:t>
-            </a:r>
-          </a:p>
-          <a:p>
-            <a:endParaRPr lang="en-US" dirty="0"/>
-          </a:p>
-          <a:p>
-            <a:r>
-              <a:rPr lang="en-US" dirty="0" smtClean="0"/>
-              <a:t>Can we predict whether a bill will pass using individual representatives’ predictions?</a:t>
-            </a:r>
-            <a:endParaRPr lang="en-US" dirty="0"/>
-          </a:p>
-        </p:txBody>
-      </p:sp>
-      <p:sp>
-        <p:nvSpPr>
-          <p:cNvPr id="19" name="Text Placeholder 18"/>
-          <p:cNvSpPr>
-            <a:spLocks noGrp="1"/>
-          </p:cNvSpPr>
-          <p:nvPr>
-            <p:ph type="body" sz="quarter" idx="107"/>
-          </p:nvPr>
-        </p:nvSpPr>
-        <p:spPr>
-          <a:xfrm>
-            <a:off x="8684420" y="17575394"/>
-            <a:ext cx="7542610" cy="606704"/>
-          </a:xfrm>
-        </p:spPr>
+            <a:endParaRPr lang="en-US"/>
+          </a:p>
+        </p:txBody>
+      </p:sp>
+      <p:sp>
+        <p:nvSpPr>
+          <p:cNvPr id="44" name="Text Placeholder 43"/>
+          <p:cNvSpPr>
+            <a:spLocks noGrp="1"/>
+          </p:cNvSpPr>
+          <p:nvPr>
+            <p:ph type="body" sz="quarter" idx="139"/>
+          </p:nvPr>
+        </p:nvSpPr>
+        <p:spPr/>
         <p:txBody>
           <a:bodyPr/>
           <a:lstStyle/>
           <a:p>
-            <a:r>
-              <a:rPr lang="en-US" dirty="0" smtClean="0"/>
-              <a:t>PUT A GRAPHIC HERE</a:t>
-            </a:r>
-            <a:endParaRPr lang="en-US" dirty="0"/>
-          </a:p>
-        </p:txBody>
-      </p:sp>
-      <p:sp>
-        <p:nvSpPr>
-          <p:cNvPr id="20" name="Text Placeholder 19"/>
-          <p:cNvSpPr>
-            <a:spLocks noGrp="1"/>
-          </p:cNvSpPr>
-          <p:nvPr>
-            <p:ph type="body" sz="quarter" idx="116"/>
+            <a:endParaRPr lang="en-US"/>
+          </a:p>
+        </p:txBody>
+      </p:sp>
+      <p:sp>
+        <p:nvSpPr>
+          <p:cNvPr id="45" name="Text Placeholder 44"/>
+          <p:cNvSpPr>
+            <a:spLocks noGrp="1"/>
+          </p:cNvSpPr>
+          <p:nvPr>
+            <p:ph type="body" sz="quarter" idx="140"/>
           </p:nvPr>
         </p:nvSpPr>
         <p:spPr/>
@@ -17755,12 +18736,12 @@
       </p:sp>
       <p:sp>
         <p:nvSpPr>
-          <p:cNvPr id="21" name="Text Placeholder 20"/>
-          <p:cNvSpPr>
-            <a:spLocks noGrp="1"/>
-          </p:cNvSpPr>
-          <p:nvPr>
-            <p:ph type="body" sz="quarter" idx="117"/>
+          <p:cNvPr id="46" name="Text Placeholder 45"/>
+          <p:cNvSpPr>
+            <a:spLocks noGrp="1"/>
+          </p:cNvSpPr>
+          <p:nvPr>
+            <p:ph type="body" sz="quarter" idx="141"/>
           </p:nvPr>
         </p:nvSpPr>
         <p:spPr/>
@@ -17774,12 +18755,12 @@
       </p:sp>
       <p:sp>
         <p:nvSpPr>
-          <p:cNvPr id="22" name="Text Placeholder 21"/>
-          <p:cNvSpPr>
-            <a:spLocks noGrp="1"/>
-          </p:cNvSpPr>
-          <p:nvPr>
-            <p:ph type="body" sz="quarter" idx="118"/>
+          <p:cNvPr id="47" name="Text Placeholder 46"/>
+          <p:cNvSpPr>
+            <a:spLocks noGrp="1"/>
+          </p:cNvSpPr>
+          <p:nvPr>
+            <p:ph type="body" sz="quarter" idx="142"/>
           </p:nvPr>
         </p:nvSpPr>
         <p:spPr/>
@@ -17793,12 +18774,12 @@
       </p:sp>
       <p:sp>
         <p:nvSpPr>
-          <p:cNvPr id="23" name="Text Placeholder 22"/>
-          <p:cNvSpPr>
-            <a:spLocks noGrp="1"/>
-          </p:cNvSpPr>
-          <p:nvPr>
-            <p:ph type="body" sz="quarter" idx="119"/>
+          <p:cNvPr id="48" name="Text Placeholder 47"/>
+          <p:cNvSpPr>
+            <a:spLocks noGrp="1"/>
+          </p:cNvSpPr>
+          <p:nvPr>
+            <p:ph type="body" sz="quarter" idx="143"/>
           </p:nvPr>
         </p:nvSpPr>
         <p:spPr/>
@@ -17812,12 +18793,12 @@
       </p:sp>
       <p:sp>
         <p:nvSpPr>
-          <p:cNvPr id="24" name="Text Placeholder 23"/>
-          <p:cNvSpPr>
-            <a:spLocks noGrp="1"/>
-          </p:cNvSpPr>
-          <p:nvPr>
-            <p:ph type="body" sz="quarter" idx="120"/>
+          <p:cNvPr id="49" name="Text Placeholder 48"/>
+          <p:cNvSpPr>
+            <a:spLocks noGrp="1"/>
+          </p:cNvSpPr>
+          <p:nvPr>
+            <p:ph type="body" sz="quarter" idx="144"/>
           </p:nvPr>
         </p:nvSpPr>
         <p:spPr/>
@@ -17831,12 +18812,12 @@
       </p:sp>
       <p:sp>
         <p:nvSpPr>
-          <p:cNvPr id="25" name="Text Placeholder 24"/>
-          <p:cNvSpPr>
-            <a:spLocks noGrp="1"/>
-          </p:cNvSpPr>
-          <p:nvPr>
-            <p:ph type="body" sz="quarter" idx="121"/>
+          <p:cNvPr id="50" name="Text Placeholder 49"/>
+          <p:cNvSpPr>
+            <a:spLocks noGrp="1"/>
+          </p:cNvSpPr>
+          <p:nvPr>
+            <p:ph type="body" sz="quarter" idx="145"/>
           </p:nvPr>
         </p:nvSpPr>
         <p:spPr/>
@@ -17850,12 +18831,12 @@
       </p:sp>
       <p:sp>
         <p:nvSpPr>
-          <p:cNvPr id="26" name="Text Placeholder 25"/>
-          <p:cNvSpPr>
-            <a:spLocks noGrp="1"/>
-          </p:cNvSpPr>
-          <p:nvPr>
-            <p:ph type="body" sz="quarter" idx="122"/>
+          <p:cNvPr id="51" name="Text Placeholder 50"/>
+          <p:cNvSpPr>
+            <a:spLocks noGrp="1"/>
+          </p:cNvSpPr>
+          <p:nvPr>
+            <p:ph type="body" sz="quarter" idx="146"/>
           </p:nvPr>
         </p:nvSpPr>
         <p:spPr/>
@@ -17869,37 +18850,46 @@
       </p:sp>
       <p:sp>
         <p:nvSpPr>
-          <p:cNvPr id="27" name="Text Placeholder 26"/>
-          <p:cNvSpPr>
-            <a:spLocks noGrp="1"/>
-          </p:cNvSpPr>
-          <p:nvPr>
-            <p:ph type="body" sz="quarter" idx="123"/>
-          </p:nvPr>
-        </p:nvSpPr>
-        <p:spPr/>
+          <p:cNvPr id="52" name="Text Placeholder 51"/>
+          <p:cNvSpPr>
+            <a:spLocks noGrp="1"/>
+          </p:cNvSpPr>
+          <p:nvPr>
+            <p:ph type="body" sz="quarter" idx="147"/>
+          </p:nvPr>
+        </p:nvSpPr>
+        <p:spPr>
+          <a:xfrm>
+            <a:off x="24691183" y="6288347"/>
+            <a:ext cx="7537847" cy="531993"/>
+          </a:xfrm>
+        </p:spPr>
         <p:txBody>
           <a:bodyPr/>
           <a:lstStyle/>
           <a:p>
-            <a:endParaRPr lang="en-US"/>
-          </a:p>
-        </p:txBody>
-      </p:sp>
-      <p:sp>
-        <p:nvSpPr>
-          <p:cNvPr id="28" name="Text Placeholder 27"/>
-          <p:cNvSpPr>
-            <a:spLocks noGrp="1"/>
-          </p:cNvSpPr>
-          <p:nvPr>
-            <p:ph type="body" sz="quarter" idx="124"/>
-          </p:nvPr>
-        </p:nvSpPr>
-        <p:spPr>
-          <a:xfrm>
-            <a:off x="678141" y="16722503"/>
-            <a:ext cx="7542610" cy="606704"/>
+            <a:r>
+              <a:rPr lang="en-US" dirty="0" smtClean="0"/>
+              <a:t>Future Work</a:t>
+            </a:r>
+            <a:endParaRPr lang="en-US" dirty="0"/>
+          </a:p>
+        </p:txBody>
+      </p:sp>
+      <p:sp>
+        <p:nvSpPr>
+          <p:cNvPr id="53" name="Text Placeholder 52"/>
+          <p:cNvSpPr>
+            <a:spLocks noGrp="1"/>
+          </p:cNvSpPr>
+          <p:nvPr>
+            <p:ph type="body" sz="quarter" idx="148"/>
+          </p:nvPr>
+        </p:nvSpPr>
+        <p:spPr>
+          <a:xfrm>
+            <a:off x="8684420" y="12734997"/>
+            <a:ext cx="7537847" cy="531993"/>
           </a:xfrm>
         </p:spPr>
         <p:txBody>
@@ -17908,443 +18898,9 @@
           <a:p>
             <a:r>
               <a:rPr lang="en-US" dirty="0" smtClean="0"/>
-              <a:t>PUT A GRAPHIC IN THIS COLUMN</a:t>
-            </a:r>
-            <a:endParaRPr lang="en-US" dirty="0"/>
-          </a:p>
-        </p:txBody>
-      </p:sp>
-      <p:sp>
-        <p:nvSpPr>
-          <p:cNvPr id="29" name="Text Placeholder 28"/>
-          <p:cNvSpPr>
-            <a:spLocks noGrp="1"/>
-          </p:cNvSpPr>
-          <p:nvPr>
-            <p:ph type="body" sz="quarter" idx="125"/>
-          </p:nvPr>
-        </p:nvSpPr>
-        <p:spPr>
-          <a:xfrm>
-            <a:off x="24694957" y="19890995"/>
-            <a:ext cx="7542610" cy="1534303"/>
-          </a:xfrm>
-        </p:spPr>
-        <p:txBody>
-          <a:bodyPr/>
-          <a:lstStyle/>
-          <a:p>
-            <a:pPr algn="ctr"/>
-            <a:r>
-              <a:rPr lang="en-US" dirty="0" err="1" smtClean="0"/>
-              <a:t>Jisha</a:t>
-            </a:r>
-            <a:r>
-              <a:rPr lang="en-US" dirty="0" smtClean="0"/>
-              <a:t> </a:t>
-            </a:r>
-            <a:r>
-              <a:rPr lang="en-US" dirty="0" err="1" smtClean="0"/>
-              <a:t>Kambo</a:t>
-            </a:r>
-            <a:r>
-              <a:rPr lang="en-US" dirty="0" smtClean="0"/>
-              <a:t>:	jk2228@cornell.edu</a:t>
-            </a:r>
-          </a:p>
-          <a:p>
-            <a:pPr algn="ctr"/>
-            <a:r>
-              <a:rPr lang="en-US" dirty="0" smtClean="0"/>
-              <a:t>John Oliver: 	jro67@cornell.edu</a:t>
-            </a:r>
-          </a:p>
-          <a:p>
-            <a:pPr algn="ctr"/>
-            <a:r>
-              <a:rPr lang="en-US" dirty="0" smtClean="0"/>
-              <a:t>Benjamin Shulman: 	bgs53@cornell.edu </a:t>
-            </a:r>
-            <a:endParaRPr lang="en-US" dirty="0"/>
-          </a:p>
-        </p:txBody>
-      </p:sp>
-      <p:sp>
-        <p:nvSpPr>
-          <p:cNvPr id="30" name="Picture Placeholder 29"/>
-          <p:cNvSpPr>
-            <a:spLocks noGrp="1"/>
-          </p:cNvSpPr>
-          <p:nvPr>
-            <p:ph type="pic" sz="quarter" idx="115"/>
-          </p:nvPr>
-        </p:nvSpPr>
-        <p:spPr/>
-      </p:sp>
-      <p:sp>
-        <p:nvSpPr>
-          <p:cNvPr id="31" name="Picture Placeholder 30"/>
-          <p:cNvSpPr>
-            <a:spLocks noGrp="1"/>
-          </p:cNvSpPr>
-          <p:nvPr>
-            <p:ph type="pic" sz="quarter" idx="126"/>
-          </p:nvPr>
-        </p:nvSpPr>
-        <p:spPr/>
-      </p:sp>
-      <p:sp>
-        <p:nvSpPr>
-          <p:cNvPr id="32" name="Picture Placeholder 31"/>
-          <p:cNvSpPr>
-            <a:spLocks noGrp="1"/>
-          </p:cNvSpPr>
-          <p:nvPr>
-            <p:ph type="pic" sz="quarter" idx="127"/>
-          </p:nvPr>
-        </p:nvSpPr>
-        <p:spPr/>
-      </p:sp>
-      <p:sp>
-        <p:nvSpPr>
-          <p:cNvPr id="33" name="Picture Placeholder 32"/>
-          <p:cNvSpPr>
-            <a:spLocks noGrp="1"/>
-          </p:cNvSpPr>
-          <p:nvPr>
-            <p:ph type="pic" sz="quarter" idx="128"/>
-          </p:nvPr>
-        </p:nvSpPr>
-        <p:spPr/>
-      </p:sp>
-      <p:sp>
-        <p:nvSpPr>
-          <p:cNvPr id="34" name="Picture Placeholder 33"/>
-          <p:cNvSpPr>
-            <a:spLocks noGrp="1"/>
-          </p:cNvSpPr>
-          <p:nvPr>
-            <p:ph type="pic" sz="quarter" idx="129"/>
-          </p:nvPr>
-        </p:nvSpPr>
-        <p:spPr/>
-      </p:sp>
-      <p:sp>
-        <p:nvSpPr>
-          <p:cNvPr id="35" name="Picture Placeholder 34"/>
-          <p:cNvSpPr>
-            <a:spLocks noGrp="1"/>
-          </p:cNvSpPr>
-          <p:nvPr>
-            <p:ph type="pic" sz="quarter" idx="130"/>
-          </p:nvPr>
-        </p:nvSpPr>
-        <p:spPr/>
-      </p:sp>
-      <p:sp>
-        <p:nvSpPr>
-          <p:cNvPr id="36" name="Picture Placeholder 35"/>
-          <p:cNvSpPr>
-            <a:spLocks noGrp="1"/>
-          </p:cNvSpPr>
-          <p:nvPr>
-            <p:ph type="pic" sz="quarter" idx="131"/>
-          </p:nvPr>
-        </p:nvSpPr>
-        <p:spPr/>
-      </p:sp>
-      <p:sp>
-        <p:nvSpPr>
-          <p:cNvPr id="37" name="Picture Placeholder 36"/>
-          <p:cNvSpPr>
-            <a:spLocks noGrp="1"/>
-          </p:cNvSpPr>
-          <p:nvPr>
-            <p:ph type="pic" sz="quarter" idx="132"/>
-          </p:nvPr>
-        </p:nvSpPr>
-        <p:spPr/>
-      </p:sp>
-      <p:sp>
-        <p:nvSpPr>
-          <p:cNvPr id="38" name="Picture Placeholder 37"/>
-          <p:cNvSpPr>
-            <a:spLocks noGrp="1"/>
-          </p:cNvSpPr>
-          <p:nvPr>
-            <p:ph type="pic" sz="quarter" idx="133"/>
-          </p:nvPr>
-        </p:nvSpPr>
-        <p:spPr/>
-      </p:sp>
-      <p:sp>
-        <p:nvSpPr>
-          <p:cNvPr id="39" name="Picture Placeholder 38"/>
-          <p:cNvSpPr>
-            <a:spLocks noGrp="1"/>
-          </p:cNvSpPr>
-          <p:nvPr>
-            <p:ph type="pic" sz="quarter" idx="134"/>
-          </p:nvPr>
-        </p:nvSpPr>
-        <p:spPr/>
-      </p:sp>
-      <p:sp>
-        <p:nvSpPr>
-          <p:cNvPr id="40" name="Picture Placeholder 39"/>
-          <p:cNvSpPr>
-            <a:spLocks noGrp="1"/>
-          </p:cNvSpPr>
-          <p:nvPr>
-            <p:ph type="pic" sz="quarter" idx="135"/>
-          </p:nvPr>
-        </p:nvSpPr>
-        <p:spPr/>
-      </p:sp>
-      <p:sp>
-        <p:nvSpPr>
-          <p:cNvPr id="41" name="Text Placeholder 40"/>
-          <p:cNvSpPr>
-            <a:spLocks noGrp="1"/>
-          </p:cNvSpPr>
-          <p:nvPr>
-            <p:ph type="body" sz="quarter" idx="136"/>
-          </p:nvPr>
-        </p:nvSpPr>
-        <p:spPr/>
-        <p:txBody>
-          <a:bodyPr/>
-          <a:lstStyle/>
-          <a:p>
-            <a:endParaRPr lang="en-US"/>
-          </a:p>
-        </p:txBody>
-      </p:sp>
-      <p:sp>
-        <p:nvSpPr>
-          <p:cNvPr id="42" name="Text Placeholder 41"/>
-          <p:cNvSpPr>
-            <a:spLocks noGrp="1"/>
-          </p:cNvSpPr>
-          <p:nvPr>
-            <p:ph type="body" sz="quarter" idx="137"/>
-          </p:nvPr>
-        </p:nvSpPr>
-        <p:spPr/>
-        <p:txBody>
-          <a:bodyPr/>
-          <a:lstStyle/>
-          <a:p>
-            <a:endParaRPr lang="en-US"/>
-          </a:p>
-        </p:txBody>
-      </p:sp>
-      <p:sp>
-        <p:nvSpPr>
-          <p:cNvPr id="43" name="Text Placeholder 42"/>
-          <p:cNvSpPr>
-            <a:spLocks noGrp="1"/>
-          </p:cNvSpPr>
-          <p:nvPr>
-            <p:ph type="body" sz="quarter" idx="138"/>
-          </p:nvPr>
-        </p:nvSpPr>
-        <p:spPr/>
-        <p:txBody>
-          <a:bodyPr/>
-          <a:lstStyle/>
-          <a:p>
-            <a:endParaRPr lang="en-US"/>
-          </a:p>
-        </p:txBody>
-      </p:sp>
-      <p:sp>
-        <p:nvSpPr>
-          <p:cNvPr id="44" name="Text Placeholder 43"/>
-          <p:cNvSpPr>
-            <a:spLocks noGrp="1"/>
-          </p:cNvSpPr>
-          <p:nvPr>
-            <p:ph type="body" sz="quarter" idx="139"/>
-          </p:nvPr>
-        </p:nvSpPr>
-        <p:spPr/>
-        <p:txBody>
-          <a:bodyPr/>
-          <a:lstStyle/>
-          <a:p>
-            <a:endParaRPr lang="en-US"/>
-          </a:p>
-        </p:txBody>
-      </p:sp>
-      <p:sp>
-        <p:nvSpPr>
-          <p:cNvPr id="45" name="Text Placeholder 44"/>
-          <p:cNvSpPr>
-            <a:spLocks noGrp="1"/>
-          </p:cNvSpPr>
-          <p:nvPr>
-            <p:ph type="body" sz="quarter" idx="140"/>
-          </p:nvPr>
-        </p:nvSpPr>
-        <p:spPr/>
-        <p:txBody>
-          <a:bodyPr/>
-          <a:lstStyle/>
-          <a:p>
-            <a:endParaRPr lang="en-US"/>
-          </a:p>
-        </p:txBody>
-      </p:sp>
-      <p:sp>
-        <p:nvSpPr>
-          <p:cNvPr id="46" name="Text Placeholder 45"/>
-          <p:cNvSpPr>
-            <a:spLocks noGrp="1"/>
-          </p:cNvSpPr>
-          <p:nvPr>
-            <p:ph type="body" sz="quarter" idx="141"/>
-          </p:nvPr>
-        </p:nvSpPr>
-        <p:spPr/>
-        <p:txBody>
-          <a:bodyPr/>
-          <a:lstStyle/>
-          <a:p>
-            <a:endParaRPr lang="en-US"/>
-          </a:p>
-        </p:txBody>
-      </p:sp>
-      <p:sp>
-        <p:nvSpPr>
-          <p:cNvPr id="47" name="Text Placeholder 46"/>
-          <p:cNvSpPr>
-            <a:spLocks noGrp="1"/>
-          </p:cNvSpPr>
-          <p:nvPr>
-            <p:ph type="body" sz="quarter" idx="142"/>
-          </p:nvPr>
-        </p:nvSpPr>
-        <p:spPr/>
-        <p:txBody>
-          <a:bodyPr/>
-          <a:lstStyle/>
-          <a:p>
-            <a:endParaRPr lang="en-US"/>
-          </a:p>
-        </p:txBody>
-      </p:sp>
-      <p:sp>
-        <p:nvSpPr>
-          <p:cNvPr id="48" name="Text Placeholder 47"/>
-          <p:cNvSpPr>
-            <a:spLocks noGrp="1"/>
-          </p:cNvSpPr>
-          <p:nvPr>
-            <p:ph type="body" sz="quarter" idx="143"/>
-          </p:nvPr>
-        </p:nvSpPr>
-        <p:spPr/>
-        <p:txBody>
-          <a:bodyPr/>
-          <a:lstStyle/>
-          <a:p>
-            <a:endParaRPr lang="en-US"/>
-          </a:p>
-        </p:txBody>
-      </p:sp>
-      <p:sp>
-        <p:nvSpPr>
-          <p:cNvPr id="49" name="Text Placeholder 48"/>
-          <p:cNvSpPr>
-            <a:spLocks noGrp="1"/>
-          </p:cNvSpPr>
-          <p:nvPr>
-            <p:ph type="body" sz="quarter" idx="144"/>
-          </p:nvPr>
-        </p:nvSpPr>
-        <p:spPr/>
-        <p:txBody>
-          <a:bodyPr/>
-          <a:lstStyle/>
-          <a:p>
-            <a:endParaRPr lang="en-US"/>
-          </a:p>
-        </p:txBody>
-      </p:sp>
-      <p:sp>
-        <p:nvSpPr>
-          <p:cNvPr id="50" name="Text Placeholder 49"/>
-          <p:cNvSpPr>
-            <a:spLocks noGrp="1"/>
-          </p:cNvSpPr>
-          <p:nvPr>
-            <p:ph type="body" sz="quarter" idx="145"/>
-          </p:nvPr>
-        </p:nvSpPr>
-        <p:spPr/>
-        <p:txBody>
-          <a:bodyPr/>
-          <a:lstStyle/>
-          <a:p>
-            <a:endParaRPr lang="en-US"/>
-          </a:p>
-        </p:txBody>
-      </p:sp>
-      <p:sp>
-        <p:nvSpPr>
-          <p:cNvPr id="51" name="Text Placeholder 50"/>
-          <p:cNvSpPr>
-            <a:spLocks noGrp="1"/>
-          </p:cNvSpPr>
-          <p:nvPr>
-            <p:ph type="body" sz="quarter" idx="146"/>
-          </p:nvPr>
-        </p:nvSpPr>
-        <p:spPr/>
-        <p:txBody>
-          <a:bodyPr/>
-          <a:lstStyle/>
-          <a:p>
-            <a:endParaRPr lang="en-US"/>
-          </a:p>
-        </p:txBody>
-      </p:sp>
-      <p:sp>
-        <p:nvSpPr>
-          <p:cNvPr id="52" name="Text Placeholder 51"/>
-          <p:cNvSpPr>
-            <a:spLocks noGrp="1"/>
-          </p:cNvSpPr>
-          <p:nvPr>
-            <p:ph type="body" sz="quarter" idx="147"/>
-          </p:nvPr>
-        </p:nvSpPr>
-        <p:spPr/>
-        <p:txBody>
-          <a:bodyPr/>
-          <a:lstStyle/>
-          <a:p>
-            <a:endParaRPr lang="en-US"/>
-          </a:p>
-        </p:txBody>
-      </p:sp>
-      <p:sp>
-        <p:nvSpPr>
-          <p:cNvPr id="53" name="Text Placeholder 52"/>
-          <p:cNvSpPr>
-            <a:spLocks noGrp="1"/>
-          </p:cNvSpPr>
-          <p:nvPr>
-            <p:ph type="body" sz="quarter" idx="148"/>
-          </p:nvPr>
-        </p:nvSpPr>
-        <p:spPr/>
-        <p:txBody>
-          <a:bodyPr/>
-          <a:lstStyle/>
-          <a:p>
-            <a:endParaRPr lang="en-US"/>
+              <a:t>Methodology</a:t>
+            </a:r>
+            <a:endParaRPr lang="en-US" dirty="0"/>
           </a:p>
         </p:txBody>
       </p:sp>
@@ -18520,6 +19076,143 @@
           </a:xfrm>
         </p:spPr>
       </p:pic>
+      <p:sp>
+        <p:nvSpPr>
+          <p:cNvPr id="4" name="Rectangle 3"/>
+          <p:cNvSpPr/>
+          <p:nvPr/>
+        </p:nvSpPr>
+        <p:spPr>
+          <a:xfrm>
+            <a:off x="895350" y="21425298"/>
+            <a:ext cx="2085975" cy="367902"/>
+          </a:xfrm>
+          <a:prstGeom prst="rect">
+            <a:avLst/>
+          </a:prstGeom>
+          <a:solidFill>
+            <a:schemeClr val="tx1">
+              <a:lumMod val="85000"/>
+              <a:lumOff val="15000"/>
+            </a:schemeClr>
+          </a:solidFill>
+          <a:ln>
+            <a:solidFill>
+              <a:schemeClr val="tx1">
+                <a:lumMod val="85000"/>
+                <a:lumOff val="15000"/>
+              </a:schemeClr>
+            </a:solidFill>
+          </a:ln>
+        </p:spPr>
+        <p:style>
+          <a:lnRef idx="2">
+            <a:schemeClr val="dk1">
+              <a:shade val="50000"/>
+            </a:schemeClr>
+          </a:lnRef>
+          <a:fillRef idx="1">
+            <a:schemeClr val="dk1"/>
+          </a:fillRef>
+          <a:effectRef idx="0">
+            <a:schemeClr val="dk1"/>
+          </a:effectRef>
+          <a:fontRef idx="minor">
+            <a:schemeClr val="lt1"/>
+          </a:fontRef>
+        </p:style>
+        <p:txBody>
+          <a:bodyPr rtlCol="0" anchor="ctr"/>
+          <a:lstStyle/>
+          <a:p>
+            <a:pPr algn="ctr"/>
+            <a:endParaRPr lang="en-US"/>
+          </a:p>
+        </p:txBody>
+      </p:sp>
+      <p:sp>
+        <p:nvSpPr>
+          <p:cNvPr id="5" name="Text Placeholder 4"/>
+          <p:cNvSpPr>
+            <a:spLocks noGrp="1"/>
+          </p:cNvSpPr>
+          <p:nvPr>
+            <p:ph type="body" sz="quarter" idx="107"/>
+          </p:nvPr>
+        </p:nvSpPr>
+        <p:spPr/>
+        <p:txBody>
+          <a:bodyPr/>
+          <a:lstStyle/>
+          <a:p>
+            <a:endParaRPr lang="en-US"/>
+          </a:p>
+        </p:txBody>
+      </p:sp>
+      <p:pic>
+        <p:nvPicPr>
+          <p:cNvPr id="1026" name="Picture 2"/>
+          <p:cNvPicPr>
+            <a:picLocks noChangeAspect="1" noChangeArrowheads="1"/>
+          </p:cNvPicPr>
+          <p:nvPr/>
+        </p:nvPicPr>
+        <p:blipFill>
+          <a:blip r:embed="rId5">
+            <a:extLst>
+              <a:ext uri="{28A0092B-C50C-407E-A947-70E740481C1C}">
+                <a14:useLocalDpi xmlns:a14="http://schemas.microsoft.com/office/drawing/2010/main" val="0"/>
+              </a:ext>
+            </a:extLst>
+          </a:blip>
+          <a:srcRect/>
+          <a:stretch>
+            <a:fillRect/>
+          </a:stretch>
+        </p:blipFill>
+        <p:spPr bwMode="auto">
+          <a:xfrm>
+            <a:off x="16749566" y="7069397"/>
+            <a:ext cx="7453016" cy="5408612"/>
+          </a:xfrm>
+          <a:prstGeom prst="rect">
+            <a:avLst/>
+          </a:prstGeom>
+          <a:noFill/>
+          <a:ln>
+            <a:noFill/>
+          </a:ln>
+          <a:effectLst/>
+          <a:extLst>
+            <a:ext uri="{909E8E84-426E-40DD-AFC4-6F175D3DCCD1}">
+              <a14:hiddenFill xmlns:a14="http://schemas.microsoft.com/office/drawing/2010/main">
+                <a:solidFill>
+                  <a:schemeClr val="accent1"/>
+                </a:solidFill>
+              </a14:hiddenFill>
+            </a:ext>
+            <a:ext uri="{91240B29-F687-4F45-9708-019B960494DF}">
+              <a14:hiddenLine xmlns:a14="http://schemas.microsoft.com/office/drawing/2010/main" w="9525">
+                <a:solidFill>
+                  <a:schemeClr val="tx1"/>
+                </a:solidFill>
+                <a:miter lim="800000"/>
+                <a:headEnd/>
+                <a:tailEnd/>
+              </a14:hiddenLine>
+            </a:ext>
+            <a:ext uri="{AF507438-7753-43E0-B8FC-AC1667EBCBE1}">
+              <a14:hiddenEffects xmlns:a14="http://schemas.microsoft.com/office/drawing/2010/main">
+                <a:effectLst>
+                  <a:outerShdw dist="35921" dir="2700000" algn="ctr" rotWithShape="0">
+                    <a:schemeClr val="bg2"/>
+                  </a:outerShdw>
+                </a:effectLst>
+              </a14:hiddenEffects>
+            </a:ext>
+          </a:extLst>
+        </p:spPr>
+      </p:pic>
     </p:spTree>
     <p:extLst>
       <p:ext uri="{BB962C8B-B14F-4D97-AF65-F5344CB8AC3E}">
@@ -18530,6 +19223,13 @@
   <p:clrMapOvr>
     <a:masterClrMapping/>
   </p:clrMapOvr>
+  <p:timing>
+    <p:tnLst>
+      <p:par>
+        <p:cTn id="1" dur="indefinite" restart="never" nodeType="tmRoot"/>
+      </p:par>
+    </p:tnLst>
+  </p:timing>
 </p:sld>
 </file>
 

--- a/Poster/Poster.pptx
+++ b/Poster/Poster.pptx
@@ -16913,15 +16913,7 @@
                   <a:schemeClr val="tx1"/>
                 </a:solidFill>
               </a:rPr>
-              <a:t>Representative vote prediction could give insight into representatives’ actual beliefs and platforms</a:t>
-            </a:r>
-            <a:r>
-              <a:rPr lang="en-US" dirty="0" smtClean="0">
-                <a:solidFill>
-                  <a:schemeClr val="tx1"/>
-                </a:solidFill>
-              </a:rPr>
-              <a:t>.</a:t>
+              <a:t>Representative vote prediction could give insight into representatives’ actual beliefs and platforms.</a:t>
             </a:r>
           </a:p>
           <a:p>
@@ -16937,11 +16929,6 @@
               </a:rPr>
               <a:t>It’s cool to predict political actions.</a:t>
             </a:r>
-            <a:endParaRPr lang="en-US" dirty="0" smtClean="0">
-              <a:solidFill>
-                <a:schemeClr val="tx1"/>
-              </a:solidFill>
-            </a:endParaRPr>
           </a:p>
           <a:p>
             <a:pPr marL="285750" indent="-285750">
@@ -17000,15 +16987,7 @@
                   <a:schemeClr val="tx1"/>
                 </a:solidFill>
               </a:rPr>
-              <a:t>Previous work extended the ideal point model from political science</a:t>
-            </a:r>
-            <a:r>
-              <a:rPr lang="en-US" dirty="0" smtClean="0">
-                <a:solidFill>
-                  <a:schemeClr val="tx1"/>
-                </a:solidFill>
-              </a:rPr>
-              <a:t>.</a:t>
+              <a:t>Previous work extended the ideal point model from political science.</a:t>
             </a:r>
           </a:p>
         </p:txBody>
@@ -17159,15 +17138,7 @@
                   <a:schemeClr val="tx1"/>
                 </a:solidFill>
               </a:rPr>
-              <a:t>Pulled information for each </a:t>
-            </a:r>
-            <a:r>
-              <a:rPr lang="en-US" dirty="0" smtClean="0">
-                <a:solidFill>
-                  <a:schemeClr val="tx1"/>
-                </a:solidFill>
-              </a:rPr>
-              <a:t>bill</a:t>
+              <a:t>Pulled information for each bill</a:t>
             </a:r>
             <a:endParaRPr lang="en-US" dirty="0">
               <a:solidFill>
@@ -17393,11 +17364,7 @@
           <a:p>
             <a:r>
               <a:rPr lang="en-US" dirty="0" smtClean="0"/>
-              <a:t>Data </a:t>
-            </a:r>
-            <a:r>
-              <a:rPr lang="en-US" dirty="0" smtClean="0"/>
-              <a:t>Collection</a:t>
+              <a:t>Data Collection</a:t>
             </a:r>
             <a:endParaRPr lang="en-US" dirty="0"/>
           </a:p>
@@ -17449,15 +17416,7 @@
             </a:pPr>
             <a:r>
               <a:rPr lang="en-US" dirty="0" smtClean="0"/>
-              <a:t>Range of test accuracies for baseline: [54.22%,</a:t>
-            </a:r>
-            <a:r>
-              <a:rPr lang="en-US" dirty="0" smtClean="0"/>
-              <a:t>100%</a:t>
-            </a:r>
-            <a:r>
-              <a:rPr lang="en-US" dirty="0" smtClean="0"/>
-              <a:t>]</a:t>
+              <a:t>Range of test accuracies for baseline: [54.22%,100%]</a:t>
             </a:r>
           </a:p>
           <a:p>
@@ -17479,7 +17438,6 @@
               <a:rPr lang="en-US" dirty="0" smtClean="0"/>
               <a:t>Generally Optimized SVM performed better than baseline on a per representative basis.</a:t>
             </a:r>
-            <a:endParaRPr lang="en-US" dirty="0" smtClean="0"/>
           </a:p>
         </p:txBody>
       </p:sp>
@@ -17575,15 +17533,7 @@
                   <a:schemeClr val="tx1"/>
                 </a:solidFill>
               </a:rPr>
-              <a:t> test on each representative’s optimized SVM against the baseline for each representative</a:t>
-            </a:r>
-            <a:r>
-              <a:rPr lang="en-US" dirty="0" smtClean="0">
-                <a:solidFill>
-                  <a:schemeClr val="tx1"/>
-                </a:solidFill>
-              </a:rPr>
-              <a:t>.</a:t>
+              <a:t> test on each representative’s optimized SVM against the baseline for each representative.</a:t>
             </a:r>
           </a:p>
           <a:p>
@@ -17605,7 +17555,7 @@
                   <a:schemeClr val="tx1"/>
                 </a:solidFill>
               </a:rPr>
-              <a:t>Mcnemar’s</a:t>
+              <a:t>McNemar’s</a:t>
             </a:r>
             <a:r>
               <a:rPr lang="en-US" dirty="0" smtClean="0">
@@ -17613,7 +17563,15 @@
                   <a:schemeClr val="tx1"/>
                 </a:solidFill>
               </a:rPr>
-              <a:t> tests to determine if optimized SVMs are likely better than baseline hypothesis.</a:t>
+              <a:t> </a:t>
+            </a:r>
+            <a:r>
+              <a:rPr lang="en-US" dirty="0" smtClean="0">
+                <a:solidFill>
+                  <a:schemeClr val="tx1"/>
+                </a:solidFill>
+              </a:rPr>
+              <a:t>tests to determine if optimized SVMs are likely better than baseline hypothesis.</a:t>
             </a:r>
           </a:p>
           <a:p>
@@ -17629,11 +17587,6 @@
               </a:rPr>
               <a:t>Separate bills into categories using clustering on bill summaries.</a:t>
             </a:r>
-            <a:endParaRPr lang="en-US" dirty="0" smtClean="0">
-              <a:solidFill>
-                <a:schemeClr val="tx1"/>
-              </a:solidFill>
-            </a:endParaRPr>
           </a:p>
           <a:p>
             <a:pPr marL="285750" indent="-285750">
@@ -17646,31 +17599,7 @@
                   <a:schemeClr val="tx1"/>
                 </a:solidFill>
               </a:rPr>
-              <a:t>Consider bill summary and bill </a:t>
-            </a:r>
-            <a:r>
-              <a:rPr lang="en-US" dirty="0" smtClean="0">
-                <a:solidFill>
-                  <a:schemeClr val="tx1"/>
-                </a:solidFill>
-              </a:rPr>
-              <a:t>categories</a:t>
-            </a:r>
-            <a:r>
-              <a:rPr lang="en-US" dirty="0" smtClean="0">
-                <a:solidFill>
-                  <a:schemeClr val="tx1"/>
-                </a:solidFill>
-              </a:rPr>
-              <a:t> </a:t>
-            </a:r>
-            <a:r>
-              <a:rPr lang="en-US" dirty="0" smtClean="0">
-                <a:solidFill>
-                  <a:schemeClr val="tx1"/>
-                </a:solidFill>
-              </a:rPr>
-              <a:t>as further features. </a:t>
+              <a:t>Consider bill summary and bill categories as further features. </a:t>
             </a:r>
           </a:p>
           <a:p>
@@ -17684,15 +17613,7 @@
                   <a:schemeClr val="tx1"/>
                 </a:solidFill>
               </a:rPr>
-              <a:t>Consider bill summary and bill categories as isolated feature sets</a:t>
-            </a:r>
-            <a:r>
-              <a:rPr lang="en-US" dirty="0" smtClean="0">
-                <a:solidFill>
-                  <a:schemeClr val="tx1"/>
-                </a:solidFill>
-              </a:rPr>
-              <a:t>.</a:t>
+              <a:t>Consider bill summary and bill categories as isolated feature sets.</a:t>
             </a:r>
           </a:p>
           <a:p>
@@ -17904,23 +17825,7 @@
                   <a:schemeClr val="tx1"/>
                 </a:solidFill>
               </a:rPr>
-              <a:t>Can we predict with high accuracy (above a baseline prediction) how a representative will vote on a given </a:t>
-            </a:r>
-            <a:r>
-              <a:rPr lang="en-US" dirty="0" smtClean="0">
-                <a:solidFill>
-                  <a:schemeClr val="tx1"/>
-                </a:solidFill>
-              </a:rPr>
-              <a:t>bill </a:t>
-            </a:r>
-            <a:r>
-              <a:rPr lang="en-US" dirty="0" smtClean="0">
-                <a:solidFill>
-                  <a:schemeClr val="tx1"/>
-                </a:solidFill>
-              </a:rPr>
-              <a:t>in Congress?</a:t>
+              <a:t>Can we predict with high accuracy (above a baseline prediction) how a representative will vote on a given bill in Congress?</a:t>
             </a:r>
           </a:p>
           <a:p>
@@ -18167,8 +18072,21 @@
                   <a:schemeClr val="tx1"/>
                 </a:solidFill>
               </a:rPr>
-              <a:t>Bill Passage Prediction</a:t>
-            </a:r>
+              <a:t>Bill Passage </a:t>
+            </a:r>
+            <a:r>
+              <a:rPr lang="en-US" dirty="0" smtClean="0">
+                <a:solidFill>
+                  <a:schemeClr val="tx1"/>
+                </a:solidFill>
+              </a:rPr>
+              <a:t>Prediction (JOHNS STUFF)</a:t>
+            </a:r>
+            <a:endParaRPr lang="en-US" dirty="0" smtClean="0">
+              <a:solidFill>
+                <a:schemeClr val="tx1"/>
+              </a:solidFill>
+            </a:endParaRPr>
           </a:p>
           <a:p>
             <a:pPr marL="1346926" lvl="1" indent="-285750">
@@ -18213,7 +18131,7 @@
         <p:spPr>
           <a:xfrm>
             <a:off x="24686420" y="4300997"/>
-            <a:ext cx="7542610" cy="1770099"/>
+            <a:ext cx="7542610" cy="2102498"/>
           </a:xfrm>
         </p:spPr>
         <p:txBody>
@@ -18238,15 +18156,7 @@
                   <a:schemeClr val="tx1"/>
                 </a:solidFill>
               </a:rPr>
-              <a:t>epresentatives with lower baseline accuracy tended </a:t>
-            </a:r>
-            <a:r>
-              <a:rPr lang="en-US" dirty="0" smtClean="0">
-                <a:solidFill>
-                  <a:schemeClr val="tx1"/>
-                </a:solidFill>
-              </a:rPr>
-              <a:t>to have much higher accuracies with the optimized SVM.</a:t>
+              <a:t>epresentatives with lower baseline accuracy tended to have much higher accuracies with the optimized SVM.</a:t>
             </a:r>
           </a:p>
           <a:p>
@@ -18260,7 +18170,29 @@
                   <a:schemeClr val="tx1"/>
                 </a:solidFill>
               </a:rPr>
-              <a:t>When party sponsor is not a predominant factor for a representative, our optimized SVM captures other factors and performs well.</a:t>
+              <a:t>When party sponsor is not a predominant factor for a representative, our optimized SVM captures other factors and performs well</a:t>
+            </a:r>
+            <a:r>
+              <a:rPr lang="en-US" dirty="0" smtClean="0">
+                <a:solidFill>
+                  <a:schemeClr val="tx1"/>
+                </a:solidFill>
+              </a:rPr>
+              <a:t>.</a:t>
+            </a:r>
+          </a:p>
+          <a:p>
+            <a:pPr marL="285750" indent="-285750">
+              <a:buFont typeface="Arial" pitchFamily="34" charset="0"/>
+              <a:buChar char="•"/>
+            </a:pPr>
+            <a:r>
+              <a:rPr lang="en-US" dirty="0" smtClean="0">
+                <a:solidFill>
+                  <a:schemeClr val="tx1"/>
+                </a:solidFill>
+              </a:rPr>
+              <a:t>Conclusions from JOHN</a:t>
             </a:r>
             <a:endParaRPr lang="en-US" dirty="0">
               <a:solidFill>
@@ -18282,7 +18214,7 @@
         </p:nvSpPr>
         <p:spPr>
           <a:xfrm>
-            <a:off x="16687800" y="11944004"/>
+            <a:off x="16687800" y="12550362"/>
             <a:ext cx="7542610" cy="606704"/>
           </a:xfrm>
         </p:spPr>
@@ -18442,11 +18374,7 @@
           <a:p>
             <a:r>
               <a:rPr lang="en-US" dirty="0" smtClean="0"/>
-              <a:t>PUT A GRAPHIC IN THIS </a:t>
-            </a:r>
-            <a:r>
-              <a:rPr lang="en-US" dirty="0" smtClean="0"/>
-              <a:t>COLUMN, Histogram of number of bills for each rep</a:t>
+              <a:t>PUT A GRAPHIC IN THIS COLUMN, Histogram of number of bills for each rep</a:t>
             </a:r>
             <a:endParaRPr lang="en-US" dirty="0"/>
           </a:p>
@@ -18507,30 +18435,56 @@
           </a:p>
         </p:txBody>
       </p:sp>
-      <p:sp>
-        <p:nvSpPr>
-          <p:cNvPr id="30" name="Picture Placeholder 29"/>
-          <p:cNvSpPr>
-            <a:spLocks noGrp="1"/>
-          </p:cNvSpPr>
+      <p:pic>
+        <p:nvPicPr>
+          <p:cNvPr id="19" name="Picture Placeholder 18"/>
+          <p:cNvPicPr>
+            <a:picLocks noGrp="1" noChangeAspect="1"/>
+          </p:cNvPicPr>
           <p:nvPr>
             <p:ph type="pic" sz="quarter" idx="115"/>
           </p:nvPr>
-        </p:nvSpPr>
+        </p:nvPicPr>
+        <p:blipFill>
+          <a:blip r:embed="rId3">
+            <a:extLst>
+              <a:ext uri="{28A0092B-C50C-407E-A947-70E740481C1C}">
+                <a14:useLocalDpi xmlns:a14="http://schemas.microsoft.com/office/drawing/2010/main" val="0"/>
+              </a:ext>
+            </a:extLst>
+          </a:blip>
+          <a:srcRect t="7219" b="7219"/>
+          <a:stretch>
+            <a:fillRect/>
+          </a:stretch>
+        </p:blipFill>
         <p:spPr/>
-      </p:sp>
-      <p:sp>
-        <p:nvSpPr>
-          <p:cNvPr id="31" name="Picture Placeholder 30"/>
-          <p:cNvSpPr>
-            <a:spLocks noGrp="1"/>
-          </p:cNvSpPr>
+      </p:pic>
+      <p:pic>
+        <p:nvPicPr>
+          <p:cNvPr id="58" name="Picture Placeholder 57"/>
+          <p:cNvPicPr>
+            <a:picLocks noGrp="1" noChangeAspect="1"/>
+          </p:cNvPicPr>
           <p:nvPr>
             <p:ph type="pic" sz="quarter" idx="126"/>
           </p:nvPr>
-        </p:nvSpPr>
+        </p:nvPicPr>
+        <p:blipFill>
+          <a:blip r:embed="rId3">
+            <a:extLst>
+              <a:ext uri="{28A0092B-C50C-407E-A947-70E740481C1C}">
+                <a14:useLocalDpi xmlns:a14="http://schemas.microsoft.com/office/drawing/2010/main" val="0"/>
+              </a:ext>
+            </a:extLst>
+          </a:blip>
+          <a:srcRect t="7219" b="7219"/>
+          <a:stretch>
+            <a:fillRect/>
+          </a:stretch>
+        </p:blipFill>
         <p:spPr/>
-      </p:sp>
+      </p:pic>
       <p:sp>
         <p:nvSpPr>
           <p:cNvPr id="32" name="Picture Placeholder 31"/>
@@ -18627,18 +18581,34 @@
         </p:nvSpPr>
         <p:spPr/>
       </p:sp>
-      <p:sp>
-        <p:nvSpPr>
-          <p:cNvPr id="40" name="Picture Placeholder 39"/>
-          <p:cNvSpPr>
-            <a:spLocks noGrp="1"/>
-          </p:cNvSpPr>
+      <p:pic>
+        <p:nvPicPr>
+          <p:cNvPr id="62" name="Picture Placeholder 61"/>
+          <p:cNvPicPr>
+            <a:picLocks noGrp="1" noChangeAspect="1"/>
+          </p:cNvPicPr>
           <p:nvPr>
             <p:ph type="pic" sz="quarter" idx="135"/>
           </p:nvPr>
-        </p:nvSpPr>
-        <p:spPr/>
-      </p:sp>
+        </p:nvPicPr>
+        <p:blipFill rotWithShape="1">
+          <a:blip r:embed="rId3">
+            <a:extLst>
+              <a:ext uri="{28A0092B-C50C-407E-A947-70E740481C1C}">
+                <a14:useLocalDpi xmlns:a14="http://schemas.microsoft.com/office/drawing/2010/main" val="0"/>
+              </a:ext>
+            </a:extLst>
+          </a:blip>
+          <a:srcRect l="266" r="-215"/>
+          <a:stretch/>
+        </p:blipFill>
+        <p:spPr>
+          <a:xfrm>
+            <a:off x="17390327" y="6753665"/>
+            <a:ext cx="6072098" cy="4409635"/>
+          </a:xfrm>
+        </p:spPr>
+      </p:pic>
       <p:sp>
         <p:nvSpPr>
           <p:cNvPr id="41" name="Text Placeholder 40"/>
@@ -19028,7 +18998,7 @@
           </p:nvPr>
         </p:nvPicPr>
         <p:blipFill>
-          <a:blip r:embed="rId3" cstate="print">
+          <a:blip r:embed="rId4" cstate="print">
             <a:extLst>
               <a:ext uri="{28A0092B-C50C-407E-A947-70E740481C1C}">
                 <a14:useLocalDpi xmlns:a14="http://schemas.microsoft.com/office/drawing/2010/main" val="0"/>
@@ -19057,7 +19027,7 @@
           </p:nvPr>
         </p:nvPicPr>
         <p:blipFill>
-          <a:blip r:embed="rId4" cstate="print">
+          <a:blip r:embed="rId5" cstate="print">
             <a:extLst>
               <a:ext uri="{28A0092B-C50C-407E-A947-70E740481C1C}">
                 <a14:useLocalDpi xmlns:a14="http://schemas.microsoft.com/office/drawing/2010/main" val="0"/>
@@ -19149,70 +19119,6 @@
           </a:p>
         </p:txBody>
       </p:sp>
-      <p:pic>
-        <p:nvPicPr>
-          <p:cNvPr id="1026" name="Picture 2"/>
-          <p:cNvPicPr>
-            <a:picLocks noChangeAspect="1" noChangeArrowheads="1"/>
-          </p:cNvPicPr>
-          <p:nvPr/>
-        </p:nvPicPr>
-        <p:blipFill>
-          <a:blip r:embed="rId5">
-            <a:extLst>
-              <a:ext uri="{28A0092B-C50C-407E-A947-70E740481C1C}">
-                <a14:useLocalDpi xmlns:a14="http://schemas.microsoft.com/office/drawing/2010/main" val="0"/>
-              </a:ext>
-            </a:extLst>
-          </a:blip>
-          <a:srcRect/>
-          <a:stretch>
-            <a:fillRect/>
-          </a:stretch>
-        </p:blipFill>
-        <p:spPr bwMode="auto">
-          <a:xfrm>
-            <a:off x="16749566" y="7069397"/>
-            <a:ext cx="7453016" cy="5408612"/>
-          </a:xfrm>
-          <a:prstGeom prst="rect">
-            <a:avLst/>
-          </a:prstGeom>
-          <a:noFill/>
-          <a:ln>
-            <a:noFill/>
-          </a:ln>
-          <a:effectLst/>
-          <a:extLst>
-            <a:ext uri="{909E8E84-426E-40DD-AFC4-6F175D3DCCD1}">
-              <a14:hiddenFill xmlns:a14="http://schemas.microsoft.com/office/drawing/2010/main">
-                <a:solidFill>
-                  <a:schemeClr val="accent1"/>
-                </a:solidFill>
-              </a14:hiddenFill>
-            </a:ext>
-            <a:ext uri="{91240B29-F687-4F45-9708-019B960494DF}">
-              <a14:hiddenLine xmlns:a14="http://schemas.microsoft.com/office/drawing/2010/main" w="9525">
-                <a:solidFill>
-                  <a:schemeClr val="tx1"/>
-                </a:solidFill>
-                <a:miter lim="800000"/>
-                <a:headEnd/>
-                <a:tailEnd/>
-              </a14:hiddenLine>
-            </a:ext>
-            <a:ext uri="{AF507438-7753-43E0-B8FC-AC1667EBCBE1}">
-              <a14:hiddenEffects xmlns:a14="http://schemas.microsoft.com/office/drawing/2010/main">
-                <a:effectLst>
-                  <a:outerShdw dist="35921" dir="2700000" algn="ctr" rotWithShape="0">
-                    <a:schemeClr val="bg2"/>
-                  </a:outerShdw>
-                </a:effectLst>
-              </a14:hiddenEffects>
-            </a:ext>
-          </a:extLst>
-        </p:spPr>
-      </p:pic>
     </p:spTree>
     <p:extLst>
       <p:ext uri="{BB962C8B-B14F-4D97-AF65-F5344CB8AC3E}">

--- a/Poster/Poster.pptx
+++ b/Poster/Poster.pptx
@@ -119,6 +119,6390 @@
   <p:cmAuthor id="2" name="A.KOTOULAS" initials="HELP - " lastIdx="1" clrIdx="2"/>
   <p:cmAuthor id="3" name="PosterPresentations.com - 510.649.3001" initials="HELP - " lastIdx="1" clrIdx="3"/>
 </p:cmAuthorLst>
+</file>
+
+<file path=ppt/charts/chart1.xml><?xml version="1.0" encoding="utf-8"?>
+<c:chartSpace xmlns:c="http://schemas.openxmlformats.org/drawingml/2006/chart" xmlns:a="http://schemas.openxmlformats.org/drawingml/2006/main" xmlns:r="http://schemas.openxmlformats.org/officeDocument/2006/relationships">
+  <c:date1904 val="0"/>
+  <c:lang val="en-US"/>
+  <c:roundedCorners val="0"/>
+  <mc:AlternateContent xmlns:mc="http://schemas.openxmlformats.org/markup-compatibility/2006">
+    <mc:Choice xmlns:c14="http://schemas.microsoft.com/office/drawing/2007/8/2/chart" Requires="c14">
+      <c14:style val="102"/>
+    </mc:Choice>
+    <mc:Fallback>
+      <c:style val="2"/>
+    </mc:Fallback>
+  </mc:AlternateContent>
+  <c:clrMapOvr bg1="lt1" tx1="dk1" bg2="lt2" tx2="dk2" accent1="accent1" accent2="accent2" accent3="accent3" accent4="accent4" accent5="accent5" accent6="accent6" hlink="hlink" folHlink="folHlink"/>
+  <c:chart>
+    <c:autoTitleDeleted val="0"/>
+    <c:plotArea>
+      <c:layout/>
+      <c:pieChart>
+        <c:varyColors val="1"/>
+        <c:ser>
+          <c:idx val="0"/>
+          <c:order val="0"/>
+          <c:dLbls>
+            <c:dLblPos val="ctr"/>
+            <c:showLegendKey val="0"/>
+            <c:showVal val="1"/>
+            <c:showCatName val="0"/>
+            <c:showSerName val="0"/>
+            <c:showPercent val="0"/>
+            <c:showBubbleSize val="0"/>
+            <c:showLeaderLines val="1"/>
+          </c:dLbls>
+          <c:cat>
+            <c:strRef>
+              <c:f>Sheet1!$I$3:$I$5</c:f>
+              <c:strCache>
+                <c:ptCount val="3"/>
+                <c:pt idx="0">
+                  <c:v>SVM better than Baseline</c:v>
+                </c:pt>
+                <c:pt idx="1">
+                  <c:v>SVM equal to Baseline</c:v>
+                </c:pt>
+                <c:pt idx="2">
+                  <c:v>SVM worse than baseline</c:v>
+                </c:pt>
+              </c:strCache>
+            </c:strRef>
+          </c:cat>
+          <c:val>
+            <c:numRef>
+              <c:f>Sheet1!$J$3:$J$5</c:f>
+              <c:numCache>
+                <c:formatCode>General</c:formatCode>
+                <c:ptCount val="3"/>
+                <c:pt idx="0">
+                  <c:v>270</c:v>
+                </c:pt>
+                <c:pt idx="1">
+                  <c:v>85</c:v>
+                </c:pt>
+                <c:pt idx="2">
+                  <c:v>75</c:v>
+                </c:pt>
+              </c:numCache>
+            </c:numRef>
+          </c:val>
+        </c:ser>
+        <c:dLbls>
+          <c:dLblPos val="ctr"/>
+          <c:showLegendKey val="0"/>
+          <c:showVal val="1"/>
+          <c:showCatName val="0"/>
+          <c:showSerName val="0"/>
+          <c:showPercent val="0"/>
+          <c:showBubbleSize val="0"/>
+          <c:showLeaderLines val="1"/>
+        </c:dLbls>
+        <c:firstSliceAng val="0"/>
+      </c:pieChart>
+    </c:plotArea>
+    <c:legend>
+      <c:legendPos val="r"/>
+      <c:layout/>
+      <c:overlay val="0"/>
+    </c:legend>
+    <c:plotVisOnly val="1"/>
+    <c:dispBlanksAs val="gap"/>
+    <c:showDLblsOverMax val="0"/>
+  </c:chart>
+  <c:spPr>
+    <a:noFill/>
+    <a:ln w="38100" cap="flat" cmpd="sng" algn="ctr">
+      <a:solidFill>
+        <a:sysClr val="windowText" lastClr="000000"/>
+      </a:solidFill>
+      <a:prstDash val="solid"/>
+    </a:ln>
+    <a:effectLst/>
+  </c:spPr>
+  <c:txPr>
+    <a:bodyPr/>
+    <a:lstStyle/>
+    <a:p>
+      <a:pPr>
+        <a:defRPr>
+          <a:solidFill>
+            <a:schemeClr val="dk1"/>
+          </a:solidFill>
+          <a:latin typeface="+mn-lt"/>
+          <a:ea typeface="+mn-ea"/>
+          <a:cs typeface="+mn-cs"/>
+        </a:defRPr>
+      </a:pPr>
+      <a:endParaRPr lang="en-US"/>
+    </a:p>
+  </c:txPr>
+  <c:externalData r:id="rId2">
+    <c:autoUpdate val="0"/>
+  </c:externalData>
+</c:chartSpace>
+</file>
+
+<file path=ppt/charts/chart2.xml><?xml version="1.0" encoding="utf-8"?>
+<c:chartSpace xmlns:c="http://schemas.openxmlformats.org/drawingml/2006/chart" xmlns:a="http://schemas.openxmlformats.org/drawingml/2006/main" xmlns:r="http://schemas.openxmlformats.org/officeDocument/2006/relationships">
+  <c:date1904 val="0"/>
+  <c:lang val="en-US"/>
+  <c:roundedCorners val="0"/>
+  <mc:AlternateContent xmlns:mc="http://schemas.openxmlformats.org/markup-compatibility/2006">
+    <mc:Choice xmlns:c14="http://schemas.microsoft.com/office/drawing/2007/8/2/chart" Requires="c14">
+      <c14:style val="102"/>
+    </mc:Choice>
+    <mc:Fallback>
+      <c:style val="2"/>
+    </mc:Fallback>
+  </mc:AlternateContent>
+  <c:clrMapOvr bg1="lt1" tx1="dk1" bg2="lt2" tx2="dk2" accent1="accent1" accent2="accent2" accent3="accent3" accent4="accent4" accent5="accent5" accent6="accent6" hlink="hlink" folHlink="folHlink"/>
+  <c:chart>
+    <c:title>
+      <c:tx>
+        <c:rich>
+          <a:bodyPr/>
+          <a:lstStyle/>
+          <a:p>
+            <a:pPr>
+              <a:defRPr/>
+            </a:pPr>
+            <a:r>
+              <a:rPr lang="en-US"/>
+              <a:t>Baseline Accuracy vs. Optimized SVM Accuracy</a:t>
+            </a:r>
+          </a:p>
+        </c:rich>
+      </c:tx>
+      <c:layout/>
+      <c:overlay val="0"/>
+    </c:title>
+    <c:autoTitleDeleted val="0"/>
+    <c:plotArea>
+      <c:layout/>
+      <c:scatterChart>
+        <c:scatterStyle val="lineMarker"/>
+        <c:varyColors val="0"/>
+        <c:ser>
+          <c:idx val="0"/>
+          <c:order val="0"/>
+          <c:tx>
+            <c:strRef>
+              <c:f>Sheet1!$B$1</c:f>
+              <c:strCache>
+                <c:ptCount val="1"/>
+                <c:pt idx="0">
+                  <c:v>Baseline</c:v>
+                </c:pt>
+              </c:strCache>
+            </c:strRef>
+          </c:tx>
+          <c:spPr>
+            <a:ln w="28575">
+              <a:noFill/>
+            </a:ln>
+          </c:spPr>
+          <c:marker>
+            <c:symbol val="circle"/>
+            <c:size val="3"/>
+            <c:spPr>
+              <a:solidFill>
+                <a:schemeClr val="accent2"/>
+              </a:solidFill>
+              <a:ln>
+                <a:solidFill>
+                  <a:schemeClr val="accent2"/>
+                </a:solidFill>
+              </a:ln>
+            </c:spPr>
+          </c:marker>
+          <c:xVal>
+            <c:numRef>
+              <c:f>Sheet1!$C$2:$C$431</c:f>
+              <c:numCache>
+                <c:formatCode>General</c:formatCode>
+                <c:ptCount val="430"/>
+                <c:pt idx="0">
+                  <c:v>1</c:v>
+                </c:pt>
+                <c:pt idx="1">
+                  <c:v>2</c:v>
+                </c:pt>
+                <c:pt idx="2">
+                  <c:v>3</c:v>
+                </c:pt>
+                <c:pt idx="3">
+                  <c:v>4</c:v>
+                </c:pt>
+                <c:pt idx="4">
+                  <c:v>5</c:v>
+                </c:pt>
+                <c:pt idx="5">
+                  <c:v>6</c:v>
+                </c:pt>
+                <c:pt idx="6">
+                  <c:v>7</c:v>
+                </c:pt>
+                <c:pt idx="7">
+                  <c:v>8</c:v>
+                </c:pt>
+                <c:pt idx="8">
+                  <c:v>9</c:v>
+                </c:pt>
+                <c:pt idx="9">
+                  <c:v>10</c:v>
+                </c:pt>
+                <c:pt idx="10">
+                  <c:v>11</c:v>
+                </c:pt>
+                <c:pt idx="11">
+                  <c:v>12</c:v>
+                </c:pt>
+                <c:pt idx="12">
+                  <c:v>13</c:v>
+                </c:pt>
+                <c:pt idx="13">
+                  <c:v>14</c:v>
+                </c:pt>
+                <c:pt idx="14">
+                  <c:v>15</c:v>
+                </c:pt>
+                <c:pt idx="15">
+                  <c:v>16</c:v>
+                </c:pt>
+                <c:pt idx="16">
+                  <c:v>17</c:v>
+                </c:pt>
+                <c:pt idx="17">
+                  <c:v>18</c:v>
+                </c:pt>
+                <c:pt idx="18">
+                  <c:v>19</c:v>
+                </c:pt>
+                <c:pt idx="19">
+                  <c:v>20</c:v>
+                </c:pt>
+                <c:pt idx="20">
+                  <c:v>21</c:v>
+                </c:pt>
+                <c:pt idx="21">
+                  <c:v>22</c:v>
+                </c:pt>
+                <c:pt idx="22">
+                  <c:v>23</c:v>
+                </c:pt>
+                <c:pt idx="23">
+                  <c:v>24</c:v>
+                </c:pt>
+                <c:pt idx="24">
+                  <c:v>25</c:v>
+                </c:pt>
+                <c:pt idx="25">
+                  <c:v>26</c:v>
+                </c:pt>
+                <c:pt idx="26">
+                  <c:v>27</c:v>
+                </c:pt>
+                <c:pt idx="27">
+                  <c:v>28</c:v>
+                </c:pt>
+                <c:pt idx="28">
+                  <c:v>29</c:v>
+                </c:pt>
+                <c:pt idx="29">
+                  <c:v>30</c:v>
+                </c:pt>
+                <c:pt idx="30">
+                  <c:v>31</c:v>
+                </c:pt>
+                <c:pt idx="31">
+                  <c:v>32</c:v>
+                </c:pt>
+                <c:pt idx="32">
+                  <c:v>33</c:v>
+                </c:pt>
+                <c:pt idx="33">
+                  <c:v>34</c:v>
+                </c:pt>
+                <c:pt idx="34">
+                  <c:v>35</c:v>
+                </c:pt>
+                <c:pt idx="35">
+                  <c:v>36</c:v>
+                </c:pt>
+                <c:pt idx="36">
+                  <c:v>37</c:v>
+                </c:pt>
+                <c:pt idx="37">
+                  <c:v>38</c:v>
+                </c:pt>
+                <c:pt idx="38">
+                  <c:v>39</c:v>
+                </c:pt>
+                <c:pt idx="39">
+                  <c:v>40</c:v>
+                </c:pt>
+                <c:pt idx="40">
+                  <c:v>41</c:v>
+                </c:pt>
+                <c:pt idx="41">
+                  <c:v>42</c:v>
+                </c:pt>
+                <c:pt idx="42">
+                  <c:v>43</c:v>
+                </c:pt>
+                <c:pt idx="43">
+                  <c:v>44</c:v>
+                </c:pt>
+                <c:pt idx="44">
+                  <c:v>45</c:v>
+                </c:pt>
+                <c:pt idx="45">
+                  <c:v>46</c:v>
+                </c:pt>
+                <c:pt idx="46">
+                  <c:v>47</c:v>
+                </c:pt>
+                <c:pt idx="47">
+                  <c:v>48</c:v>
+                </c:pt>
+                <c:pt idx="48">
+                  <c:v>49</c:v>
+                </c:pt>
+                <c:pt idx="49">
+                  <c:v>50</c:v>
+                </c:pt>
+                <c:pt idx="50">
+                  <c:v>51</c:v>
+                </c:pt>
+                <c:pt idx="51">
+                  <c:v>52</c:v>
+                </c:pt>
+                <c:pt idx="52">
+                  <c:v>53</c:v>
+                </c:pt>
+                <c:pt idx="53">
+                  <c:v>54</c:v>
+                </c:pt>
+                <c:pt idx="54">
+                  <c:v>55</c:v>
+                </c:pt>
+                <c:pt idx="55">
+                  <c:v>56</c:v>
+                </c:pt>
+                <c:pt idx="56">
+                  <c:v>57</c:v>
+                </c:pt>
+                <c:pt idx="57">
+                  <c:v>58</c:v>
+                </c:pt>
+                <c:pt idx="58">
+                  <c:v>59</c:v>
+                </c:pt>
+                <c:pt idx="59">
+                  <c:v>60</c:v>
+                </c:pt>
+                <c:pt idx="60">
+                  <c:v>61</c:v>
+                </c:pt>
+                <c:pt idx="61">
+                  <c:v>62</c:v>
+                </c:pt>
+                <c:pt idx="62">
+                  <c:v>63</c:v>
+                </c:pt>
+                <c:pt idx="63">
+                  <c:v>64</c:v>
+                </c:pt>
+                <c:pt idx="64">
+                  <c:v>65</c:v>
+                </c:pt>
+                <c:pt idx="65">
+                  <c:v>66</c:v>
+                </c:pt>
+                <c:pt idx="66">
+                  <c:v>67</c:v>
+                </c:pt>
+                <c:pt idx="67">
+                  <c:v>68</c:v>
+                </c:pt>
+                <c:pt idx="68">
+                  <c:v>69</c:v>
+                </c:pt>
+                <c:pt idx="69">
+                  <c:v>70</c:v>
+                </c:pt>
+                <c:pt idx="70">
+                  <c:v>71</c:v>
+                </c:pt>
+                <c:pt idx="71">
+                  <c:v>72</c:v>
+                </c:pt>
+                <c:pt idx="72">
+                  <c:v>73</c:v>
+                </c:pt>
+                <c:pt idx="73">
+                  <c:v>74</c:v>
+                </c:pt>
+                <c:pt idx="74">
+                  <c:v>75</c:v>
+                </c:pt>
+                <c:pt idx="75">
+                  <c:v>76</c:v>
+                </c:pt>
+                <c:pt idx="76">
+                  <c:v>77</c:v>
+                </c:pt>
+                <c:pt idx="77">
+                  <c:v>78</c:v>
+                </c:pt>
+                <c:pt idx="78">
+                  <c:v>79</c:v>
+                </c:pt>
+                <c:pt idx="79">
+                  <c:v>80</c:v>
+                </c:pt>
+                <c:pt idx="80">
+                  <c:v>81</c:v>
+                </c:pt>
+                <c:pt idx="81">
+                  <c:v>82</c:v>
+                </c:pt>
+                <c:pt idx="82">
+                  <c:v>83</c:v>
+                </c:pt>
+                <c:pt idx="83">
+                  <c:v>84</c:v>
+                </c:pt>
+                <c:pt idx="84">
+                  <c:v>85</c:v>
+                </c:pt>
+                <c:pt idx="85">
+                  <c:v>86</c:v>
+                </c:pt>
+                <c:pt idx="86">
+                  <c:v>87</c:v>
+                </c:pt>
+                <c:pt idx="87">
+                  <c:v>88</c:v>
+                </c:pt>
+                <c:pt idx="88">
+                  <c:v>89</c:v>
+                </c:pt>
+                <c:pt idx="89">
+                  <c:v>90</c:v>
+                </c:pt>
+                <c:pt idx="90">
+                  <c:v>91</c:v>
+                </c:pt>
+                <c:pt idx="91">
+                  <c:v>92</c:v>
+                </c:pt>
+                <c:pt idx="92">
+                  <c:v>93</c:v>
+                </c:pt>
+                <c:pt idx="93">
+                  <c:v>94</c:v>
+                </c:pt>
+                <c:pt idx="94">
+                  <c:v>95</c:v>
+                </c:pt>
+                <c:pt idx="95">
+                  <c:v>96</c:v>
+                </c:pt>
+                <c:pt idx="96">
+                  <c:v>97</c:v>
+                </c:pt>
+                <c:pt idx="97">
+                  <c:v>98</c:v>
+                </c:pt>
+                <c:pt idx="98">
+                  <c:v>99</c:v>
+                </c:pt>
+                <c:pt idx="99">
+                  <c:v>100</c:v>
+                </c:pt>
+                <c:pt idx="100">
+                  <c:v>101</c:v>
+                </c:pt>
+                <c:pt idx="101">
+                  <c:v>102</c:v>
+                </c:pt>
+                <c:pt idx="102">
+                  <c:v>103</c:v>
+                </c:pt>
+                <c:pt idx="103">
+                  <c:v>104</c:v>
+                </c:pt>
+                <c:pt idx="104">
+                  <c:v>105</c:v>
+                </c:pt>
+                <c:pt idx="105">
+                  <c:v>106</c:v>
+                </c:pt>
+                <c:pt idx="106">
+                  <c:v>107</c:v>
+                </c:pt>
+                <c:pt idx="107">
+                  <c:v>108</c:v>
+                </c:pt>
+                <c:pt idx="108">
+                  <c:v>109</c:v>
+                </c:pt>
+                <c:pt idx="109">
+                  <c:v>110</c:v>
+                </c:pt>
+                <c:pt idx="110">
+                  <c:v>111</c:v>
+                </c:pt>
+                <c:pt idx="111">
+                  <c:v>112</c:v>
+                </c:pt>
+                <c:pt idx="112">
+                  <c:v>113</c:v>
+                </c:pt>
+                <c:pt idx="113">
+                  <c:v>114</c:v>
+                </c:pt>
+                <c:pt idx="114">
+                  <c:v>115</c:v>
+                </c:pt>
+                <c:pt idx="115">
+                  <c:v>116</c:v>
+                </c:pt>
+                <c:pt idx="116">
+                  <c:v>117</c:v>
+                </c:pt>
+                <c:pt idx="117">
+                  <c:v>118</c:v>
+                </c:pt>
+                <c:pt idx="118">
+                  <c:v>119</c:v>
+                </c:pt>
+                <c:pt idx="119">
+                  <c:v>120</c:v>
+                </c:pt>
+                <c:pt idx="120">
+                  <c:v>121</c:v>
+                </c:pt>
+                <c:pt idx="121">
+                  <c:v>122</c:v>
+                </c:pt>
+                <c:pt idx="122">
+                  <c:v>123</c:v>
+                </c:pt>
+                <c:pt idx="123">
+                  <c:v>124</c:v>
+                </c:pt>
+                <c:pt idx="124">
+                  <c:v>125</c:v>
+                </c:pt>
+                <c:pt idx="125">
+                  <c:v>126</c:v>
+                </c:pt>
+                <c:pt idx="126">
+                  <c:v>127</c:v>
+                </c:pt>
+                <c:pt idx="127">
+                  <c:v>128</c:v>
+                </c:pt>
+                <c:pt idx="128">
+                  <c:v>129</c:v>
+                </c:pt>
+                <c:pt idx="129">
+                  <c:v>130</c:v>
+                </c:pt>
+                <c:pt idx="130">
+                  <c:v>131</c:v>
+                </c:pt>
+                <c:pt idx="131">
+                  <c:v>132</c:v>
+                </c:pt>
+                <c:pt idx="132">
+                  <c:v>133</c:v>
+                </c:pt>
+                <c:pt idx="133">
+                  <c:v>134</c:v>
+                </c:pt>
+                <c:pt idx="134">
+                  <c:v>135</c:v>
+                </c:pt>
+                <c:pt idx="135">
+                  <c:v>136</c:v>
+                </c:pt>
+                <c:pt idx="136">
+                  <c:v>137</c:v>
+                </c:pt>
+                <c:pt idx="137">
+                  <c:v>138</c:v>
+                </c:pt>
+                <c:pt idx="138">
+                  <c:v>139</c:v>
+                </c:pt>
+                <c:pt idx="139">
+                  <c:v>140</c:v>
+                </c:pt>
+                <c:pt idx="140">
+                  <c:v>141</c:v>
+                </c:pt>
+                <c:pt idx="141">
+                  <c:v>142</c:v>
+                </c:pt>
+                <c:pt idx="142">
+                  <c:v>143</c:v>
+                </c:pt>
+                <c:pt idx="143">
+                  <c:v>144</c:v>
+                </c:pt>
+                <c:pt idx="144">
+                  <c:v>145</c:v>
+                </c:pt>
+                <c:pt idx="145">
+                  <c:v>146</c:v>
+                </c:pt>
+                <c:pt idx="146">
+                  <c:v>147</c:v>
+                </c:pt>
+                <c:pt idx="147">
+                  <c:v>148</c:v>
+                </c:pt>
+                <c:pt idx="148">
+                  <c:v>149</c:v>
+                </c:pt>
+                <c:pt idx="149">
+                  <c:v>150</c:v>
+                </c:pt>
+                <c:pt idx="150">
+                  <c:v>151</c:v>
+                </c:pt>
+                <c:pt idx="151">
+                  <c:v>152</c:v>
+                </c:pt>
+                <c:pt idx="152">
+                  <c:v>153</c:v>
+                </c:pt>
+                <c:pt idx="153">
+                  <c:v>154</c:v>
+                </c:pt>
+                <c:pt idx="154">
+                  <c:v>155</c:v>
+                </c:pt>
+                <c:pt idx="155">
+                  <c:v>156</c:v>
+                </c:pt>
+                <c:pt idx="156">
+                  <c:v>157</c:v>
+                </c:pt>
+                <c:pt idx="157">
+                  <c:v>158</c:v>
+                </c:pt>
+                <c:pt idx="158">
+                  <c:v>159</c:v>
+                </c:pt>
+                <c:pt idx="159">
+                  <c:v>160</c:v>
+                </c:pt>
+                <c:pt idx="160">
+                  <c:v>161</c:v>
+                </c:pt>
+                <c:pt idx="161">
+                  <c:v>162</c:v>
+                </c:pt>
+                <c:pt idx="162">
+                  <c:v>163</c:v>
+                </c:pt>
+                <c:pt idx="163">
+                  <c:v>164</c:v>
+                </c:pt>
+                <c:pt idx="164">
+                  <c:v>165</c:v>
+                </c:pt>
+                <c:pt idx="165">
+                  <c:v>166</c:v>
+                </c:pt>
+                <c:pt idx="166">
+                  <c:v>167</c:v>
+                </c:pt>
+                <c:pt idx="167">
+                  <c:v>168</c:v>
+                </c:pt>
+                <c:pt idx="168">
+                  <c:v>169</c:v>
+                </c:pt>
+                <c:pt idx="169">
+                  <c:v>170</c:v>
+                </c:pt>
+                <c:pt idx="170">
+                  <c:v>171</c:v>
+                </c:pt>
+                <c:pt idx="171">
+                  <c:v>172</c:v>
+                </c:pt>
+                <c:pt idx="172">
+                  <c:v>173</c:v>
+                </c:pt>
+                <c:pt idx="173">
+                  <c:v>174</c:v>
+                </c:pt>
+                <c:pt idx="174">
+                  <c:v>175</c:v>
+                </c:pt>
+                <c:pt idx="175">
+                  <c:v>176</c:v>
+                </c:pt>
+                <c:pt idx="176">
+                  <c:v>177</c:v>
+                </c:pt>
+                <c:pt idx="177">
+                  <c:v>178</c:v>
+                </c:pt>
+                <c:pt idx="178">
+                  <c:v>179</c:v>
+                </c:pt>
+                <c:pt idx="179">
+                  <c:v>180</c:v>
+                </c:pt>
+                <c:pt idx="180">
+                  <c:v>181</c:v>
+                </c:pt>
+                <c:pt idx="181">
+                  <c:v>182</c:v>
+                </c:pt>
+                <c:pt idx="182">
+                  <c:v>183</c:v>
+                </c:pt>
+                <c:pt idx="183">
+                  <c:v>184</c:v>
+                </c:pt>
+                <c:pt idx="184">
+                  <c:v>185</c:v>
+                </c:pt>
+                <c:pt idx="185">
+                  <c:v>186</c:v>
+                </c:pt>
+                <c:pt idx="186">
+                  <c:v>187</c:v>
+                </c:pt>
+                <c:pt idx="187">
+                  <c:v>188</c:v>
+                </c:pt>
+                <c:pt idx="188">
+                  <c:v>189</c:v>
+                </c:pt>
+                <c:pt idx="189">
+                  <c:v>190</c:v>
+                </c:pt>
+                <c:pt idx="190">
+                  <c:v>191</c:v>
+                </c:pt>
+                <c:pt idx="191">
+                  <c:v>192</c:v>
+                </c:pt>
+                <c:pt idx="192">
+                  <c:v>193</c:v>
+                </c:pt>
+                <c:pt idx="193">
+                  <c:v>194</c:v>
+                </c:pt>
+                <c:pt idx="194">
+                  <c:v>195</c:v>
+                </c:pt>
+                <c:pt idx="195">
+                  <c:v>196</c:v>
+                </c:pt>
+                <c:pt idx="196">
+                  <c:v>197</c:v>
+                </c:pt>
+                <c:pt idx="197">
+                  <c:v>198</c:v>
+                </c:pt>
+                <c:pt idx="198">
+                  <c:v>199</c:v>
+                </c:pt>
+                <c:pt idx="199">
+                  <c:v>200</c:v>
+                </c:pt>
+                <c:pt idx="200">
+                  <c:v>201</c:v>
+                </c:pt>
+                <c:pt idx="201">
+                  <c:v>202</c:v>
+                </c:pt>
+                <c:pt idx="202">
+                  <c:v>203</c:v>
+                </c:pt>
+                <c:pt idx="203">
+                  <c:v>204</c:v>
+                </c:pt>
+                <c:pt idx="204">
+                  <c:v>205</c:v>
+                </c:pt>
+                <c:pt idx="205">
+                  <c:v>206</c:v>
+                </c:pt>
+                <c:pt idx="206">
+                  <c:v>207</c:v>
+                </c:pt>
+                <c:pt idx="207">
+                  <c:v>208</c:v>
+                </c:pt>
+                <c:pt idx="208">
+                  <c:v>209</c:v>
+                </c:pt>
+                <c:pt idx="209">
+                  <c:v>210</c:v>
+                </c:pt>
+                <c:pt idx="210">
+                  <c:v>211</c:v>
+                </c:pt>
+                <c:pt idx="211">
+                  <c:v>212</c:v>
+                </c:pt>
+                <c:pt idx="212">
+                  <c:v>213</c:v>
+                </c:pt>
+                <c:pt idx="213">
+                  <c:v>214</c:v>
+                </c:pt>
+                <c:pt idx="214">
+                  <c:v>215</c:v>
+                </c:pt>
+                <c:pt idx="215">
+                  <c:v>216</c:v>
+                </c:pt>
+                <c:pt idx="216">
+                  <c:v>217</c:v>
+                </c:pt>
+                <c:pt idx="217">
+                  <c:v>218</c:v>
+                </c:pt>
+                <c:pt idx="218">
+                  <c:v>219</c:v>
+                </c:pt>
+                <c:pt idx="219">
+                  <c:v>220</c:v>
+                </c:pt>
+                <c:pt idx="220">
+                  <c:v>221</c:v>
+                </c:pt>
+                <c:pt idx="221">
+                  <c:v>222</c:v>
+                </c:pt>
+                <c:pt idx="222">
+                  <c:v>223</c:v>
+                </c:pt>
+                <c:pt idx="223">
+                  <c:v>224</c:v>
+                </c:pt>
+                <c:pt idx="224">
+                  <c:v>225</c:v>
+                </c:pt>
+                <c:pt idx="225">
+                  <c:v>226</c:v>
+                </c:pt>
+                <c:pt idx="226">
+                  <c:v>227</c:v>
+                </c:pt>
+                <c:pt idx="227">
+                  <c:v>228</c:v>
+                </c:pt>
+                <c:pt idx="228">
+                  <c:v>229</c:v>
+                </c:pt>
+                <c:pt idx="229">
+                  <c:v>230</c:v>
+                </c:pt>
+                <c:pt idx="230">
+                  <c:v>231</c:v>
+                </c:pt>
+                <c:pt idx="231">
+                  <c:v>232</c:v>
+                </c:pt>
+                <c:pt idx="232">
+                  <c:v>233</c:v>
+                </c:pt>
+                <c:pt idx="233">
+                  <c:v>234</c:v>
+                </c:pt>
+                <c:pt idx="234">
+                  <c:v>235</c:v>
+                </c:pt>
+                <c:pt idx="235">
+                  <c:v>236</c:v>
+                </c:pt>
+                <c:pt idx="236">
+                  <c:v>237</c:v>
+                </c:pt>
+                <c:pt idx="237">
+                  <c:v>238</c:v>
+                </c:pt>
+                <c:pt idx="238">
+                  <c:v>239</c:v>
+                </c:pt>
+                <c:pt idx="239">
+                  <c:v>240</c:v>
+                </c:pt>
+                <c:pt idx="240">
+                  <c:v>241</c:v>
+                </c:pt>
+                <c:pt idx="241">
+                  <c:v>242</c:v>
+                </c:pt>
+                <c:pt idx="242">
+                  <c:v>243</c:v>
+                </c:pt>
+                <c:pt idx="243">
+                  <c:v>244</c:v>
+                </c:pt>
+                <c:pt idx="244">
+                  <c:v>245</c:v>
+                </c:pt>
+                <c:pt idx="245">
+                  <c:v>246</c:v>
+                </c:pt>
+                <c:pt idx="246">
+                  <c:v>247</c:v>
+                </c:pt>
+                <c:pt idx="247">
+                  <c:v>248</c:v>
+                </c:pt>
+                <c:pt idx="248">
+                  <c:v>249</c:v>
+                </c:pt>
+                <c:pt idx="249">
+                  <c:v>250</c:v>
+                </c:pt>
+                <c:pt idx="250">
+                  <c:v>251</c:v>
+                </c:pt>
+                <c:pt idx="251">
+                  <c:v>252</c:v>
+                </c:pt>
+                <c:pt idx="252">
+                  <c:v>253</c:v>
+                </c:pt>
+                <c:pt idx="253">
+                  <c:v>254</c:v>
+                </c:pt>
+                <c:pt idx="254">
+                  <c:v>255</c:v>
+                </c:pt>
+                <c:pt idx="255">
+                  <c:v>256</c:v>
+                </c:pt>
+                <c:pt idx="256">
+                  <c:v>257</c:v>
+                </c:pt>
+                <c:pt idx="257">
+                  <c:v>258</c:v>
+                </c:pt>
+                <c:pt idx="258">
+                  <c:v>259</c:v>
+                </c:pt>
+                <c:pt idx="259">
+                  <c:v>260</c:v>
+                </c:pt>
+                <c:pt idx="260">
+                  <c:v>261</c:v>
+                </c:pt>
+                <c:pt idx="261">
+                  <c:v>262</c:v>
+                </c:pt>
+                <c:pt idx="262">
+                  <c:v>263</c:v>
+                </c:pt>
+                <c:pt idx="263">
+                  <c:v>264</c:v>
+                </c:pt>
+                <c:pt idx="264">
+                  <c:v>265</c:v>
+                </c:pt>
+                <c:pt idx="265">
+                  <c:v>266</c:v>
+                </c:pt>
+                <c:pt idx="266">
+                  <c:v>267</c:v>
+                </c:pt>
+                <c:pt idx="267">
+                  <c:v>268</c:v>
+                </c:pt>
+                <c:pt idx="268">
+                  <c:v>269</c:v>
+                </c:pt>
+                <c:pt idx="269">
+                  <c:v>270</c:v>
+                </c:pt>
+                <c:pt idx="270">
+                  <c:v>271</c:v>
+                </c:pt>
+                <c:pt idx="271">
+                  <c:v>272</c:v>
+                </c:pt>
+                <c:pt idx="272">
+                  <c:v>273</c:v>
+                </c:pt>
+                <c:pt idx="273">
+                  <c:v>274</c:v>
+                </c:pt>
+                <c:pt idx="274">
+                  <c:v>275</c:v>
+                </c:pt>
+                <c:pt idx="275">
+                  <c:v>276</c:v>
+                </c:pt>
+                <c:pt idx="276">
+                  <c:v>277</c:v>
+                </c:pt>
+                <c:pt idx="277">
+                  <c:v>278</c:v>
+                </c:pt>
+                <c:pt idx="278">
+                  <c:v>279</c:v>
+                </c:pt>
+                <c:pt idx="279">
+                  <c:v>280</c:v>
+                </c:pt>
+                <c:pt idx="280">
+                  <c:v>281</c:v>
+                </c:pt>
+                <c:pt idx="281">
+                  <c:v>282</c:v>
+                </c:pt>
+                <c:pt idx="282">
+                  <c:v>283</c:v>
+                </c:pt>
+                <c:pt idx="283">
+                  <c:v>284</c:v>
+                </c:pt>
+                <c:pt idx="284">
+                  <c:v>285</c:v>
+                </c:pt>
+                <c:pt idx="285">
+                  <c:v>286</c:v>
+                </c:pt>
+                <c:pt idx="286">
+                  <c:v>287</c:v>
+                </c:pt>
+                <c:pt idx="287">
+                  <c:v>288</c:v>
+                </c:pt>
+                <c:pt idx="288">
+                  <c:v>289</c:v>
+                </c:pt>
+                <c:pt idx="289">
+                  <c:v>290</c:v>
+                </c:pt>
+                <c:pt idx="290">
+                  <c:v>291</c:v>
+                </c:pt>
+                <c:pt idx="291">
+                  <c:v>292</c:v>
+                </c:pt>
+                <c:pt idx="292">
+                  <c:v>293</c:v>
+                </c:pt>
+                <c:pt idx="293">
+                  <c:v>294</c:v>
+                </c:pt>
+                <c:pt idx="294">
+                  <c:v>295</c:v>
+                </c:pt>
+                <c:pt idx="295">
+                  <c:v>296</c:v>
+                </c:pt>
+                <c:pt idx="296">
+                  <c:v>297</c:v>
+                </c:pt>
+                <c:pt idx="297">
+                  <c:v>298</c:v>
+                </c:pt>
+                <c:pt idx="298">
+                  <c:v>299</c:v>
+                </c:pt>
+                <c:pt idx="299">
+                  <c:v>300</c:v>
+                </c:pt>
+                <c:pt idx="300">
+                  <c:v>301</c:v>
+                </c:pt>
+                <c:pt idx="301">
+                  <c:v>302</c:v>
+                </c:pt>
+                <c:pt idx="302">
+                  <c:v>303</c:v>
+                </c:pt>
+                <c:pt idx="303">
+                  <c:v>304</c:v>
+                </c:pt>
+                <c:pt idx="304">
+                  <c:v>305</c:v>
+                </c:pt>
+                <c:pt idx="305">
+                  <c:v>306</c:v>
+                </c:pt>
+                <c:pt idx="306">
+                  <c:v>307</c:v>
+                </c:pt>
+                <c:pt idx="307">
+                  <c:v>308</c:v>
+                </c:pt>
+                <c:pt idx="308">
+                  <c:v>309</c:v>
+                </c:pt>
+                <c:pt idx="309">
+                  <c:v>310</c:v>
+                </c:pt>
+                <c:pt idx="310">
+                  <c:v>311</c:v>
+                </c:pt>
+                <c:pt idx="311">
+                  <c:v>312</c:v>
+                </c:pt>
+                <c:pt idx="312">
+                  <c:v>313</c:v>
+                </c:pt>
+                <c:pt idx="313">
+                  <c:v>314</c:v>
+                </c:pt>
+                <c:pt idx="314">
+                  <c:v>315</c:v>
+                </c:pt>
+                <c:pt idx="315">
+                  <c:v>316</c:v>
+                </c:pt>
+                <c:pt idx="316">
+                  <c:v>317</c:v>
+                </c:pt>
+                <c:pt idx="317">
+                  <c:v>318</c:v>
+                </c:pt>
+                <c:pt idx="318">
+                  <c:v>319</c:v>
+                </c:pt>
+                <c:pt idx="319">
+                  <c:v>320</c:v>
+                </c:pt>
+                <c:pt idx="320">
+                  <c:v>321</c:v>
+                </c:pt>
+                <c:pt idx="321">
+                  <c:v>322</c:v>
+                </c:pt>
+                <c:pt idx="322">
+                  <c:v>323</c:v>
+                </c:pt>
+                <c:pt idx="323">
+                  <c:v>324</c:v>
+                </c:pt>
+                <c:pt idx="324">
+                  <c:v>325</c:v>
+                </c:pt>
+                <c:pt idx="325">
+                  <c:v>326</c:v>
+                </c:pt>
+                <c:pt idx="326">
+                  <c:v>327</c:v>
+                </c:pt>
+                <c:pt idx="327">
+                  <c:v>328</c:v>
+                </c:pt>
+                <c:pt idx="328">
+                  <c:v>329</c:v>
+                </c:pt>
+                <c:pt idx="329">
+                  <c:v>330</c:v>
+                </c:pt>
+                <c:pt idx="330">
+                  <c:v>331</c:v>
+                </c:pt>
+                <c:pt idx="331">
+                  <c:v>332</c:v>
+                </c:pt>
+                <c:pt idx="332">
+                  <c:v>333</c:v>
+                </c:pt>
+                <c:pt idx="333">
+                  <c:v>334</c:v>
+                </c:pt>
+                <c:pt idx="334">
+                  <c:v>335</c:v>
+                </c:pt>
+                <c:pt idx="335">
+                  <c:v>336</c:v>
+                </c:pt>
+                <c:pt idx="336">
+                  <c:v>337</c:v>
+                </c:pt>
+                <c:pt idx="337">
+                  <c:v>338</c:v>
+                </c:pt>
+                <c:pt idx="338">
+                  <c:v>339</c:v>
+                </c:pt>
+                <c:pt idx="339">
+                  <c:v>340</c:v>
+                </c:pt>
+                <c:pt idx="340">
+                  <c:v>341</c:v>
+                </c:pt>
+                <c:pt idx="341">
+                  <c:v>342</c:v>
+                </c:pt>
+                <c:pt idx="342">
+                  <c:v>343</c:v>
+                </c:pt>
+                <c:pt idx="343">
+                  <c:v>344</c:v>
+                </c:pt>
+                <c:pt idx="344">
+                  <c:v>345</c:v>
+                </c:pt>
+                <c:pt idx="345">
+                  <c:v>346</c:v>
+                </c:pt>
+                <c:pt idx="346">
+                  <c:v>347</c:v>
+                </c:pt>
+                <c:pt idx="347">
+                  <c:v>348</c:v>
+                </c:pt>
+                <c:pt idx="348">
+                  <c:v>349</c:v>
+                </c:pt>
+                <c:pt idx="349">
+                  <c:v>350</c:v>
+                </c:pt>
+                <c:pt idx="350">
+                  <c:v>351</c:v>
+                </c:pt>
+                <c:pt idx="351">
+                  <c:v>352</c:v>
+                </c:pt>
+                <c:pt idx="352">
+                  <c:v>353</c:v>
+                </c:pt>
+                <c:pt idx="353">
+                  <c:v>354</c:v>
+                </c:pt>
+                <c:pt idx="354">
+                  <c:v>355</c:v>
+                </c:pt>
+                <c:pt idx="355">
+                  <c:v>356</c:v>
+                </c:pt>
+                <c:pt idx="356">
+                  <c:v>357</c:v>
+                </c:pt>
+                <c:pt idx="357">
+                  <c:v>358</c:v>
+                </c:pt>
+                <c:pt idx="358">
+                  <c:v>359</c:v>
+                </c:pt>
+                <c:pt idx="359">
+                  <c:v>360</c:v>
+                </c:pt>
+                <c:pt idx="360">
+                  <c:v>361</c:v>
+                </c:pt>
+                <c:pt idx="361">
+                  <c:v>362</c:v>
+                </c:pt>
+                <c:pt idx="362">
+                  <c:v>363</c:v>
+                </c:pt>
+                <c:pt idx="363">
+                  <c:v>364</c:v>
+                </c:pt>
+                <c:pt idx="364">
+                  <c:v>365</c:v>
+                </c:pt>
+                <c:pt idx="365">
+                  <c:v>366</c:v>
+                </c:pt>
+                <c:pt idx="366">
+                  <c:v>367</c:v>
+                </c:pt>
+                <c:pt idx="367">
+                  <c:v>368</c:v>
+                </c:pt>
+                <c:pt idx="368">
+                  <c:v>369</c:v>
+                </c:pt>
+                <c:pt idx="369">
+                  <c:v>370</c:v>
+                </c:pt>
+                <c:pt idx="370">
+                  <c:v>371</c:v>
+                </c:pt>
+                <c:pt idx="371">
+                  <c:v>372</c:v>
+                </c:pt>
+                <c:pt idx="372">
+                  <c:v>373</c:v>
+                </c:pt>
+                <c:pt idx="373">
+                  <c:v>374</c:v>
+                </c:pt>
+                <c:pt idx="374">
+                  <c:v>375</c:v>
+                </c:pt>
+                <c:pt idx="375">
+                  <c:v>376</c:v>
+                </c:pt>
+                <c:pt idx="376">
+                  <c:v>377</c:v>
+                </c:pt>
+                <c:pt idx="377">
+                  <c:v>378</c:v>
+                </c:pt>
+                <c:pt idx="378">
+                  <c:v>379</c:v>
+                </c:pt>
+                <c:pt idx="379">
+                  <c:v>380</c:v>
+                </c:pt>
+                <c:pt idx="380">
+                  <c:v>381</c:v>
+                </c:pt>
+                <c:pt idx="381">
+                  <c:v>382</c:v>
+                </c:pt>
+                <c:pt idx="382">
+                  <c:v>383</c:v>
+                </c:pt>
+                <c:pt idx="383">
+                  <c:v>384</c:v>
+                </c:pt>
+                <c:pt idx="384">
+                  <c:v>385</c:v>
+                </c:pt>
+                <c:pt idx="385">
+                  <c:v>386</c:v>
+                </c:pt>
+                <c:pt idx="386">
+                  <c:v>387</c:v>
+                </c:pt>
+                <c:pt idx="387">
+                  <c:v>388</c:v>
+                </c:pt>
+                <c:pt idx="388">
+                  <c:v>389</c:v>
+                </c:pt>
+                <c:pt idx="389">
+                  <c:v>390</c:v>
+                </c:pt>
+                <c:pt idx="390">
+                  <c:v>391</c:v>
+                </c:pt>
+                <c:pt idx="391">
+                  <c:v>392</c:v>
+                </c:pt>
+                <c:pt idx="392">
+                  <c:v>393</c:v>
+                </c:pt>
+                <c:pt idx="393">
+                  <c:v>394</c:v>
+                </c:pt>
+                <c:pt idx="394">
+                  <c:v>395</c:v>
+                </c:pt>
+                <c:pt idx="395">
+                  <c:v>396</c:v>
+                </c:pt>
+                <c:pt idx="396">
+                  <c:v>397</c:v>
+                </c:pt>
+                <c:pt idx="397">
+                  <c:v>398</c:v>
+                </c:pt>
+                <c:pt idx="398">
+                  <c:v>399</c:v>
+                </c:pt>
+                <c:pt idx="399">
+                  <c:v>400</c:v>
+                </c:pt>
+                <c:pt idx="400">
+                  <c:v>401</c:v>
+                </c:pt>
+                <c:pt idx="401">
+                  <c:v>402</c:v>
+                </c:pt>
+                <c:pt idx="402">
+                  <c:v>403</c:v>
+                </c:pt>
+                <c:pt idx="403">
+                  <c:v>404</c:v>
+                </c:pt>
+                <c:pt idx="404">
+                  <c:v>405</c:v>
+                </c:pt>
+                <c:pt idx="405">
+                  <c:v>406</c:v>
+                </c:pt>
+                <c:pt idx="406">
+                  <c:v>407</c:v>
+                </c:pt>
+                <c:pt idx="407">
+                  <c:v>408</c:v>
+                </c:pt>
+                <c:pt idx="408">
+                  <c:v>409</c:v>
+                </c:pt>
+                <c:pt idx="409">
+                  <c:v>410</c:v>
+                </c:pt>
+                <c:pt idx="410">
+                  <c:v>411</c:v>
+                </c:pt>
+                <c:pt idx="411">
+                  <c:v>412</c:v>
+                </c:pt>
+                <c:pt idx="412">
+                  <c:v>413</c:v>
+                </c:pt>
+                <c:pt idx="413">
+                  <c:v>414</c:v>
+                </c:pt>
+                <c:pt idx="414">
+                  <c:v>415</c:v>
+                </c:pt>
+                <c:pt idx="415">
+                  <c:v>416</c:v>
+                </c:pt>
+                <c:pt idx="416">
+                  <c:v>417</c:v>
+                </c:pt>
+                <c:pt idx="417">
+                  <c:v>418</c:v>
+                </c:pt>
+                <c:pt idx="418">
+                  <c:v>419</c:v>
+                </c:pt>
+                <c:pt idx="419">
+                  <c:v>420</c:v>
+                </c:pt>
+                <c:pt idx="420">
+                  <c:v>421</c:v>
+                </c:pt>
+                <c:pt idx="421">
+                  <c:v>422</c:v>
+                </c:pt>
+                <c:pt idx="422">
+                  <c:v>423</c:v>
+                </c:pt>
+                <c:pt idx="423">
+                  <c:v>424</c:v>
+                </c:pt>
+                <c:pt idx="424">
+                  <c:v>425</c:v>
+                </c:pt>
+                <c:pt idx="425">
+                  <c:v>426</c:v>
+                </c:pt>
+                <c:pt idx="426">
+                  <c:v>427</c:v>
+                </c:pt>
+                <c:pt idx="427">
+                  <c:v>428</c:v>
+                </c:pt>
+                <c:pt idx="428">
+                  <c:v>429</c:v>
+                </c:pt>
+                <c:pt idx="429">
+                  <c:v>430</c:v>
+                </c:pt>
+              </c:numCache>
+            </c:numRef>
+          </c:xVal>
+          <c:yVal>
+            <c:numRef>
+              <c:f>Sheet1!$B$2:$B$431</c:f>
+              <c:numCache>
+                <c:formatCode>General</c:formatCode>
+                <c:ptCount val="430"/>
+                <c:pt idx="0">
+                  <c:v>54.215116279100002</c:v>
+                </c:pt>
+                <c:pt idx="1">
+                  <c:v>55.201698513799997</c:v>
+                </c:pt>
+                <c:pt idx="2">
+                  <c:v>55.772994129200001</c:v>
+                </c:pt>
+                <c:pt idx="3">
+                  <c:v>58.75</c:v>
+                </c:pt>
+                <c:pt idx="4">
+                  <c:v>59.171597633099999</c:v>
+                </c:pt>
+                <c:pt idx="5">
+                  <c:v>59.266409266399997</c:v>
+                </c:pt>
+                <c:pt idx="6">
+                  <c:v>59.534883720899998</c:v>
+                </c:pt>
+                <c:pt idx="7">
+                  <c:v>60.119940030000002</c:v>
+                </c:pt>
+                <c:pt idx="8">
+                  <c:v>61.3180515759</c:v>
+                </c:pt>
+                <c:pt idx="9">
+                  <c:v>61.678832116800002</c:v>
+                </c:pt>
+                <c:pt idx="10">
+                  <c:v>62.613195342799997</c:v>
+                </c:pt>
+                <c:pt idx="11">
+                  <c:v>63.333333333299997</c:v>
+                </c:pt>
+                <c:pt idx="12">
+                  <c:v>63.546798029599998</c:v>
+                </c:pt>
+                <c:pt idx="13">
+                  <c:v>63.636363636399999</c:v>
+                </c:pt>
+                <c:pt idx="14">
+                  <c:v>64.434523809500007</c:v>
+                </c:pt>
+                <c:pt idx="15">
+                  <c:v>66.531850353899998</c:v>
+                </c:pt>
+                <c:pt idx="16">
+                  <c:v>66.615853658500001</c:v>
+                </c:pt>
+                <c:pt idx="17">
+                  <c:v>67.003367003400001</c:v>
+                </c:pt>
+                <c:pt idx="18">
+                  <c:v>67.024539877300001</c:v>
+                </c:pt>
+                <c:pt idx="19">
+                  <c:v>67.344497607700006</c:v>
+                </c:pt>
+                <c:pt idx="20">
+                  <c:v>67.639257294399997</c:v>
+                </c:pt>
+                <c:pt idx="21">
+                  <c:v>67.849898580100003</c:v>
+                </c:pt>
+                <c:pt idx="22">
+                  <c:v>68.181818181799997</c:v>
+                </c:pt>
+                <c:pt idx="23">
+                  <c:v>68.505079825799996</c:v>
+                </c:pt>
+                <c:pt idx="24">
+                  <c:v>68.702290076300002</c:v>
+                </c:pt>
+                <c:pt idx="25">
+                  <c:v>69.513991163499995</c:v>
+                </c:pt>
+                <c:pt idx="26">
+                  <c:v>69.687964338800001</c:v>
+                </c:pt>
+                <c:pt idx="27">
+                  <c:v>69.788519637500002</c:v>
+                </c:pt>
+                <c:pt idx="28">
+                  <c:v>69.974226804099999</c:v>
+                </c:pt>
+                <c:pt idx="29">
+                  <c:v>70.021645021599994</c:v>
+                </c:pt>
+                <c:pt idx="30">
+                  <c:v>70.090634441099994</c:v>
+                </c:pt>
+                <c:pt idx="31">
+                  <c:v>70.3966005666</c:v>
+                </c:pt>
+                <c:pt idx="32">
+                  <c:v>70.484581497799994</c:v>
+                </c:pt>
+                <c:pt idx="33">
+                  <c:v>70.627062706299995</c:v>
+                </c:pt>
+                <c:pt idx="34">
+                  <c:v>70.637785800200007</c:v>
+                </c:pt>
+                <c:pt idx="35">
+                  <c:v>70.716889428900004</c:v>
+                </c:pt>
+                <c:pt idx="36">
+                  <c:v>70.764119601299996</c:v>
+                </c:pt>
+                <c:pt idx="37">
+                  <c:v>70.764119601299996</c:v>
+                </c:pt>
+                <c:pt idx="38">
+                  <c:v>70.914127423799997</c:v>
+                </c:pt>
+                <c:pt idx="39">
+                  <c:v>71.047227926100007</c:v>
+                </c:pt>
+                <c:pt idx="40">
+                  <c:v>71.103117506000004</c:v>
+                </c:pt>
+                <c:pt idx="41">
+                  <c:v>71.171171171200001</c:v>
+                </c:pt>
+                <c:pt idx="42">
+                  <c:v>71.2146422629</c:v>
+                </c:pt>
+                <c:pt idx="43">
+                  <c:v>71.226415094299995</c:v>
+                </c:pt>
+                <c:pt idx="44">
+                  <c:v>71.484375</c:v>
+                </c:pt>
+                <c:pt idx="45">
+                  <c:v>71.721958925799996</c:v>
+                </c:pt>
+                <c:pt idx="46">
+                  <c:v>71.786833855799998</c:v>
+                </c:pt>
+                <c:pt idx="47">
+                  <c:v>71.912013536399996</c:v>
+                </c:pt>
+                <c:pt idx="48">
+                  <c:v>71.976401179899995</c:v>
+                </c:pt>
+                <c:pt idx="49">
+                  <c:v>72.037037037000005</c:v>
+                </c:pt>
+                <c:pt idx="50">
+                  <c:v>72.532699167700002</c:v>
+                </c:pt>
+                <c:pt idx="51">
+                  <c:v>72.634791454699993</c:v>
+                </c:pt>
+                <c:pt idx="52">
+                  <c:v>72.681954137600002</c:v>
+                </c:pt>
+                <c:pt idx="53">
+                  <c:v>72.727272727300004</c:v>
+                </c:pt>
+                <c:pt idx="54">
+                  <c:v>72.738537794300001</c:v>
+                </c:pt>
+                <c:pt idx="55">
+                  <c:v>72.740740740700005</c:v>
+                </c:pt>
+                <c:pt idx="56">
+                  <c:v>72.8515625</c:v>
+                </c:pt>
+                <c:pt idx="57">
+                  <c:v>72.995283018899997</c:v>
+                </c:pt>
+                <c:pt idx="58">
+                  <c:v>73.014256619099996</c:v>
+                </c:pt>
+                <c:pt idx="59">
+                  <c:v>73.035230352300005</c:v>
+                </c:pt>
+                <c:pt idx="60">
+                  <c:v>73.040380047499994</c:v>
+                </c:pt>
+                <c:pt idx="61">
+                  <c:v>73.089700996700003</c:v>
+                </c:pt>
+                <c:pt idx="62">
+                  <c:v>73.103448275900007</c:v>
+                </c:pt>
+                <c:pt idx="63">
+                  <c:v>73.131313131300004</c:v>
+                </c:pt>
+                <c:pt idx="64">
+                  <c:v>73.239436619700001</c:v>
+                </c:pt>
+                <c:pt idx="65">
+                  <c:v>73.278236914600001</c:v>
+                </c:pt>
+                <c:pt idx="66">
+                  <c:v>73.312236286900003</c:v>
+                </c:pt>
+                <c:pt idx="67">
+                  <c:v>73.354564755799998</c:v>
+                </c:pt>
+                <c:pt idx="68">
+                  <c:v>73.396424816000007</c:v>
+                </c:pt>
+                <c:pt idx="69">
+                  <c:v>73.519163763099996</c:v>
+                </c:pt>
+                <c:pt idx="70">
+                  <c:v>73.586956521700003</c:v>
+                </c:pt>
+                <c:pt idx="71">
+                  <c:v>73.595505618000004</c:v>
+                </c:pt>
+                <c:pt idx="72">
+                  <c:v>73.598130841100001</c:v>
+                </c:pt>
+                <c:pt idx="73">
+                  <c:v>73.673870334</c:v>
+                </c:pt>
+                <c:pt idx="74">
+                  <c:v>73.805601318000001</c:v>
+                </c:pt>
+                <c:pt idx="75">
+                  <c:v>73.864783047399996</c:v>
+                </c:pt>
+                <c:pt idx="76">
+                  <c:v>74.21875</c:v>
+                </c:pt>
+                <c:pt idx="77">
+                  <c:v>74.319912948899997</c:v>
+                </c:pt>
+                <c:pt idx="78">
+                  <c:v>74.324324324299994</c:v>
+                </c:pt>
+                <c:pt idx="79">
+                  <c:v>74.378109452700002</c:v>
+                </c:pt>
+                <c:pt idx="80">
+                  <c:v>74.4303797468</c:v>
+                </c:pt>
+                <c:pt idx="81">
+                  <c:v>74.4923857868</c:v>
+                </c:pt>
+                <c:pt idx="82">
+                  <c:v>74.654377880200002</c:v>
+                </c:pt>
+                <c:pt idx="83">
+                  <c:v>74.654377880200002</c:v>
+                </c:pt>
+                <c:pt idx="84">
+                  <c:v>74.846625766900004</c:v>
+                </c:pt>
+                <c:pt idx="85">
+                  <c:v>75.105485232099994</c:v>
+                </c:pt>
+                <c:pt idx="86">
+                  <c:v>75.121951219500005</c:v>
+                </c:pt>
+                <c:pt idx="87">
+                  <c:v>75.226586102699997</c:v>
+                </c:pt>
+                <c:pt idx="88">
+                  <c:v>75.560081466400007</c:v>
+                </c:pt>
+                <c:pt idx="89">
+                  <c:v>75.687103594099995</c:v>
+                </c:pt>
+                <c:pt idx="90">
+                  <c:v>75.692695214099999</c:v>
+                </c:pt>
+                <c:pt idx="91">
+                  <c:v>75.761124121799995</c:v>
+                </c:pt>
+                <c:pt idx="92">
+                  <c:v>75.905511810999997</c:v>
+                </c:pt>
+                <c:pt idx="93">
+                  <c:v>75.9477124183</c:v>
+                </c:pt>
+                <c:pt idx="94">
+                  <c:v>76.014319809100002</c:v>
+                </c:pt>
+                <c:pt idx="95">
+                  <c:v>76.023391812900002</c:v>
+                </c:pt>
+                <c:pt idx="96">
+                  <c:v>76.112759643900006</c:v>
+                </c:pt>
+                <c:pt idx="97">
+                  <c:v>76.164079822600002</c:v>
+                </c:pt>
+                <c:pt idx="98">
+                  <c:v>76.229508196699996</c:v>
+                </c:pt>
+                <c:pt idx="99">
+                  <c:v>76.25</c:v>
+                </c:pt>
+                <c:pt idx="100">
+                  <c:v>76.269430051800001</c:v>
+                </c:pt>
+                <c:pt idx="101">
+                  <c:v>76.276771004899999</c:v>
+                </c:pt>
+                <c:pt idx="102">
+                  <c:v>76.309794988600004</c:v>
+                </c:pt>
+                <c:pt idx="103">
+                  <c:v>76.365795724500003</c:v>
+                </c:pt>
+                <c:pt idx="104">
+                  <c:v>76.373056994799995</c:v>
+                </c:pt>
+                <c:pt idx="105">
+                  <c:v>76.512968299700006</c:v>
+                </c:pt>
+                <c:pt idx="106">
+                  <c:v>76.570680628299996</c:v>
+                </c:pt>
+                <c:pt idx="107">
+                  <c:v>76.595744680899998</c:v>
+                </c:pt>
+                <c:pt idx="108">
+                  <c:v>76.691729323299995</c:v>
+                </c:pt>
+                <c:pt idx="109">
+                  <c:v>76.771653543300005</c:v>
+                </c:pt>
+                <c:pt idx="110">
+                  <c:v>76.832151300199996</c:v>
+                </c:pt>
+                <c:pt idx="111">
+                  <c:v>76.923076923099998</c:v>
+                </c:pt>
+                <c:pt idx="112">
+                  <c:v>77.062706270600003</c:v>
+                </c:pt>
+                <c:pt idx="113">
+                  <c:v>77.145922746799997</c:v>
+                </c:pt>
+                <c:pt idx="114">
+                  <c:v>77.233782129700003</c:v>
+                </c:pt>
+                <c:pt idx="115">
+                  <c:v>77.304964538999997</c:v>
+                </c:pt>
+                <c:pt idx="116">
+                  <c:v>77.326203208600006</c:v>
+                </c:pt>
+                <c:pt idx="117">
+                  <c:v>77.370689655199996</c:v>
+                </c:pt>
+                <c:pt idx="118">
+                  <c:v>77.488151658800007</c:v>
+                </c:pt>
+                <c:pt idx="119">
+                  <c:v>77.591973244100004</c:v>
+                </c:pt>
+                <c:pt idx="120">
+                  <c:v>77.681473456099994</c:v>
+                </c:pt>
+                <c:pt idx="121">
+                  <c:v>77.760000000000005</c:v>
+                </c:pt>
+                <c:pt idx="122">
+                  <c:v>78.164556962000006</c:v>
+                </c:pt>
+                <c:pt idx="123">
+                  <c:v>78.226711559999998</c:v>
+                </c:pt>
+                <c:pt idx="124">
+                  <c:v>78.357380688099994</c:v>
+                </c:pt>
+                <c:pt idx="125">
+                  <c:v>78.390804597699997</c:v>
+                </c:pt>
+                <c:pt idx="126">
+                  <c:v>78.710644677700003</c:v>
+                </c:pt>
+                <c:pt idx="127">
+                  <c:v>78.798586572399998</c:v>
+                </c:pt>
+                <c:pt idx="128">
+                  <c:v>78.974358974400005</c:v>
+                </c:pt>
+                <c:pt idx="129">
+                  <c:v>78.979343863899999</c:v>
+                </c:pt>
+                <c:pt idx="130">
+                  <c:v>79.034028540099996</c:v>
+                </c:pt>
+                <c:pt idx="131">
+                  <c:v>79.417670682700006</c:v>
+                </c:pt>
+                <c:pt idx="132">
+                  <c:v>79.436619718299994</c:v>
+                </c:pt>
+                <c:pt idx="133">
+                  <c:v>79.4520547945</c:v>
+                </c:pt>
+                <c:pt idx="134">
+                  <c:v>79.505300353400003</c:v>
+                </c:pt>
+                <c:pt idx="135">
+                  <c:v>79.746835442999995</c:v>
+                </c:pt>
+                <c:pt idx="136">
+                  <c:v>80</c:v>
+                </c:pt>
+                <c:pt idx="137">
+                  <c:v>80.040322580600005</c:v>
+                </c:pt>
+                <c:pt idx="138">
+                  <c:v>80.281690140799995</c:v>
+                </c:pt>
+                <c:pt idx="139">
+                  <c:v>80.487804878000006</c:v>
+                </c:pt>
+                <c:pt idx="140">
+                  <c:v>80.6593406593</c:v>
+                </c:pt>
+                <c:pt idx="141">
+                  <c:v>80.697928026200003</c:v>
+                </c:pt>
+                <c:pt idx="142">
+                  <c:v>81.018981018999995</c:v>
+                </c:pt>
+                <c:pt idx="143">
+                  <c:v>81.078224101499998</c:v>
+                </c:pt>
+                <c:pt idx="144">
+                  <c:v>81.229235880399997</c:v>
+                </c:pt>
+                <c:pt idx="145">
+                  <c:v>81.235697940500003</c:v>
+                </c:pt>
+                <c:pt idx="146">
+                  <c:v>81.404958677699994</c:v>
+                </c:pt>
+                <c:pt idx="147">
+                  <c:v>81.473684210499997</c:v>
+                </c:pt>
+                <c:pt idx="148">
+                  <c:v>81.526104417699997</c:v>
+                </c:pt>
+                <c:pt idx="149">
+                  <c:v>81.533804238100004</c:v>
+                </c:pt>
+                <c:pt idx="150">
+                  <c:v>81.891348088499996</c:v>
+                </c:pt>
+                <c:pt idx="151">
+                  <c:v>82.151029748300004</c:v>
+                </c:pt>
+                <c:pt idx="152">
+                  <c:v>82.258064516100006</c:v>
+                </c:pt>
+                <c:pt idx="153">
+                  <c:v>82.658959537599998</c:v>
+                </c:pt>
+                <c:pt idx="154">
+                  <c:v>82.703777336000002</c:v>
+                </c:pt>
+                <c:pt idx="155">
+                  <c:v>82.716049382700007</c:v>
+                </c:pt>
+                <c:pt idx="156">
+                  <c:v>82.897862232799994</c:v>
+                </c:pt>
+                <c:pt idx="157">
+                  <c:v>83.062645011599997</c:v>
+                </c:pt>
+                <c:pt idx="158">
+                  <c:v>83.0628803245</c:v>
+                </c:pt>
+                <c:pt idx="159">
+                  <c:v>83.333333333300004</c:v>
+                </c:pt>
+                <c:pt idx="160">
+                  <c:v>83.451059535799999</c:v>
+                </c:pt>
+                <c:pt idx="161">
+                  <c:v>83.464566929100002</c:v>
+                </c:pt>
+                <c:pt idx="162">
+                  <c:v>83.522727272699996</c:v>
+                </c:pt>
+                <c:pt idx="163">
+                  <c:v>83.611111111100001</c:v>
+                </c:pt>
+                <c:pt idx="164">
+                  <c:v>83.615819208999994</c:v>
+                </c:pt>
+                <c:pt idx="165">
+                  <c:v>83.678160919500002</c:v>
+                </c:pt>
+                <c:pt idx="166">
+                  <c:v>83.720930232599997</c:v>
+                </c:pt>
+                <c:pt idx="167">
+                  <c:v>83.764705882399994</c:v>
+                </c:pt>
+                <c:pt idx="168">
+                  <c:v>83.766909469300003</c:v>
+                </c:pt>
+                <c:pt idx="169">
+                  <c:v>83.798882681600006</c:v>
+                </c:pt>
+                <c:pt idx="170">
+                  <c:v>83.950617284000003</c:v>
+                </c:pt>
+                <c:pt idx="171">
+                  <c:v>84.090909090899999</c:v>
+                </c:pt>
+                <c:pt idx="172">
+                  <c:v>84.180790960500005</c:v>
+                </c:pt>
+                <c:pt idx="173">
+                  <c:v>84.189723320200002</c:v>
+                </c:pt>
+                <c:pt idx="174">
+                  <c:v>84.210526315799996</c:v>
+                </c:pt>
+                <c:pt idx="175">
+                  <c:v>84.242424242400006</c:v>
+                </c:pt>
+                <c:pt idx="176">
+                  <c:v>84.432989690699998</c:v>
+                </c:pt>
+                <c:pt idx="177">
+                  <c:v>84.454756380500001</c:v>
+                </c:pt>
+                <c:pt idx="178">
+                  <c:v>84.510250569500002</c:v>
+                </c:pt>
+                <c:pt idx="179">
+                  <c:v>84.615384615400004</c:v>
+                </c:pt>
+                <c:pt idx="180">
+                  <c:v>84.646878198600007</c:v>
+                </c:pt>
+                <c:pt idx="181">
+                  <c:v>84.699453551900007</c:v>
+                </c:pt>
+                <c:pt idx="182">
+                  <c:v>84.765625</c:v>
+                </c:pt>
+                <c:pt idx="183">
+                  <c:v>85.1380042463</c:v>
+                </c:pt>
+                <c:pt idx="184">
+                  <c:v>85.159817351599997</c:v>
+                </c:pt>
+                <c:pt idx="185">
+                  <c:v>85.185185185199998</c:v>
+                </c:pt>
+                <c:pt idx="186">
+                  <c:v>85.239085239100007</c:v>
+                </c:pt>
+                <c:pt idx="187">
+                  <c:v>85.311871227400005</c:v>
+                </c:pt>
+                <c:pt idx="188">
+                  <c:v>85.393258427000006</c:v>
+                </c:pt>
+                <c:pt idx="189">
+                  <c:v>85.512367491199996</c:v>
+                </c:pt>
+                <c:pt idx="190">
+                  <c:v>85.585585585600001</c:v>
+                </c:pt>
+                <c:pt idx="191">
+                  <c:v>85.714285714300004</c:v>
+                </c:pt>
+                <c:pt idx="192">
+                  <c:v>85.714285714300004</c:v>
+                </c:pt>
+                <c:pt idx="193">
+                  <c:v>85.797101449300001</c:v>
+                </c:pt>
+                <c:pt idx="194">
+                  <c:v>85.919540229899994</c:v>
+                </c:pt>
+                <c:pt idx="195">
+                  <c:v>86.041189931399998</c:v>
+                </c:pt>
+                <c:pt idx="196">
+                  <c:v>86.060606060599994</c:v>
+                </c:pt>
+                <c:pt idx="197">
+                  <c:v>86.072423398300003</c:v>
+                </c:pt>
+                <c:pt idx="198">
+                  <c:v>86.211340206200006</c:v>
+                </c:pt>
+                <c:pt idx="199">
+                  <c:v>86.235955056199998</c:v>
+                </c:pt>
+                <c:pt idx="200">
+                  <c:v>86.272189349100003</c:v>
+                </c:pt>
+                <c:pt idx="201">
+                  <c:v>86.363636363599994</c:v>
+                </c:pt>
+                <c:pt idx="202">
+                  <c:v>86.440677966099997</c:v>
+                </c:pt>
+                <c:pt idx="203">
+                  <c:v>86.486486486499999</c:v>
+                </c:pt>
+                <c:pt idx="204">
+                  <c:v>86.686991869899998</c:v>
+                </c:pt>
+                <c:pt idx="205">
+                  <c:v>86.740331491700005</c:v>
+                </c:pt>
+                <c:pt idx="206">
+                  <c:v>86.758893280600006</c:v>
+                </c:pt>
+                <c:pt idx="207">
+                  <c:v>86.772486772500002</c:v>
+                </c:pt>
+                <c:pt idx="208">
+                  <c:v>86.781609195399994</c:v>
+                </c:pt>
+                <c:pt idx="209">
+                  <c:v>86.931818181799997</c:v>
+                </c:pt>
+                <c:pt idx="210">
+                  <c:v>86.931818181799997</c:v>
+                </c:pt>
+                <c:pt idx="211">
+                  <c:v>86.976744186000005</c:v>
+                </c:pt>
+                <c:pt idx="212">
+                  <c:v>86.994949494899998</c:v>
+                </c:pt>
+                <c:pt idx="213">
+                  <c:v>87.0220162225</c:v>
+                </c:pt>
+                <c:pt idx="214">
+                  <c:v>87.049180327900004</c:v>
+                </c:pt>
+                <c:pt idx="215">
+                  <c:v>87.055016181200003</c:v>
+                </c:pt>
+                <c:pt idx="216">
+                  <c:v>87.062566277800002</c:v>
+                </c:pt>
+                <c:pt idx="217">
+                  <c:v>87.183308494800002</c:v>
+                </c:pt>
+                <c:pt idx="218">
+                  <c:v>87.209302325600007</c:v>
+                </c:pt>
+                <c:pt idx="219">
+                  <c:v>87.211740041900001</c:v>
+                </c:pt>
+                <c:pt idx="220">
+                  <c:v>87.230514096199997</c:v>
+                </c:pt>
+                <c:pt idx="221">
+                  <c:v>87.377049180300006</c:v>
+                </c:pt>
+                <c:pt idx="222">
+                  <c:v>87.412587412600004</c:v>
+                </c:pt>
+                <c:pt idx="223">
+                  <c:v>87.428571428599994</c:v>
+                </c:pt>
+                <c:pt idx="224">
+                  <c:v>87.529137529099998</c:v>
+                </c:pt>
+                <c:pt idx="225">
+                  <c:v>87.608069164300005</c:v>
+                </c:pt>
+                <c:pt idx="226">
+                  <c:v>87.654320987700004</c:v>
+                </c:pt>
+                <c:pt idx="227">
+                  <c:v>87.755102040799997</c:v>
+                </c:pt>
+                <c:pt idx="228">
+                  <c:v>87.804878048800006</c:v>
+                </c:pt>
+                <c:pt idx="229">
+                  <c:v>87.835420393600003</c:v>
+                </c:pt>
+                <c:pt idx="230">
+                  <c:v>88.068181818200003</c:v>
+                </c:pt>
+                <c:pt idx="231">
+                  <c:v>88.111888111900001</c:v>
+                </c:pt>
+                <c:pt idx="232">
+                  <c:v>88.127853881299998</c:v>
+                </c:pt>
+                <c:pt idx="233">
+                  <c:v>88.133874239400001</c:v>
+                </c:pt>
+                <c:pt idx="234">
+                  <c:v>88.172043010799996</c:v>
+                </c:pt>
+                <c:pt idx="235">
+                  <c:v>88.235294117600006</c:v>
+                </c:pt>
+                <c:pt idx="236">
+                  <c:v>88.353413654600004</c:v>
+                </c:pt>
+                <c:pt idx="237">
+                  <c:v>88.461538461499998</c:v>
+                </c:pt>
+                <c:pt idx="238">
+                  <c:v>88.652482269499998</c:v>
+                </c:pt>
+                <c:pt idx="239">
+                  <c:v>88.744588744599994</c:v>
+                </c:pt>
+                <c:pt idx="240">
+                  <c:v>88.771186440700006</c:v>
+                </c:pt>
+                <c:pt idx="241">
+                  <c:v>88.888888888899999</c:v>
+                </c:pt>
+                <c:pt idx="242">
+                  <c:v>88.888888888899999</c:v>
+                </c:pt>
+                <c:pt idx="243">
+                  <c:v>88.888888888899999</c:v>
+                </c:pt>
+                <c:pt idx="244">
+                  <c:v>88.9148191365</c:v>
+                </c:pt>
+                <c:pt idx="245">
+                  <c:v>88.977955911799995</c:v>
+                </c:pt>
+                <c:pt idx="246">
+                  <c:v>89.015151515200003</c:v>
+                </c:pt>
+                <c:pt idx="247">
+                  <c:v>89.020070838300001</c:v>
+                </c:pt>
+                <c:pt idx="248">
+                  <c:v>89.020771513400007</c:v>
+                </c:pt>
+                <c:pt idx="249">
+                  <c:v>89.024390243900001</c:v>
+                </c:pt>
+                <c:pt idx="250">
+                  <c:v>89.041095890400001</c:v>
+                </c:pt>
+                <c:pt idx="251">
+                  <c:v>89.053254437899994</c:v>
+                </c:pt>
+                <c:pt idx="252">
+                  <c:v>89.136490250700007</c:v>
+                </c:pt>
+                <c:pt idx="253">
+                  <c:v>89.142857142899999</c:v>
+                </c:pt>
+                <c:pt idx="254">
+                  <c:v>89.1592920354</c:v>
+                </c:pt>
+                <c:pt idx="255">
+                  <c:v>89.244186046500005</c:v>
+                </c:pt>
+                <c:pt idx="256">
+                  <c:v>89.252336448600005</c:v>
+                </c:pt>
+                <c:pt idx="257">
+                  <c:v>89.2655367232</c:v>
+                </c:pt>
+                <c:pt idx="258">
+                  <c:v>89.320388349500007</c:v>
+                </c:pt>
+                <c:pt idx="259">
+                  <c:v>89.325842696600006</c:v>
+                </c:pt>
+                <c:pt idx="260">
+                  <c:v>89.411764705899998</c:v>
+                </c:pt>
+                <c:pt idx="261">
+                  <c:v>89.413118526999995</c:v>
+                </c:pt>
+                <c:pt idx="262">
+                  <c:v>89.442815249299997</c:v>
+                </c:pt>
+                <c:pt idx="263">
+                  <c:v>89.463220675900004</c:v>
+                </c:pt>
+                <c:pt idx="264">
+                  <c:v>89.655172413800003</c:v>
+                </c:pt>
+                <c:pt idx="265">
+                  <c:v>89.659685863899995</c:v>
+                </c:pt>
+                <c:pt idx="266">
+                  <c:v>89.749430523900003</c:v>
+                </c:pt>
+                <c:pt idx="267">
+                  <c:v>89.776733254999996</c:v>
+                </c:pt>
+                <c:pt idx="268">
+                  <c:v>90</c:v>
+                </c:pt>
+                <c:pt idx="269">
+                  <c:v>90.064516128999998</c:v>
+                </c:pt>
+                <c:pt idx="270">
+                  <c:v>90.076335877899993</c:v>
+                </c:pt>
+                <c:pt idx="271">
+                  <c:v>90.112640800999998</c:v>
+                </c:pt>
+                <c:pt idx="272">
+                  <c:v>90.123456790099993</c:v>
+                </c:pt>
+                <c:pt idx="273">
+                  <c:v>90.123456790099993</c:v>
+                </c:pt>
+                <c:pt idx="274">
+                  <c:v>90.1287553648</c:v>
+                </c:pt>
+                <c:pt idx="275">
+                  <c:v>90.167865707399997</c:v>
+                </c:pt>
+                <c:pt idx="276">
+                  <c:v>90.250696378800001</c:v>
+                </c:pt>
+                <c:pt idx="277">
+                  <c:v>90.263691683600001</c:v>
+                </c:pt>
+                <c:pt idx="278">
+                  <c:v>90.333333333300004</c:v>
+                </c:pt>
+                <c:pt idx="279">
+                  <c:v>90.340909090899999</c:v>
+                </c:pt>
+                <c:pt idx="280">
+                  <c:v>90.340909090899999</c:v>
+                </c:pt>
+                <c:pt idx="281">
+                  <c:v>90.384615384599996</c:v>
+                </c:pt>
+                <c:pt idx="282">
+                  <c:v>90.392156862700006</c:v>
+                </c:pt>
+                <c:pt idx="283">
+                  <c:v>90.476190476200003</c:v>
+                </c:pt>
+                <c:pt idx="284">
+                  <c:v>90.537383177600006</c:v>
+                </c:pt>
+                <c:pt idx="285">
+                  <c:v>90.566037735799995</c:v>
+                </c:pt>
+                <c:pt idx="286">
+                  <c:v>90.666666666699996</c:v>
+                </c:pt>
+                <c:pt idx="287">
+                  <c:v>90.694935217899996</c:v>
+                </c:pt>
+                <c:pt idx="288">
+                  <c:v>90.704225352099996</c:v>
+                </c:pt>
+                <c:pt idx="289">
+                  <c:v>90.714285714300004</c:v>
+                </c:pt>
+                <c:pt idx="290">
+                  <c:v>90.724637681199994</c:v>
+                </c:pt>
+                <c:pt idx="291">
+                  <c:v>90.816326530599994</c:v>
+                </c:pt>
+                <c:pt idx="292">
+                  <c:v>90.846681922200005</c:v>
+                </c:pt>
+                <c:pt idx="293">
+                  <c:v>90.909090909100001</c:v>
+                </c:pt>
+                <c:pt idx="294">
+                  <c:v>90.9356725146</c:v>
+                </c:pt>
+                <c:pt idx="295">
+                  <c:v>90.940766550500001</c:v>
+                </c:pt>
+                <c:pt idx="296">
+                  <c:v>90.960451977399998</c:v>
+                </c:pt>
+                <c:pt idx="297">
+                  <c:v>91.048292108400005</c:v>
+                </c:pt>
+                <c:pt idx="298">
+                  <c:v>91.053677932400007</c:v>
+                </c:pt>
+                <c:pt idx="299">
+                  <c:v>91.103202847000006</c:v>
+                </c:pt>
+                <c:pt idx="300">
+                  <c:v>91.1504424779</c:v>
+                </c:pt>
+                <c:pt idx="301">
+                  <c:v>91.176470588200004</c:v>
+                </c:pt>
+                <c:pt idx="302">
+                  <c:v>91.313131313100001</c:v>
+                </c:pt>
+                <c:pt idx="303">
+                  <c:v>91.317365269500002</c:v>
+                </c:pt>
+                <c:pt idx="304">
+                  <c:v>91.358024691400004</c:v>
+                </c:pt>
+                <c:pt idx="305">
+                  <c:v>91.397849462400004</c:v>
+                </c:pt>
+                <c:pt idx="306">
+                  <c:v>91.428571428599994</c:v>
+                </c:pt>
+                <c:pt idx="307">
+                  <c:v>91.463414634100005</c:v>
+                </c:pt>
+                <c:pt idx="308">
+                  <c:v>91.463414634100005</c:v>
+                </c:pt>
+                <c:pt idx="309">
+                  <c:v>91.509433962299994</c:v>
+                </c:pt>
+                <c:pt idx="310">
+                  <c:v>91.525423728800007</c:v>
+                </c:pt>
+                <c:pt idx="311">
+                  <c:v>91.573033707899995</c:v>
+                </c:pt>
+                <c:pt idx="312">
+                  <c:v>91.573033707899995</c:v>
+                </c:pt>
+                <c:pt idx="313">
+                  <c:v>91.717171717200003</c:v>
+                </c:pt>
+                <c:pt idx="314">
+                  <c:v>91.803278688500001</c:v>
+                </c:pt>
+                <c:pt idx="315">
+                  <c:v>91.806020066900004</c:v>
+                </c:pt>
+                <c:pt idx="316">
+                  <c:v>91.810344827600005</c:v>
+                </c:pt>
+                <c:pt idx="317">
+                  <c:v>91.839762611300003</c:v>
+                </c:pt>
+                <c:pt idx="318">
+                  <c:v>91.843971631200006</c:v>
+                </c:pt>
+                <c:pt idx="319">
+                  <c:v>91.857506361299997</c:v>
+                </c:pt>
+                <c:pt idx="320">
+                  <c:v>91.901408450700004</c:v>
+                </c:pt>
+                <c:pt idx="321">
+                  <c:v>91.990291262100001</c:v>
+                </c:pt>
+                <c:pt idx="322">
+                  <c:v>92.032967033000006</c:v>
+                </c:pt>
+                <c:pt idx="323">
+                  <c:v>92.045454545499993</c:v>
+                </c:pt>
+                <c:pt idx="324">
+                  <c:v>92.090395480200002</c:v>
+                </c:pt>
+                <c:pt idx="325">
+                  <c:v>92.105263157899998</c:v>
+                </c:pt>
+                <c:pt idx="326">
+                  <c:v>92.114695340500006</c:v>
+                </c:pt>
+                <c:pt idx="327">
+                  <c:v>92.129629629600004</c:v>
+                </c:pt>
+                <c:pt idx="328">
+                  <c:v>92.136752136799998</c:v>
+                </c:pt>
+                <c:pt idx="329">
+                  <c:v>92.1568627451</c:v>
+                </c:pt>
+                <c:pt idx="330">
+                  <c:v>92.1568627451</c:v>
+                </c:pt>
+                <c:pt idx="331">
+                  <c:v>92.317880794700002</c:v>
+                </c:pt>
+                <c:pt idx="332">
+                  <c:v>92.405063291100006</c:v>
+                </c:pt>
+                <c:pt idx="333">
+                  <c:v>92.445328031800003</c:v>
+                </c:pt>
+                <c:pt idx="334">
+                  <c:v>92.465753424699997</c:v>
+                </c:pt>
+                <c:pt idx="335">
+                  <c:v>92.5</c:v>
+                </c:pt>
+                <c:pt idx="336">
+                  <c:v>92.592592592599999</c:v>
+                </c:pt>
+                <c:pt idx="337">
+                  <c:v>92.592592592599999</c:v>
+                </c:pt>
+                <c:pt idx="338">
+                  <c:v>92.592592592599999</c:v>
+                </c:pt>
+                <c:pt idx="339">
+                  <c:v>92.682926829300001</c:v>
+                </c:pt>
+                <c:pt idx="340">
+                  <c:v>92.682926829300001</c:v>
+                </c:pt>
+                <c:pt idx="341">
+                  <c:v>92.682926829300001</c:v>
+                </c:pt>
+                <c:pt idx="342">
+                  <c:v>92.696629213500003</c:v>
+                </c:pt>
+                <c:pt idx="343">
+                  <c:v>92.727272727300004</c:v>
+                </c:pt>
+                <c:pt idx="344">
+                  <c:v>93.063583815000001</c:v>
+                </c:pt>
+                <c:pt idx="345">
+                  <c:v>93.103448275900007</c:v>
+                </c:pt>
+                <c:pt idx="346">
+                  <c:v>93.170731707300007</c:v>
+                </c:pt>
+                <c:pt idx="347">
+                  <c:v>93.238434163700006</c:v>
+                </c:pt>
+                <c:pt idx="348">
+                  <c:v>93.283582089600003</c:v>
+                </c:pt>
+                <c:pt idx="349">
+                  <c:v>93.286219081300004</c:v>
+                </c:pt>
+                <c:pt idx="350">
+                  <c:v>93.333333333300004</c:v>
+                </c:pt>
+                <c:pt idx="351">
+                  <c:v>93.421052631600006</c:v>
+                </c:pt>
+                <c:pt idx="352">
+                  <c:v>93.454545454500007</c:v>
+                </c:pt>
+                <c:pt idx="353">
+                  <c:v>93.639575971699998</c:v>
+                </c:pt>
+                <c:pt idx="354">
+                  <c:v>93.661971831000002</c:v>
+                </c:pt>
+                <c:pt idx="355">
+                  <c:v>93.75</c:v>
+                </c:pt>
+                <c:pt idx="356">
+                  <c:v>93.75</c:v>
+                </c:pt>
+                <c:pt idx="357">
+                  <c:v>93.790426908200004</c:v>
+                </c:pt>
+                <c:pt idx="358">
+                  <c:v>93.827160493799994</c:v>
+                </c:pt>
+                <c:pt idx="359">
+                  <c:v>93.827160493799994</c:v>
+                </c:pt>
+                <c:pt idx="360">
+                  <c:v>93.827160493799994</c:v>
+                </c:pt>
+                <c:pt idx="361">
+                  <c:v>93.902439024399996</c:v>
+                </c:pt>
+                <c:pt idx="362">
+                  <c:v>93.902439024399996</c:v>
+                </c:pt>
+                <c:pt idx="363">
+                  <c:v>93.902439024399996</c:v>
+                </c:pt>
+                <c:pt idx="364">
+                  <c:v>93.967517401400002</c:v>
+                </c:pt>
+                <c:pt idx="365">
+                  <c:v>93.992932862200007</c:v>
+                </c:pt>
+                <c:pt idx="366">
+                  <c:v>94.038748137100001</c:v>
+                </c:pt>
+                <c:pt idx="367">
+                  <c:v>94.181818181799997</c:v>
+                </c:pt>
+                <c:pt idx="368">
+                  <c:v>94.202898550699999</c:v>
+                </c:pt>
+                <c:pt idx="369">
+                  <c:v>94.285714285699996</c:v>
+                </c:pt>
+                <c:pt idx="370">
+                  <c:v>94.318181818200003</c:v>
+                </c:pt>
+                <c:pt idx="371">
+                  <c:v>94.545454545499993</c:v>
+                </c:pt>
+                <c:pt idx="372">
+                  <c:v>94.795539033500006</c:v>
+                </c:pt>
+                <c:pt idx="373">
+                  <c:v>94.805194805200003</c:v>
+                </c:pt>
+                <c:pt idx="374">
+                  <c:v>94.936708860799996</c:v>
+                </c:pt>
+                <c:pt idx="375">
+                  <c:v>95</c:v>
+                </c:pt>
+                <c:pt idx="376">
+                  <c:v>95</c:v>
+                </c:pt>
+                <c:pt idx="377">
+                  <c:v>95.061728395100005</c:v>
+                </c:pt>
+                <c:pt idx="378">
+                  <c:v>95.061728395100005</c:v>
+                </c:pt>
+                <c:pt idx="379">
+                  <c:v>95.121951219500005</c:v>
+                </c:pt>
+                <c:pt idx="380">
+                  <c:v>95.121951219500005</c:v>
+                </c:pt>
+                <c:pt idx="381">
+                  <c:v>95.121951219500005</c:v>
+                </c:pt>
+                <c:pt idx="382">
+                  <c:v>95.121951219500005</c:v>
+                </c:pt>
+                <c:pt idx="383">
+                  <c:v>95.121951219500005</c:v>
+                </c:pt>
+                <c:pt idx="384">
+                  <c:v>95.121951219500005</c:v>
+                </c:pt>
+                <c:pt idx="385">
+                  <c:v>95.121951219500005</c:v>
+                </c:pt>
+                <c:pt idx="386">
+                  <c:v>95.121951219500005</c:v>
+                </c:pt>
+                <c:pt idx="387">
+                  <c:v>95.390070922000007</c:v>
+                </c:pt>
+                <c:pt idx="388">
+                  <c:v>95.977011494300001</c:v>
+                </c:pt>
+                <c:pt idx="389">
+                  <c:v>96.25</c:v>
+                </c:pt>
+                <c:pt idx="390">
+                  <c:v>96.2962962963</c:v>
+                </c:pt>
+                <c:pt idx="391">
+                  <c:v>96.2962962963</c:v>
+                </c:pt>
+                <c:pt idx="392">
+                  <c:v>96.3414634146</c:v>
+                </c:pt>
+                <c:pt idx="393">
+                  <c:v>96.3414634146</c:v>
+                </c:pt>
+                <c:pt idx="394">
+                  <c:v>96.3414634146</c:v>
+                </c:pt>
+                <c:pt idx="395">
+                  <c:v>96.3414634146</c:v>
+                </c:pt>
+                <c:pt idx="396">
+                  <c:v>96.3414634146</c:v>
+                </c:pt>
+                <c:pt idx="397">
+                  <c:v>96.3414634146</c:v>
+                </c:pt>
+                <c:pt idx="398">
+                  <c:v>96.3414634146</c:v>
+                </c:pt>
+                <c:pt idx="399">
+                  <c:v>96.3414634146</c:v>
+                </c:pt>
+                <c:pt idx="400">
+                  <c:v>97.333333333300004</c:v>
+                </c:pt>
+                <c:pt idx="401">
+                  <c:v>97.402597402599994</c:v>
+                </c:pt>
+                <c:pt idx="402">
+                  <c:v>97.402597402599994</c:v>
+                </c:pt>
+                <c:pt idx="403">
+                  <c:v>97.435897435900003</c:v>
+                </c:pt>
+                <c:pt idx="404">
+                  <c:v>97.468354430399998</c:v>
+                </c:pt>
+                <c:pt idx="405">
+                  <c:v>97.530864197499994</c:v>
+                </c:pt>
+                <c:pt idx="406">
+                  <c:v>97.530864197499994</c:v>
+                </c:pt>
+                <c:pt idx="407">
+                  <c:v>97.530864197499994</c:v>
+                </c:pt>
+                <c:pt idx="408">
+                  <c:v>97.560975609799996</c:v>
+                </c:pt>
+                <c:pt idx="409">
+                  <c:v>97.560975609799996</c:v>
+                </c:pt>
+                <c:pt idx="410">
+                  <c:v>97.777777777799997</c:v>
+                </c:pt>
+                <c:pt idx="411">
+                  <c:v>97.826086956500006</c:v>
+                </c:pt>
+                <c:pt idx="412">
+                  <c:v>98.75</c:v>
+                </c:pt>
+                <c:pt idx="413">
+                  <c:v>98.75</c:v>
+                </c:pt>
+                <c:pt idx="414">
+                  <c:v>98.75</c:v>
+                </c:pt>
+                <c:pt idx="415">
+                  <c:v>98.75</c:v>
+                </c:pt>
+                <c:pt idx="416">
+                  <c:v>98.75</c:v>
+                </c:pt>
+                <c:pt idx="417">
+                  <c:v>98.765432098800005</c:v>
+                </c:pt>
+                <c:pt idx="418">
+                  <c:v>98.765432098800005</c:v>
+                </c:pt>
+                <c:pt idx="419">
+                  <c:v>98.765432098800005</c:v>
+                </c:pt>
+                <c:pt idx="420">
+                  <c:v>98.765432098800005</c:v>
+                </c:pt>
+                <c:pt idx="421">
+                  <c:v>98.765432098800005</c:v>
+                </c:pt>
+                <c:pt idx="422">
+                  <c:v>98.765432098800005</c:v>
+                </c:pt>
+                <c:pt idx="423">
+                  <c:v>98.780487804900005</c:v>
+                </c:pt>
+                <c:pt idx="424">
+                  <c:v>98.780487804900005</c:v>
+                </c:pt>
+                <c:pt idx="425">
+                  <c:v>98.780487804900005</c:v>
+                </c:pt>
+                <c:pt idx="426">
+                  <c:v>98.780487804900005</c:v>
+                </c:pt>
+                <c:pt idx="427">
+                  <c:v>100</c:v>
+                </c:pt>
+                <c:pt idx="428">
+                  <c:v>100</c:v>
+                </c:pt>
+                <c:pt idx="429">
+                  <c:v>100</c:v>
+                </c:pt>
+              </c:numCache>
+            </c:numRef>
+          </c:yVal>
+          <c:smooth val="0"/>
+        </c:ser>
+        <c:ser>
+          <c:idx val="1"/>
+          <c:order val="1"/>
+          <c:tx>
+            <c:strRef>
+              <c:f>Sheet1!$A$1</c:f>
+              <c:strCache>
+                <c:ptCount val="1"/>
+                <c:pt idx="0">
+                  <c:v>Optimized SVM</c:v>
+                </c:pt>
+              </c:strCache>
+            </c:strRef>
+          </c:tx>
+          <c:spPr>
+            <a:ln w="28575">
+              <a:noFill/>
+            </a:ln>
+          </c:spPr>
+          <c:marker>
+            <c:symbol val="square"/>
+            <c:size val="3"/>
+            <c:spPr>
+              <a:solidFill>
+                <a:schemeClr val="accent1"/>
+              </a:solidFill>
+              <a:ln>
+                <a:solidFill>
+                  <a:schemeClr val="accent1"/>
+                </a:solidFill>
+              </a:ln>
+            </c:spPr>
+          </c:marker>
+          <c:xVal>
+            <c:numRef>
+              <c:f>Sheet1!$C$2:$C$431</c:f>
+              <c:numCache>
+                <c:formatCode>General</c:formatCode>
+                <c:ptCount val="430"/>
+                <c:pt idx="0">
+                  <c:v>1</c:v>
+                </c:pt>
+                <c:pt idx="1">
+                  <c:v>2</c:v>
+                </c:pt>
+                <c:pt idx="2">
+                  <c:v>3</c:v>
+                </c:pt>
+                <c:pt idx="3">
+                  <c:v>4</c:v>
+                </c:pt>
+                <c:pt idx="4">
+                  <c:v>5</c:v>
+                </c:pt>
+                <c:pt idx="5">
+                  <c:v>6</c:v>
+                </c:pt>
+                <c:pt idx="6">
+                  <c:v>7</c:v>
+                </c:pt>
+                <c:pt idx="7">
+                  <c:v>8</c:v>
+                </c:pt>
+                <c:pt idx="8">
+                  <c:v>9</c:v>
+                </c:pt>
+                <c:pt idx="9">
+                  <c:v>10</c:v>
+                </c:pt>
+                <c:pt idx="10">
+                  <c:v>11</c:v>
+                </c:pt>
+                <c:pt idx="11">
+                  <c:v>12</c:v>
+                </c:pt>
+                <c:pt idx="12">
+                  <c:v>13</c:v>
+                </c:pt>
+                <c:pt idx="13">
+                  <c:v>14</c:v>
+                </c:pt>
+                <c:pt idx="14">
+                  <c:v>15</c:v>
+                </c:pt>
+                <c:pt idx="15">
+                  <c:v>16</c:v>
+                </c:pt>
+                <c:pt idx="16">
+                  <c:v>17</c:v>
+                </c:pt>
+                <c:pt idx="17">
+                  <c:v>18</c:v>
+                </c:pt>
+                <c:pt idx="18">
+                  <c:v>19</c:v>
+                </c:pt>
+                <c:pt idx="19">
+                  <c:v>20</c:v>
+                </c:pt>
+                <c:pt idx="20">
+                  <c:v>21</c:v>
+                </c:pt>
+                <c:pt idx="21">
+                  <c:v>22</c:v>
+                </c:pt>
+                <c:pt idx="22">
+                  <c:v>23</c:v>
+                </c:pt>
+                <c:pt idx="23">
+                  <c:v>24</c:v>
+                </c:pt>
+                <c:pt idx="24">
+                  <c:v>25</c:v>
+                </c:pt>
+                <c:pt idx="25">
+                  <c:v>26</c:v>
+                </c:pt>
+                <c:pt idx="26">
+                  <c:v>27</c:v>
+                </c:pt>
+                <c:pt idx="27">
+                  <c:v>28</c:v>
+                </c:pt>
+                <c:pt idx="28">
+                  <c:v>29</c:v>
+                </c:pt>
+                <c:pt idx="29">
+                  <c:v>30</c:v>
+                </c:pt>
+                <c:pt idx="30">
+                  <c:v>31</c:v>
+                </c:pt>
+                <c:pt idx="31">
+                  <c:v>32</c:v>
+                </c:pt>
+                <c:pt idx="32">
+                  <c:v>33</c:v>
+                </c:pt>
+                <c:pt idx="33">
+                  <c:v>34</c:v>
+                </c:pt>
+                <c:pt idx="34">
+                  <c:v>35</c:v>
+                </c:pt>
+                <c:pt idx="35">
+                  <c:v>36</c:v>
+                </c:pt>
+                <c:pt idx="36">
+                  <c:v>37</c:v>
+                </c:pt>
+                <c:pt idx="37">
+                  <c:v>38</c:v>
+                </c:pt>
+                <c:pt idx="38">
+                  <c:v>39</c:v>
+                </c:pt>
+                <c:pt idx="39">
+                  <c:v>40</c:v>
+                </c:pt>
+                <c:pt idx="40">
+                  <c:v>41</c:v>
+                </c:pt>
+                <c:pt idx="41">
+                  <c:v>42</c:v>
+                </c:pt>
+                <c:pt idx="42">
+                  <c:v>43</c:v>
+                </c:pt>
+                <c:pt idx="43">
+                  <c:v>44</c:v>
+                </c:pt>
+                <c:pt idx="44">
+                  <c:v>45</c:v>
+                </c:pt>
+                <c:pt idx="45">
+                  <c:v>46</c:v>
+                </c:pt>
+                <c:pt idx="46">
+                  <c:v>47</c:v>
+                </c:pt>
+                <c:pt idx="47">
+                  <c:v>48</c:v>
+                </c:pt>
+                <c:pt idx="48">
+                  <c:v>49</c:v>
+                </c:pt>
+                <c:pt idx="49">
+                  <c:v>50</c:v>
+                </c:pt>
+                <c:pt idx="50">
+                  <c:v>51</c:v>
+                </c:pt>
+                <c:pt idx="51">
+                  <c:v>52</c:v>
+                </c:pt>
+                <c:pt idx="52">
+                  <c:v>53</c:v>
+                </c:pt>
+                <c:pt idx="53">
+                  <c:v>54</c:v>
+                </c:pt>
+                <c:pt idx="54">
+                  <c:v>55</c:v>
+                </c:pt>
+                <c:pt idx="55">
+                  <c:v>56</c:v>
+                </c:pt>
+                <c:pt idx="56">
+                  <c:v>57</c:v>
+                </c:pt>
+                <c:pt idx="57">
+                  <c:v>58</c:v>
+                </c:pt>
+                <c:pt idx="58">
+                  <c:v>59</c:v>
+                </c:pt>
+                <c:pt idx="59">
+                  <c:v>60</c:v>
+                </c:pt>
+                <c:pt idx="60">
+                  <c:v>61</c:v>
+                </c:pt>
+                <c:pt idx="61">
+                  <c:v>62</c:v>
+                </c:pt>
+                <c:pt idx="62">
+                  <c:v>63</c:v>
+                </c:pt>
+                <c:pt idx="63">
+                  <c:v>64</c:v>
+                </c:pt>
+                <c:pt idx="64">
+                  <c:v>65</c:v>
+                </c:pt>
+                <c:pt idx="65">
+                  <c:v>66</c:v>
+                </c:pt>
+                <c:pt idx="66">
+                  <c:v>67</c:v>
+                </c:pt>
+                <c:pt idx="67">
+                  <c:v>68</c:v>
+                </c:pt>
+                <c:pt idx="68">
+                  <c:v>69</c:v>
+                </c:pt>
+                <c:pt idx="69">
+                  <c:v>70</c:v>
+                </c:pt>
+                <c:pt idx="70">
+                  <c:v>71</c:v>
+                </c:pt>
+                <c:pt idx="71">
+                  <c:v>72</c:v>
+                </c:pt>
+                <c:pt idx="72">
+                  <c:v>73</c:v>
+                </c:pt>
+                <c:pt idx="73">
+                  <c:v>74</c:v>
+                </c:pt>
+                <c:pt idx="74">
+                  <c:v>75</c:v>
+                </c:pt>
+                <c:pt idx="75">
+                  <c:v>76</c:v>
+                </c:pt>
+                <c:pt idx="76">
+                  <c:v>77</c:v>
+                </c:pt>
+                <c:pt idx="77">
+                  <c:v>78</c:v>
+                </c:pt>
+                <c:pt idx="78">
+                  <c:v>79</c:v>
+                </c:pt>
+                <c:pt idx="79">
+                  <c:v>80</c:v>
+                </c:pt>
+                <c:pt idx="80">
+                  <c:v>81</c:v>
+                </c:pt>
+                <c:pt idx="81">
+                  <c:v>82</c:v>
+                </c:pt>
+                <c:pt idx="82">
+                  <c:v>83</c:v>
+                </c:pt>
+                <c:pt idx="83">
+                  <c:v>84</c:v>
+                </c:pt>
+                <c:pt idx="84">
+                  <c:v>85</c:v>
+                </c:pt>
+                <c:pt idx="85">
+                  <c:v>86</c:v>
+                </c:pt>
+                <c:pt idx="86">
+                  <c:v>87</c:v>
+                </c:pt>
+                <c:pt idx="87">
+                  <c:v>88</c:v>
+                </c:pt>
+                <c:pt idx="88">
+                  <c:v>89</c:v>
+                </c:pt>
+                <c:pt idx="89">
+                  <c:v>90</c:v>
+                </c:pt>
+                <c:pt idx="90">
+                  <c:v>91</c:v>
+                </c:pt>
+                <c:pt idx="91">
+                  <c:v>92</c:v>
+                </c:pt>
+                <c:pt idx="92">
+                  <c:v>93</c:v>
+                </c:pt>
+                <c:pt idx="93">
+                  <c:v>94</c:v>
+                </c:pt>
+                <c:pt idx="94">
+                  <c:v>95</c:v>
+                </c:pt>
+                <c:pt idx="95">
+                  <c:v>96</c:v>
+                </c:pt>
+                <c:pt idx="96">
+                  <c:v>97</c:v>
+                </c:pt>
+                <c:pt idx="97">
+                  <c:v>98</c:v>
+                </c:pt>
+                <c:pt idx="98">
+                  <c:v>99</c:v>
+                </c:pt>
+                <c:pt idx="99">
+                  <c:v>100</c:v>
+                </c:pt>
+                <c:pt idx="100">
+                  <c:v>101</c:v>
+                </c:pt>
+                <c:pt idx="101">
+                  <c:v>102</c:v>
+                </c:pt>
+                <c:pt idx="102">
+                  <c:v>103</c:v>
+                </c:pt>
+                <c:pt idx="103">
+                  <c:v>104</c:v>
+                </c:pt>
+                <c:pt idx="104">
+                  <c:v>105</c:v>
+                </c:pt>
+                <c:pt idx="105">
+                  <c:v>106</c:v>
+                </c:pt>
+                <c:pt idx="106">
+                  <c:v>107</c:v>
+                </c:pt>
+                <c:pt idx="107">
+                  <c:v>108</c:v>
+                </c:pt>
+                <c:pt idx="108">
+                  <c:v>109</c:v>
+                </c:pt>
+                <c:pt idx="109">
+                  <c:v>110</c:v>
+                </c:pt>
+                <c:pt idx="110">
+                  <c:v>111</c:v>
+                </c:pt>
+                <c:pt idx="111">
+                  <c:v>112</c:v>
+                </c:pt>
+                <c:pt idx="112">
+                  <c:v>113</c:v>
+                </c:pt>
+                <c:pt idx="113">
+                  <c:v>114</c:v>
+                </c:pt>
+                <c:pt idx="114">
+                  <c:v>115</c:v>
+                </c:pt>
+                <c:pt idx="115">
+                  <c:v>116</c:v>
+                </c:pt>
+                <c:pt idx="116">
+                  <c:v>117</c:v>
+                </c:pt>
+                <c:pt idx="117">
+                  <c:v>118</c:v>
+                </c:pt>
+                <c:pt idx="118">
+                  <c:v>119</c:v>
+                </c:pt>
+                <c:pt idx="119">
+                  <c:v>120</c:v>
+                </c:pt>
+                <c:pt idx="120">
+                  <c:v>121</c:v>
+                </c:pt>
+                <c:pt idx="121">
+                  <c:v>122</c:v>
+                </c:pt>
+                <c:pt idx="122">
+                  <c:v>123</c:v>
+                </c:pt>
+                <c:pt idx="123">
+                  <c:v>124</c:v>
+                </c:pt>
+                <c:pt idx="124">
+                  <c:v>125</c:v>
+                </c:pt>
+                <c:pt idx="125">
+                  <c:v>126</c:v>
+                </c:pt>
+                <c:pt idx="126">
+                  <c:v>127</c:v>
+                </c:pt>
+                <c:pt idx="127">
+                  <c:v>128</c:v>
+                </c:pt>
+                <c:pt idx="128">
+                  <c:v>129</c:v>
+                </c:pt>
+                <c:pt idx="129">
+                  <c:v>130</c:v>
+                </c:pt>
+                <c:pt idx="130">
+                  <c:v>131</c:v>
+                </c:pt>
+                <c:pt idx="131">
+                  <c:v>132</c:v>
+                </c:pt>
+                <c:pt idx="132">
+                  <c:v>133</c:v>
+                </c:pt>
+                <c:pt idx="133">
+                  <c:v>134</c:v>
+                </c:pt>
+                <c:pt idx="134">
+                  <c:v>135</c:v>
+                </c:pt>
+                <c:pt idx="135">
+                  <c:v>136</c:v>
+                </c:pt>
+                <c:pt idx="136">
+                  <c:v>137</c:v>
+                </c:pt>
+                <c:pt idx="137">
+                  <c:v>138</c:v>
+                </c:pt>
+                <c:pt idx="138">
+                  <c:v>139</c:v>
+                </c:pt>
+                <c:pt idx="139">
+                  <c:v>140</c:v>
+                </c:pt>
+                <c:pt idx="140">
+                  <c:v>141</c:v>
+                </c:pt>
+                <c:pt idx="141">
+                  <c:v>142</c:v>
+                </c:pt>
+                <c:pt idx="142">
+                  <c:v>143</c:v>
+                </c:pt>
+                <c:pt idx="143">
+                  <c:v>144</c:v>
+                </c:pt>
+                <c:pt idx="144">
+                  <c:v>145</c:v>
+                </c:pt>
+                <c:pt idx="145">
+                  <c:v>146</c:v>
+                </c:pt>
+                <c:pt idx="146">
+                  <c:v>147</c:v>
+                </c:pt>
+                <c:pt idx="147">
+                  <c:v>148</c:v>
+                </c:pt>
+                <c:pt idx="148">
+                  <c:v>149</c:v>
+                </c:pt>
+                <c:pt idx="149">
+                  <c:v>150</c:v>
+                </c:pt>
+                <c:pt idx="150">
+                  <c:v>151</c:v>
+                </c:pt>
+                <c:pt idx="151">
+                  <c:v>152</c:v>
+                </c:pt>
+                <c:pt idx="152">
+                  <c:v>153</c:v>
+                </c:pt>
+                <c:pt idx="153">
+                  <c:v>154</c:v>
+                </c:pt>
+                <c:pt idx="154">
+                  <c:v>155</c:v>
+                </c:pt>
+                <c:pt idx="155">
+                  <c:v>156</c:v>
+                </c:pt>
+                <c:pt idx="156">
+                  <c:v>157</c:v>
+                </c:pt>
+                <c:pt idx="157">
+                  <c:v>158</c:v>
+                </c:pt>
+                <c:pt idx="158">
+                  <c:v>159</c:v>
+                </c:pt>
+                <c:pt idx="159">
+                  <c:v>160</c:v>
+                </c:pt>
+                <c:pt idx="160">
+                  <c:v>161</c:v>
+                </c:pt>
+                <c:pt idx="161">
+                  <c:v>162</c:v>
+                </c:pt>
+                <c:pt idx="162">
+                  <c:v>163</c:v>
+                </c:pt>
+                <c:pt idx="163">
+                  <c:v>164</c:v>
+                </c:pt>
+                <c:pt idx="164">
+                  <c:v>165</c:v>
+                </c:pt>
+                <c:pt idx="165">
+                  <c:v>166</c:v>
+                </c:pt>
+                <c:pt idx="166">
+                  <c:v>167</c:v>
+                </c:pt>
+                <c:pt idx="167">
+                  <c:v>168</c:v>
+                </c:pt>
+                <c:pt idx="168">
+                  <c:v>169</c:v>
+                </c:pt>
+                <c:pt idx="169">
+                  <c:v>170</c:v>
+                </c:pt>
+                <c:pt idx="170">
+                  <c:v>171</c:v>
+                </c:pt>
+                <c:pt idx="171">
+                  <c:v>172</c:v>
+                </c:pt>
+                <c:pt idx="172">
+                  <c:v>173</c:v>
+                </c:pt>
+                <c:pt idx="173">
+                  <c:v>174</c:v>
+                </c:pt>
+                <c:pt idx="174">
+                  <c:v>175</c:v>
+                </c:pt>
+                <c:pt idx="175">
+                  <c:v>176</c:v>
+                </c:pt>
+                <c:pt idx="176">
+                  <c:v>177</c:v>
+                </c:pt>
+                <c:pt idx="177">
+                  <c:v>178</c:v>
+                </c:pt>
+                <c:pt idx="178">
+                  <c:v>179</c:v>
+                </c:pt>
+                <c:pt idx="179">
+                  <c:v>180</c:v>
+                </c:pt>
+                <c:pt idx="180">
+                  <c:v>181</c:v>
+                </c:pt>
+                <c:pt idx="181">
+                  <c:v>182</c:v>
+                </c:pt>
+                <c:pt idx="182">
+                  <c:v>183</c:v>
+                </c:pt>
+                <c:pt idx="183">
+                  <c:v>184</c:v>
+                </c:pt>
+                <c:pt idx="184">
+                  <c:v>185</c:v>
+                </c:pt>
+                <c:pt idx="185">
+                  <c:v>186</c:v>
+                </c:pt>
+                <c:pt idx="186">
+                  <c:v>187</c:v>
+                </c:pt>
+                <c:pt idx="187">
+                  <c:v>188</c:v>
+                </c:pt>
+                <c:pt idx="188">
+                  <c:v>189</c:v>
+                </c:pt>
+                <c:pt idx="189">
+                  <c:v>190</c:v>
+                </c:pt>
+                <c:pt idx="190">
+                  <c:v>191</c:v>
+                </c:pt>
+                <c:pt idx="191">
+                  <c:v>192</c:v>
+                </c:pt>
+                <c:pt idx="192">
+                  <c:v>193</c:v>
+                </c:pt>
+                <c:pt idx="193">
+                  <c:v>194</c:v>
+                </c:pt>
+                <c:pt idx="194">
+                  <c:v>195</c:v>
+                </c:pt>
+                <c:pt idx="195">
+                  <c:v>196</c:v>
+                </c:pt>
+                <c:pt idx="196">
+                  <c:v>197</c:v>
+                </c:pt>
+                <c:pt idx="197">
+                  <c:v>198</c:v>
+                </c:pt>
+                <c:pt idx="198">
+                  <c:v>199</c:v>
+                </c:pt>
+                <c:pt idx="199">
+                  <c:v>200</c:v>
+                </c:pt>
+                <c:pt idx="200">
+                  <c:v>201</c:v>
+                </c:pt>
+                <c:pt idx="201">
+                  <c:v>202</c:v>
+                </c:pt>
+                <c:pt idx="202">
+                  <c:v>203</c:v>
+                </c:pt>
+                <c:pt idx="203">
+                  <c:v>204</c:v>
+                </c:pt>
+                <c:pt idx="204">
+                  <c:v>205</c:v>
+                </c:pt>
+                <c:pt idx="205">
+                  <c:v>206</c:v>
+                </c:pt>
+                <c:pt idx="206">
+                  <c:v>207</c:v>
+                </c:pt>
+                <c:pt idx="207">
+                  <c:v>208</c:v>
+                </c:pt>
+                <c:pt idx="208">
+                  <c:v>209</c:v>
+                </c:pt>
+                <c:pt idx="209">
+                  <c:v>210</c:v>
+                </c:pt>
+                <c:pt idx="210">
+                  <c:v>211</c:v>
+                </c:pt>
+                <c:pt idx="211">
+                  <c:v>212</c:v>
+                </c:pt>
+                <c:pt idx="212">
+                  <c:v>213</c:v>
+                </c:pt>
+                <c:pt idx="213">
+                  <c:v>214</c:v>
+                </c:pt>
+                <c:pt idx="214">
+                  <c:v>215</c:v>
+                </c:pt>
+                <c:pt idx="215">
+                  <c:v>216</c:v>
+                </c:pt>
+                <c:pt idx="216">
+                  <c:v>217</c:v>
+                </c:pt>
+                <c:pt idx="217">
+                  <c:v>218</c:v>
+                </c:pt>
+                <c:pt idx="218">
+                  <c:v>219</c:v>
+                </c:pt>
+                <c:pt idx="219">
+                  <c:v>220</c:v>
+                </c:pt>
+                <c:pt idx="220">
+                  <c:v>221</c:v>
+                </c:pt>
+                <c:pt idx="221">
+                  <c:v>222</c:v>
+                </c:pt>
+                <c:pt idx="222">
+                  <c:v>223</c:v>
+                </c:pt>
+                <c:pt idx="223">
+                  <c:v>224</c:v>
+                </c:pt>
+                <c:pt idx="224">
+                  <c:v>225</c:v>
+                </c:pt>
+                <c:pt idx="225">
+                  <c:v>226</c:v>
+                </c:pt>
+                <c:pt idx="226">
+                  <c:v>227</c:v>
+                </c:pt>
+                <c:pt idx="227">
+                  <c:v>228</c:v>
+                </c:pt>
+                <c:pt idx="228">
+                  <c:v>229</c:v>
+                </c:pt>
+                <c:pt idx="229">
+                  <c:v>230</c:v>
+                </c:pt>
+                <c:pt idx="230">
+                  <c:v>231</c:v>
+                </c:pt>
+                <c:pt idx="231">
+                  <c:v>232</c:v>
+                </c:pt>
+                <c:pt idx="232">
+                  <c:v>233</c:v>
+                </c:pt>
+                <c:pt idx="233">
+                  <c:v>234</c:v>
+                </c:pt>
+                <c:pt idx="234">
+                  <c:v>235</c:v>
+                </c:pt>
+                <c:pt idx="235">
+                  <c:v>236</c:v>
+                </c:pt>
+                <c:pt idx="236">
+                  <c:v>237</c:v>
+                </c:pt>
+                <c:pt idx="237">
+                  <c:v>238</c:v>
+                </c:pt>
+                <c:pt idx="238">
+                  <c:v>239</c:v>
+                </c:pt>
+                <c:pt idx="239">
+                  <c:v>240</c:v>
+                </c:pt>
+                <c:pt idx="240">
+                  <c:v>241</c:v>
+                </c:pt>
+                <c:pt idx="241">
+                  <c:v>242</c:v>
+                </c:pt>
+                <c:pt idx="242">
+                  <c:v>243</c:v>
+                </c:pt>
+                <c:pt idx="243">
+                  <c:v>244</c:v>
+                </c:pt>
+                <c:pt idx="244">
+                  <c:v>245</c:v>
+                </c:pt>
+                <c:pt idx="245">
+                  <c:v>246</c:v>
+                </c:pt>
+                <c:pt idx="246">
+                  <c:v>247</c:v>
+                </c:pt>
+                <c:pt idx="247">
+                  <c:v>248</c:v>
+                </c:pt>
+                <c:pt idx="248">
+                  <c:v>249</c:v>
+                </c:pt>
+                <c:pt idx="249">
+                  <c:v>250</c:v>
+                </c:pt>
+                <c:pt idx="250">
+                  <c:v>251</c:v>
+                </c:pt>
+                <c:pt idx="251">
+                  <c:v>252</c:v>
+                </c:pt>
+                <c:pt idx="252">
+                  <c:v>253</c:v>
+                </c:pt>
+                <c:pt idx="253">
+                  <c:v>254</c:v>
+                </c:pt>
+                <c:pt idx="254">
+                  <c:v>255</c:v>
+                </c:pt>
+                <c:pt idx="255">
+                  <c:v>256</c:v>
+                </c:pt>
+                <c:pt idx="256">
+                  <c:v>257</c:v>
+                </c:pt>
+                <c:pt idx="257">
+                  <c:v>258</c:v>
+                </c:pt>
+                <c:pt idx="258">
+                  <c:v>259</c:v>
+                </c:pt>
+                <c:pt idx="259">
+                  <c:v>260</c:v>
+                </c:pt>
+                <c:pt idx="260">
+                  <c:v>261</c:v>
+                </c:pt>
+                <c:pt idx="261">
+                  <c:v>262</c:v>
+                </c:pt>
+                <c:pt idx="262">
+                  <c:v>263</c:v>
+                </c:pt>
+                <c:pt idx="263">
+                  <c:v>264</c:v>
+                </c:pt>
+                <c:pt idx="264">
+                  <c:v>265</c:v>
+                </c:pt>
+                <c:pt idx="265">
+                  <c:v>266</c:v>
+                </c:pt>
+                <c:pt idx="266">
+                  <c:v>267</c:v>
+                </c:pt>
+                <c:pt idx="267">
+                  <c:v>268</c:v>
+                </c:pt>
+                <c:pt idx="268">
+                  <c:v>269</c:v>
+                </c:pt>
+                <c:pt idx="269">
+                  <c:v>270</c:v>
+                </c:pt>
+                <c:pt idx="270">
+                  <c:v>271</c:v>
+                </c:pt>
+                <c:pt idx="271">
+                  <c:v>272</c:v>
+                </c:pt>
+                <c:pt idx="272">
+                  <c:v>273</c:v>
+                </c:pt>
+                <c:pt idx="273">
+                  <c:v>274</c:v>
+                </c:pt>
+                <c:pt idx="274">
+                  <c:v>275</c:v>
+                </c:pt>
+                <c:pt idx="275">
+                  <c:v>276</c:v>
+                </c:pt>
+                <c:pt idx="276">
+                  <c:v>277</c:v>
+                </c:pt>
+                <c:pt idx="277">
+                  <c:v>278</c:v>
+                </c:pt>
+                <c:pt idx="278">
+                  <c:v>279</c:v>
+                </c:pt>
+                <c:pt idx="279">
+                  <c:v>280</c:v>
+                </c:pt>
+                <c:pt idx="280">
+                  <c:v>281</c:v>
+                </c:pt>
+                <c:pt idx="281">
+                  <c:v>282</c:v>
+                </c:pt>
+                <c:pt idx="282">
+                  <c:v>283</c:v>
+                </c:pt>
+                <c:pt idx="283">
+                  <c:v>284</c:v>
+                </c:pt>
+                <c:pt idx="284">
+                  <c:v>285</c:v>
+                </c:pt>
+                <c:pt idx="285">
+                  <c:v>286</c:v>
+                </c:pt>
+                <c:pt idx="286">
+                  <c:v>287</c:v>
+                </c:pt>
+                <c:pt idx="287">
+                  <c:v>288</c:v>
+                </c:pt>
+                <c:pt idx="288">
+                  <c:v>289</c:v>
+                </c:pt>
+                <c:pt idx="289">
+                  <c:v>290</c:v>
+                </c:pt>
+                <c:pt idx="290">
+                  <c:v>291</c:v>
+                </c:pt>
+                <c:pt idx="291">
+                  <c:v>292</c:v>
+                </c:pt>
+                <c:pt idx="292">
+                  <c:v>293</c:v>
+                </c:pt>
+                <c:pt idx="293">
+                  <c:v>294</c:v>
+                </c:pt>
+                <c:pt idx="294">
+                  <c:v>295</c:v>
+                </c:pt>
+                <c:pt idx="295">
+                  <c:v>296</c:v>
+                </c:pt>
+                <c:pt idx="296">
+                  <c:v>297</c:v>
+                </c:pt>
+                <c:pt idx="297">
+                  <c:v>298</c:v>
+                </c:pt>
+                <c:pt idx="298">
+                  <c:v>299</c:v>
+                </c:pt>
+                <c:pt idx="299">
+                  <c:v>300</c:v>
+                </c:pt>
+                <c:pt idx="300">
+                  <c:v>301</c:v>
+                </c:pt>
+                <c:pt idx="301">
+                  <c:v>302</c:v>
+                </c:pt>
+                <c:pt idx="302">
+                  <c:v>303</c:v>
+                </c:pt>
+                <c:pt idx="303">
+                  <c:v>304</c:v>
+                </c:pt>
+                <c:pt idx="304">
+                  <c:v>305</c:v>
+                </c:pt>
+                <c:pt idx="305">
+                  <c:v>306</c:v>
+                </c:pt>
+                <c:pt idx="306">
+                  <c:v>307</c:v>
+                </c:pt>
+                <c:pt idx="307">
+                  <c:v>308</c:v>
+                </c:pt>
+                <c:pt idx="308">
+                  <c:v>309</c:v>
+                </c:pt>
+                <c:pt idx="309">
+                  <c:v>310</c:v>
+                </c:pt>
+                <c:pt idx="310">
+                  <c:v>311</c:v>
+                </c:pt>
+                <c:pt idx="311">
+                  <c:v>312</c:v>
+                </c:pt>
+                <c:pt idx="312">
+                  <c:v>313</c:v>
+                </c:pt>
+                <c:pt idx="313">
+                  <c:v>314</c:v>
+                </c:pt>
+                <c:pt idx="314">
+                  <c:v>315</c:v>
+                </c:pt>
+                <c:pt idx="315">
+                  <c:v>316</c:v>
+                </c:pt>
+                <c:pt idx="316">
+                  <c:v>317</c:v>
+                </c:pt>
+                <c:pt idx="317">
+                  <c:v>318</c:v>
+                </c:pt>
+                <c:pt idx="318">
+                  <c:v>319</c:v>
+                </c:pt>
+                <c:pt idx="319">
+                  <c:v>320</c:v>
+                </c:pt>
+                <c:pt idx="320">
+                  <c:v>321</c:v>
+                </c:pt>
+                <c:pt idx="321">
+                  <c:v>322</c:v>
+                </c:pt>
+                <c:pt idx="322">
+                  <c:v>323</c:v>
+                </c:pt>
+                <c:pt idx="323">
+                  <c:v>324</c:v>
+                </c:pt>
+                <c:pt idx="324">
+                  <c:v>325</c:v>
+                </c:pt>
+                <c:pt idx="325">
+                  <c:v>326</c:v>
+                </c:pt>
+                <c:pt idx="326">
+                  <c:v>327</c:v>
+                </c:pt>
+                <c:pt idx="327">
+                  <c:v>328</c:v>
+                </c:pt>
+                <c:pt idx="328">
+                  <c:v>329</c:v>
+                </c:pt>
+                <c:pt idx="329">
+                  <c:v>330</c:v>
+                </c:pt>
+                <c:pt idx="330">
+                  <c:v>331</c:v>
+                </c:pt>
+                <c:pt idx="331">
+                  <c:v>332</c:v>
+                </c:pt>
+                <c:pt idx="332">
+                  <c:v>333</c:v>
+                </c:pt>
+                <c:pt idx="333">
+                  <c:v>334</c:v>
+                </c:pt>
+                <c:pt idx="334">
+                  <c:v>335</c:v>
+                </c:pt>
+                <c:pt idx="335">
+                  <c:v>336</c:v>
+                </c:pt>
+                <c:pt idx="336">
+                  <c:v>337</c:v>
+                </c:pt>
+                <c:pt idx="337">
+                  <c:v>338</c:v>
+                </c:pt>
+                <c:pt idx="338">
+                  <c:v>339</c:v>
+                </c:pt>
+                <c:pt idx="339">
+                  <c:v>340</c:v>
+                </c:pt>
+                <c:pt idx="340">
+                  <c:v>341</c:v>
+                </c:pt>
+                <c:pt idx="341">
+                  <c:v>342</c:v>
+                </c:pt>
+                <c:pt idx="342">
+                  <c:v>343</c:v>
+                </c:pt>
+                <c:pt idx="343">
+                  <c:v>344</c:v>
+                </c:pt>
+                <c:pt idx="344">
+                  <c:v>345</c:v>
+                </c:pt>
+                <c:pt idx="345">
+                  <c:v>346</c:v>
+                </c:pt>
+                <c:pt idx="346">
+                  <c:v>347</c:v>
+                </c:pt>
+                <c:pt idx="347">
+                  <c:v>348</c:v>
+                </c:pt>
+                <c:pt idx="348">
+                  <c:v>349</c:v>
+                </c:pt>
+                <c:pt idx="349">
+                  <c:v>350</c:v>
+                </c:pt>
+                <c:pt idx="350">
+                  <c:v>351</c:v>
+                </c:pt>
+                <c:pt idx="351">
+                  <c:v>352</c:v>
+                </c:pt>
+                <c:pt idx="352">
+                  <c:v>353</c:v>
+                </c:pt>
+                <c:pt idx="353">
+                  <c:v>354</c:v>
+                </c:pt>
+                <c:pt idx="354">
+                  <c:v>355</c:v>
+                </c:pt>
+                <c:pt idx="355">
+                  <c:v>356</c:v>
+                </c:pt>
+                <c:pt idx="356">
+                  <c:v>357</c:v>
+                </c:pt>
+                <c:pt idx="357">
+                  <c:v>358</c:v>
+                </c:pt>
+                <c:pt idx="358">
+                  <c:v>359</c:v>
+                </c:pt>
+                <c:pt idx="359">
+                  <c:v>360</c:v>
+                </c:pt>
+                <c:pt idx="360">
+                  <c:v>361</c:v>
+                </c:pt>
+                <c:pt idx="361">
+                  <c:v>362</c:v>
+                </c:pt>
+                <c:pt idx="362">
+                  <c:v>363</c:v>
+                </c:pt>
+                <c:pt idx="363">
+                  <c:v>364</c:v>
+                </c:pt>
+                <c:pt idx="364">
+                  <c:v>365</c:v>
+                </c:pt>
+                <c:pt idx="365">
+                  <c:v>366</c:v>
+                </c:pt>
+                <c:pt idx="366">
+                  <c:v>367</c:v>
+                </c:pt>
+                <c:pt idx="367">
+                  <c:v>368</c:v>
+                </c:pt>
+                <c:pt idx="368">
+                  <c:v>369</c:v>
+                </c:pt>
+                <c:pt idx="369">
+                  <c:v>370</c:v>
+                </c:pt>
+                <c:pt idx="370">
+                  <c:v>371</c:v>
+                </c:pt>
+                <c:pt idx="371">
+                  <c:v>372</c:v>
+                </c:pt>
+                <c:pt idx="372">
+                  <c:v>373</c:v>
+                </c:pt>
+                <c:pt idx="373">
+                  <c:v>374</c:v>
+                </c:pt>
+                <c:pt idx="374">
+                  <c:v>375</c:v>
+                </c:pt>
+                <c:pt idx="375">
+                  <c:v>376</c:v>
+                </c:pt>
+                <c:pt idx="376">
+                  <c:v>377</c:v>
+                </c:pt>
+                <c:pt idx="377">
+                  <c:v>378</c:v>
+                </c:pt>
+                <c:pt idx="378">
+                  <c:v>379</c:v>
+                </c:pt>
+                <c:pt idx="379">
+                  <c:v>380</c:v>
+                </c:pt>
+                <c:pt idx="380">
+                  <c:v>381</c:v>
+                </c:pt>
+                <c:pt idx="381">
+                  <c:v>382</c:v>
+                </c:pt>
+                <c:pt idx="382">
+                  <c:v>383</c:v>
+                </c:pt>
+                <c:pt idx="383">
+                  <c:v>384</c:v>
+                </c:pt>
+                <c:pt idx="384">
+                  <c:v>385</c:v>
+                </c:pt>
+                <c:pt idx="385">
+                  <c:v>386</c:v>
+                </c:pt>
+                <c:pt idx="386">
+                  <c:v>387</c:v>
+                </c:pt>
+                <c:pt idx="387">
+                  <c:v>388</c:v>
+                </c:pt>
+                <c:pt idx="388">
+                  <c:v>389</c:v>
+                </c:pt>
+                <c:pt idx="389">
+                  <c:v>390</c:v>
+                </c:pt>
+                <c:pt idx="390">
+                  <c:v>391</c:v>
+                </c:pt>
+                <c:pt idx="391">
+                  <c:v>392</c:v>
+                </c:pt>
+                <c:pt idx="392">
+                  <c:v>393</c:v>
+                </c:pt>
+                <c:pt idx="393">
+                  <c:v>394</c:v>
+                </c:pt>
+                <c:pt idx="394">
+                  <c:v>395</c:v>
+                </c:pt>
+                <c:pt idx="395">
+                  <c:v>396</c:v>
+                </c:pt>
+                <c:pt idx="396">
+                  <c:v>397</c:v>
+                </c:pt>
+                <c:pt idx="397">
+                  <c:v>398</c:v>
+                </c:pt>
+                <c:pt idx="398">
+                  <c:v>399</c:v>
+                </c:pt>
+                <c:pt idx="399">
+                  <c:v>400</c:v>
+                </c:pt>
+                <c:pt idx="400">
+                  <c:v>401</c:v>
+                </c:pt>
+                <c:pt idx="401">
+                  <c:v>402</c:v>
+                </c:pt>
+                <c:pt idx="402">
+                  <c:v>403</c:v>
+                </c:pt>
+                <c:pt idx="403">
+                  <c:v>404</c:v>
+                </c:pt>
+                <c:pt idx="404">
+                  <c:v>405</c:v>
+                </c:pt>
+                <c:pt idx="405">
+                  <c:v>406</c:v>
+                </c:pt>
+                <c:pt idx="406">
+                  <c:v>407</c:v>
+                </c:pt>
+                <c:pt idx="407">
+                  <c:v>408</c:v>
+                </c:pt>
+                <c:pt idx="408">
+                  <c:v>409</c:v>
+                </c:pt>
+                <c:pt idx="409">
+                  <c:v>410</c:v>
+                </c:pt>
+                <c:pt idx="410">
+                  <c:v>411</c:v>
+                </c:pt>
+                <c:pt idx="411">
+                  <c:v>412</c:v>
+                </c:pt>
+                <c:pt idx="412">
+                  <c:v>413</c:v>
+                </c:pt>
+                <c:pt idx="413">
+                  <c:v>414</c:v>
+                </c:pt>
+                <c:pt idx="414">
+                  <c:v>415</c:v>
+                </c:pt>
+                <c:pt idx="415">
+                  <c:v>416</c:v>
+                </c:pt>
+                <c:pt idx="416">
+                  <c:v>417</c:v>
+                </c:pt>
+                <c:pt idx="417">
+                  <c:v>418</c:v>
+                </c:pt>
+                <c:pt idx="418">
+                  <c:v>419</c:v>
+                </c:pt>
+                <c:pt idx="419">
+                  <c:v>420</c:v>
+                </c:pt>
+                <c:pt idx="420">
+                  <c:v>421</c:v>
+                </c:pt>
+                <c:pt idx="421">
+                  <c:v>422</c:v>
+                </c:pt>
+                <c:pt idx="422">
+                  <c:v>423</c:v>
+                </c:pt>
+                <c:pt idx="423">
+                  <c:v>424</c:v>
+                </c:pt>
+                <c:pt idx="424">
+                  <c:v>425</c:v>
+                </c:pt>
+                <c:pt idx="425">
+                  <c:v>426</c:v>
+                </c:pt>
+                <c:pt idx="426">
+                  <c:v>427</c:v>
+                </c:pt>
+                <c:pt idx="427">
+                  <c:v>428</c:v>
+                </c:pt>
+                <c:pt idx="428">
+                  <c:v>429</c:v>
+                </c:pt>
+                <c:pt idx="429">
+                  <c:v>430</c:v>
+                </c:pt>
+              </c:numCache>
+            </c:numRef>
+          </c:xVal>
+          <c:yVal>
+            <c:numRef>
+              <c:f>Sheet1!$A$2:$A$431</c:f>
+              <c:numCache>
+                <c:formatCode>General</c:formatCode>
+                <c:ptCount val="430"/>
+                <c:pt idx="0">
+                  <c:v>73.9825581395</c:v>
+                </c:pt>
+                <c:pt idx="1">
+                  <c:v>72.611464968199996</c:v>
+                </c:pt>
+                <c:pt idx="2">
+                  <c:v>75.929549902199994</c:v>
+                </c:pt>
+                <c:pt idx="3">
+                  <c:v>63.75</c:v>
+                </c:pt>
+                <c:pt idx="4">
+                  <c:v>81.183431952700005</c:v>
+                </c:pt>
+                <c:pt idx="5">
+                  <c:v>75.868725868699997</c:v>
+                </c:pt>
+                <c:pt idx="6">
+                  <c:v>79.7674418605</c:v>
+                </c:pt>
+                <c:pt idx="7">
+                  <c:v>79.910044977499993</c:v>
+                </c:pt>
+                <c:pt idx="8">
+                  <c:v>79.083094555900004</c:v>
+                </c:pt>
+                <c:pt idx="9">
+                  <c:v>74.452554744500006</c:v>
+                </c:pt>
+                <c:pt idx="10">
+                  <c:v>78.654592496800007</c:v>
+                </c:pt>
+                <c:pt idx="11">
+                  <c:v>65</c:v>
+                </c:pt>
+                <c:pt idx="12">
+                  <c:v>79.638752052499996</c:v>
+                </c:pt>
+                <c:pt idx="13">
+                  <c:v>63.636363636399999</c:v>
+                </c:pt>
+                <c:pt idx="14">
+                  <c:v>82.142857142899999</c:v>
+                </c:pt>
+                <c:pt idx="15">
+                  <c:v>75.429726997000003</c:v>
+                </c:pt>
+                <c:pt idx="16">
+                  <c:v>81.554878048800006</c:v>
+                </c:pt>
+                <c:pt idx="17">
+                  <c:v>80.303030303</c:v>
+                </c:pt>
+                <c:pt idx="18">
+                  <c:v>81.748466257700002</c:v>
+                </c:pt>
+                <c:pt idx="19">
+                  <c:v>79.186602870800002</c:v>
+                </c:pt>
+                <c:pt idx="20">
+                  <c:v>76.259946949600007</c:v>
+                </c:pt>
+                <c:pt idx="21">
+                  <c:v>76.166328600400007</c:v>
+                </c:pt>
+                <c:pt idx="22">
+                  <c:v>82.954545454500007</c:v>
+                </c:pt>
+                <c:pt idx="23">
+                  <c:v>79.245283018899997</c:v>
+                </c:pt>
+                <c:pt idx="24">
+                  <c:v>74.045801526700004</c:v>
+                </c:pt>
+                <c:pt idx="25">
+                  <c:v>79.675994109000001</c:v>
+                </c:pt>
+                <c:pt idx="26">
+                  <c:v>79.940564636000005</c:v>
+                </c:pt>
+                <c:pt idx="27">
+                  <c:v>79.003021148000002</c:v>
+                </c:pt>
+                <c:pt idx="28">
+                  <c:v>73.582474226800002</c:v>
+                </c:pt>
+                <c:pt idx="29">
+                  <c:v>78.679653679699996</c:v>
+                </c:pt>
+                <c:pt idx="30">
+                  <c:v>82.628398791500004</c:v>
+                </c:pt>
+                <c:pt idx="31">
+                  <c:v>81.444759206800001</c:v>
+                </c:pt>
+                <c:pt idx="32">
+                  <c:v>77.826725403799998</c:v>
+                </c:pt>
+                <c:pt idx="33">
+                  <c:v>77.887788778900003</c:v>
+                </c:pt>
+                <c:pt idx="34">
+                  <c:v>80.746089049299997</c:v>
+                </c:pt>
+                <c:pt idx="35">
+                  <c:v>76.792223572300003</c:v>
+                </c:pt>
+                <c:pt idx="36">
+                  <c:v>81.893687707599994</c:v>
+                </c:pt>
+                <c:pt idx="37">
+                  <c:v>80.5647840532</c:v>
+                </c:pt>
+                <c:pt idx="38">
+                  <c:v>82.825484764500004</c:v>
+                </c:pt>
+                <c:pt idx="39">
+                  <c:v>82.854209445600006</c:v>
+                </c:pt>
+                <c:pt idx="40">
+                  <c:v>78.177458033600004</c:v>
+                </c:pt>
+                <c:pt idx="41">
+                  <c:v>73.873873873899996</c:v>
+                </c:pt>
+                <c:pt idx="42">
+                  <c:v>81.530782029999997</c:v>
+                </c:pt>
+                <c:pt idx="43">
+                  <c:v>82.311320754700006</c:v>
+                </c:pt>
+                <c:pt idx="44">
+                  <c:v>82.8125</c:v>
+                </c:pt>
+                <c:pt idx="45">
+                  <c:v>80.884676145300006</c:v>
+                </c:pt>
+                <c:pt idx="46">
+                  <c:v>79.310344827600005</c:v>
+                </c:pt>
+                <c:pt idx="47">
+                  <c:v>81.895093062599997</c:v>
+                </c:pt>
+                <c:pt idx="48">
+                  <c:v>76.696165191700004</c:v>
+                </c:pt>
+                <c:pt idx="49">
+                  <c:v>85.740740740700005</c:v>
+                </c:pt>
+                <c:pt idx="50">
+                  <c:v>79.191438763400001</c:v>
+                </c:pt>
+                <c:pt idx="51">
+                  <c:v>80.7731434385</c:v>
+                </c:pt>
+                <c:pt idx="52">
+                  <c:v>79.7607178465</c:v>
+                </c:pt>
+                <c:pt idx="53">
+                  <c:v>77.622377622399995</c:v>
+                </c:pt>
+                <c:pt idx="54">
+                  <c:v>78.1908302354</c:v>
+                </c:pt>
+                <c:pt idx="55">
+                  <c:v>73.481481481499998</c:v>
+                </c:pt>
+                <c:pt idx="56">
+                  <c:v>80.2734375</c:v>
+                </c:pt>
+                <c:pt idx="57">
+                  <c:v>79.599056603799994</c:v>
+                </c:pt>
+                <c:pt idx="58">
+                  <c:v>81.160896130300003</c:v>
+                </c:pt>
+                <c:pt idx="59">
+                  <c:v>75.338753387500006</c:v>
+                </c:pt>
+                <c:pt idx="60">
+                  <c:v>77.078384798100004</c:v>
+                </c:pt>
+                <c:pt idx="61">
+                  <c:v>84.717607973400007</c:v>
+                </c:pt>
+                <c:pt idx="62">
+                  <c:v>82.241379310300005</c:v>
+                </c:pt>
+                <c:pt idx="63">
+                  <c:v>81.515151515200003</c:v>
+                </c:pt>
+                <c:pt idx="64">
+                  <c:v>80.563380281700006</c:v>
+                </c:pt>
+                <c:pt idx="65">
+                  <c:v>85.674931129499996</c:v>
+                </c:pt>
+                <c:pt idx="66">
+                  <c:v>79.324894514799993</c:v>
+                </c:pt>
+                <c:pt idx="67">
+                  <c:v>80.254777070100005</c:v>
+                </c:pt>
+                <c:pt idx="68">
+                  <c:v>78.864353312299997</c:v>
+                </c:pt>
+                <c:pt idx="69">
+                  <c:v>80.2555168409</c:v>
+                </c:pt>
+                <c:pt idx="70">
+                  <c:v>80.326086956500006</c:v>
+                </c:pt>
+                <c:pt idx="71">
+                  <c:v>77.387640449399996</c:v>
+                </c:pt>
+                <c:pt idx="72">
+                  <c:v>78.621495327100007</c:v>
+                </c:pt>
+                <c:pt idx="73">
+                  <c:v>84.479371316300004</c:v>
+                </c:pt>
+                <c:pt idx="74">
+                  <c:v>80.395387149900003</c:v>
+                </c:pt>
+                <c:pt idx="75">
+                  <c:v>81.231079717499995</c:v>
+                </c:pt>
+                <c:pt idx="76">
+                  <c:v>82.03125</c:v>
+                </c:pt>
+                <c:pt idx="77">
+                  <c:v>81.719260065300006</c:v>
+                </c:pt>
+                <c:pt idx="78">
+                  <c:v>80.0415800416</c:v>
+                </c:pt>
+                <c:pt idx="79">
+                  <c:v>77.611940298500002</c:v>
+                </c:pt>
+                <c:pt idx="80">
+                  <c:v>83.544303797500007</c:v>
+                </c:pt>
+                <c:pt idx="81">
+                  <c:v>78.045685279200001</c:v>
+                </c:pt>
+                <c:pt idx="82">
+                  <c:v>86.866359446999994</c:v>
+                </c:pt>
+                <c:pt idx="83">
+                  <c:v>81.105990783400003</c:v>
+                </c:pt>
+                <c:pt idx="84">
+                  <c:v>78.220858895700005</c:v>
+                </c:pt>
+                <c:pt idx="85">
+                  <c:v>85.443037974700005</c:v>
+                </c:pt>
+                <c:pt idx="86">
+                  <c:v>81.138211382099996</c:v>
+                </c:pt>
+                <c:pt idx="87">
+                  <c:v>79.556898287999999</c:v>
+                </c:pt>
+                <c:pt idx="88">
+                  <c:v>85.132382892099997</c:v>
+                </c:pt>
+                <c:pt idx="89">
+                  <c:v>80.761099365800007</c:v>
+                </c:pt>
+                <c:pt idx="90">
+                  <c:v>80.352644836300001</c:v>
+                </c:pt>
+                <c:pt idx="91">
+                  <c:v>78.220140515200001</c:v>
+                </c:pt>
+                <c:pt idx="92">
+                  <c:v>80.157480315000001</c:v>
+                </c:pt>
+                <c:pt idx="93">
+                  <c:v>78.954248366000002</c:v>
+                </c:pt>
+                <c:pt idx="94">
+                  <c:v>77.684964200500005</c:v>
+                </c:pt>
+                <c:pt idx="95">
+                  <c:v>80.116959064300005</c:v>
+                </c:pt>
+                <c:pt idx="96">
+                  <c:v>81.305637982199997</c:v>
+                </c:pt>
+                <c:pt idx="97">
+                  <c:v>80.044345898000003</c:v>
+                </c:pt>
+                <c:pt idx="98">
+                  <c:v>82.786885245899995</c:v>
+                </c:pt>
+                <c:pt idx="99">
+                  <c:v>82.5</c:v>
+                </c:pt>
+                <c:pt idx="100">
+                  <c:v>81.347150259100005</c:v>
+                </c:pt>
+                <c:pt idx="101">
+                  <c:v>82.042833607899993</c:v>
+                </c:pt>
+                <c:pt idx="102">
+                  <c:v>81.548974943100006</c:v>
+                </c:pt>
+                <c:pt idx="103">
+                  <c:v>78.503562945400006</c:v>
+                </c:pt>
+                <c:pt idx="104">
+                  <c:v>77.616580310900005</c:v>
+                </c:pt>
+                <c:pt idx="105">
+                  <c:v>79.394812680100003</c:v>
+                </c:pt>
+                <c:pt idx="106">
+                  <c:v>77.094240837699999</c:v>
+                </c:pt>
+                <c:pt idx="107">
+                  <c:v>85.106382978699997</c:v>
+                </c:pt>
+                <c:pt idx="108">
+                  <c:v>80.773361976399997</c:v>
+                </c:pt>
+                <c:pt idx="109">
+                  <c:v>80.3149606299</c:v>
+                </c:pt>
+                <c:pt idx="110">
+                  <c:v>84.869976359299997</c:v>
+                </c:pt>
+                <c:pt idx="111">
+                  <c:v>83.566433566399994</c:v>
+                </c:pt>
+                <c:pt idx="112">
+                  <c:v>80.198019802000005</c:v>
+                </c:pt>
+                <c:pt idx="113">
+                  <c:v>80.364806866999999</c:v>
+                </c:pt>
+                <c:pt idx="114">
+                  <c:v>78.457772337799994</c:v>
+                </c:pt>
+                <c:pt idx="115">
+                  <c:v>79.550827423200005</c:v>
+                </c:pt>
+                <c:pt idx="116">
+                  <c:v>78.288770053500002</c:v>
+                </c:pt>
+                <c:pt idx="117">
+                  <c:v>80.387931034499999</c:v>
+                </c:pt>
+                <c:pt idx="118">
+                  <c:v>81.398104265399994</c:v>
+                </c:pt>
+                <c:pt idx="119">
+                  <c:v>77.424749163900003</c:v>
+                </c:pt>
+                <c:pt idx="120">
+                  <c:v>80.498374864599995</c:v>
+                </c:pt>
+                <c:pt idx="121">
+                  <c:v>78.72</c:v>
+                </c:pt>
+                <c:pt idx="122">
+                  <c:v>86.814345991600007</c:v>
+                </c:pt>
+                <c:pt idx="123">
+                  <c:v>83.501683501700001</c:v>
+                </c:pt>
+                <c:pt idx="124">
+                  <c:v>80.688124306299997</c:v>
+                </c:pt>
+                <c:pt idx="125">
+                  <c:v>83.448275862100004</c:v>
+                </c:pt>
+                <c:pt idx="126">
+                  <c:v>80.059970015000005</c:v>
+                </c:pt>
+                <c:pt idx="127">
+                  <c:v>84.452296819799997</c:v>
+                </c:pt>
+                <c:pt idx="128">
+                  <c:v>80.307692307699995</c:v>
+                </c:pt>
+                <c:pt idx="129">
+                  <c:v>81.166464155499995</c:v>
+                </c:pt>
+                <c:pt idx="130">
+                  <c:v>79.034028540099996</c:v>
+                </c:pt>
+                <c:pt idx="131">
+                  <c:v>83.232931726900006</c:v>
+                </c:pt>
+                <c:pt idx="132">
+                  <c:v>83.661971831000002</c:v>
+                </c:pt>
+                <c:pt idx="133">
+                  <c:v>84.383561643799993</c:v>
+                </c:pt>
+                <c:pt idx="134">
+                  <c:v>80.918727915199995</c:v>
+                </c:pt>
+                <c:pt idx="135">
+                  <c:v>79.746835442999995</c:v>
+                </c:pt>
+                <c:pt idx="136">
+                  <c:v>87.246376811600001</c:v>
+                </c:pt>
+                <c:pt idx="137">
+                  <c:v>83.467741935500001</c:v>
+                </c:pt>
+                <c:pt idx="138">
+                  <c:v>86.197183098599993</c:v>
+                </c:pt>
+                <c:pt idx="139">
+                  <c:v>80.487804878000006</c:v>
+                </c:pt>
+                <c:pt idx="140">
+                  <c:v>80.219780219800001</c:v>
+                </c:pt>
+                <c:pt idx="141">
+                  <c:v>84.405670665200006</c:v>
+                </c:pt>
+                <c:pt idx="142">
+                  <c:v>84.215784215799999</c:v>
+                </c:pt>
+                <c:pt idx="143">
+                  <c:v>81.395348837200004</c:v>
+                </c:pt>
+                <c:pt idx="144">
+                  <c:v>83.720930232599997</c:v>
+                </c:pt>
+                <c:pt idx="145">
+                  <c:v>87.185354691100002</c:v>
+                </c:pt>
+                <c:pt idx="146">
+                  <c:v>83.264462809899996</c:v>
+                </c:pt>
+                <c:pt idx="147">
+                  <c:v>81.578947368399994</c:v>
+                </c:pt>
+                <c:pt idx="148">
+                  <c:v>81.526104417699997</c:v>
+                </c:pt>
+                <c:pt idx="149">
+                  <c:v>82.341069626600003</c:v>
+                </c:pt>
+                <c:pt idx="150">
+                  <c:v>81.891348088499996</c:v>
+                </c:pt>
+                <c:pt idx="151">
+                  <c:v>87.871853546899999</c:v>
+                </c:pt>
+                <c:pt idx="152">
+                  <c:v>86.635944700500005</c:v>
+                </c:pt>
+                <c:pt idx="153">
+                  <c:v>84.3930635838</c:v>
+                </c:pt>
+                <c:pt idx="154">
+                  <c:v>86.282306163000001</c:v>
+                </c:pt>
+                <c:pt idx="155">
+                  <c:v>81.481481481499998</c:v>
+                </c:pt>
+                <c:pt idx="156">
+                  <c:v>87.410926365799995</c:v>
+                </c:pt>
+                <c:pt idx="157">
+                  <c:v>86.774941995399999</c:v>
+                </c:pt>
+                <c:pt idx="158">
+                  <c:v>83.0628803245</c:v>
+                </c:pt>
+                <c:pt idx="159">
+                  <c:v>82.051282051300007</c:v>
+                </c:pt>
+                <c:pt idx="160">
+                  <c:v>87.5882946519</c:v>
+                </c:pt>
+                <c:pt idx="161">
+                  <c:v>82.874015748000005</c:v>
+                </c:pt>
+                <c:pt idx="162">
+                  <c:v>82.954545454500007</c:v>
+                </c:pt>
+                <c:pt idx="163">
+                  <c:v>85.833333333300004</c:v>
+                </c:pt>
+                <c:pt idx="164">
+                  <c:v>83.0508474576</c:v>
+                </c:pt>
+                <c:pt idx="165">
+                  <c:v>86.666666666699996</c:v>
+                </c:pt>
+                <c:pt idx="166">
+                  <c:v>83.720930232599997</c:v>
+                </c:pt>
+                <c:pt idx="167">
+                  <c:v>86.823529411799996</c:v>
+                </c:pt>
+                <c:pt idx="168">
+                  <c:v>85.431841831400007</c:v>
+                </c:pt>
+                <c:pt idx="169">
+                  <c:v>85.474860335200006</c:v>
+                </c:pt>
+                <c:pt idx="170">
+                  <c:v>85.185185185199998</c:v>
+                </c:pt>
+                <c:pt idx="171">
+                  <c:v>85.795454545499993</c:v>
+                </c:pt>
+                <c:pt idx="172">
+                  <c:v>84.180790960500005</c:v>
+                </c:pt>
+                <c:pt idx="173">
+                  <c:v>87.154150197600003</c:v>
+                </c:pt>
+                <c:pt idx="174">
+                  <c:v>85.526315789500003</c:v>
+                </c:pt>
+                <c:pt idx="175">
+                  <c:v>84.848484848499993</c:v>
+                </c:pt>
+                <c:pt idx="176">
+                  <c:v>84.432989690699998</c:v>
+                </c:pt>
+                <c:pt idx="177">
+                  <c:v>84.686774942</c:v>
+                </c:pt>
+                <c:pt idx="178">
+                  <c:v>86.104783599100003</c:v>
+                </c:pt>
+                <c:pt idx="179">
+                  <c:v>84.615384615400004</c:v>
+                </c:pt>
+                <c:pt idx="180">
+                  <c:v>85.465711361299995</c:v>
+                </c:pt>
+                <c:pt idx="181">
+                  <c:v>89.617486338800006</c:v>
+                </c:pt>
+                <c:pt idx="182">
+                  <c:v>90.8203125</c:v>
+                </c:pt>
+                <c:pt idx="183">
+                  <c:v>85.031847133799999</c:v>
+                </c:pt>
+                <c:pt idx="184">
+                  <c:v>86.0730593607</c:v>
+                </c:pt>
+                <c:pt idx="185">
+                  <c:v>85.185185185199998</c:v>
+                </c:pt>
+                <c:pt idx="186">
+                  <c:v>85.758835758800004</c:v>
+                </c:pt>
+                <c:pt idx="187">
+                  <c:v>85.2112676056</c:v>
+                </c:pt>
+                <c:pt idx="188">
+                  <c:v>86.5168539326</c:v>
+                </c:pt>
+                <c:pt idx="189">
+                  <c:v>85.865724381600003</c:v>
+                </c:pt>
+                <c:pt idx="190">
+                  <c:v>85.585585585600001</c:v>
+                </c:pt>
+                <c:pt idx="191">
+                  <c:v>87.301587301599994</c:v>
+                </c:pt>
+                <c:pt idx="192">
+                  <c:v>86.299765808000004</c:v>
+                </c:pt>
+                <c:pt idx="193">
+                  <c:v>86.086956521700003</c:v>
+                </c:pt>
+                <c:pt idx="194">
+                  <c:v>85.919540229899994</c:v>
+                </c:pt>
+                <c:pt idx="195">
+                  <c:v>87.185354691100002</c:v>
+                </c:pt>
+                <c:pt idx="196">
+                  <c:v>86.666666666699996</c:v>
+                </c:pt>
+                <c:pt idx="197">
+                  <c:v>86.072423398300003</c:v>
+                </c:pt>
+                <c:pt idx="198">
+                  <c:v>89.690721649500006</c:v>
+                </c:pt>
+                <c:pt idx="199">
+                  <c:v>87.921348314599996</c:v>
+                </c:pt>
+                <c:pt idx="200">
+                  <c:v>87.455621301799994</c:v>
+                </c:pt>
+                <c:pt idx="201">
+                  <c:v>87.5</c:v>
+                </c:pt>
+                <c:pt idx="202">
+                  <c:v>86.440677966099997</c:v>
+                </c:pt>
+                <c:pt idx="203">
+                  <c:v>85.135135135100001</c:v>
+                </c:pt>
+                <c:pt idx="204">
+                  <c:v>86.686991869899998</c:v>
+                </c:pt>
+                <c:pt idx="205">
+                  <c:v>89.779005524900001</c:v>
+                </c:pt>
+                <c:pt idx="206">
+                  <c:v>87.154150197600003</c:v>
+                </c:pt>
+                <c:pt idx="207">
+                  <c:v>85.714285714300004</c:v>
+                </c:pt>
+                <c:pt idx="208">
+                  <c:v>86.781609195399994</c:v>
+                </c:pt>
+                <c:pt idx="209">
+                  <c:v>88.636363636400006</c:v>
+                </c:pt>
+                <c:pt idx="210">
+                  <c:v>86.931818181799997</c:v>
+                </c:pt>
+                <c:pt idx="211">
+                  <c:v>87.441860465100007</c:v>
+                </c:pt>
+                <c:pt idx="212">
+                  <c:v>90.151515151500007</c:v>
+                </c:pt>
+                <c:pt idx="213">
+                  <c:v>86.906141367299995</c:v>
+                </c:pt>
+                <c:pt idx="214">
+                  <c:v>86.7213114754</c:v>
+                </c:pt>
+                <c:pt idx="215">
+                  <c:v>89.320388349500007</c:v>
+                </c:pt>
+                <c:pt idx="216">
+                  <c:v>87.486744432699993</c:v>
+                </c:pt>
+                <c:pt idx="217">
+                  <c:v>88.077496274200001</c:v>
+                </c:pt>
+                <c:pt idx="218">
+                  <c:v>86.046511627900003</c:v>
+                </c:pt>
+                <c:pt idx="219">
+                  <c:v>87.211740041900001</c:v>
+                </c:pt>
+                <c:pt idx="220">
+                  <c:v>87.396351575500006</c:v>
+                </c:pt>
+                <c:pt idx="221">
+                  <c:v>86.557377049199999</c:v>
+                </c:pt>
+                <c:pt idx="222">
+                  <c:v>87.179487179500001</c:v>
+                </c:pt>
+                <c:pt idx="223">
+                  <c:v>87.428571428599994</c:v>
+                </c:pt>
+                <c:pt idx="224">
+                  <c:v>87.296037295999994</c:v>
+                </c:pt>
+                <c:pt idx="225">
+                  <c:v>91.9308357349</c:v>
+                </c:pt>
+                <c:pt idx="226">
+                  <c:v>88.888888888899999</c:v>
+                </c:pt>
+                <c:pt idx="227">
+                  <c:v>90.476190476200003</c:v>
+                </c:pt>
+                <c:pt idx="228">
+                  <c:v>89.024390243900001</c:v>
+                </c:pt>
+                <c:pt idx="229">
+                  <c:v>87.835420393600003</c:v>
+                </c:pt>
+                <c:pt idx="230">
+                  <c:v>87.784090909100001</c:v>
+                </c:pt>
+                <c:pt idx="231">
+                  <c:v>88.111888111900001</c:v>
+                </c:pt>
+                <c:pt idx="232">
+                  <c:v>88.356164383600003</c:v>
+                </c:pt>
+                <c:pt idx="233">
+                  <c:v>88.235294117600006</c:v>
+                </c:pt>
+                <c:pt idx="234">
+                  <c:v>88.530465949800004</c:v>
+                </c:pt>
+                <c:pt idx="235">
+                  <c:v>88.235294117600006</c:v>
+                </c:pt>
+                <c:pt idx="236">
+                  <c:v>88.152610441799993</c:v>
+                </c:pt>
+                <c:pt idx="237">
+                  <c:v>88.461538461499998</c:v>
+                </c:pt>
+                <c:pt idx="238">
+                  <c:v>88.652482269499998</c:v>
+                </c:pt>
+                <c:pt idx="239">
+                  <c:v>88.744588744599994</c:v>
+                </c:pt>
+                <c:pt idx="240">
+                  <c:v>88.771186440700006</c:v>
+                </c:pt>
+                <c:pt idx="241">
+                  <c:v>89.166666666699996</c:v>
+                </c:pt>
+                <c:pt idx="242">
+                  <c:v>89.181286549700005</c:v>
+                </c:pt>
+                <c:pt idx="243">
+                  <c:v>88.888888888899999</c:v>
+                </c:pt>
+                <c:pt idx="244">
+                  <c:v>88.9148191365</c:v>
+                </c:pt>
+                <c:pt idx="245">
+                  <c:v>88.977955911799995</c:v>
+                </c:pt>
+                <c:pt idx="246">
+                  <c:v>89.015151515200003</c:v>
+                </c:pt>
+                <c:pt idx="247">
+                  <c:v>89.020070838300001</c:v>
+                </c:pt>
+                <c:pt idx="248">
+                  <c:v>88.724035608299999</c:v>
+                </c:pt>
+                <c:pt idx="249">
+                  <c:v>89.024390243900001</c:v>
+                </c:pt>
+                <c:pt idx="250">
+                  <c:v>89.269406392700006</c:v>
+                </c:pt>
+                <c:pt idx="251">
+                  <c:v>89.053254437899994</c:v>
+                </c:pt>
+                <c:pt idx="252">
+                  <c:v>90.529247910899997</c:v>
+                </c:pt>
+                <c:pt idx="253">
+                  <c:v>88.571428571400006</c:v>
+                </c:pt>
+                <c:pt idx="254">
+                  <c:v>88.938053097299999</c:v>
+                </c:pt>
+                <c:pt idx="255">
+                  <c:v>89.244186046500005</c:v>
+                </c:pt>
+                <c:pt idx="256">
+                  <c:v>89.252336448600005</c:v>
+                </c:pt>
+                <c:pt idx="257">
+                  <c:v>88.135593220299995</c:v>
+                </c:pt>
+                <c:pt idx="258">
+                  <c:v>89.708737864100002</c:v>
+                </c:pt>
+                <c:pt idx="259">
+                  <c:v>91.573033707899995</c:v>
+                </c:pt>
+                <c:pt idx="260">
+                  <c:v>90</c:v>
+                </c:pt>
+                <c:pt idx="261">
+                  <c:v>90.103567318800003</c:v>
+                </c:pt>
+                <c:pt idx="262">
+                  <c:v>89.589442815200002</c:v>
+                </c:pt>
+                <c:pt idx="263">
+                  <c:v>90.8548707753</c:v>
+                </c:pt>
+                <c:pt idx="264">
+                  <c:v>89.983579638799995</c:v>
+                </c:pt>
+                <c:pt idx="265">
+                  <c:v>89.136125654500006</c:v>
+                </c:pt>
+                <c:pt idx="266">
+                  <c:v>89.521640091099997</c:v>
+                </c:pt>
+                <c:pt idx="267">
+                  <c:v>90.246768507599995</c:v>
+                </c:pt>
+                <c:pt idx="268">
+                  <c:v>91.25</c:v>
+                </c:pt>
+                <c:pt idx="269">
+                  <c:v>89.935483871000002</c:v>
+                </c:pt>
+                <c:pt idx="270">
+                  <c:v>90.203562340999994</c:v>
+                </c:pt>
+                <c:pt idx="271">
+                  <c:v>90.613266583200001</c:v>
+                </c:pt>
+                <c:pt idx="272">
+                  <c:v>88.888888888899999</c:v>
+                </c:pt>
+                <c:pt idx="273">
+                  <c:v>88.888888888899999</c:v>
+                </c:pt>
+                <c:pt idx="274">
+                  <c:v>90.987124463499995</c:v>
+                </c:pt>
+                <c:pt idx="275">
+                  <c:v>90.167865707399997</c:v>
+                </c:pt>
+                <c:pt idx="276">
+                  <c:v>90.250696378800001</c:v>
+                </c:pt>
+                <c:pt idx="277">
+                  <c:v>90.263691683600001</c:v>
+                </c:pt>
+                <c:pt idx="278">
+                  <c:v>90.333333333300004</c:v>
+                </c:pt>
+                <c:pt idx="279">
+                  <c:v>89.204545454500007</c:v>
+                </c:pt>
+                <c:pt idx="280">
+                  <c:v>90.909090909100001</c:v>
+                </c:pt>
+                <c:pt idx="281">
+                  <c:v>90.384615384599996</c:v>
+                </c:pt>
+                <c:pt idx="282">
+                  <c:v>90.392156862700006</c:v>
+                </c:pt>
+                <c:pt idx="283">
+                  <c:v>90.476190476200003</c:v>
+                </c:pt>
+                <c:pt idx="284">
+                  <c:v>90.420560747699994</c:v>
+                </c:pt>
+                <c:pt idx="285">
+                  <c:v>90.330188679200006</c:v>
+                </c:pt>
+                <c:pt idx="286">
+                  <c:v>90.666666666699996</c:v>
+                </c:pt>
+                <c:pt idx="287">
+                  <c:v>90.106007067099995</c:v>
+                </c:pt>
+                <c:pt idx="288">
+                  <c:v>90.704225352099996</c:v>
+                </c:pt>
+                <c:pt idx="289">
+                  <c:v>91.428571428599994</c:v>
+                </c:pt>
+                <c:pt idx="290">
+                  <c:v>90.724637681199994</c:v>
+                </c:pt>
+                <c:pt idx="291">
+                  <c:v>91.836734693899999</c:v>
+                </c:pt>
+                <c:pt idx="292">
+                  <c:v>90.846681922200005</c:v>
+                </c:pt>
+                <c:pt idx="293">
+                  <c:v>90.181818181799997</c:v>
+                </c:pt>
+                <c:pt idx="294">
+                  <c:v>90.9356725146</c:v>
+                </c:pt>
+                <c:pt idx="295">
+                  <c:v>91.986062717799996</c:v>
+                </c:pt>
+                <c:pt idx="296">
+                  <c:v>89.830508474599995</c:v>
+                </c:pt>
+                <c:pt idx="297">
+                  <c:v>90.930506478200002</c:v>
+                </c:pt>
+                <c:pt idx="298">
+                  <c:v>91.451292246500003</c:v>
+                </c:pt>
+                <c:pt idx="299">
+                  <c:v>91.103202847000006</c:v>
+                </c:pt>
+                <c:pt idx="300">
+                  <c:v>91.1504424779</c:v>
+                </c:pt>
+                <c:pt idx="301">
+                  <c:v>91.176470588200004</c:v>
+                </c:pt>
+                <c:pt idx="302">
+                  <c:v>91.111111111100001</c:v>
+                </c:pt>
+                <c:pt idx="303">
+                  <c:v>90.868263473100001</c:v>
+                </c:pt>
+                <c:pt idx="304">
+                  <c:v>88.888888888899999</c:v>
+                </c:pt>
+                <c:pt idx="305">
+                  <c:v>91.397849462400004</c:v>
+                </c:pt>
+                <c:pt idx="306">
+                  <c:v>92</c:v>
+                </c:pt>
+                <c:pt idx="307">
+                  <c:v>90.243902438999996</c:v>
+                </c:pt>
+                <c:pt idx="308">
+                  <c:v>92.682926829300001</c:v>
+                </c:pt>
+                <c:pt idx="309">
+                  <c:v>94.3396226415</c:v>
+                </c:pt>
+                <c:pt idx="310">
+                  <c:v>90.395480226000004</c:v>
+                </c:pt>
+                <c:pt idx="311">
+                  <c:v>91.011235955100005</c:v>
+                </c:pt>
+                <c:pt idx="312">
+                  <c:v>88.202247190999998</c:v>
+                </c:pt>
+                <c:pt idx="313">
+                  <c:v>91.717171717200003</c:v>
+                </c:pt>
+                <c:pt idx="314">
+                  <c:v>91.803278688500001</c:v>
+                </c:pt>
+                <c:pt idx="315">
+                  <c:v>91.638795986600002</c:v>
+                </c:pt>
+                <c:pt idx="316">
+                  <c:v>92.241379310300005</c:v>
+                </c:pt>
+                <c:pt idx="317">
+                  <c:v>91.839762611300003</c:v>
+                </c:pt>
+                <c:pt idx="318">
+                  <c:v>91.843971631200006</c:v>
+                </c:pt>
+                <c:pt idx="319">
+                  <c:v>91.730279898199996</c:v>
+                </c:pt>
+                <c:pt idx="320">
+                  <c:v>93.309859154899996</c:v>
+                </c:pt>
+                <c:pt idx="321">
+                  <c:v>91.747572815500007</c:v>
+                </c:pt>
+                <c:pt idx="322">
+                  <c:v>92.032967033000006</c:v>
+                </c:pt>
+                <c:pt idx="323">
+                  <c:v>93.181818181799997</c:v>
+                </c:pt>
+                <c:pt idx="324">
+                  <c:v>92.090395480200002</c:v>
+                </c:pt>
+                <c:pt idx="325">
+                  <c:v>91.578947368399994</c:v>
+                </c:pt>
+                <c:pt idx="326">
+                  <c:v>93.189964157700004</c:v>
+                </c:pt>
+                <c:pt idx="327">
+                  <c:v>92.129629629600004</c:v>
+                </c:pt>
+                <c:pt idx="328">
+                  <c:v>92.820512820499999</c:v>
+                </c:pt>
+                <c:pt idx="329">
+                  <c:v>92.1568627451</c:v>
+                </c:pt>
+                <c:pt idx="330">
+                  <c:v>92.1568627451</c:v>
+                </c:pt>
+                <c:pt idx="331">
+                  <c:v>92.317880794700002</c:v>
+                </c:pt>
+                <c:pt idx="332">
+                  <c:v>92.405063291100006</c:v>
+                </c:pt>
+                <c:pt idx="333">
+                  <c:v>92.047713717700006</c:v>
+                </c:pt>
+                <c:pt idx="334">
+                  <c:v>92.465753424699997</c:v>
+                </c:pt>
+                <c:pt idx="335">
+                  <c:v>92.5</c:v>
+                </c:pt>
+                <c:pt idx="336">
+                  <c:v>95.061728395100005</c:v>
+                </c:pt>
+                <c:pt idx="337">
+                  <c:v>93.827160493799994</c:v>
+                </c:pt>
+                <c:pt idx="338">
+                  <c:v>95.061728395100005</c:v>
+                </c:pt>
+                <c:pt idx="339">
+                  <c:v>96.3414634146</c:v>
+                </c:pt>
+                <c:pt idx="340">
+                  <c:v>91.463414634100005</c:v>
+                </c:pt>
+                <c:pt idx="341">
+                  <c:v>89.024390243900001</c:v>
+                </c:pt>
+                <c:pt idx="342">
+                  <c:v>91.573033707899995</c:v>
+                </c:pt>
+                <c:pt idx="343">
+                  <c:v>93.454545454500007</c:v>
+                </c:pt>
+                <c:pt idx="344">
+                  <c:v>94.219653179199994</c:v>
+                </c:pt>
+                <c:pt idx="345">
+                  <c:v>93.678160919500002</c:v>
+                </c:pt>
+                <c:pt idx="346">
+                  <c:v>92.682926829300001</c:v>
+                </c:pt>
+                <c:pt idx="347">
+                  <c:v>94.661921708199998</c:v>
+                </c:pt>
+                <c:pt idx="348">
+                  <c:v>93.6567164179</c:v>
+                </c:pt>
+                <c:pt idx="349">
+                  <c:v>94.699646643099996</c:v>
+                </c:pt>
+                <c:pt idx="350">
+                  <c:v>96.666666666699996</c:v>
+                </c:pt>
+                <c:pt idx="351">
+                  <c:v>94.736842105299999</c:v>
+                </c:pt>
+                <c:pt idx="352">
+                  <c:v>94.909090909100001</c:v>
+                </c:pt>
+                <c:pt idx="353">
+                  <c:v>93.992932862200007</c:v>
+                </c:pt>
+                <c:pt idx="354">
+                  <c:v>93.309859154899996</c:v>
+                </c:pt>
+                <c:pt idx="355">
+                  <c:v>96.25</c:v>
+                </c:pt>
+                <c:pt idx="356">
+                  <c:v>97.5</c:v>
+                </c:pt>
+                <c:pt idx="357">
+                  <c:v>93.531694696000002</c:v>
+                </c:pt>
+                <c:pt idx="358">
+                  <c:v>95.061728395100005</c:v>
+                </c:pt>
+                <c:pt idx="359">
+                  <c:v>93.827160493799994</c:v>
+                </c:pt>
+                <c:pt idx="360">
+                  <c:v>91.358024691400004</c:v>
+                </c:pt>
+                <c:pt idx="361">
+                  <c:v>95.121951219500005</c:v>
+                </c:pt>
+                <c:pt idx="362">
+                  <c:v>96.3414634146</c:v>
+                </c:pt>
+                <c:pt idx="363">
+                  <c:v>93.902439024399996</c:v>
+                </c:pt>
+                <c:pt idx="364">
+                  <c:v>93.967517401400002</c:v>
+                </c:pt>
+                <c:pt idx="365">
+                  <c:v>95.053003533600005</c:v>
+                </c:pt>
+                <c:pt idx="366">
+                  <c:v>94.038748137100001</c:v>
+                </c:pt>
+                <c:pt idx="367">
+                  <c:v>95.272727272699996</c:v>
+                </c:pt>
+                <c:pt idx="368">
+                  <c:v>95.169082125599999</c:v>
+                </c:pt>
+                <c:pt idx="369">
+                  <c:v>95</c:v>
+                </c:pt>
+                <c:pt idx="370">
+                  <c:v>94.318181818200003</c:v>
+                </c:pt>
+                <c:pt idx="371">
+                  <c:v>94.545454545499993</c:v>
+                </c:pt>
+                <c:pt idx="372">
+                  <c:v>95.167286245400007</c:v>
+                </c:pt>
+                <c:pt idx="373">
+                  <c:v>97.402597402599994</c:v>
+                </c:pt>
+                <c:pt idx="374">
+                  <c:v>98.734177215200006</c:v>
+                </c:pt>
+                <c:pt idx="375">
+                  <c:v>96.25</c:v>
+                </c:pt>
+                <c:pt idx="376">
+                  <c:v>93.75</c:v>
+                </c:pt>
+                <c:pt idx="377">
+                  <c:v>97.530864197499994</c:v>
+                </c:pt>
+                <c:pt idx="378">
+                  <c:v>95.061728395100005</c:v>
+                </c:pt>
+                <c:pt idx="379">
+                  <c:v>96.3414634146</c:v>
+                </c:pt>
+                <c:pt idx="380">
+                  <c:v>93.902439024399996</c:v>
+                </c:pt>
+                <c:pt idx="381">
+                  <c:v>97.560975609799996</c:v>
+                </c:pt>
+                <c:pt idx="382">
+                  <c:v>97.560975609799996</c:v>
+                </c:pt>
+                <c:pt idx="383">
+                  <c:v>97.560975609799996</c:v>
+                </c:pt>
+                <c:pt idx="384">
+                  <c:v>97.560975609799996</c:v>
+                </c:pt>
+                <c:pt idx="385">
+                  <c:v>95.121951219500005</c:v>
+                </c:pt>
+                <c:pt idx="386">
+                  <c:v>92.682926829300001</c:v>
+                </c:pt>
+                <c:pt idx="387">
+                  <c:v>96.808510638300007</c:v>
+                </c:pt>
+                <c:pt idx="388">
+                  <c:v>94.827586206899994</c:v>
+                </c:pt>
+                <c:pt idx="389">
+                  <c:v>97.5</c:v>
+                </c:pt>
+                <c:pt idx="390">
+                  <c:v>96.2962962963</c:v>
+                </c:pt>
+                <c:pt idx="391">
+                  <c:v>95.061728395100005</c:v>
+                </c:pt>
+                <c:pt idx="392">
+                  <c:v>95.121951219500005</c:v>
+                </c:pt>
+                <c:pt idx="393">
+                  <c:v>97.560975609799996</c:v>
+                </c:pt>
+                <c:pt idx="394">
+                  <c:v>97.560975609799996</c:v>
+                </c:pt>
+                <c:pt idx="395">
+                  <c:v>98.780487804900005</c:v>
+                </c:pt>
+                <c:pt idx="396">
+                  <c:v>93.902439024399996</c:v>
+                </c:pt>
+                <c:pt idx="397">
+                  <c:v>95.121951219500005</c:v>
+                </c:pt>
+                <c:pt idx="398">
+                  <c:v>95.121951219500005</c:v>
+                </c:pt>
+                <c:pt idx="399">
+                  <c:v>97.560975609799996</c:v>
+                </c:pt>
+                <c:pt idx="400">
+                  <c:v>98.666666666699996</c:v>
+                </c:pt>
+                <c:pt idx="401">
+                  <c:v>100</c:v>
+                </c:pt>
+                <c:pt idx="402">
+                  <c:v>94.805194805200003</c:v>
+                </c:pt>
+                <c:pt idx="403">
+                  <c:v>98.717948717900001</c:v>
+                </c:pt>
+                <c:pt idx="404">
+                  <c:v>97.468354430399998</c:v>
+                </c:pt>
+                <c:pt idx="405">
+                  <c:v>97.530864197499994</c:v>
+                </c:pt>
+                <c:pt idx="406">
+                  <c:v>98.765432098800005</c:v>
+                </c:pt>
+                <c:pt idx="407">
+                  <c:v>96.2962962963</c:v>
+                </c:pt>
+                <c:pt idx="408">
+                  <c:v>98.780487804900005</c:v>
+                </c:pt>
+                <c:pt idx="409">
+                  <c:v>97.560975609799996</c:v>
+                </c:pt>
+                <c:pt idx="410">
+                  <c:v>95.555555555599994</c:v>
+                </c:pt>
+                <c:pt idx="411">
+                  <c:v>100</c:v>
+                </c:pt>
+                <c:pt idx="412">
+                  <c:v>98.75</c:v>
+                </c:pt>
+                <c:pt idx="413">
+                  <c:v>98.75</c:v>
+                </c:pt>
+                <c:pt idx="414">
+                  <c:v>100</c:v>
+                </c:pt>
+                <c:pt idx="415">
+                  <c:v>100</c:v>
+                </c:pt>
+                <c:pt idx="416">
+                  <c:v>96.25</c:v>
+                </c:pt>
+                <c:pt idx="417">
+                  <c:v>96.2962962963</c:v>
+                </c:pt>
+                <c:pt idx="418">
+                  <c:v>98.765432098800005</c:v>
+                </c:pt>
+                <c:pt idx="419">
+                  <c:v>96.2962962963</c:v>
+                </c:pt>
+                <c:pt idx="420">
+                  <c:v>97.530864197499994</c:v>
+                </c:pt>
+                <c:pt idx="421">
+                  <c:v>96.2962962963</c:v>
+                </c:pt>
+                <c:pt idx="422">
+                  <c:v>98.765432098800005</c:v>
+                </c:pt>
+                <c:pt idx="423">
+                  <c:v>97.560975609799996</c:v>
+                </c:pt>
+                <c:pt idx="424">
+                  <c:v>98.780487804900005</c:v>
+                </c:pt>
+                <c:pt idx="425">
+                  <c:v>98.780487804900005</c:v>
+                </c:pt>
+                <c:pt idx="426">
+                  <c:v>97.560975609799996</c:v>
+                </c:pt>
+                <c:pt idx="427">
+                  <c:v>98.780487804900005</c:v>
+                </c:pt>
+                <c:pt idx="428">
+                  <c:v>98.765432098800005</c:v>
+                </c:pt>
+                <c:pt idx="429">
+                  <c:v>100</c:v>
+                </c:pt>
+              </c:numCache>
+            </c:numRef>
+          </c:yVal>
+          <c:smooth val="0"/>
+        </c:ser>
+        <c:dLbls>
+          <c:showLegendKey val="0"/>
+          <c:showVal val="0"/>
+          <c:showCatName val="0"/>
+          <c:showSerName val="0"/>
+          <c:showPercent val="0"/>
+          <c:showBubbleSize val="0"/>
+        </c:dLbls>
+        <c:axId val="41758080"/>
+        <c:axId val="74521920"/>
+      </c:scatterChart>
+      <c:valAx>
+        <c:axId val="41758080"/>
+        <c:scaling>
+          <c:orientation val="minMax"/>
+          <c:max val="450"/>
+        </c:scaling>
+        <c:delete val="0"/>
+        <c:axPos val="b"/>
+        <c:title>
+          <c:tx>
+            <c:rich>
+              <a:bodyPr/>
+              <a:lstStyle/>
+              <a:p>
+                <a:pPr>
+                  <a:defRPr sz="1400"/>
+                </a:pPr>
+                <a:r>
+                  <a:rPr lang="en-US" sz="1400"/>
+                  <a:t>Representative Number</a:t>
+                </a:r>
+              </a:p>
+            </c:rich>
+          </c:tx>
+          <c:layout/>
+          <c:overlay val="0"/>
+        </c:title>
+        <c:numFmt formatCode="General" sourceLinked="1"/>
+        <c:majorTickMark val="none"/>
+        <c:minorTickMark val="none"/>
+        <c:tickLblPos val="nextTo"/>
+        <c:crossAx val="74521920"/>
+        <c:crosses val="autoZero"/>
+        <c:crossBetween val="midCat"/>
+      </c:valAx>
+      <c:valAx>
+        <c:axId val="74521920"/>
+        <c:scaling>
+          <c:orientation val="minMax"/>
+          <c:max val="100"/>
+          <c:min val="50"/>
+        </c:scaling>
+        <c:delete val="0"/>
+        <c:axPos val="l"/>
+        <c:majorGridlines/>
+        <c:title>
+          <c:tx>
+            <c:rich>
+              <a:bodyPr/>
+              <a:lstStyle/>
+              <a:p>
+                <a:pPr>
+                  <a:defRPr sz="1400" b="1"/>
+                </a:pPr>
+                <a:r>
+                  <a:rPr lang="en-US" sz="1400" b="1"/>
+                  <a:t>Percent Accuracy</a:t>
+                </a:r>
+              </a:p>
+            </c:rich>
+          </c:tx>
+          <c:layout/>
+          <c:overlay val="0"/>
+        </c:title>
+        <c:numFmt formatCode="General" sourceLinked="1"/>
+        <c:majorTickMark val="none"/>
+        <c:minorTickMark val="none"/>
+        <c:tickLblPos val="nextTo"/>
+        <c:crossAx val="41758080"/>
+        <c:crosses val="autoZero"/>
+        <c:crossBetween val="midCat"/>
+      </c:valAx>
+    </c:plotArea>
+    <c:legend>
+      <c:legendPos val="r"/>
+      <c:layout>
+        <c:manualLayout>
+          <c:xMode val="edge"/>
+          <c:yMode val="edge"/>
+          <c:x val="0.78684636643280681"/>
+          <c:y val="0.48175561336746375"/>
+          <c:w val="0.20246712496174876"/>
+          <c:h val="0.11253256752530108"/>
+        </c:manualLayout>
+      </c:layout>
+      <c:overlay val="0"/>
+      <c:txPr>
+        <a:bodyPr/>
+        <a:lstStyle/>
+        <a:p>
+          <a:pPr>
+            <a:defRPr sz="1200"/>
+          </a:pPr>
+          <a:endParaRPr lang="en-US"/>
+        </a:p>
+      </c:txPr>
+    </c:legend>
+    <c:plotVisOnly val="1"/>
+    <c:dispBlanksAs val="gap"/>
+    <c:showDLblsOverMax val="0"/>
+  </c:chart>
+  <c:spPr>
+    <a:noFill/>
+    <a:ln w="38100" cap="flat" cmpd="sng" algn="ctr">
+      <a:solidFill>
+        <a:sysClr val="windowText" lastClr="000000"/>
+      </a:solidFill>
+      <a:prstDash val="solid"/>
+    </a:ln>
+    <a:effectLst/>
+  </c:spPr>
+  <c:txPr>
+    <a:bodyPr/>
+    <a:lstStyle/>
+    <a:p>
+      <a:pPr>
+        <a:defRPr>
+          <a:solidFill>
+            <a:schemeClr val="dk1"/>
+          </a:solidFill>
+          <a:latin typeface="+mn-lt"/>
+          <a:ea typeface="+mn-ea"/>
+          <a:cs typeface="+mn-cs"/>
+        </a:defRPr>
+      </a:pPr>
+      <a:endParaRPr lang="en-US"/>
+    </a:p>
+  </c:txPr>
+  <c:externalData r:id="rId2">
+    <c:autoUpdate val="0"/>
+  </c:externalData>
+</c:chartSpace>
+</file>
+
+<file path=ppt/charts/chart3.xml><?xml version="1.0" encoding="utf-8"?>
+<c:chartSpace xmlns:c="http://schemas.openxmlformats.org/drawingml/2006/chart" xmlns:a="http://schemas.openxmlformats.org/drawingml/2006/main" xmlns:r="http://schemas.openxmlformats.org/officeDocument/2006/relationships">
+  <c:date1904 val="0"/>
+  <c:lang val="en-US"/>
+  <c:roundedCorners val="0"/>
+  <mc:AlternateContent xmlns:mc="http://schemas.openxmlformats.org/markup-compatibility/2006">
+    <mc:Choice xmlns:c14="http://schemas.microsoft.com/office/drawing/2007/8/2/chart" Requires="c14">
+      <c14:style val="102"/>
+    </mc:Choice>
+    <mc:Fallback>
+      <c:style val="2"/>
+    </mc:Fallback>
+  </mc:AlternateContent>
+  <c:clrMapOvr bg1="lt1" tx1="dk1" bg2="lt2" tx2="dk2" accent1="accent1" accent2="accent2" accent3="accent3" accent4="accent4" accent5="accent5" accent6="accent6" hlink="hlink" folHlink="folHlink"/>
+  <c:chart>
+    <c:title>
+      <c:tx>
+        <c:rich>
+          <a:bodyPr/>
+          <a:lstStyle/>
+          <a:p>
+            <a:pPr>
+              <a:defRPr/>
+            </a:pPr>
+            <a:r>
+              <a:rPr lang="en-US" dirty="0"/>
+              <a:t>Frequency of Test </a:t>
+            </a:r>
+            <a:r>
+              <a:rPr lang="en-US" dirty="0" smtClean="0"/>
+              <a:t>Accuracies</a:t>
+            </a:r>
+            <a:endParaRPr lang="en-US" dirty="0"/>
+          </a:p>
+        </c:rich>
+      </c:tx>
+      <c:layout/>
+      <c:overlay val="0"/>
+    </c:title>
+    <c:autoTitleDeleted val="0"/>
+    <c:plotArea>
+      <c:layout/>
+      <c:barChart>
+        <c:barDir val="col"/>
+        <c:grouping val="clustered"/>
+        <c:varyColors val="0"/>
+        <c:ser>
+          <c:idx val="1"/>
+          <c:order val="0"/>
+          <c:tx>
+            <c:strRef>
+              <c:f>Sheet2!$F$1</c:f>
+              <c:strCache>
+                <c:ptCount val="1"/>
+                <c:pt idx="0">
+                  <c:v>Optimized SVM</c:v>
+                </c:pt>
+              </c:strCache>
+            </c:strRef>
+          </c:tx>
+          <c:spPr>
+            <a:solidFill>
+              <a:schemeClr val="accent1"/>
+            </a:solidFill>
+          </c:spPr>
+          <c:invertIfNegative val="0"/>
+          <c:cat>
+            <c:numRef>
+              <c:f>Sheet2!$E$2:$E$22</c:f>
+              <c:numCache>
+                <c:formatCode>General</c:formatCode>
+                <c:ptCount val="21"/>
+                <c:pt idx="0">
+                  <c:v>50</c:v>
+                </c:pt>
+                <c:pt idx="1">
+                  <c:v>52.5</c:v>
+                </c:pt>
+                <c:pt idx="2">
+                  <c:v>55</c:v>
+                </c:pt>
+                <c:pt idx="3">
+                  <c:v>57.5</c:v>
+                </c:pt>
+                <c:pt idx="4">
+                  <c:v>60</c:v>
+                </c:pt>
+                <c:pt idx="5">
+                  <c:v>62.5</c:v>
+                </c:pt>
+                <c:pt idx="6">
+                  <c:v>65</c:v>
+                </c:pt>
+                <c:pt idx="7">
+                  <c:v>67.5</c:v>
+                </c:pt>
+                <c:pt idx="8">
+                  <c:v>70</c:v>
+                </c:pt>
+                <c:pt idx="9">
+                  <c:v>72.5</c:v>
+                </c:pt>
+                <c:pt idx="10">
+                  <c:v>75</c:v>
+                </c:pt>
+                <c:pt idx="11">
+                  <c:v>77.5</c:v>
+                </c:pt>
+                <c:pt idx="12">
+                  <c:v>80</c:v>
+                </c:pt>
+                <c:pt idx="13">
+                  <c:v>82.5</c:v>
+                </c:pt>
+                <c:pt idx="14">
+                  <c:v>85</c:v>
+                </c:pt>
+                <c:pt idx="15">
+                  <c:v>87.5</c:v>
+                </c:pt>
+                <c:pt idx="16">
+                  <c:v>90</c:v>
+                </c:pt>
+                <c:pt idx="17">
+                  <c:v>92.5</c:v>
+                </c:pt>
+                <c:pt idx="18">
+                  <c:v>95</c:v>
+                </c:pt>
+                <c:pt idx="19">
+                  <c:v>97.5</c:v>
+                </c:pt>
+                <c:pt idx="20">
+                  <c:v>100</c:v>
+                </c:pt>
+              </c:numCache>
+            </c:numRef>
+          </c:cat>
+          <c:val>
+            <c:numRef>
+              <c:f>Sheet2!$F$2:$F$22</c:f>
+              <c:numCache>
+                <c:formatCode>General</c:formatCode>
+                <c:ptCount val="21"/>
+                <c:pt idx="0">
+                  <c:v>0</c:v>
+                </c:pt>
+                <c:pt idx="1">
+                  <c:v>0</c:v>
+                </c:pt>
+                <c:pt idx="2">
+                  <c:v>0</c:v>
+                </c:pt>
+                <c:pt idx="3">
+                  <c:v>0</c:v>
+                </c:pt>
+                <c:pt idx="4">
+                  <c:v>0</c:v>
+                </c:pt>
+                <c:pt idx="5">
+                  <c:v>0</c:v>
+                </c:pt>
+                <c:pt idx="6">
+                  <c:v>3</c:v>
+                </c:pt>
+                <c:pt idx="7">
+                  <c:v>0</c:v>
+                </c:pt>
+                <c:pt idx="8">
+                  <c:v>0</c:v>
+                </c:pt>
+                <c:pt idx="9">
+                  <c:v>0</c:v>
+                </c:pt>
+                <c:pt idx="10">
+                  <c:v>7</c:v>
+                </c:pt>
+                <c:pt idx="11">
+                  <c:v>12</c:v>
+                </c:pt>
+                <c:pt idx="12">
+                  <c:v>39</c:v>
+                </c:pt>
+                <c:pt idx="13">
+                  <c:v>60</c:v>
+                </c:pt>
+                <c:pt idx="14">
+                  <c:v>33</c:v>
+                </c:pt>
+                <c:pt idx="15">
+                  <c:v>60</c:v>
+                </c:pt>
+                <c:pt idx="16">
+                  <c:v>53</c:v>
+                </c:pt>
+                <c:pt idx="17">
+                  <c:v>67</c:v>
+                </c:pt>
+                <c:pt idx="18">
+                  <c:v>32</c:v>
+                </c:pt>
+                <c:pt idx="19">
+                  <c:v>32</c:v>
+                </c:pt>
+                <c:pt idx="20">
+                  <c:v>32</c:v>
+                </c:pt>
+              </c:numCache>
+            </c:numRef>
+          </c:val>
+        </c:ser>
+        <c:ser>
+          <c:idx val="2"/>
+          <c:order val="1"/>
+          <c:tx>
+            <c:strRef>
+              <c:f>Sheet2!$G$1</c:f>
+              <c:strCache>
+                <c:ptCount val="1"/>
+                <c:pt idx="0">
+                  <c:v>Baseline</c:v>
+                </c:pt>
+              </c:strCache>
+            </c:strRef>
+          </c:tx>
+          <c:spPr>
+            <a:solidFill>
+              <a:schemeClr val="accent2"/>
+            </a:solidFill>
+          </c:spPr>
+          <c:invertIfNegative val="0"/>
+          <c:cat>
+            <c:numRef>
+              <c:f>Sheet2!$E$2:$E$22</c:f>
+              <c:numCache>
+                <c:formatCode>General</c:formatCode>
+                <c:ptCount val="21"/>
+                <c:pt idx="0">
+                  <c:v>50</c:v>
+                </c:pt>
+                <c:pt idx="1">
+                  <c:v>52.5</c:v>
+                </c:pt>
+                <c:pt idx="2">
+                  <c:v>55</c:v>
+                </c:pt>
+                <c:pt idx="3">
+                  <c:v>57.5</c:v>
+                </c:pt>
+                <c:pt idx="4">
+                  <c:v>60</c:v>
+                </c:pt>
+                <c:pt idx="5">
+                  <c:v>62.5</c:v>
+                </c:pt>
+                <c:pt idx="6">
+                  <c:v>65</c:v>
+                </c:pt>
+                <c:pt idx="7">
+                  <c:v>67.5</c:v>
+                </c:pt>
+                <c:pt idx="8">
+                  <c:v>70</c:v>
+                </c:pt>
+                <c:pt idx="9">
+                  <c:v>72.5</c:v>
+                </c:pt>
+                <c:pt idx="10">
+                  <c:v>75</c:v>
+                </c:pt>
+                <c:pt idx="11">
+                  <c:v>77.5</c:v>
+                </c:pt>
+                <c:pt idx="12">
+                  <c:v>80</c:v>
+                </c:pt>
+                <c:pt idx="13">
+                  <c:v>82.5</c:v>
+                </c:pt>
+                <c:pt idx="14">
+                  <c:v>85</c:v>
+                </c:pt>
+                <c:pt idx="15">
+                  <c:v>87.5</c:v>
+                </c:pt>
+                <c:pt idx="16">
+                  <c:v>90</c:v>
+                </c:pt>
+                <c:pt idx="17">
+                  <c:v>92.5</c:v>
+                </c:pt>
+                <c:pt idx="18">
+                  <c:v>95</c:v>
+                </c:pt>
+                <c:pt idx="19">
+                  <c:v>97.5</c:v>
+                </c:pt>
+                <c:pt idx="20">
+                  <c:v>100</c:v>
+                </c:pt>
+              </c:numCache>
+            </c:numRef>
+          </c:cat>
+          <c:val>
+            <c:numRef>
+              <c:f>Sheet2!$G$2:$G$22</c:f>
+              <c:numCache>
+                <c:formatCode>General</c:formatCode>
+                <c:ptCount val="21"/>
+                <c:pt idx="0">
+                  <c:v>0</c:v>
+                </c:pt>
+                <c:pt idx="1">
+                  <c:v>0</c:v>
+                </c:pt>
+                <c:pt idx="2">
+                  <c:v>1</c:v>
+                </c:pt>
+                <c:pt idx="3">
+                  <c:v>2</c:v>
+                </c:pt>
+                <c:pt idx="4">
+                  <c:v>4</c:v>
+                </c:pt>
+                <c:pt idx="5">
+                  <c:v>3</c:v>
+                </c:pt>
+                <c:pt idx="6">
+                  <c:v>5</c:v>
+                </c:pt>
+                <c:pt idx="7">
+                  <c:v>5</c:v>
+                </c:pt>
+                <c:pt idx="8">
+                  <c:v>9</c:v>
+                </c:pt>
+                <c:pt idx="9">
+                  <c:v>21</c:v>
+                </c:pt>
+                <c:pt idx="10">
+                  <c:v>35</c:v>
+                </c:pt>
+                <c:pt idx="11">
+                  <c:v>34</c:v>
+                </c:pt>
+                <c:pt idx="12">
+                  <c:v>18</c:v>
+                </c:pt>
+                <c:pt idx="13">
+                  <c:v>16</c:v>
+                </c:pt>
+                <c:pt idx="14">
+                  <c:v>30</c:v>
+                </c:pt>
+                <c:pt idx="15">
+                  <c:v>41</c:v>
+                </c:pt>
+                <c:pt idx="16">
+                  <c:v>45</c:v>
+                </c:pt>
+                <c:pt idx="17">
+                  <c:v>67</c:v>
+                </c:pt>
+                <c:pt idx="18">
+                  <c:v>41</c:v>
+                </c:pt>
+                <c:pt idx="19">
+                  <c:v>28</c:v>
+                </c:pt>
+                <c:pt idx="20">
+                  <c:v>25</c:v>
+                </c:pt>
+              </c:numCache>
+            </c:numRef>
+          </c:val>
+        </c:ser>
+        <c:dLbls>
+          <c:showLegendKey val="0"/>
+          <c:showVal val="0"/>
+          <c:showCatName val="0"/>
+          <c:showSerName val="0"/>
+          <c:showPercent val="0"/>
+          <c:showBubbleSize val="0"/>
+        </c:dLbls>
+        <c:gapWidth val="150"/>
+        <c:axId val="100590080"/>
+        <c:axId val="35590656"/>
+      </c:barChart>
+      <c:catAx>
+        <c:axId val="100590080"/>
+        <c:scaling>
+          <c:orientation val="minMax"/>
+        </c:scaling>
+        <c:delete val="0"/>
+        <c:axPos val="b"/>
+        <c:title>
+          <c:tx>
+            <c:rich>
+              <a:bodyPr/>
+              <a:lstStyle/>
+              <a:p>
+                <a:pPr>
+                  <a:defRPr sz="1200"/>
+                </a:pPr>
+                <a:r>
+                  <a:rPr lang="en-US" sz="1200"/>
+                  <a:t>Percent Accuracy </a:t>
+                </a:r>
+              </a:p>
+            </c:rich>
+          </c:tx>
+          <c:layout/>
+          <c:overlay val="0"/>
+        </c:title>
+        <c:numFmt formatCode="General" sourceLinked="1"/>
+        <c:majorTickMark val="none"/>
+        <c:minorTickMark val="none"/>
+        <c:tickLblPos val="nextTo"/>
+        <c:crossAx val="35590656"/>
+        <c:crosses val="autoZero"/>
+        <c:auto val="1"/>
+        <c:lblAlgn val="ctr"/>
+        <c:lblOffset val="100"/>
+        <c:noMultiLvlLbl val="0"/>
+      </c:catAx>
+      <c:valAx>
+        <c:axId val="35590656"/>
+        <c:scaling>
+          <c:orientation val="minMax"/>
+        </c:scaling>
+        <c:delete val="0"/>
+        <c:axPos val="l"/>
+        <c:majorGridlines/>
+        <c:title>
+          <c:tx>
+            <c:rich>
+              <a:bodyPr rot="-5400000" vert="horz"/>
+              <a:lstStyle/>
+              <a:p>
+                <a:pPr>
+                  <a:defRPr sz="1400"/>
+                </a:pPr>
+                <a:r>
+                  <a:rPr lang="en-US" sz="1400"/>
+                  <a:t>Frequency</a:t>
+                </a:r>
+              </a:p>
+            </c:rich>
+          </c:tx>
+          <c:layout/>
+          <c:overlay val="0"/>
+        </c:title>
+        <c:numFmt formatCode="General" sourceLinked="1"/>
+        <c:majorTickMark val="none"/>
+        <c:minorTickMark val="none"/>
+        <c:tickLblPos val="nextTo"/>
+        <c:crossAx val="100590080"/>
+        <c:crosses val="autoZero"/>
+        <c:crossBetween val="between"/>
+      </c:valAx>
+    </c:plotArea>
+    <c:legend>
+      <c:legendPos val="r"/>
+      <c:layout/>
+      <c:overlay val="0"/>
+      <c:txPr>
+        <a:bodyPr/>
+        <a:lstStyle/>
+        <a:p>
+          <a:pPr>
+            <a:defRPr sz="1200"/>
+          </a:pPr>
+          <a:endParaRPr lang="en-US"/>
+        </a:p>
+      </c:txPr>
+    </c:legend>
+    <c:plotVisOnly val="1"/>
+    <c:dispBlanksAs val="gap"/>
+    <c:showDLblsOverMax val="0"/>
+  </c:chart>
+  <c:spPr>
+    <a:noFill/>
+    <a:ln w="38100" cap="flat" cmpd="sng" algn="ctr">
+      <a:solidFill>
+        <a:schemeClr val="dk1"/>
+      </a:solidFill>
+      <a:prstDash val="solid"/>
+    </a:ln>
+    <a:effectLst/>
+  </c:spPr>
+  <c:txPr>
+    <a:bodyPr/>
+    <a:lstStyle/>
+    <a:p>
+      <a:pPr>
+        <a:defRPr>
+          <a:solidFill>
+            <a:schemeClr val="dk1"/>
+          </a:solidFill>
+          <a:latin typeface="+mn-lt"/>
+          <a:ea typeface="+mn-ea"/>
+          <a:cs typeface="+mn-cs"/>
+        </a:defRPr>
+      </a:pPr>
+      <a:endParaRPr lang="en-US"/>
+    </a:p>
+  </c:txPr>
+  <c:externalData r:id="rId2">
+    <c:autoUpdate val="0"/>
+  </c:externalData>
+</c:chartSpace>
+</file>
+
+<file path=ppt/charts/chart4.xml><?xml version="1.0" encoding="utf-8"?>
+<c:chartSpace xmlns:c="http://schemas.openxmlformats.org/drawingml/2006/chart" xmlns:a="http://schemas.openxmlformats.org/drawingml/2006/main" xmlns:r="http://schemas.openxmlformats.org/officeDocument/2006/relationships">
+  <c:date1904 val="0"/>
+  <c:lang val="en-US"/>
+  <c:roundedCorners val="0"/>
+  <mc:AlternateContent xmlns:mc="http://schemas.openxmlformats.org/markup-compatibility/2006">
+    <mc:Choice xmlns:c14="http://schemas.microsoft.com/office/drawing/2007/8/2/chart" Requires="c14">
+      <c14:style val="102"/>
+    </mc:Choice>
+    <mc:Fallback>
+      <c:style val="2"/>
+    </mc:Fallback>
+  </mc:AlternateContent>
+  <c:clrMapOvr bg1="lt1" tx1="dk1" bg2="lt2" tx2="dk2" accent1="accent1" accent2="accent2" accent3="accent3" accent4="accent4" accent5="accent5" accent6="accent6" hlink="hlink" folHlink="folHlink"/>
+  <c:chart>
+    <c:title>
+      <c:tx>
+        <c:rich>
+          <a:bodyPr/>
+          <a:lstStyle/>
+          <a:p>
+            <a:pPr>
+              <a:defRPr/>
+            </a:pPr>
+            <a:r>
+              <a:rPr lang="en-US"/>
+              <a:t>Histogram of Representative Vote Count</a:t>
+            </a:r>
+          </a:p>
+        </c:rich>
+      </c:tx>
+      <c:layout/>
+      <c:overlay val="0"/>
+    </c:title>
+    <c:autoTitleDeleted val="0"/>
+    <c:plotArea>
+      <c:layout/>
+      <c:barChart>
+        <c:barDir val="col"/>
+        <c:grouping val="clustered"/>
+        <c:varyColors val="0"/>
+        <c:ser>
+          <c:idx val="1"/>
+          <c:order val="0"/>
+          <c:tx>
+            <c:strRef>
+              <c:f>all_no_summary3!$M$1</c:f>
+              <c:strCache>
+                <c:ptCount val="1"/>
+                <c:pt idx="0">
+                  <c:v>All Representatives</c:v>
+                </c:pt>
+              </c:strCache>
+            </c:strRef>
+          </c:tx>
+          <c:invertIfNegative val="0"/>
+          <c:cat>
+            <c:numRef>
+              <c:f>all_no_summary3!$L$2:$L$15</c:f>
+              <c:numCache>
+                <c:formatCode>General</c:formatCode>
+                <c:ptCount val="14"/>
+                <c:pt idx="0">
+                  <c:v>250</c:v>
+                </c:pt>
+                <c:pt idx="1">
+                  <c:v>500</c:v>
+                </c:pt>
+                <c:pt idx="2">
+                  <c:v>750</c:v>
+                </c:pt>
+                <c:pt idx="3">
+                  <c:v>1000</c:v>
+                </c:pt>
+                <c:pt idx="4">
+                  <c:v>1250</c:v>
+                </c:pt>
+                <c:pt idx="5">
+                  <c:v>1500</c:v>
+                </c:pt>
+                <c:pt idx="6">
+                  <c:v>1750</c:v>
+                </c:pt>
+                <c:pt idx="7">
+                  <c:v>2000</c:v>
+                </c:pt>
+                <c:pt idx="8">
+                  <c:v>2250</c:v>
+                </c:pt>
+                <c:pt idx="9">
+                  <c:v>2500</c:v>
+                </c:pt>
+                <c:pt idx="10">
+                  <c:v>2750</c:v>
+                </c:pt>
+                <c:pt idx="11">
+                  <c:v>3000</c:v>
+                </c:pt>
+                <c:pt idx="12">
+                  <c:v>3250</c:v>
+                </c:pt>
+                <c:pt idx="13">
+                  <c:v>3500</c:v>
+                </c:pt>
+              </c:numCache>
+            </c:numRef>
+          </c:cat>
+          <c:val>
+            <c:numRef>
+              <c:f>all_no_summary3!$M$2:$M$15</c:f>
+              <c:numCache>
+                <c:formatCode>General</c:formatCode>
+                <c:ptCount val="14"/>
+                <c:pt idx="0">
+                  <c:v>8</c:v>
+                </c:pt>
+                <c:pt idx="1">
+                  <c:v>95</c:v>
+                </c:pt>
+                <c:pt idx="2">
+                  <c:v>40</c:v>
+                </c:pt>
+                <c:pt idx="3">
+                  <c:v>32</c:v>
+                </c:pt>
+                <c:pt idx="4">
+                  <c:v>33</c:v>
+                </c:pt>
+                <c:pt idx="5">
+                  <c:v>32</c:v>
+                </c:pt>
+                <c:pt idx="6">
+                  <c:v>29</c:v>
+                </c:pt>
+                <c:pt idx="7">
+                  <c:v>11</c:v>
+                </c:pt>
+                <c:pt idx="8">
+                  <c:v>25</c:v>
+                </c:pt>
+                <c:pt idx="9">
+                  <c:v>18</c:v>
+                </c:pt>
+                <c:pt idx="10">
+                  <c:v>20</c:v>
+                </c:pt>
+                <c:pt idx="11">
+                  <c:v>31</c:v>
+                </c:pt>
+                <c:pt idx="12">
+                  <c:v>35</c:v>
+                </c:pt>
+                <c:pt idx="13">
+                  <c:v>21</c:v>
+                </c:pt>
+              </c:numCache>
+            </c:numRef>
+          </c:val>
+        </c:ser>
+        <c:dLbls>
+          <c:showLegendKey val="0"/>
+          <c:showVal val="0"/>
+          <c:showCatName val="0"/>
+          <c:showSerName val="0"/>
+          <c:showPercent val="0"/>
+          <c:showBubbleSize val="0"/>
+        </c:dLbls>
+        <c:gapWidth val="150"/>
+        <c:axId val="156758016"/>
+        <c:axId val="163070528"/>
+      </c:barChart>
+      <c:catAx>
+        <c:axId val="156758016"/>
+        <c:scaling>
+          <c:orientation val="minMax"/>
+        </c:scaling>
+        <c:delete val="0"/>
+        <c:axPos val="b"/>
+        <c:title>
+          <c:tx>
+            <c:rich>
+              <a:bodyPr/>
+              <a:lstStyle/>
+              <a:p>
+                <a:pPr>
+                  <a:defRPr sz="1400"/>
+                </a:pPr>
+                <a:r>
+                  <a:rPr lang="en-US" sz="1400"/>
+                  <a:t>Number of Votes</a:t>
+                </a:r>
+              </a:p>
+            </c:rich>
+          </c:tx>
+          <c:layout/>
+          <c:overlay val="0"/>
+        </c:title>
+        <c:numFmt formatCode="General" sourceLinked="1"/>
+        <c:majorTickMark val="out"/>
+        <c:minorTickMark val="none"/>
+        <c:tickLblPos val="nextTo"/>
+        <c:crossAx val="163070528"/>
+        <c:crosses val="autoZero"/>
+        <c:auto val="1"/>
+        <c:lblAlgn val="ctr"/>
+        <c:lblOffset val="100"/>
+        <c:noMultiLvlLbl val="0"/>
+      </c:catAx>
+      <c:valAx>
+        <c:axId val="163070528"/>
+        <c:scaling>
+          <c:orientation val="minMax"/>
+        </c:scaling>
+        <c:delete val="0"/>
+        <c:axPos val="l"/>
+        <c:majorGridlines/>
+        <c:title>
+          <c:tx>
+            <c:rich>
+              <a:bodyPr rot="-5400000" vert="horz"/>
+              <a:lstStyle/>
+              <a:p>
+                <a:pPr>
+                  <a:defRPr sz="1400"/>
+                </a:pPr>
+                <a:r>
+                  <a:rPr lang="en-US" sz="1400"/>
+                  <a:t>Frequency</a:t>
+                </a:r>
+              </a:p>
+            </c:rich>
+          </c:tx>
+          <c:layout/>
+          <c:overlay val="0"/>
+        </c:title>
+        <c:numFmt formatCode="General" sourceLinked="1"/>
+        <c:majorTickMark val="out"/>
+        <c:minorTickMark val="none"/>
+        <c:tickLblPos val="nextTo"/>
+        <c:crossAx val="156758016"/>
+        <c:crosses val="autoZero"/>
+        <c:crossBetween val="between"/>
+      </c:valAx>
+    </c:plotArea>
+    <c:legend>
+      <c:legendPos val="r"/>
+      <c:layout/>
+      <c:overlay val="0"/>
+      <c:txPr>
+        <a:bodyPr/>
+        <a:lstStyle/>
+        <a:p>
+          <a:pPr>
+            <a:defRPr sz="1200"/>
+          </a:pPr>
+          <a:endParaRPr lang="en-US"/>
+        </a:p>
+      </c:txPr>
+    </c:legend>
+    <c:plotVisOnly val="1"/>
+    <c:dispBlanksAs val="gap"/>
+    <c:showDLblsOverMax val="0"/>
+  </c:chart>
+  <c:spPr>
+    <a:noFill/>
+    <a:ln w="38100" cap="flat" cmpd="sng" algn="ctr">
+      <a:solidFill>
+        <a:sysClr val="windowText" lastClr="000000"/>
+      </a:solidFill>
+      <a:prstDash val="solid"/>
+    </a:ln>
+    <a:effectLst/>
+  </c:spPr>
+  <c:txPr>
+    <a:bodyPr/>
+    <a:lstStyle/>
+    <a:p>
+      <a:pPr>
+        <a:defRPr>
+          <a:solidFill>
+            <a:schemeClr val="dk1"/>
+          </a:solidFill>
+          <a:latin typeface="+mn-lt"/>
+          <a:ea typeface="+mn-ea"/>
+          <a:cs typeface="+mn-cs"/>
+        </a:defRPr>
+      </a:pPr>
+      <a:endParaRPr lang="en-US"/>
+    </a:p>
+  </c:txPr>
+  <c:externalData r:id="rId2">
+    <c:autoUpdate val="0"/>
+  </c:externalData>
+</c:chartSpace>
 </file>
 
 <file path=ppt/notesMasters/notesMaster1.xml><?xml version="1.0" encoding="utf-8"?>
@@ -16867,7 +23251,7 @@
         </p:nvSpPr>
         <p:spPr>
           <a:xfrm>
-            <a:off x="678141" y="3997645"/>
+            <a:off x="678141" y="4350756"/>
             <a:ext cx="7542610" cy="3376693"/>
           </a:xfrm>
         </p:spPr>
@@ -17008,10 +23392,18 @@
           <a:lstStyle/>
           <a:p>
             <a:r>
-              <a:rPr lang="en-US" dirty="0" smtClean="0"/>
+              <a:rPr lang="en-US" dirty="0" smtClean="0">
+                <a:solidFill>
+                  <a:schemeClr val="tx1"/>
+                </a:solidFill>
+              </a:rPr>
               <a:t>Introduction</a:t>
             </a:r>
-            <a:endParaRPr lang="en-US" dirty="0"/>
+            <a:endParaRPr lang="en-US" dirty="0">
+              <a:solidFill>
+                <a:schemeClr val="tx1"/>
+              </a:solidFill>
+            </a:endParaRPr>
           </a:p>
         </p:txBody>
       </p:sp>
@@ -17025,16 +23417,29 @@
             <p:ph type="body" sz="quarter" idx="20"/>
           </p:nvPr>
         </p:nvSpPr>
-        <p:spPr/>
+        <p:spPr>
+          <a:xfrm>
+            <a:off x="696519" y="14613916"/>
+            <a:ext cx="7537847" cy="531993"/>
+          </a:xfrm>
+        </p:spPr>
         <p:txBody>
           <a:bodyPr/>
           <a:lstStyle/>
           <a:p>
             <a:r>
-              <a:rPr lang="en-US" dirty="0" smtClean="0"/>
+              <a:rPr lang="en-US" dirty="0" smtClean="0">
+                <a:solidFill>
+                  <a:schemeClr val="tx1"/>
+                </a:solidFill>
+              </a:rPr>
               <a:t>Objectives</a:t>
             </a:r>
-            <a:endParaRPr lang="en-US" dirty="0"/>
+            <a:endParaRPr lang="en-US" dirty="0">
+              <a:solidFill>
+                <a:schemeClr val="tx1"/>
+              </a:solidFill>
+            </a:endParaRPr>
           </a:p>
         </p:txBody>
       </p:sp>
@@ -17051,7 +23456,7 @@
         <p:spPr>
           <a:xfrm>
             <a:off x="8690374" y="4114754"/>
-            <a:ext cx="7536656" cy="8251873"/>
+            <a:ext cx="7536656" cy="7919475"/>
           </a:xfrm>
         </p:spPr>
         <p:txBody>
@@ -17337,13 +23742,6 @@
               <a:rPr lang="en-US" dirty="0" smtClean="0"/>
               <a:t>Year the bill was voted on mod 6</a:t>
             </a:r>
-          </a:p>
-          <a:p>
-            <a:pPr marL="285750" indent="-285750">
-              <a:buFont typeface="Arial" pitchFamily="34" charset="0"/>
-              <a:buChar char="•"/>
-            </a:pPr>
-            <a:endParaRPr lang="en-US" dirty="0"/>
           </a:p>
         </p:txBody>
       </p:sp>
@@ -17363,10 +23761,18 @@
           <a:lstStyle/>
           <a:p>
             <a:r>
-              <a:rPr lang="en-US" dirty="0" smtClean="0"/>
+              <a:rPr lang="en-US" dirty="0" smtClean="0">
+                <a:solidFill>
+                  <a:schemeClr val="tx1"/>
+                </a:solidFill>
+              </a:rPr>
               <a:t>Data Collection</a:t>
             </a:r>
-            <a:endParaRPr lang="en-US" dirty="0"/>
+            <a:endParaRPr lang="en-US" dirty="0">
+              <a:solidFill>
+                <a:schemeClr val="tx1"/>
+              </a:solidFill>
+            </a:endParaRPr>
           </a:p>
         </p:txBody>
       </p:sp>
@@ -17395,7 +23801,11 @@
               <a:buChar char="•"/>
             </a:pPr>
             <a:r>
-              <a:rPr lang="en-US" dirty="0" smtClean="0"/>
+              <a:rPr lang="en-US" dirty="0" smtClean="0">
+                <a:solidFill>
+                  <a:schemeClr val="tx1"/>
+                </a:solidFill>
+              </a:rPr>
               <a:t>Average test accuracy over all representatives for baseline: 80.80%</a:t>
             </a:r>
           </a:p>
@@ -17405,7 +23815,11 @@
               <a:buChar char="•"/>
             </a:pPr>
             <a:r>
-              <a:rPr lang="en-US" dirty="0" smtClean="0"/>
+              <a:rPr lang="en-US" dirty="0" smtClean="0">
+                <a:solidFill>
+                  <a:schemeClr val="tx1"/>
+                </a:solidFill>
+              </a:rPr>
               <a:t>Average test accuracy over all representatives for optimized SVM: 84.62%</a:t>
             </a:r>
           </a:p>
@@ -17415,7 +23829,11 @@
               <a:buChar char="•"/>
             </a:pPr>
             <a:r>
-              <a:rPr lang="en-US" dirty="0" smtClean="0"/>
+              <a:rPr lang="en-US" dirty="0" smtClean="0">
+                <a:solidFill>
+                  <a:schemeClr val="tx1"/>
+                </a:solidFill>
+              </a:rPr>
               <a:t>Range of test accuracies for baseline: [54.22%,100%]</a:t>
             </a:r>
           </a:p>
@@ -17425,7 +23843,11 @@
               <a:buChar char="•"/>
             </a:pPr>
             <a:r>
-              <a:rPr lang="en-US" dirty="0" smtClean="0"/>
+              <a:rPr lang="en-US" dirty="0" smtClean="0">
+                <a:solidFill>
+                  <a:schemeClr val="tx1"/>
+                </a:solidFill>
+              </a:rPr>
               <a:t>Range of test accuracies for optimized SVM: [63.64%,100%]</a:t>
             </a:r>
           </a:p>
@@ -17435,7 +23857,11 @@
               <a:buChar char="•"/>
             </a:pPr>
             <a:r>
-              <a:rPr lang="en-US" dirty="0" smtClean="0"/>
+              <a:rPr lang="en-US" dirty="0" smtClean="0">
+                <a:solidFill>
+                  <a:schemeClr val="tx1"/>
+                </a:solidFill>
+              </a:rPr>
               <a:t>Generally Optimized SVM performed better than baseline on a per representative basis.</a:t>
             </a:r>
           </a:p>
@@ -17457,10 +23883,18 @@
           <a:lstStyle/>
           <a:p>
             <a:r>
-              <a:rPr lang="en-US" dirty="0" smtClean="0"/>
+              <a:rPr lang="en-US" dirty="0" smtClean="0">
+                <a:solidFill>
+                  <a:schemeClr val="tx1"/>
+                </a:solidFill>
+              </a:rPr>
               <a:t>Results</a:t>
             </a:r>
-            <a:endParaRPr lang="en-US" dirty="0"/>
+            <a:endParaRPr lang="en-US" dirty="0">
+              <a:solidFill>
+                <a:schemeClr val="tx1"/>
+              </a:solidFill>
+            </a:endParaRPr>
           </a:p>
         </p:txBody>
       </p:sp>
@@ -17480,10 +23914,18 @@
           <a:lstStyle/>
           <a:p>
             <a:r>
-              <a:rPr lang="en-US" dirty="0" smtClean="0"/>
+              <a:rPr lang="en-US" dirty="0" smtClean="0">
+                <a:solidFill>
+                  <a:schemeClr val="tx1"/>
+                </a:solidFill>
+              </a:rPr>
               <a:t>Conclusions</a:t>
             </a:r>
-            <a:endParaRPr lang="en-US" dirty="0"/>
+            <a:endParaRPr lang="en-US" dirty="0">
+              <a:solidFill>
+                <a:schemeClr val="tx1"/>
+              </a:solidFill>
+            </a:endParaRPr>
           </a:p>
         </p:txBody>
       </p:sp>
@@ -17499,7 +23941,7 @@
         </p:nvSpPr>
         <p:spPr>
           <a:xfrm>
-            <a:off x="24694957" y="6820340"/>
+            <a:off x="24686420" y="7517025"/>
             <a:ext cx="7535264" cy="2822695"/>
           </a:xfrm>
         </p:spPr>
@@ -17563,15 +24005,7 @@
                   <a:schemeClr val="tx1"/>
                 </a:solidFill>
               </a:rPr>
-              <a:t> </a:t>
-            </a:r>
-            <a:r>
-              <a:rPr lang="en-US" dirty="0" smtClean="0">
-                <a:solidFill>
-                  <a:schemeClr val="tx1"/>
-                </a:solidFill>
-              </a:rPr>
-              <a:t>tests to determine if optimized SVMs are likely better than baseline hypothesis.</a:t>
+              <a:t> tests to determine if optimized SVMs are likely better than baseline hypothesis.</a:t>
             </a:r>
           </a:p>
           <a:p>
@@ -17650,10 +24084,18 @@
           <a:lstStyle/>
           <a:p>
             <a:r>
-              <a:rPr lang="en-US" dirty="0" smtClean="0"/>
+              <a:rPr lang="en-US" dirty="0" smtClean="0">
+                <a:solidFill>
+                  <a:schemeClr val="tx1"/>
+                </a:solidFill>
+              </a:rPr>
               <a:t>References</a:t>
             </a:r>
-            <a:endParaRPr lang="en-US" dirty="0"/>
+            <a:endParaRPr lang="en-US" dirty="0">
+              <a:solidFill>
+                <a:schemeClr val="tx1"/>
+              </a:solidFill>
+            </a:endParaRPr>
           </a:p>
         </p:txBody>
       </p:sp>
@@ -17669,8 +24111,8 @@
         </p:nvSpPr>
         <p:spPr>
           <a:xfrm>
-            <a:off x="24689992" y="16419151"/>
-            <a:ext cx="7539038" cy="606704"/>
+            <a:off x="24689992" y="16282936"/>
+            <a:ext cx="7539038" cy="883702"/>
           </a:xfrm>
         </p:spPr>
         <p:txBody>
@@ -17679,15 +24121,51 @@
           <a:p>
             <a:r>
               <a:rPr lang="en-US" dirty="0" err="1" smtClean="0"/>
-              <a:t>Errish</a:t>
+              <a:t>Gerrish</a:t>
             </a:r>
             <a:r>
               <a:rPr lang="en-US" dirty="0" smtClean="0"/>
-              <a:t> </a:t>
+              <a:t>, S. M., &amp; </a:t>
             </a:r>
             <a:r>
               <a:rPr lang="en-US" dirty="0" err="1" smtClean="0"/>
               <a:t>Blei</a:t>
+            </a:r>
+            <a:r>
+              <a:rPr lang="en-US" dirty="0" smtClean="0"/>
+              <a:t>, D. M. (2011). </a:t>
+            </a:r>
+            <a:r>
+              <a:rPr lang="en-US" dirty="0"/>
+              <a:t>Predicting</a:t>
+            </a:r>
+            <a:r>
+              <a:rPr lang="en-US" b="1" dirty="0"/>
+              <a:t> </a:t>
+            </a:r>
+            <a:r>
+              <a:rPr lang="en-US" dirty="0"/>
+              <a:t>legislative roll calls from </a:t>
+            </a:r>
+            <a:r>
+              <a:rPr lang="en-US" dirty="0" smtClean="0"/>
+              <a:t>text.</a:t>
+            </a:r>
+            <a:r>
+              <a:rPr lang="en-US" dirty="0"/>
+              <a:t> </a:t>
+            </a:r>
+            <a:r>
+              <a:rPr lang="en-US" i="1" dirty="0" smtClean="0"/>
+              <a:t>International </a:t>
+            </a:r>
+            <a:r>
+              <a:rPr lang="en-US" i="1" dirty="0"/>
+              <a:t>Conference on Machine </a:t>
+            </a:r>
+            <a:r>
+              <a:rPr lang="en-US" i="1" dirty="0" smtClean="0"/>
+              <a:t>Learning</a:t>
             </a:r>
             <a:endParaRPr lang="en-US" dirty="0"/>
           </a:p>
@@ -17709,10 +24187,18 @@
           <a:lstStyle/>
           <a:p>
             <a:r>
-              <a:rPr lang="en-US" dirty="0" smtClean="0"/>
+              <a:rPr lang="en-US" dirty="0" smtClean="0">
+                <a:solidFill>
+                  <a:schemeClr val="tx1"/>
+                </a:solidFill>
+              </a:rPr>
               <a:t>Acknowledgements</a:t>
             </a:r>
-            <a:endParaRPr lang="en-US" dirty="0"/>
+            <a:endParaRPr lang="en-US" dirty="0">
+              <a:solidFill>
+                <a:schemeClr val="tx1"/>
+              </a:solidFill>
+            </a:endParaRPr>
           </a:p>
         </p:txBody>
       </p:sp>
@@ -17737,41 +24223,77 @@
           <a:lstStyle/>
           <a:p>
             <a:r>
-              <a:rPr lang="en-US" dirty="0" smtClean="0"/>
+              <a:rPr lang="en-US" dirty="0" smtClean="0">
+                <a:solidFill>
+                  <a:schemeClr val="tx1"/>
+                </a:solidFill>
+              </a:rPr>
               <a:t>Cornell University</a:t>
             </a:r>
           </a:p>
           <a:p>
             <a:r>
-              <a:rPr lang="en-US" dirty="0" smtClean="0"/>
+              <a:rPr lang="en-US" dirty="0" smtClean="0">
+                <a:solidFill>
+                  <a:schemeClr val="tx1"/>
+                </a:solidFill>
+              </a:rPr>
               <a:t>Thorsten </a:t>
             </a:r>
             <a:r>
-              <a:rPr lang="en-US" dirty="0" err="1" smtClean="0"/>
+              <a:rPr lang="en-US" dirty="0" err="1" smtClean="0">
+                <a:solidFill>
+                  <a:schemeClr val="tx1"/>
+                </a:solidFill>
+              </a:rPr>
               <a:t>Joachims</a:t>
             </a:r>
-            <a:endParaRPr lang="en-US" dirty="0" smtClean="0"/>
-          </a:p>
-          <a:p>
-            <a:r>
-              <a:rPr lang="en-US" dirty="0" smtClean="0"/>
+            <a:endParaRPr lang="en-US" dirty="0" smtClean="0">
+              <a:solidFill>
+                <a:schemeClr val="tx1"/>
+              </a:solidFill>
+            </a:endParaRPr>
+          </a:p>
+          <a:p>
+            <a:r>
+              <a:rPr lang="en-US" dirty="0" smtClean="0">
+                <a:solidFill>
+                  <a:schemeClr val="tx1"/>
+                </a:solidFill>
+              </a:rPr>
               <a:t>Igor </a:t>
             </a:r>
             <a:r>
-              <a:rPr lang="en-US" dirty="0" err="1" smtClean="0"/>
+              <a:rPr lang="en-US" dirty="0" err="1" smtClean="0">
+                <a:solidFill>
+                  <a:schemeClr val="tx1"/>
+                </a:solidFill>
+              </a:rPr>
               <a:t>Labutov</a:t>
             </a:r>
-            <a:endParaRPr lang="en-US" dirty="0" smtClean="0"/>
-          </a:p>
-          <a:p>
-            <a:r>
-              <a:rPr lang="en-US" dirty="0" smtClean="0"/>
+            <a:endParaRPr lang="en-US" dirty="0" smtClean="0">
+              <a:solidFill>
+                <a:schemeClr val="tx1"/>
+              </a:solidFill>
+            </a:endParaRPr>
+          </a:p>
+          <a:p>
+            <a:r>
+              <a:rPr lang="en-US" dirty="0" smtClean="0">
+                <a:solidFill>
+                  <a:schemeClr val="tx1"/>
+                </a:solidFill>
+              </a:rPr>
               <a:t>Govtrack.us</a:t>
             </a:r>
           </a:p>
           <a:p>
             <a:r>
-              <a:rPr lang="en-US" dirty="0" smtClean="0"/>
+              <a:rPr lang="en-US" dirty="0" smtClean="0">
+                <a:solidFill>
+                  <a:schemeClr val="tx1"/>
+                </a:solidFill>
+              </a:rPr>
               <a:t>CS4780 Teaching Assistants and Consultants</a:t>
             </a:r>
           </a:p>
@@ -17811,7 +24333,7 @@
         </p:nvSpPr>
         <p:spPr>
           <a:xfrm>
-            <a:off x="678141" y="9967702"/>
+            <a:off x="696519" y="15536907"/>
             <a:ext cx="7542610" cy="2767295"/>
           </a:xfrm>
         </p:spPr>
@@ -18072,21 +24594,8 @@
                   <a:schemeClr val="tx1"/>
                 </a:solidFill>
               </a:rPr>
-              <a:t>Bill Passage </a:t>
-            </a:r>
-            <a:r>
-              <a:rPr lang="en-US" dirty="0" smtClean="0">
-                <a:solidFill>
-                  <a:schemeClr val="tx1"/>
-                </a:solidFill>
-              </a:rPr>
-              <a:t>Prediction (JOHNS STUFF)</a:t>
-            </a:r>
-            <a:endParaRPr lang="en-US" dirty="0" smtClean="0">
-              <a:solidFill>
-                <a:schemeClr val="tx1"/>
-              </a:solidFill>
-            </a:endParaRPr>
+              <a:t>Bill Passage Prediction (JOHNS STUFF)</a:t>
+            </a:r>
           </a:p>
           <a:p>
             <a:pPr marL="1346926" lvl="1" indent="-285750">
@@ -18170,15 +24679,7 @@
                   <a:schemeClr val="tx1"/>
                 </a:solidFill>
               </a:rPr>
-              <a:t>When party sponsor is not a predominant factor for a representative, our optimized SVM captures other factors and performs well</a:t>
-            </a:r>
-            <a:r>
-              <a:rPr lang="en-US" dirty="0" smtClean="0">
-                <a:solidFill>
-                  <a:schemeClr val="tx1"/>
-                </a:solidFill>
-              </a:rPr>
-              <a:t>.</a:t>
+              <a:t>When party sponsor is not a predominant factor for a representative, our optimized SVM captures other factors and performs well.</a:t>
             </a:r>
           </a:p>
           <a:p>
@@ -18214,19 +24715,28 @@
         </p:nvSpPr>
         <p:spPr>
           <a:xfrm>
-            <a:off x="16687800" y="12550362"/>
-            <a:ext cx="7542610" cy="606704"/>
+            <a:off x="16709809" y="11316635"/>
+            <a:ext cx="7542610" cy="822147"/>
           </a:xfrm>
         </p:spPr>
         <p:txBody>
           <a:bodyPr/>
           <a:lstStyle/>
           <a:p>
-            <a:r>
-              <a:rPr lang="en-US" dirty="0" smtClean="0"/>
-              <a:t>Explanation of above graph</a:t>
-            </a:r>
-            <a:endParaRPr lang="en-US" dirty="0"/>
+            <a:pPr algn="ctr"/>
+            <a:r>
+              <a:rPr lang="en-US" sz="1600" dirty="0" smtClean="0">
+                <a:solidFill>
+                  <a:schemeClr val="tx1"/>
+                </a:solidFill>
+              </a:rPr>
+              <a:t>Accuracy of baseline compared to optimized SVM. Reps are sorted by increasing baseline accuracy.</a:t>
+            </a:r>
+            <a:endParaRPr lang="en-US" sz="1600" dirty="0">
+              <a:solidFill>
+                <a:schemeClr val="tx1"/>
+              </a:solidFill>
+            </a:endParaRPr>
           </a:p>
         </p:txBody>
       </p:sp>
@@ -18242,8 +24752,8 @@
         </p:nvSpPr>
         <p:spPr>
           <a:xfrm>
-            <a:off x="16709809" y="15007650"/>
-            <a:ext cx="7542610" cy="606704"/>
+            <a:off x="16693754" y="13053105"/>
+            <a:ext cx="2478077" cy="1560811"/>
           </a:xfrm>
         </p:spPr>
         <p:txBody>
@@ -18251,10 +24761,18 @@
           <a:lstStyle/>
           <a:p>
             <a:r>
-              <a:rPr lang="en-US" dirty="0" smtClean="0"/>
-              <a:t>Explanation of pie chart</a:t>
-            </a:r>
-            <a:endParaRPr lang="en-US" dirty="0"/>
+              <a:rPr lang="en-US" sz="1600" dirty="0" smtClean="0">
+                <a:solidFill>
+                  <a:schemeClr val="tx1"/>
+                </a:solidFill>
+              </a:rPr>
+              <a:t>Each section represents the number of representatives satisfying the category label on the test set.</a:t>
+            </a:r>
+            <a:endParaRPr lang="en-US" sz="1600" dirty="0">
+              <a:solidFill>
+                <a:schemeClr val="tx1"/>
+              </a:solidFill>
+            </a:endParaRPr>
           </a:p>
         </p:txBody>
       </p:sp>
@@ -18270,19 +24788,28 @@
         </p:nvSpPr>
         <p:spPr>
           <a:xfrm>
-            <a:off x="16749566" y="18967494"/>
-            <a:ext cx="7542610" cy="606704"/>
+            <a:off x="16693754" y="20585629"/>
+            <a:ext cx="7558665" cy="575926"/>
           </a:xfrm>
         </p:spPr>
         <p:txBody>
           <a:bodyPr/>
           <a:lstStyle/>
           <a:p>
-            <a:r>
-              <a:rPr lang="en-US" dirty="0" smtClean="0"/>
-              <a:t>Explanation of histogram</a:t>
-            </a:r>
-            <a:endParaRPr lang="en-US" dirty="0"/>
+            <a:pPr algn="ctr"/>
+            <a:r>
+              <a:rPr lang="en-US" sz="1600" dirty="0" smtClean="0">
+                <a:solidFill>
+                  <a:schemeClr val="tx1"/>
+                </a:solidFill>
+              </a:rPr>
+              <a:t>Histogram showing frequency of representative accuracies in 2.5% bins.</a:t>
+            </a:r>
+            <a:endParaRPr lang="en-US" sz="1600" dirty="0">
+              <a:solidFill>
+                <a:schemeClr val="tx1"/>
+              </a:solidFill>
+            </a:endParaRPr>
           </a:p>
         </p:txBody>
       </p:sp>
@@ -18354,34 +24881,6 @@
       </p:sp>
       <p:sp>
         <p:nvSpPr>
-          <p:cNvPr id="28" name="Text Placeholder 27"/>
-          <p:cNvSpPr>
-            <a:spLocks noGrp="1"/>
-          </p:cNvSpPr>
-          <p:nvPr>
-            <p:ph type="body" sz="quarter" idx="124"/>
-          </p:nvPr>
-        </p:nvSpPr>
-        <p:spPr>
-          <a:xfrm>
-            <a:off x="678141" y="16722503"/>
-            <a:ext cx="7542610" cy="883702"/>
-          </a:xfrm>
-        </p:spPr>
-        <p:txBody>
-          <a:bodyPr/>
-          <a:lstStyle/>
-          <a:p>
-            <a:r>
-              <a:rPr lang="en-US" dirty="0" smtClean="0"/>
-              <a:t>PUT A GRAPHIC IN THIS COLUMN, Histogram of number of bills for each rep</a:t>
-            </a:r>
-            <a:endParaRPr lang="en-US" dirty="0"/>
-          </a:p>
-        </p:txBody>
-      </p:sp>
-      <p:sp>
-        <p:nvSpPr>
           <p:cNvPr id="29" name="Text Placeholder 28"/>
           <p:cNvSpPr>
             <a:spLocks noGrp="1"/>
@@ -18392,8 +24891,8 @@
         </p:nvSpPr>
         <p:spPr>
           <a:xfrm>
-            <a:off x="24694957" y="19890995"/>
-            <a:ext cx="7542610" cy="1534303"/>
+            <a:off x="24694957" y="20106191"/>
+            <a:ext cx="7542610" cy="1319107"/>
           </a:xfrm>
         </p:spPr>
         <p:txBody>
@@ -18402,36 +24901,64 @@
           <a:p>
             <a:pPr algn="ctr"/>
             <a:r>
-              <a:rPr lang="en-US" dirty="0" err="1" smtClean="0"/>
+              <a:rPr lang="en-US" dirty="0" err="1" smtClean="0">
+                <a:solidFill>
+                  <a:schemeClr val="tx1"/>
+                </a:solidFill>
+              </a:rPr>
               <a:t>Jisha</a:t>
             </a:r>
             <a:r>
-              <a:rPr lang="en-US" dirty="0" smtClean="0"/>
+              <a:rPr lang="en-US" dirty="0" smtClean="0">
+                <a:solidFill>
+                  <a:schemeClr val="tx1"/>
+                </a:solidFill>
+              </a:rPr>
               <a:t> </a:t>
             </a:r>
             <a:r>
-              <a:rPr lang="en-US" dirty="0" err="1" smtClean="0"/>
+              <a:rPr lang="en-US" dirty="0" err="1" smtClean="0">
+                <a:solidFill>
+                  <a:schemeClr val="tx1"/>
+                </a:solidFill>
+              </a:rPr>
               <a:t>Kambo</a:t>
             </a:r>
             <a:r>
-              <a:rPr lang="en-US" dirty="0" smtClean="0"/>
+              <a:rPr lang="en-US" dirty="0" smtClean="0">
+                <a:solidFill>
+                  <a:schemeClr val="tx1"/>
+                </a:solidFill>
+              </a:rPr>
               <a:t>:	jk2228@cornell.edu</a:t>
             </a:r>
           </a:p>
           <a:p>
             <a:pPr algn="ctr"/>
             <a:r>
-              <a:rPr lang="en-US" dirty="0" smtClean="0"/>
+              <a:rPr lang="en-US" dirty="0" smtClean="0">
+                <a:solidFill>
+                  <a:schemeClr val="tx1"/>
+                </a:solidFill>
+              </a:rPr>
               <a:t>John Oliver: 	jro67@cornell.edu</a:t>
             </a:r>
           </a:p>
           <a:p>
             <a:pPr algn="ctr"/>
             <a:r>
-              <a:rPr lang="en-US" dirty="0" smtClean="0"/>
+              <a:rPr lang="en-US" dirty="0" smtClean="0">
+                <a:solidFill>
+                  <a:schemeClr val="tx1"/>
+                </a:solidFill>
+              </a:rPr>
               <a:t>Benjamin Shulman: 	bgs53@cornell.edu </a:t>
             </a:r>
-            <a:endParaRPr lang="en-US" dirty="0"/>
+            <a:endParaRPr lang="en-US" dirty="0">
+              <a:solidFill>
+                <a:schemeClr val="tx1"/>
+              </a:solidFill>
+            </a:endParaRPr>
           </a:p>
         </p:txBody>
       </p:sp>
@@ -18581,34 +25108,6 @@
         </p:nvSpPr>
         <p:spPr/>
       </p:sp>
-      <p:pic>
-        <p:nvPicPr>
-          <p:cNvPr id="62" name="Picture Placeholder 61"/>
-          <p:cNvPicPr>
-            <a:picLocks noGrp="1" noChangeAspect="1"/>
-          </p:cNvPicPr>
-          <p:nvPr>
-            <p:ph type="pic" sz="quarter" idx="135"/>
-          </p:nvPr>
-        </p:nvPicPr>
-        <p:blipFill rotWithShape="1">
-          <a:blip r:embed="rId3">
-            <a:extLst>
-              <a:ext uri="{28A0092B-C50C-407E-A947-70E740481C1C}">
-                <a14:useLocalDpi xmlns:a14="http://schemas.microsoft.com/office/drawing/2010/main" val="0"/>
-              </a:ext>
-            </a:extLst>
-          </a:blip>
-          <a:srcRect l="266" r="-215"/>
-          <a:stretch/>
-        </p:blipFill>
-        <p:spPr>
-          <a:xfrm>
-            <a:off x="17390327" y="6753665"/>
-            <a:ext cx="6072098" cy="4409635"/>
-          </a:xfrm>
-        </p:spPr>
-      </p:pic>
       <p:sp>
         <p:nvSpPr>
           <p:cNvPr id="41" name="Text Placeholder 40"/>
@@ -18830,7 +25329,7 @@
         </p:nvSpPr>
         <p:spPr>
           <a:xfrm>
-            <a:off x="24691183" y="6288347"/>
+            <a:off x="24686420" y="6820340"/>
             <a:ext cx="7537847" cy="531993"/>
           </a:xfrm>
         </p:spPr>
@@ -18839,10 +25338,18 @@
           <a:lstStyle/>
           <a:p>
             <a:r>
-              <a:rPr lang="en-US" dirty="0" smtClean="0"/>
+              <a:rPr lang="en-US" dirty="0" smtClean="0">
+                <a:solidFill>
+                  <a:schemeClr val="tx1"/>
+                </a:solidFill>
+              </a:rPr>
               <a:t>Future Work</a:t>
             </a:r>
-            <a:endParaRPr lang="en-US" dirty="0"/>
+            <a:endParaRPr lang="en-US" dirty="0">
+              <a:solidFill>
+                <a:schemeClr val="tx1"/>
+              </a:solidFill>
+            </a:endParaRPr>
           </a:p>
         </p:txBody>
       </p:sp>
@@ -18867,10 +25374,18 @@
           <a:lstStyle/>
           <a:p>
             <a:r>
-              <a:rPr lang="en-US" dirty="0" smtClean="0"/>
+              <a:rPr lang="en-US" dirty="0" smtClean="0">
+                <a:solidFill>
+                  <a:schemeClr val="tx1"/>
+                </a:solidFill>
+              </a:rPr>
               <a:t>Methodology</a:t>
             </a:r>
-            <a:endParaRPr lang="en-US" dirty="0"/>
+            <a:endParaRPr lang="en-US" dirty="0">
+              <a:solidFill>
+                <a:schemeClr val="tx1"/>
+              </a:solidFill>
+            </a:endParaRPr>
           </a:p>
         </p:txBody>
       </p:sp>
@@ -18895,10 +25410,18 @@
           <a:lstStyle/>
           <a:p>
             <a:r>
-              <a:rPr lang="en-US" dirty="0" smtClean="0"/>
+              <a:rPr lang="en-US" dirty="0" smtClean="0">
+                <a:solidFill>
+                  <a:schemeClr val="tx1"/>
+                </a:solidFill>
+              </a:rPr>
               <a:t>Contact</a:t>
             </a:r>
-            <a:endParaRPr lang="en-US" dirty="0"/>
+            <a:endParaRPr lang="en-US" dirty="0">
+              <a:solidFill>
+                <a:schemeClr val="tx1"/>
+              </a:solidFill>
+            </a:endParaRPr>
           </a:p>
         </p:txBody>
       </p:sp>
@@ -19108,6 +25631,151 @@
           </p:cNvSpPr>
           <p:nvPr>
             <p:ph type="body" sz="quarter" idx="107"/>
+          </p:nvPr>
+        </p:nvSpPr>
+        <p:spPr>
+          <a:xfrm>
+            <a:off x="691756" y="20380205"/>
+            <a:ext cx="7542610" cy="760592"/>
+          </a:xfrm>
+        </p:spPr>
+        <p:txBody>
+          <a:bodyPr/>
+          <a:lstStyle/>
+          <a:p>
+            <a:pPr algn="ctr"/>
+            <a:r>
+              <a:rPr lang="en-US" sz="2800" dirty="0" smtClean="0">
+                <a:solidFill>
+                  <a:schemeClr val="tx1"/>
+                </a:solidFill>
+              </a:rPr>
+              <a:t>Group ID: 12</a:t>
+            </a:r>
+            <a:endParaRPr lang="en-US" sz="2800" dirty="0">
+              <a:solidFill>
+                <a:schemeClr val="tx1"/>
+              </a:solidFill>
+            </a:endParaRPr>
+          </a:p>
+        </p:txBody>
+      </p:sp>
+      <p:graphicFrame>
+        <p:nvGraphicFramePr>
+          <p:cNvPr id="61" name="Chart 60"/>
+          <p:cNvGraphicFramePr>
+            <a:graphicFrameLocks noGrp="1"/>
+          </p:cNvGraphicFramePr>
+          <p:nvPr>
+            <p:extLst>
+              <p:ext uri="{D42A27DB-BD31-4B8C-83A1-F6EECF244321}">
+                <p14:modId xmlns:p14="http://schemas.microsoft.com/office/powerpoint/2010/main" val="3730469690"/>
+              </p:ext>
+            </p:extLst>
+          </p:nvPr>
+        </p:nvGraphicFramePr>
+        <p:xfrm>
+          <a:off x="19129260" y="12157772"/>
+          <a:ext cx="4657726" cy="3379135"/>
+        </p:xfrm>
+        <a:graphic>
+          <a:graphicData uri="http://schemas.openxmlformats.org/drawingml/2006/chart">
+            <c:chart xmlns:c="http://schemas.openxmlformats.org/drawingml/2006/chart" xmlns:r="http://schemas.openxmlformats.org/officeDocument/2006/relationships" r:id="rId6"/>
+          </a:graphicData>
+        </a:graphic>
+      </p:graphicFrame>
+      <p:sp>
+        <p:nvSpPr>
+          <p:cNvPr id="30" name="Picture Placeholder 29"/>
+          <p:cNvSpPr>
+            <a:spLocks noGrp="1"/>
+          </p:cNvSpPr>
+          <p:nvPr>
+            <p:ph type="pic" sz="quarter" idx="135"/>
+          </p:nvPr>
+        </p:nvSpPr>
+        <p:spPr/>
+      </p:sp>
+      <p:graphicFrame>
+        <p:nvGraphicFramePr>
+          <p:cNvPr id="63" name="Chart 62"/>
+          <p:cNvGraphicFramePr>
+            <a:graphicFrameLocks noGrp="1"/>
+          </p:cNvGraphicFramePr>
+          <p:nvPr>
+            <p:extLst>
+              <p:ext uri="{D42A27DB-BD31-4B8C-83A1-F6EECF244321}">
+                <p14:modId xmlns:p14="http://schemas.microsoft.com/office/powerpoint/2010/main" val="927610270"/>
+              </p:ext>
+            </p:extLst>
+          </p:nvPr>
+        </p:nvGraphicFramePr>
+        <p:xfrm>
+          <a:off x="17094896" y="6487941"/>
+          <a:ext cx="6692090" cy="4855046"/>
+        </p:xfrm>
+        <a:graphic>
+          <a:graphicData uri="http://schemas.openxmlformats.org/drawingml/2006/chart">
+            <c:chart xmlns:c="http://schemas.openxmlformats.org/drawingml/2006/chart" xmlns:r="http://schemas.openxmlformats.org/officeDocument/2006/relationships" r:id="rId7"/>
+          </a:graphicData>
+        </a:graphic>
+      </p:graphicFrame>
+      <p:graphicFrame>
+        <p:nvGraphicFramePr>
+          <p:cNvPr id="66" name="Chart 65"/>
+          <p:cNvGraphicFramePr>
+            <a:graphicFrameLocks noGrp="1"/>
+          </p:cNvGraphicFramePr>
+          <p:nvPr>
+            <p:extLst>
+              <p:ext uri="{D42A27DB-BD31-4B8C-83A1-F6EECF244321}">
+                <p14:modId xmlns:p14="http://schemas.microsoft.com/office/powerpoint/2010/main" val="2537127256"/>
+              </p:ext>
+            </p:extLst>
+          </p:nvPr>
+        </p:nvGraphicFramePr>
+        <p:xfrm>
+          <a:off x="17094896" y="15832976"/>
+          <a:ext cx="6692090" cy="4752653"/>
+        </p:xfrm>
+        <a:graphic>
+          <a:graphicData uri="http://schemas.openxmlformats.org/drawingml/2006/chart">
+            <c:chart xmlns:c="http://schemas.openxmlformats.org/drawingml/2006/chart" xmlns:r="http://schemas.openxmlformats.org/officeDocument/2006/relationships" r:id="rId8"/>
+          </a:graphicData>
+        </a:graphic>
+      </p:graphicFrame>
+      <p:graphicFrame>
+        <p:nvGraphicFramePr>
+          <p:cNvPr id="62" name="Chart 61"/>
+          <p:cNvGraphicFramePr>
+            <a:graphicFrameLocks noGrp="1"/>
+          </p:cNvGraphicFramePr>
+          <p:nvPr>
+            <p:extLst>
+              <p:ext uri="{D42A27DB-BD31-4B8C-83A1-F6EECF244321}">
+                <p14:modId xmlns:p14="http://schemas.microsoft.com/office/powerpoint/2010/main" val="3990556720"/>
+              </p:ext>
+            </p:extLst>
+          </p:nvPr>
+        </p:nvGraphicFramePr>
+        <p:xfrm>
+          <a:off x="1083647" y="8773785"/>
+          <a:ext cx="6781655" cy="4920024"/>
+        </p:xfrm>
+        <a:graphic>
+          <a:graphicData uri="http://schemas.openxmlformats.org/drawingml/2006/chart">
+            <c:chart xmlns:c="http://schemas.openxmlformats.org/drawingml/2006/chart" xmlns:r="http://schemas.openxmlformats.org/officeDocument/2006/relationships" r:id="rId9"/>
+          </a:graphicData>
+        </a:graphic>
+      </p:graphicFrame>
+      <p:sp>
+        <p:nvSpPr>
+          <p:cNvPr id="31" name="Text Placeholder 30"/>
+          <p:cNvSpPr>
+            <a:spLocks noGrp="1"/>
+          </p:cNvSpPr>
+          <p:nvPr>
+            <p:ph type="body" sz="quarter" idx="124"/>
           </p:nvPr>
         </p:nvSpPr>
         <p:spPr/>
@@ -20292,4 +26960,1128 @@
   <a:objectDefaults/>
   <a:extraClrSchemeLst/>
 </a:theme>
+</file>
+
+<file path=ppt/theme/themeOverride1.xml><?xml version="1.0" encoding="utf-8"?>
+<a:themeOverride xmlns:a="http://schemas.openxmlformats.org/drawingml/2006/main">
+  <a:clrScheme name="Office">
+    <a:dk1>
+      <a:sysClr val="windowText" lastClr="000000"/>
+    </a:dk1>
+    <a:lt1>
+      <a:sysClr val="window" lastClr="FFFFFF"/>
+    </a:lt1>
+    <a:dk2>
+      <a:srgbClr val="1F497D"/>
+    </a:dk2>
+    <a:lt2>
+      <a:srgbClr val="EEECE1"/>
+    </a:lt2>
+    <a:accent1>
+      <a:srgbClr val="4F81BD"/>
+    </a:accent1>
+    <a:accent2>
+      <a:srgbClr val="C0504D"/>
+    </a:accent2>
+    <a:accent3>
+      <a:srgbClr val="9BBB59"/>
+    </a:accent3>
+    <a:accent4>
+      <a:srgbClr val="8064A2"/>
+    </a:accent4>
+    <a:accent5>
+      <a:srgbClr val="4BACC6"/>
+    </a:accent5>
+    <a:accent6>
+      <a:srgbClr val="F79646"/>
+    </a:accent6>
+    <a:hlink>
+      <a:srgbClr val="0000FF"/>
+    </a:hlink>
+    <a:folHlink>
+      <a:srgbClr val="800080"/>
+    </a:folHlink>
+  </a:clrScheme>
+  <a:fontScheme name="Office">
+    <a:majorFont>
+      <a:latin typeface="Cambria"/>
+      <a:ea typeface=""/>
+      <a:cs typeface=""/>
+      <a:font script="Jpan" typeface="ＭＳ Ｐゴシック"/>
+      <a:font script="Hang" typeface="맑은 고딕"/>
+      <a:font script="Hans" typeface="宋体"/>
+      <a:font script="Hant" typeface="新細明體"/>
+      <a:font script="Arab" typeface="Times New Roman"/>
+      <a:font script="Hebr" typeface="Times New Roman"/>
+      <a:font script="Thai" typeface="Tahoma"/>
+      <a:font script="Ethi" typeface="Nyala"/>
+      <a:font script="Beng" typeface="Vrinda"/>
+      <a:font script="Gujr" typeface="Shruti"/>
+      <a:font script="Khmr" typeface="MoolBoran"/>
+      <a:font script="Knda" typeface="Tunga"/>
+      <a:font script="Guru" typeface="Raavi"/>
+      <a:font script="Cans" typeface="Euphemia"/>
+      <a:font script="Cher" typeface="Plantagenet Cherokee"/>
+      <a:font script="Yiii" typeface="Microsoft Yi Baiti"/>
+      <a:font script="Tibt" typeface="Microsoft Himalaya"/>
+      <a:font script="Thaa" typeface="MV Boli"/>
+      <a:font script="Deva" typeface="Mangal"/>
+      <a:font script="Telu" typeface="Gautami"/>
+      <a:font script="Taml" typeface="Latha"/>
+      <a:font script="Syrc" typeface="Estrangelo Edessa"/>
+      <a:font script="Orya" typeface="Kalinga"/>
+      <a:font script="Mlym" typeface="Kartika"/>
+      <a:font script="Laoo" typeface="DokChampa"/>
+      <a:font script="Sinh" typeface="Iskoola Pota"/>
+      <a:font script="Mong" typeface="Mongolian Baiti"/>
+      <a:font script="Viet" typeface="Times New Roman"/>
+      <a:font script="Uigh" typeface="Microsoft Uighur"/>
+      <a:font script="Geor" typeface="Sylfaen"/>
+    </a:majorFont>
+    <a:minorFont>
+      <a:latin typeface="Calibri"/>
+      <a:ea typeface=""/>
+      <a:cs typeface=""/>
+      <a:font script="Jpan" typeface="ＭＳ Ｐゴシック"/>
+      <a:font script="Hang" typeface="맑은 고딕"/>
+      <a:font script="Hans" typeface="宋体"/>
+      <a:font script="Hant" typeface="新細明體"/>
+      <a:font script="Arab" typeface="Arial"/>
+      <a:font script="Hebr" typeface="Arial"/>
+      <a:font script="Thai" typeface="Tahoma"/>
+      <a:font script="Ethi" typeface="Nyala"/>
+      <a:font script="Beng" typeface="Vrinda"/>
+      <a:font script="Gujr" typeface="Shruti"/>
+      <a:font script="Khmr" typeface="DaunPenh"/>
+      <a:font script="Knda" typeface="Tunga"/>
+      <a:font script="Guru" typeface="Raavi"/>
+      <a:font script="Cans" typeface="Euphemia"/>
+      <a:font script="Cher" typeface="Plantagenet Cherokee"/>
+      <a:font script="Yiii" typeface="Microsoft Yi Baiti"/>
+      <a:font script="Tibt" typeface="Microsoft Himalaya"/>
+      <a:font script="Thaa" typeface="MV Boli"/>
+      <a:font script="Deva" typeface="Mangal"/>
+      <a:font script="Telu" typeface="Gautami"/>
+      <a:font script="Taml" typeface="Latha"/>
+      <a:font script="Syrc" typeface="Estrangelo Edessa"/>
+      <a:font script="Orya" typeface="Kalinga"/>
+      <a:font script="Mlym" typeface="Kartika"/>
+      <a:font script="Laoo" typeface="DokChampa"/>
+      <a:font script="Sinh" typeface="Iskoola Pota"/>
+      <a:font script="Mong" typeface="Mongolian Baiti"/>
+      <a:font script="Viet" typeface="Arial"/>
+      <a:font script="Uigh" typeface="Microsoft Uighur"/>
+      <a:font script="Geor" typeface="Sylfaen"/>
+    </a:minorFont>
+  </a:fontScheme>
+  <a:fmtScheme name="Office">
+    <a:fillStyleLst>
+      <a:solidFill>
+        <a:schemeClr val="phClr"/>
+      </a:solidFill>
+      <a:gradFill rotWithShape="1">
+        <a:gsLst>
+          <a:gs pos="0">
+            <a:schemeClr val="phClr">
+              <a:tint val="50000"/>
+              <a:satMod val="300000"/>
+            </a:schemeClr>
+          </a:gs>
+          <a:gs pos="35000">
+            <a:schemeClr val="phClr">
+              <a:tint val="37000"/>
+              <a:satMod val="300000"/>
+            </a:schemeClr>
+          </a:gs>
+          <a:gs pos="100000">
+            <a:schemeClr val="phClr">
+              <a:tint val="15000"/>
+              <a:satMod val="350000"/>
+            </a:schemeClr>
+          </a:gs>
+        </a:gsLst>
+        <a:lin ang="16200000" scaled="1"/>
+      </a:gradFill>
+      <a:gradFill rotWithShape="1">
+        <a:gsLst>
+          <a:gs pos="0">
+            <a:schemeClr val="phClr">
+              <a:shade val="51000"/>
+              <a:satMod val="130000"/>
+            </a:schemeClr>
+          </a:gs>
+          <a:gs pos="80000">
+            <a:schemeClr val="phClr">
+              <a:shade val="93000"/>
+              <a:satMod val="130000"/>
+            </a:schemeClr>
+          </a:gs>
+          <a:gs pos="100000">
+            <a:schemeClr val="phClr">
+              <a:shade val="94000"/>
+              <a:satMod val="135000"/>
+            </a:schemeClr>
+          </a:gs>
+        </a:gsLst>
+        <a:lin ang="16200000" scaled="0"/>
+      </a:gradFill>
+    </a:fillStyleLst>
+    <a:lnStyleLst>
+      <a:ln w="9525" cap="flat" cmpd="sng" algn="ctr">
+        <a:solidFill>
+          <a:schemeClr val="phClr">
+            <a:shade val="95000"/>
+            <a:satMod val="105000"/>
+          </a:schemeClr>
+        </a:solidFill>
+        <a:prstDash val="solid"/>
+      </a:ln>
+      <a:ln w="25400" cap="flat" cmpd="sng" algn="ctr">
+        <a:solidFill>
+          <a:schemeClr val="phClr"/>
+        </a:solidFill>
+        <a:prstDash val="solid"/>
+      </a:ln>
+      <a:ln w="38100" cap="flat" cmpd="sng" algn="ctr">
+        <a:solidFill>
+          <a:schemeClr val="phClr"/>
+        </a:solidFill>
+        <a:prstDash val="solid"/>
+      </a:ln>
+    </a:lnStyleLst>
+    <a:effectStyleLst>
+      <a:effectStyle>
+        <a:effectLst>
+          <a:outerShdw blurRad="40000" dist="20000" dir="5400000" rotWithShape="0">
+            <a:srgbClr val="000000">
+              <a:alpha val="38000"/>
+            </a:srgbClr>
+          </a:outerShdw>
+        </a:effectLst>
+      </a:effectStyle>
+      <a:effectStyle>
+        <a:effectLst>
+          <a:outerShdw blurRad="40000" dist="23000" dir="5400000" rotWithShape="0">
+            <a:srgbClr val="000000">
+              <a:alpha val="35000"/>
+            </a:srgbClr>
+          </a:outerShdw>
+        </a:effectLst>
+      </a:effectStyle>
+      <a:effectStyle>
+        <a:effectLst>
+          <a:outerShdw blurRad="40000" dist="23000" dir="5400000" rotWithShape="0">
+            <a:srgbClr val="000000">
+              <a:alpha val="35000"/>
+            </a:srgbClr>
+          </a:outerShdw>
+        </a:effectLst>
+        <a:scene3d>
+          <a:camera prst="orthographicFront">
+            <a:rot lat="0" lon="0" rev="0"/>
+          </a:camera>
+          <a:lightRig rig="threePt" dir="t">
+            <a:rot lat="0" lon="0" rev="1200000"/>
+          </a:lightRig>
+        </a:scene3d>
+        <a:sp3d>
+          <a:bevelT w="63500" h="25400"/>
+        </a:sp3d>
+      </a:effectStyle>
+    </a:effectStyleLst>
+    <a:bgFillStyleLst>
+      <a:solidFill>
+        <a:schemeClr val="phClr"/>
+      </a:solidFill>
+      <a:gradFill rotWithShape="1">
+        <a:gsLst>
+          <a:gs pos="0">
+            <a:schemeClr val="phClr">
+              <a:tint val="40000"/>
+              <a:satMod val="350000"/>
+            </a:schemeClr>
+          </a:gs>
+          <a:gs pos="40000">
+            <a:schemeClr val="phClr">
+              <a:tint val="45000"/>
+              <a:shade val="99000"/>
+              <a:satMod val="350000"/>
+            </a:schemeClr>
+          </a:gs>
+          <a:gs pos="100000">
+            <a:schemeClr val="phClr">
+              <a:shade val="20000"/>
+              <a:satMod val="255000"/>
+            </a:schemeClr>
+          </a:gs>
+        </a:gsLst>
+        <a:path path="circle">
+          <a:fillToRect l="50000" t="-80000" r="50000" b="180000"/>
+        </a:path>
+      </a:gradFill>
+      <a:gradFill rotWithShape="1">
+        <a:gsLst>
+          <a:gs pos="0">
+            <a:schemeClr val="phClr">
+              <a:tint val="80000"/>
+              <a:satMod val="300000"/>
+            </a:schemeClr>
+          </a:gs>
+          <a:gs pos="100000">
+            <a:schemeClr val="phClr">
+              <a:shade val="30000"/>
+              <a:satMod val="200000"/>
+            </a:schemeClr>
+          </a:gs>
+        </a:gsLst>
+        <a:path path="circle">
+          <a:fillToRect l="50000" t="50000" r="50000" b="50000"/>
+        </a:path>
+      </a:gradFill>
+    </a:bgFillStyleLst>
+  </a:fmtScheme>
+</a:themeOverride>
+</file>
+
+<file path=ppt/theme/themeOverride2.xml><?xml version="1.0" encoding="utf-8"?>
+<a:themeOverride xmlns:a="http://schemas.openxmlformats.org/drawingml/2006/main">
+  <a:clrScheme name="Office">
+    <a:dk1>
+      <a:sysClr val="windowText" lastClr="000000"/>
+    </a:dk1>
+    <a:lt1>
+      <a:sysClr val="window" lastClr="FFFFFF"/>
+    </a:lt1>
+    <a:dk2>
+      <a:srgbClr val="1F497D"/>
+    </a:dk2>
+    <a:lt2>
+      <a:srgbClr val="EEECE1"/>
+    </a:lt2>
+    <a:accent1>
+      <a:srgbClr val="4F81BD"/>
+    </a:accent1>
+    <a:accent2>
+      <a:srgbClr val="C0504D"/>
+    </a:accent2>
+    <a:accent3>
+      <a:srgbClr val="9BBB59"/>
+    </a:accent3>
+    <a:accent4>
+      <a:srgbClr val="8064A2"/>
+    </a:accent4>
+    <a:accent5>
+      <a:srgbClr val="4BACC6"/>
+    </a:accent5>
+    <a:accent6>
+      <a:srgbClr val="F79646"/>
+    </a:accent6>
+    <a:hlink>
+      <a:srgbClr val="0000FF"/>
+    </a:hlink>
+    <a:folHlink>
+      <a:srgbClr val="800080"/>
+    </a:folHlink>
+  </a:clrScheme>
+  <a:fontScheme name="Office">
+    <a:majorFont>
+      <a:latin typeface="Cambria"/>
+      <a:ea typeface=""/>
+      <a:cs typeface=""/>
+      <a:font script="Jpan" typeface="ＭＳ Ｐゴシック"/>
+      <a:font script="Hang" typeface="맑은 고딕"/>
+      <a:font script="Hans" typeface="宋体"/>
+      <a:font script="Hant" typeface="新細明體"/>
+      <a:font script="Arab" typeface="Times New Roman"/>
+      <a:font script="Hebr" typeface="Times New Roman"/>
+      <a:font script="Thai" typeface="Tahoma"/>
+      <a:font script="Ethi" typeface="Nyala"/>
+      <a:font script="Beng" typeface="Vrinda"/>
+      <a:font script="Gujr" typeface="Shruti"/>
+      <a:font script="Khmr" typeface="MoolBoran"/>
+      <a:font script="Knda" typeface="Tunga"/>
+      <a:font script="Guru" typeface="Raavi"/>
+      <a:font script="Cans" typeface="Euphemia"/>
+      <a:font script="Cher" typeface="Plantagenet Cherokee"/>
+      <a:font script="Yiii" typeface="Microsoft Yi Baiti"/>
+      <a:font script="Tibt" typeface="Microsoft Himalaya"/>
+      <a:font script="Thaa" typeface="MV Boli"/>
+      <a:font script="Deva" typeface="Mangal"/>
+      <a:font script="Telu" typeface="Gautami"/>
+      <a:font script="Taml" typeface="Latha"/>
+      <a:font script="Syrc" typeface="Estrangelo Edessa"/>
+      <a:font script="Orya" typeface="Kalinga"/>
+      <a:font script="Mlym" typeface="Kartika"/>
+      <a:font script="Laoo" typeface="DokChampa"/>
+      <a:font script="Sinh" typeface="Iskoola Pota"/>
+      <a:font script="Mong" typeface="Mongolian Baiti"/>
+      <a:font script="Viet" typeface="Times New Roman"/>
+      <a:font script="Uigh" typeface="Microsoft Uighur"/>
+      <a:font script="Geor" typeface="Sylfaen"/>
+    </a:majorFont>
+    <a:minorFont>
+      <a:latin typeface="Calibri"/>
+      <a:ea typeface=""/>
+      <a:cs typeface=""/>
+      <a:font script="Jpan" typeface="ＭＳ Ｐゴシック"/>
+      <a:font script="Hang" typeface="맑은 고딕"/>
+      <a:font script="Hans" typeface="宋体"/>
+      <a:font script="Hant" typeface="新細明體"/>
+      <a:font script="Arab" typeface="Arial"/>
+      <a:font script="Hebr" typeface="Arial"/>
+      <a:font script="Thai" typeface="Tahoma"/>
+      <a:font script="Ethi" typeface="Nyala"/>
+      <a:font script="Beng" typeface="Vrinda"/>
+      <a:font script="Gujr" typeface="Shruti"/>
+      <a:font script="Khmr" typeface="DaunPenh"/>
+      <a:font script="Knda" typeface="Tunga"/>
+      <a:font script="Guru" typeface="Raavi"/>
+      <a:font script="Cans" typeface="Euphemia"/>
+      <a:font script="Cher" typeface="Plantagenet Cherokee"/>
+      <a:font script="Yiii" typeface="Microsoft Yi Baiti"/>
+      <a:font script="Tibt" typeface="Microsoft Himalaya"/>
+      <a:font script="Thaa" typeface="MV Boli"/>
+      <a:font script="Deva" typeface="Mangal"/>
+      <a:font script="Telu" typeface="Gautami"/>
+      <a:font script="Taml" typeface="Latha"/>
+      <a:font script="Syrc" typeface="Estrangelo Edessa"/>
+      <a:font script="Orya" typeface="Kalinga"/>
+      <a:font script="Mlym" typeface="Kartika"/>
+      <a:font script="Laoo" typeface="DokChampa"/>
+      <a:font script="Sinh" typeface="Iskoola Pota"/>
+      <a:font script="Mong" typeface="Mongolian Baiti"/>
+      <a:font script="Viet" typeface="Arial"/>
+      <a:font script="Uigh" typeface="Microsoft Uighur"/>
+      <a:font script="Geor" typeface="Sylfaen"/>
+    </a:minorFont>
+  </a:fontScheme>
+  <a:fmtScheme name="Office">
+    <a:fillStyleLst>
+      <a:solidFill>
+        <a:schemeClr val="phClr"/>
+      </a:solidFill>
+      <a:gradFill rotWithShape="1">
+        <a:gsLst>
+          <a:gs pos="0">
+            <a:schemeClr val="phClr">
+              <a:tint val="50000"/>
+              <a:satMod val="300000"/>
+            </a:schemeClr>
+          </a:gs>
+          <a:gs pos="35000">
+            <a:schemeClr val="phClr">
+              <a:tint val="37000"/>
+              <a:satMod val="300000"/>
+            </a:schemeClr>
+          </a:gs>
+          <a:gs pos="100000">
+            <a:schemeClr val="phClr">
+              <a:tint val="15000"/>
+              <a:satMod val="350000"/>
+            </a:schemeClr>
+          </a:gs>
+        </a:gsLst>
+        <a:lin ang="16200000" scaled="1"/>
+      </a:gradFill>
+      <a:gradFill rotWithShape="1">
+        <a:gsLst>
+          <a:gs pos="0">
+            <a:schemeClr val="phClr">
+              <a:shade val="51000"/>
+              <a:satMod val="130000"/>
+            </a:schemeClr>
+          </a:gs>
+          <a:gs pos="80000">
+            <a:schemeClr val="phClr">
+              <a:shade val="93000"/>
+              <a:satMod val="130000"/>
+            </a:schemeClr>
+          </a:gs>
+          <a:gs pos="100000">
+            <a:schemeClr val="phClr">
+              <a:shade val="94000"/>
+              <a:satMod val="135000"/>
+            </a:schemeClr>
+          </a:gs>
+        </a:gsLst>
+        <a:lin ang="16200000" scaled="0"/>
+      </a:gradFill>
+    </a:fillStyleLst>
+    <a:lnStyleLst>
+      <a:ln w="9525" cap="flat" cmpd="sng" algn="ctr">
+        <a:solidFill>
+          <a:schemeClr val="phClr">
+            <a:shade val="95000"/>
+            <a:satMod val="105000"/>
+          </a:schemeClr>
+        </a:solidFill>
+        <a:prstDash val="solid"/>
+      </a:ln>
+      <a:ln w="25400" cap="flat" cmpd="sng" algn="ctr">
+        <a:solidFill>
+          <a:schemeClr val="phClr"/>
+        </a:solidFill>
+        <a:prstDash val="solid"/>
+      </a:ln>
+      <a:ln w="38100" cap="flat" cmpd="sng" algn="ctr">
+        <a:solidFill>
+          <a:schemeClr val="phClr"/>
+        </a:solidFill>
+        <a:prstDash val="solid"/>
+      </a:ln>
+    </a:lnStyleLst>
+    <a:effectStyleLst>
+      <a:effectStyle>
+        <a:effectLst>
+          <a:outerShdw blurRad="40000" dist="20000" dir="5400000" rotWithShape="0">
+            <a:srgbClr val="000000">
+              <a:alpha val="38000"/>
+            </a:srgbClr>
+          </a:outerShdw>
+        </a:effectLst>
+      </a:effectStyle>
+      <a:effectStyle>
+        <a:effectLst>
+          <a:outerShdw blurRad="40000" dist="23000" dir="5400000" rotWithShape="0">
+            <a:srgbClr val="000000">
+              <a:alpha val="35000"/>
+            </a:srgbClr>
+          </a:outerShdw>
+        </a:effectLst>
+      </a:effectStyle>
+      <a:effectStyle>
+        <a:effectLst>
+          <a:outerShdw blurRad="40000" dist="23000" dir="5400000" rotWithShape="0">
+            <a:srgbClr val="000000">
+              <a:alpha val="35000"/>
+            </a:srgbClr>
+          </a:outerShdw>
+        </a:effectLst>
+        <a:scene3d>
+          <a:camera prst="orthographicFront">
+            <a:rot lat="0" lon="0" rev="0"/>
+          </a:camera>
+          <a:lightRig rig="threePt" dir="t">
+            <a:rot lat="0" lon="0" rev="1200000"/>
+          </a:lightRig>
+        </a:scene3d>
+        <a:sp3d>
+          <a:bevelT w="63500" h="25400"/>
+        </a:sp3d>
+      </a:effectStyle>
+    </a:effectStyleLst>
+    <a:bgFillStyleLst>
+      <a:solidFill>
+        <a:schemeClr val="phClr"/>
+      </a:solidFill>
+      <a:gradFill rotWithShape="1">
+        <a:gsLst>
+          <a:gs pos="0">
+            <a:schemeClr val="phClr">
+              <a:tint val="40000"/>
+              <a:satMod val="350000"/>
+            </a:schemeClr>
+          </a:gs>
+          <a:gs pos="40000">
+            <a:schemeClr val="phClr">
+              <a:tint val="45000"/>
+              <a:shade val="99000"/>
+              <a:satMod val="350000"/>
+            </a:schemeClr>
+          </a:gs>
+          <a:gs pos="100000">
+            <a:schemeClr val="phClr">
+              <a:shade val="20000"/>
+              <a:satMod val="255000"/>
+            </a:schemeClr>
+          </a:gs>
+        </a:gsLst>
+        <a:path path="circle">
+          <a:fillToRect l="50000" t="-80000" r="50000" b="180000"/>
+        </a:path>
+      </a:gradFill>
+      <a:gradFill rotWithShape="1">
+        <a:gsLst>
+          <a:gs pos="0">
+            <a:schemeClr val="phClr">
+              <a:tint val="80000"/>
+              <a:satMod val="300000"/>
+            </a:schemeClr>
+          </a:gs>
+          <a:gs pos="100000">
+            <a:schemeClr val="phClr">
+              <a:shade val="30000"/>
+              <a:satMod val="200000"/>
+            </a:schemeClr>
+          </a:gs>
+        </a:gsLst>
+        <a:path path="circle">
+          <a:fillToRect l="50000" t="50000" r="50000" b="50000"/>
+        </a:path>
+      </a:gradFill>
+    </a:bgFillStyleLst>
+  </a:fmtScheme>
+</a:themeOverride>
+</file>
+
+<file path=ppt/theme/themeOverride3.xml><?xml version="1.0" encoding="utf-8"?>
+<a:themeOverride xmlns:a="http://schemas.openxmlformats.org/drawingml/2006/main">
+  <a:clrScheme name="Office">
+    <a:dk1>
+      <a:sysClr val="windowText" lastClr="000000"/>
+    </a:dk1>
+    <a:lt1>
+      <a:sysClr val="window" lastClr="FFFFFF"/>
+    </a:lt1>
+    <a:dk2>
+      <a:srgbClr val="1F497D"/>
+    </a:dk2>
+    <a:lt2>
+      <a:srgbClr val="EEECE1"/>
+    </a:lt2>
+    <a:accent1>
+      <a:srgbClr val="4F81BD"/>
+    </a:accent1>
+    <a:accent2>
+      <a:srgbClr val="C0504D"/>
+    </a:accent2>
+    <a:accent3>
+      <a:srgbClr val="9BBB59"/>
+    </a:accent3>
+    <a:accent4>
+      <a:srgbClr val="8064A2"/>
+    </a:accent4>
+    <a:accent5>
+      <a:srgbClr val="4BACC6"/>
+    </a:accent5>
+    <a:accent6>
+      <a:srgbClr val="F79646"/>
+    </a:accent6>
+    <a:hlink>
+      <a:srgbClr val="0000FF"/>
+    </a:hlink>
+    <a:folHlink>
+      <a:srgbClr val="800080"/>
+    </a:folHlink>
+  </a:clrScheme>
+  <a:fontScheme name="Office">
+    <a:majorFont>
+      <a:latin typeface="Cambria"/>
+      <a:ea typeface=""/>
+      <a:cs typeface=""/>
+      <a:font script="Jpan" typeface="ＭＳ Ｐゴシック"/>
+      <a:font script="Hang" typeface="맑은 고딕"/>
+      <a:font script="Hans" typeface="宋体"/>
+      <a:font script="Hant" typeface="新細明體"/>
+      <a:font script="Arab" typeface="Times New Roman"/>
+      <a:font script="Hebr" typeface="Times New Roman"/>
+      <a:font script="Thai" typeface="Tahoma"/>
+      <a:font script="Ethi" typeface="Nyala"/>
+      <a:font script="Beng" typeface="Vrinda"/>
+      <a:font script="Gujr" typeface="Shruti"/>
+      <a:font script="Khmr" typeface="MoolBoran"/>
+      <a:font script="Knda" typeface="Tunga"/>
+      <a:font script="Guru" typeface="Raavi"/>
+      <a:font script="Cans" typeface="Euphemia"/>
+      <a:font script="Cher" typeface="Plantagenet Cherokee"/>
+      <a:font script="Yiii" typeface="Microsoft Yi Baiti"/>
+      <a:font script="Tibt" typeface="Microsoft Himalaya"/>
+      <a:font script="Thaa" typeface="MV Boli"/>
+      <a:font script="Deva" typeface="Mangal"/>
+      <a:font script="Telu" typeface="Gautami"/>
+      <a:font script="Taml" typeface="Latha"/>
+      <a:font script="Syrc" typeface="Estrangelo Edessa"/>
+      <a:font script="Orya" typeface="Kalinga"/>
+      <a:font script="Mlym" typeface="Kartika"/>
+      <a:font script="Laoo" typeface="DokChampa"/>
+      <a:font script="Sinh" typeface="Iskoola Pota"/>
+      <a:font script="Mong" typeface="Mongolian Baiti"/>
+      <a:font script="Viet" typeface="Times New Roman"/>
+      <a:font script="Uigh" typeface="Microsoft Uighur"/>
+      <a:font script="Geor" typeface="Sylfaen"/>
+    </a:majorFont>
+    <a:minorFont>
+      <a:latin typeface="Calibri"/>
+      <a:ea typeface=""/>
+      <a:cs typeface=""/>
+      <a:font script="Jpan" typeface="ＭＳ Ｐゴシック"/>
+      <a:font script="Hang" typeface="맑은 고딕"/>
+      <a:font script="Hans" typeface="宋体"/>
+      <a:font script="Hant" typeface="新細明體"/>
+      <a:font script="Arab" typeface="Arial"/>
+      <a:font script="Hebr" typeface="Arial"/>
+      <a:font script="Thai" typeface="Tahoma"/>
+      <a:font script="Ethi" typeface="Nyala"/>
+      <a:font script="Beng" typeface="Vrinda"/>
+      <a:font script="Gujr" typeface="Shruti"/>
+      <a:font script="Khmr" typeface="DaunPenh"/>
+      <a:font script="Knda" typeface="Tunga"/>
+      <a:font script="Guru" typeface="Raavi"/>
+      <a:font script="Cans" typeface="Euphemia"/>
+      <a:font script="Cher" typeface="Plantagenet Cherokee"/>
+      <a:font script="Yiii" typeface="Microsoft Yi Baiti"/>
+      <a:font script="Tibt" typeface="Microsoft Himalaya"/>
+      <a:font script="Thaa" typeface="MV Boli"/>
+      <a:font script="Deva" typeface="Mangal"/>
+      <a:font script="Telu" typeface="Gautami"/>
+      <a:font script="Taml" typeface="Latha"/>
+      <a:font script="Syrc" typeface="Estrangelo Edessa"/>
+      <a:font script="Orya" typeface="Kalinga"/>
+      <a:font script="Mlym" typeface="Kartika"/>
+      <a:font script="Laoo" typeface="DokChampa"/>
+      <a:font script="Sinh" typeface="Iskoola Pota"/>
+      <a:font script="Mong" typeface="Mongolian Baiti"/>
+      <a:font script="Viet" typeface="Arial"/>
+      <a:font script="Uigh" typeface="Microsoft Uighur"/>
+      <a:font script="Geor" typeface="Sylfaen"/>
+    </a:minorFont>
+  </a:fontScheme>
+  <a:fmtScheme name="Office">
+    <a:fillStyleLst>
+      <a:solidFill>
+        <a:schemeClr val="phClr"/>
+      </a:solidFill>
+      <a:gradFill rotWithShape="1">
+        <a:gsLst>
+          <a:gs pos="0">
+            <a:schemeClr val="phClr">
+              <a:tint val="50000"/>
+              <a:satMod val="300000"/>
+            </a:schemeClr>
+          </a:gs>
+          <a:gs pos="35000">
+            <a:schemeClr val="phClr">
+              <a:tint val="37000"/>
+              <a:satMod val="300000"/>
+            </a:schemeClr>
+          </a:gs>
+          <a:gs pos="100000">
+            <a:schemeClr val="phClr">
+              <a:tint val="15000"/>
+              <a:satMod val="350000"/>
+            </a:schemeClr>
+          </a:gs>
+        </a:gsLst>
+        <a:lin ang="16200000" scaled="1"/>
+      </a:gradFill>
+      <a:gradFill rotWithShape="1">
+        <a:gsLst>
+          <a:gs pos="0">
+            <a:schemeClr val="phClr">
+              <a:shade val="51000"/>
+              <a:satMod val="130000"/>
+            </a:schemeClr>
+          </a:gs>
+          <a:gs pos="80000">
+            <a:schemeClr val="phClr">
+              <a:shade val="93000"/>
+              <a:satMod val="130000"/>
+            </a:schemeClr>
+          </a:gs>
+          <a:gs pos="100000">
+            <a:schemeClr val="phClr">
+              <a:shade val="94000"/>
+              <a:satMod val="135000"/>
+            </a:schemeClr>
+          </a:gs>
+        </a:gsLst>
+        <a:lin ang="16200000" scaled="0"/>
+      </a:gradFill>
+    </a:fillStyleLst>
+    <a:lnStyleLst>
+      <a:ln w="9525" cap="flat" cmpd="sng" algn="ctr">
+        <a:solidFill>
+          <a:schemeClr val="phClr">
+            <a:shade val="95000"/>
+            <a:satMod val="105000"/>
+          </a:schemeClr>
+        </a:solidFill>
+        <a:prstDash val="solid"/>
+      </a:ln>
+      <a:ln w="25400" cap="flat" cmpd="sng" algn="ctr">
+        <a:solidFill>
+          <a:schemeClr val="phClr"/>
+        </a:solidFill>
+        <a:prstDash val="solid"/>
+      </a:ln>
+      <a:ln w="38100" cap="flat" cmpd="sng" algn="ctr">
+        <a:solidFill>
+          <a:schemeClr val="phClr"/>
+        </a:solidFill>
+        <a:prstDash val="solid"/>
+      </a:ln>
+    </a:lnStyleLst>
+    <a:effectStyleLst>
+      <a:effectStyle>
+        <a:effectLst>
+          <a:outerShdw blurRad="40000" dist="20000" dir="5400000" rotWithShape="0">
+            <a:srgbClr val="000000">
+              <a:alpha val="38000"/>
+            </a:srgbClr>
+          </a:outerShdw>
+        </a:effectLst>
+      </a:effectStyle>
+      <a:effectStyle>
+        <a:effectLst>
+          <a:outerShdw blurRad="40000" dist="23000" dir="5400000" rotWithShape="0">
+            <a:srgbClr val="000000">
+              <a:alpha val="35000"/>
+            </a:srgbClr>
+          </a:outerShdw>
+        </a:effectLst>
+      </a:effectStyle>
+      <a:effectStyle>
+        <a:effectLst>
+          <a:outerShdw blurRad="40000" dist="23000" dir="5400000" rotWithShape="0">
+            <a:srgbClr val="000000">
+              <a:alpha val="35000"/>
+            </a:srgbClr>
+          </a:outerShdw>
+        </a:effectLst>
+        <a:scene3d>
+          <a:camera prst="orthographicFront">
+            <a:rot lat="0" lon="0" rev="0"/>
+          </a:camera>
+          <a:lightRig rig="threePt" dir="t">
+            <a:rot lat="0" lon="0" rev="1200000"/>
+          </a:lightRig>
+        </a:scene3d>
+        <a:sp3d>
+          <a:bevelT w="63500" h="25400"/>
+        </a:sp3d>
+      </a:effectStyle>
+    </a:effectStyleLst>
+    <a:bgFillStyleLst>
+      <a:solidFill>
+        <a:schemeClr val="phClr"/>
+      </a:solidFill>
+      <a:gradFill rotWithShape="1">
+        <a:gsLst>
+          <a:gs pos="0">
+            <a:schemeClr val="phClr">
+              <a:tint val="40000"/>
+              <a:satMod val="350000"/>
+            </a:schemeClr>
+          </a:gs>
+          <a:gs pos="40000">
+            <a:schemeClr val="phClr">
+              <a:tint val="45000"/>
+              <a:shade val="99000"/>
+              <a:satMod val="350000"/>
+            </a:schemeClr>
+          </a:gs>
+          <a:gs pos="100000">
+            <a:schemeClr val="phClr">
+              <a:shade val="20000"/>
+              <a:satMod val="255000"/>
+            </a:schemeClr>
+          </a:gs>
+        </a:gsLst>
+        <a:path path="circle">
+          <a:fillToRect l="50000" t="-80000" r="50000" b="180000"/>
+        </a:path>
+      </a:gradFill>
+      <a:gradFill rotWithShape="1">
+        <a:gsLst>
+          <a:gs pos="0">
+            <a:schemeClr val="phClr">
+              <a:tint val="80000"/>
+              <a:satMod val="300000"/>
+            </a:schemeClr>
+          </a:gs>
+          <a:gs pos="100000">
+            <a:schemeClr val="phClr">
+              <a:shade val="30000"/>
+              <a:satMod val="200000"/>
+            </a:schemeClr>
+          </a:gs>
+        </a:gsLst>
+        <a:path path="circle">
+          <a:fillToRect l="50000" t="50000" r="50000" b="50000"/>
+        </a:path>
+      </a:gradFill>
+    </a:bgFillStyleLst>
+  </a:fmtScheme>
+</a:themeOverride>
+</file>
+
+<file path=ppt/theme/themeOverride4.xml><?xml version="1.0" encoding="utf-8"?>
+<a:themeOverride xmlns:a="http://schemas.openxmlformats.org/drawingml/2006/main">
+  <a:clrScheme name="Office">
+    <a:dk1>
+      <a:sysClr val="windowText" lastClr="000000"/>
+    </a:dk1>
+    <a:lt1>
+      <a:sysClr val="window" lastClr="FFFFFF"/>
+    </a:lt1>
+    <a:dk2>
+      <a:srgbClr val="1F497D"/>
+    </a:dk2>
+    <a:lt2>
+      <a:srgbClr val="EEECE1"/>
+    </a:lt2>
+    <a:accent1>
+      <a:srgbClr val="4F81BD"/>
+    </a:accent1>
+    <a:accent2>
+      <a:srgbClr val="C0504D"/>
+    </a:accent2>
+    <a:accent3>
+      <a:srgbClr val="9BBB59"/>
+    </a:accent3>
+    <a:accent4>
+      <a:srgbClr val="8064A2"/>
+    </a:accent4>
+    <a:accent5>
+      <a:srgbClr val="4BACC6"/>
+    </a:accent5>
+    <a:accent6>
+      <a:srgbClr val="F79646"/>
+    </a:accent6>
+    <a:hlink>
+      <a:srgbClr val="0000FF"/>
+    </a:hlink>
+    <a:folHlink>
+      <a:srgbClr val="800080"/>
+    </a:folHlink>
+  </a:clrScheme>
+  <a:fontScheme name="Office">
+    <a:majorFont>
+      <a:latin typeface="Cambria"/>
+      <a:ea typeface=""/>
+      <a:cs typeface=""/>
+      <a:font script="Jpan" typeface="ＭＳ Ｐゴシック"/>
+      <a:font script="Hang" typeface="맑은 고딕"/>
+      <a:font script="Hans" typeface="宋体"/>
+      <a:font script="Hant" typeface="新細明體"/>
+      <a:font script="Arab" typeface="Times New Roman"/>
+      <a:font script="Hebr" typeface="Times New Roman"/>
+      <a:font script="Thai" typeface="Tahoma"/>
+      <a:font script="Ethi" typeface="Nyala"/>
+      <a:font script="Beng" typeface="Vrinda"/>
+      <a:font script="Gujr" typeface="Shruti"/>
+      <a:font script="Khmr" typeface="MoolBoran"/>
+      <a:font script="Knda" typeface="Tunga"/>
+      <a:font script="Guru" typeface="Raavi"/>
+      <a:font script="Cans" typeface="Euphemia"/>
+      <a:font script="Cher" typeface="Plantagenet Cherokee"/>
+      <a:font script="Yiii" typeface="Microsoft Yi Baiti"/>
+      <a:font script="Tibt" typeface="Microsoft Himalaya"/>
+      <a:font script="Thaa" typeface="MV Boli"/>
+      <a:font script="Deva" typeface="Mangal"/>
+      <a:font script="Telu" typeface="Gautami"/>
+      <a:font script="Taml" typeface="Latha"/>
+      <a:font script="Syrc" typeface="Estrangelo Edessa"/>
+      <a:font script="Orya" typeface="Kalinga"/>
+      <a:font script="Mlym" typeface="Kartika"/>
+      <a:font script="Laoo" typeface="DokChampa"/>
+      <a:font script="Sinh" typeface="Iskoola Pota"/>
+      <a:font script="Mong" typeface="Mongolian Baiti"/>
+      <a:font script="Viet" typeface="Times New Roman"/>
+      <a:font script="Uigh" typeface="Microsoft Uighur"/>
+      <a:font script="Geor" typeface="Sylfaen"/>
+    </a:majorFont>
+    <a:minorFont>
+      <a:latin typeface="Calibri"/>
+      <a:ea typeface=""/>
+      <a:cs typeface=""/>
+      <a:font script="Jpan" typeface="ＭＳ Ｐゴシック"/>
+      <a:font script="Hang" typeface="맑은 고딕"/>
+      <a:font script="Hans" typeface="宋体"/>
+      <a:font script="Hant" typeface="新細明體"/>
+      <a:font script="Arab" typeface="Arial"/>
+      <a:font script="Hebr" typeface="Arial"/>
+      <a:font script="Thai" typeface="Tahoma"/>
+      <a:font script="Ethi" typeface="Nyala"/>
+      <a:font script="Beng" typeface="Vrinda"/>
+      <a:font script="Gujr" typeface="Shruti"/>
+      <a:font script="Khmr" typeface="DaunPenh"/>
+      <a:font script="Knda" typeface="Tunga"/>
+      <a:font script="Guru" typeface="Raavi"/>
+      <a:font script="Cans" typeface="Euphemia"/>
+      <a:font script="Cher" typeface="Plantagenet Cherokee"/>
+      <a:font script="Yiii" typeface="Microsoft Yi Baiti"/>
+      <a:font script="Tibt" typeface="Microsoft Himalaya"/>
+      <a:font script="Thaa" typeface="MV Boli"/>
+      <a:font script="Deva" typeface="Mangal"/>
+      <a:font script="Telu" typeface="Gautami"/>
+      <a:font script="Taml" typeface="Latha"/>
+      <a:font script="Syrc" typeface="Estrangelo Edessa"/>
+      <a:font script="Orya" typeface="Kalinga"/>
+      <a:font script="Mlym" typeface="Kartika"/>
+      <a:font script="Laoo" typeface="DokChampa"/>
+      <a:font script="Sinh" typeface="Iskoola Pota"/>
+      <a:font script="Mong" typeface="Mongolian Baiti"/>
+      <a:font script="Viet" typeface="Arial"/>
+      <a:font script="Uigh" typeface="Microsoft Uighur"/>
+      <a:font script="Geor" typeface="Sylfaen"/>
+    </a:minorFont>
+  </a:fontScheme>
+  <a:fmtScheme name="Office">
+    <a:fillStyleLst>
+      <a:solidFill>
+        <a:schemeClr val="phClr"/>
+      </a:solidFill>
+      <a:gradFill rotWithShape="1">
+        <a:gsLst>
+          <a:gs pos="0">
+            <a:schemeClr val="phClr">
+              <a:tint val="50000"/>
+              <a:satMod val="300000"/>
+            </a:schemeClr>
+          </a:gs>
+          <a:gs pos="35000">
+            <a:schemeClr val="phClr">
+              <a:tint val="37000"/>
+              <a:satMod val="300000"/>
+            </a:schemeClr>
+          </a:gs>
+          <a:gs pos="100000">
+            <a:schemeClr val="phClr">
+              <a:tint val="15000"/>
+              <a:satMod val="350000"/>
+            </a:schemeClr>
+          </a:gs>
+        </a:gsLst>
+        <a:lin ang="16200000" scaled="1"/>
+      </a:gradFill>
+      <a:gradFill rotWithShape="1">
+        <a:gsLst>
+          <a:gs pos="0">
+            <a:schemeClr val="phClr">
+              <a:shade val="51000"/>
+              <a:satMod val="130000"/>
+            </a:schemeClr>
+          </a:gs>
+          <a:gs pos="80000">
+            <a:schemeClr val="phClr">
+              <a:shade val="93000"/>
+              <a:satMod val="130000"/>
+            </a:schemeClr>
+          </a:gs>
+          <a:gs pos="100000">
+            <a:schemeClr val="phClr">
+              <a:shade val="94000"/>
+              <a:satMod val="135000"/>
+            </a:schemeClr>
+          </a:gs>
+        </a:gsLst>
+        <a:lin ang="16200000" scaled="0"/>
+      </a:gradFill>
+    </a:fillStyleLst>
+    <a:lnStyleLst>
+      <a:ln w="9525" cap="flat" cmpd="sng" algn="ctr">
+        <a:solidFill>
+          <a:schemeClr val="phClr">
+            <a:shade val="95000"/>
+            <a:satMod val="105000"/>
+          </a:schemeClr>
+        </a:solidFill>
+        <a:prstDash val="solid"/>
+      </a:ln>
+      <a:ln w="25400" cap="flat" cmpd="sng" algn="ctr">
+        <a:solidFill>
+          <a:schemeClr val="phClr"/>
+        </a:solidFill>
+        <a:prstDash val="solid"/>
+      </a:ln>
+      <a:ln w="38100" cap="flat" cmpd="sng" algn="ctr">
+        <a:solidFill>
+          <a:schemeClr val="phClr"/>
+        </a:solidFill>
+        <a:prstDash val="solid"/>
+      </a:ln>
+    </a:lnStyleLst>
+    <a:effectStyleLst>
+      <a:effectStyle>
+        <a:effectLst>
+          <a:outerShdw blurRad="40000" dist="20000" dir="5400000" rotWithShape="0">
+            <a:srgbClr val="000000">
+              <a:alpha val="38000"/>
+            </a:srgbClr>
+          </a:outerShdw>
+        </a:effectLst>
+      </a:effectStyle>
+      <a:effectStyle>
+        <a:effectLst>
+          <a:outerShdw blurRad="40000" dist="23000" dir="5400000" rotWithShape="0">
+            <a:srgbClr val="000000">
+              <a:alpha val="35000"/>
+            </a:srgbClr>
+          </a:outerShdw>
+        </a:effectLst>
+      </a:effectStyle>
+      <a:effectStyle>
+        <a:effectLst>
+          <a:outerShdw blurRad="40000" dist="23000" dir="5400000" rotWithShape="0">
+            <a:srgbClr val="000000">
+              <a:alpha val="35000"/>
+            </a:srgbClr>
+          </a:outerShdw>
+        </a:effectLst>
+        <a:scene3d>
+          <a:camera prst="orthographicFront">
+            <a:rot lat="0" lon="0" rev="0"/>
+          </a:camera>
+          <a:lightRig rig="threePt" dir="t">
+            <a:rot lat="0" lon="0" rev="1200000"/>
+          </a:lightRig>
+        </a:scene3d>
+        <a:sp3d>
+          <a:bevelT w="63500" h="25400"/>
+        </a:sp3d>
+      </a:effectStyle>
+    </a:effectStyleLst>
+    <a:bgFillStyleLst>
+      <a:solidFill>
+        <a:schemeClr val="phClr"/>
+      </a:solidFill>
+      <a:gradFill rotWithShape="1">
+        <a:gsLst>
+          <a:gs pos="0">
+            <a:schemeClr val="phClr">
+              <a:tint val="40000"/>
+              <a:satMod val="350000"/>
+            </a:schemeClr>
+          </a:gs>
+          <a:gs pos="40000">
+            <a:schemeClr val="phClr">
+              <a:tint val="45000"/>
+              <a:shade val="99000"/>
+              <a:satMod val="350000"/>
+            </a:schemeClr>
+          </a:gs>
+          <a:gs pos="100000">
+            <a:schemeClr val="phClr">
+              <a:shade val="20000"/>
+              <a:satMod val="255000"/>
+            </a:schemeClr>
+          </a:gs>
+        </a:gsLst>
+        <a:path path="circle">
+          <a:fillToRect l="50000" t="-80000" r="50000" b="180000"/>
+        </a:path>
+      </a:gradFill>
+      <a:gradFill rotWithShape="1">
+        <a:gsLst>
+          <a:gs pos="0">
+            <a:schemeClr val="phClr">
+              <a:tint val="80000"/>
+              <a:satMod val="300000"/>
+            </a:schemeClr>
+          </a:gs>
+          <a:gs pos="100000">
+            <a:schemeClr val="phClr">
+              <a:shade val="30000"/>
+              <a:satMod val="200000"/>
+            </a:schemeClr>
+          </a:gs>
+        </a:gsLst>
+        <a:path path="circle">
+          <a:fillToRect l="50000" t="50000" r="50000" b="50000"/>
+        </a:path>
+      </a:gradFill>
+    </a:bgFillStyleLst>
+  </a:fmtScheme>
+</a:themeOverride>
 </file>
--- a/Poster/Poster.pptx
+++ b/Poster/Poster.pptx
@@ -136,130 +136,6 @@
   </mc:AlternateContent>
   <c:clrMapOvr bg1="lt1" tx1="dk1" bg2="lt2" tx2="dk2" accent1="accent1" accent2="accent2" accent3="accent3" accent4="accent4" accent5="accent5" accent6="accent6" hlink="hlink" folHlink="folHlink"/>
   <c:chart>
-    <c:autoTitleDeleted val="0"/>
-    <c:plotArea>
-      <c:layout/>
-      <c:pieChart>
-        <c:varyColors val="1"/>
-        <c:ser>
-          <c:idx val="0"/>
-          <c:order val="0"/>
-          <c:dLbls>
-            <c:dLblPos val="ctr"/>
-            <c:showLegendKey val="0"/>
-            <c:showVal val="1"/>
-            <c:showCatName val="0"/>
-            <c:showSerName val="0"/>
-            <c:showPercent val="0"/>
-            <c:showBubbleSize val="0"/>
-            <c:showLeaderLines val="1"/>
-          </c:dLbls>
-          <c:cat>
-            <c:strRef>
-              <c:f>Sheet1!$I$3:$I$5</c:f>
-              <c:strCache>
-                <c:ptCount val="3"/>
-                <c:pt idx="0">
-                  <c:v>SVM better than Baseline</c:v>
-                </c:pt>
-                <c:pt idx="1">
-                  <c:v>SVM equal to Baseline</c:v>
-                </c:pt>
-                <c:pt idx="2">
-                  <c:v>SVM worse than baseline</c:v>
-                </c:pt>
-              </c:strCache>
-            </c:strRef>
-          </c:cat>
-          <c:val>
-            <c:numRef>
-              <c:f>Sheet1!$J$3:$J$5</c:f>
-              <c:numCache>
-                <c:formatCode>General</c:formatCode>
-                <c:ptCount val="3"/>
-                <c:pt idx="0">
-                  <c:v>270</c:v>
-                </c:pt>
-                <c:pt idx="1">
-                  <c:v>85</c:v>
-                </c:pt>
-                <c:pt idx="2">
-                  <c:v>75</c:v>
-                </c:pt>
-              </c:numCache>
-            </c:numRef>
-          </c:val>
-        </c:ser>
-        <c:dLbls>
-          <c:dLblPos val="ctr"/>
-          <c:showLegendKey val="0"/>
-          <c:showVal val="1"/>
-          <c:showCatName val="0"/>
-          <c:showSerName val="0"/>
-          <c:showPercent val="0"/>
-          <c:showBubbleSize val="0"/>
-          <c:showLeaderLines val="1"/>
-        </c:dLbls>
-        <c:firstSliceAng val="0"/>
-      </c:pieChart>
-    </c:plotArea>
-    <c:legend>
-      <c:legendPos val="r"/>
-      <c:layout/>
-      <c:overlay val="0"/>
-    </c:legend>
-    <c:plotVisOnly val="1"/>
-    <c:dispBlanksAs val="gap"/>
-    <c:showDLblsOverMax val="0"/>
-  </c:chart>
-  <c:spPr>
-    <a:noFill/>
-    <a:ln w="38100" cap="flat" cmpd="sng" algn="ctr">
-      <a:solidFill>
-        <a:sysClr val="windowText" lastClr="000000"/>
-      </a:solidFill>
-      <a:prstDash val="solid"/>
-    </a:ln>
-    <a:effectLst/>
-  </c:spPr>
-  <c:txPr>
-    <a:bodyPr/>
-    <a:lstStyle/>
-    <a:p>
-      <a:pPr>
-        <a:defRPr>
-          <a:solidFill>
-            <a:schemeClr val="dk1"/>
-          </a:solidFill>
-          <a:latin typeface="+mn-lt"/>
-          <a:ea typeface="+mn-ea"/>
-          <a:cs typeface="+mn-cs"/>
-        </a:defRPr>
-      </a:pPr>
-      <a:endParaRPr lang="en-US"/>
-    </a:p>
-  </c:txPr>
-  <c:externalData r:id="rId2">
-    <c:autoUpdate val="0"/>
-  </c:externalData>
-</c:chartSpace>
-</file>
-
-<file path=ppt/charts/chart2.xml><?xml version="1.0" encoding="utf-8"?>
-<c:chartSpace xmlns:c="http://schemas.openxmlformats.org/drawingml/2006/chart" xmlns:a="http://schemas.openxmlformats.org/drawingml/2006/main" xmlns:r="http://schemas.openxmlformats.org/officeDocument/2006/relationships">
-  <c:date1904 val="0"/>
-  <c:lang val="en-US"/>
-  <c:roundedCorners val="0"/>
-  <mc:AlternateContent xmlns:mc="http://schemas.openxmlformats.org/markup-compatibility/2006">
-    <mc:Choice xmlns:c14="http://schemas.microsoft.com/office/drawing/2007/8/2/chart" Requires="c14">
-      <c14:style val="102"/>
-    </mc:Choice>
-    <mc:Fallback>
-      <c:style val="2"/>
-    </mc:Fallback>
-  </mc:AlternateContent>
-  <c:clrMapOvr bg1="lt1" tx1="dk1" bg2="lt2" tx2="dk2" accent1="accent1" accent2="accent2" accent3="accent3" accent4="accent4" accent5="accent5" accent6="accent6" hlink="hlink" folHlink="folHlink"/>
-  <c:chart>
     <c:title>
       <c:tx>
         <c:rich>
@@ -5559,11 +5435,11 @@
           <c:showPercent val="0"/>
           <c:showBubbleSize val="0"/>
         </c:dLbls>
-        <c:axId val="41758080"/>
-        <c:axId val="74521920"/>
+        <c:axId val="44627008"/>
+        <c:axId val="44627584"/>
       </c:scatterChart>
       <c:valAx>
-        <c:axId val="41758080"/>
+        <c:axId val="44627008"/>
         <c:scaling>
           <c:orientation val="minMax"/>
           <c:max val="450"/>
@@ -5593,12 +5469,12 @@
         <c:majorTickMark val="none"/>
         <c:minorTickMark val="none"/>
         <c:tickLblPos val="nextTo"/>
-        <c:crossAx val="74521920"/>
+        <c:crossAx val="44627584"/>
         <c:crosses val="autoZero"/>
         <c:crossBetween val="midCat"/>
       </c:valAx>
       <c:valAx>
-        <c:axId val="74521920"/>
+        <c:axId val="44627584"/>
         <c:scaling>
           <c:orientation val="minMax"/>
           <c:max val="100"/>
@@ -5630,7 +5506,7 @@
         <c:majorTickMark val="none"/>
         <c:minorTickMark val="none"/>
         <c:tickLblPos val="nextTo"/>
-        <c:crossAx val="41758080"/>
+        <c:crossAx val="44627008"/>
         <c:crosses val="autoZero"/>
         <c:crossBetween val="midCat"/>
       </c:valAx>
@@ -5696,7 +5572,7 @@
 </c:chartSpace>
 </file>
 
-<file path=ppt/charts/chart3.xml><?xml version="1.0" encoding="utf-8"?>
+<file path=ppt/charts/chart2.xml><?xml version="1.0" encoding="utf-8"?>
 <c:chartSpace xmlns:c="http://schemas.openxmlformats.org/drawingml/2006/chart" xmlns:a="http://schemas.openxmlformats.org/drawingml/2006/main" xmlns:r="http://schemas.openxmlformats.org/officeDocument/2006/relationships">
   <c:date1904 val="0"/>
   <c:lang val="en-US"/>
@@ -6081,11 +5957,11 @@
           <c:showBubbleSize val="0"/>
         </c:dLbls>
         <c:gapWidth val="150"/>
-        <c:axId val="100590080"/>
-        <c:axId val="35590656"/>
+        <c:axId val="71252480"/>
+        <c:axId val="44629312"/>
       </c:barChart>
       <c:catAx>
-        <c:axId val="100590080"/>
+        <c:axId val="71252480"/>
         <c:scaling>
           <c:orientation val="minMax"/>
         </c:scaling>
@@ -6114,7 +5990,7 @@
         <c:majorTickMark val="none"/>
         <c:minorTickMark val="none"/>
         <c:tickLblPos val="nextTo"/>
-        <c:crossAx val="35590656"/>
+        <c:crossAx val="44629312"/>
         <c:crosses val="autoZero"/>
         <c:auto val="1"/>
         <c:lblAlgn val="ctr"/>
@@ -6122,7 +5998,7 @@
         <c:noMultiLvlLbl val="0"/>
       </c:catAx>
       <c:valAx>
-        <c:axId val="35590656"/>
+        <c:axId val="44629312"/>
         <c:scaling>
           <c:orientation val="minMax"/>
         </c:scaling>
@@ -6139,9 +6015,10 @@
                   <a:defRPr sz="1400"/>
                 </a:pPr>
                 <a:r>
-                  <a:rPr lang="en-US" sz="1400"/>
-                  <a:t>Frequency</a:t>
+                  <a:rPr lang="en-US" sz="1400" dirty="0" smtClean="0"/>
+                  <a:t>Number of Representatives </a:t>
                 </a:r>
+                <a:endParaRPr lang="en-US" sz="1400" dirty="0"/>
               </a:p>
             </c:rich>
           </c:tx>
@@ -6152,7 +6029,7 @@
         <c:majorTickMark val="none"/>
         <c:minorTickMark val="none"/>
         <c:tickLblPos val="nextTo"/>
-        <c:crossAx val="100590080"/>
+        <c:crossAx val="71252480"/>
         <c:crosses val="autoZero"/>
         <c:crossBetween val="between"/>
       </c:valAx>
@@ -6209,7 +6086,7 @@
 </c:chartSpace>
 </file>
 
-<file path=ppt/charts/chart4.xml><?xml version="1.0" encoding="utf-8"?>
+<file path=ppt/charts/chart3.xml><?xml version="1.0" encoding="utf-8"?>
 <c:chartSpace xmlns:c="http://schemas.openxmlformats.org/drawingml/2006/chart" xmlns:a="http://schemas.openxmlformats.org/drawingml/2006/main" xmlns:r="http://schemas.openxmlformats.org/officeDocument/2006/relationships">
   <c:date1904 val="0"/>
   <c:lang val="en-US"/>
@@ -6377,11 +6254,11 @@
           <c:showBubbleSize val="0"/>
         </c:dLbls>
         <c:gapWidth val="150"/>
-        <c:axId val="156758016"/>
-        <c:axId val="163070528"/>
+        <c:axId val="71252992"/>
+        <c:axId val="44628160"/>
       </c:barChart>
       <c:catAx>
-        <c:axId val="156758016"/>
+        <c:axId val="71252992"/>
         <c:scaling>
           <c:orientation val="minMax"/>
         </c:scaling>
@@ -6410,7 +6287,7 @@
         <c:majorTickMark val="out"/>
         <c:minorTickMark val="none"/>
         <c:tickLblPos val="nextTo"/>
-        <c:crossAx val="163070528"/>
+        <c:crossAx val="44628160"/>
         <c:crosses val="autoZero"/>
         <c:auto val="1"/>
         <c:lblAlgn val="ctr"/>
@@ -6418,7 +6295,7 @@
         <c:noMultiLvlLbl val="0"/>
       </c:catAx>
       <c:valAx>
-        <c:axId val="163070528"/>
+        <c:axId val="44628160"/>
         <c:scaling>
           <c:orientation val="minMax"/>
         </c:scaling>
@@ -6435,9 +6312,10 @@
                   <a:defRPr sz="1400"/>
                 </a:pPr>
                 <a:r>
-                  <a:rPr lang="en-US" sz="1400"/>
-                  <a:t>Frequency</a:t>
+                  <a:rPr lang="en-US" sz="1400" dirty="0" smtClean="0"/>
+                  <a:t>Number of Representatives</a:t>
                 </a:r>
+                <a:endParaRPr lang="en-US" sz="1400" dirty="0"/>
               </a:p>
             </c:rich>
           </c:tx>
@@ -6448,7 +6326,7 @@
         <c:majorTickMark val="out"/>
         <c:minorTickMark val="none"/>
         <c:tickLblPos val="nextTo"/>
-        <c:crossAx val="156758016"/>
+        <c:crossAx val="71252992"/>
         <c:crosses val="autoZero"/>
         <c:crossBetween val="between"/>
       </c:valAx>
@@ -6463,6 +6341,150 @@
         <a:p>
           <a:pPr>
             <a:defRPr sz="1200"/>
+          </a:pPr>
+          <a:endParaRPr lang="en-US"/>
+        </a:p>
+      </c:txPr>
+    </c:legend>
+    <c:plotVisOnly val="1"/>
+    <c:dispBlanksAs val="gap"/>
+    <c:showDLblsOverMax val="0"/>
+  </c:chart>
+  <c:spPr>
+    <a:noFill/>
+    <a:ln w="38100" cap="flat" cmpd="sng" algn="ctr">
+      <a:solidFill>
+        <a:sysClr val="windowText" lastClr="000000"/>
+      </a:solidFill>
+      <a:prstDash val="solid"/>
+    </a:ln>
+    <a:effectLst/>
+  </c:spPr>
+  <c:txPr>
+    <a:bodyPr/>
+    <a:lstStyle/>
+    <a:p>
+      <a:pPr>
+        <a:defRPr>
+          <a:solidFill>
+            <a:schemeClr val="dk1"/>
+          </a:solidFill>
+          <a:latin typeface="+mn-lt"/>
+          <a:ea typeface="+mn-ea"/>
+          <a:cs typeface="+mn-cs"/>
+        </a:defRPr>
+      </a:pPr>
+      <a:endParaRPr lang="en-US"/>
+    </a:p>
+  </c:txPr>
+  <c:externalData r:id="rId2">
+    <c:autoUpdate val="0"/>
+  </c:externalData>
+</c:chartSpace>
+</file>
+
+<file path=ppt/charts/chart4.xml><?xml version="1.0" encoding="utf-8"?>
+<c:chartSpace xmlns:c="http://schemas.openxmlformats.org/drawingml/2006/chart" xmlns:a="http://schemas.openxmlformats.org/drawingml/2006/main" xmlns:r="http://schemas.openxmlformats.org/officeDocument/2006/relationships">
+  <c:date1904 val="0"/>
+  <c:lang val="en-US"/>
+  <c:roundedCorners val="0"/>
+  <mc:AlternateContent xmlns:mc="http://schemas.openxmlformats.org/markup-compatibility/2006">
+    <mc:Choice xmlns:c14="http://schemas.microsoft.com/office/drawing/2007/8/2/chart" Requires="c14">
+      <c14:style val="102"/>
+    </mc:Choice>
+    <mc:Fallback>
+      <c:style val="2"/>
+    </mc:Fallback>
+  </mc:AlternateContent>
+  <c:clrMapOvr bg1="lt1" tx1="dk1" bg2="lt2" tx2="dk2" accent1="accent1" accent2="accent2" accent3="accent3" accent4="accent4" accent5="accent5" accent6="accent6" hlink="hlink" folHlink="folHlink"/>
+  <c:chart>
+    <c:autoTitleDeleted val="0"/>
+    <c:plotArea>
+      <c:layout/>
+      <c:pieChart>
+        <c:varyColors val="1"/>
+        <c:ser>
+          <c:idx val="0"/>
+          <c:order val="0"/>
+          <c:dLbls>
+            <c:txPr>
+              <a:bodyPr/>
+              <a:lstStyle/>
+              <a:p>
+                <a:pPr>
+                  <a:defRPr sz="1400"/>
+                </a:pPr>
+                <a:endParaRPr lang="en-US"/>
+              </a:p>
+            </c:txPr>
+            <c:dLblPos val="ctr"/>
+            <c:showLegendKey val="0"/>
+            <c:showVal val="1"/>
+            <c:showCatName val="0"/>
+            <c:showSerName val="0"/>
+            <c:showPercent val="0"/>
+            <c:showBubbleSize val="0"/>
+            <c:showLeaderLines val="1"/>
+          </c:dLbls>
+          <c:cat>
+            <c:strRef>
+              <c:f>Sheet1!$I$3:$I$5</c:f>
+              <c:strCache>
+                <c:ptCount val="3"/>
+                <c:pt idx="0">
+                  <c:v>SVM better than Baseline</c:v>
+                </c:pt>
+                <c:pt idx="1">
+                  <c:v>SVM equal to Baseline</c:v>
+                </c:pt>
+                <c:pt idx="2">
+                  <c:v>Baseline better than SVM</c:v>
+                </c:pt>
+              </c:strCache>
+            </c:strRef>
+          </c:cat>
+          <c:val>
+            <c:numRef>
+              <c:f>Sheet1!$J$3:$J$5</c:f>
+              <c:numCache>
+                <c:formatCode>General</c:formatCode>
+                <c:ptCount val="3"/>
+                <c:pt idx="0">
+                  <c:v>270</c:v>
+                </c:pt>
+                <c:pt idx="1">
+                  <c:v>85</c:v>
+                </c:pt>
+                <c:pt idx="2">
+                  <c:v>75</c:v>
+                </c:pt>
+              </c:numCache>
+            </c:numRef>
+          </c:val>
+        </c:ser>
+        <c:dLbls>
+          <c:dLblPos val="ctr"/>
+          <c:showLegendKey val="0"/>
+          <c:showVal val="1"/>
+          <c:showCatName val="0"/>
+          <c:showSerName val="0"/>
+          <c:showPercent val="0"/>
+          <c:showBubbleSize val="0"/>
+          <c:showLeaderLines val="1"/>
+        </c:dLbls>
+        <c:firstSliceAng val="0"/>
+      </c:pieChart>
+    </c:plotArea>
+    <c:legend>
+      <c:legendPos val="r"/>
+      <c:layout/>
+      <c:overlay val="0"/>
+      <c:txPr>
+        <a:bodyPr/>
+        <a:lstStyle/>
+        <a:p>
+          <a:pPr>
+            <a:defRPr sz="1400"/>
           </a:pPr>
           <a:endParaRPr lang="en-US"/>
         </a:p>
@@ -6588,7 +6610,7 @@
             <a:fld id="{E6CC2317-6751-4CD4-9995-8782DD78E936}" type="datetimeFigureOut">
               <a:rPr lang="en-US" smtClean="0"/>
               <a:pPr/>
-              <a:t>11/28/2012</a:t>
+              <a:t>11/29/2012</a:t>
             </a:fld>
             <a:endParaRPr lang="en-US" dirty="0"/>
           </a:p>
@@ -23419,7 +23441,7 @@
         </p:nvSpPr>
         <p:spPr>
           <a:xfrm>
-            <a:off x="696519" y="14613916"/>
+            <a:off x="701282" y="14879912"/>
             <a:ext cx="7537847" cy="531993"/>
           </a:xfrm>
         </p:spPr>
@@ -23456,7 +23478,7 @@
         <p:spPr>
           <a:xfrm>
             <a:off x="8690374" y="4114754"/>
-            <a:ext cx="7536656" cy="7919475"/>
+            <a:ext cx="7536656" cy="9138270"/>
           </a:xfrm>
         </p:spPr>
         <p:txBody>
@@ -23740,7 +23762,31 @@
             </a:pPr>
             <a:r>
               <a:rPr lang="en-US" dirty="0" smtClean="0"/>
-              <a:t>Year the bill was voted on mod 6</a:t>
+              <a:t>Year the bill was voted on mod </a:t>
+            </a:r>
+            <a:r>
+              <a:rPr lang="en-US" dirty="0" smtClean="0"/>
+              <a:t>6</a:t>
+            </a:r>
+          </a:p>
+          <a:p>
+            <a:pPr marL="285750" indent="-285750">
+              <a:buFont typeface="Arial" pitchFamily="34" charset="0"/>
+              <a:buChar char="•"/>
+            </a:pPr>
+            <a:r>
+              <a:rPr lang="en-US" dirty="0" smtClean="0"/>
+              <a:t>Name of sponsor feature was numerous features, each a binary feature corresponding to one bill sponsor in the task.</a:t>
+            </a:r>
+          </a:p>
+          <a:p>
+            <a:pPr marL="285750" indent="-285750">
+              <a:buFont typeface="Arial" pitchFamily="34" charset="0"/>
+              <a:buChar char="•"/>
+            </a:pPr>
+            <a:r>
+              <a:rPr lang="en-US" dirty="0" smtClean="0"/>
+              <a:t>District of sponsor feature was numerous features, each a binary feature corresponding to one bill sponsor in the task.</a:t>
             </a:r>
           </a:p>
         </p:txBody>
@@ -23788,8 +23834,8 @@
         </p:nvSpPr>
         <p:spPr>
           <a:xfrm>
-            <a:off x="16693754" y="3997645"/>
-            <a:ext cx="7536656" cy="2490296"/>
+            <a:off x="16693754" y="4164513"/>
+            <a:ext cx="7536656" cy="3099694"/>
           </a:xfrm>
         </p:spPr>
         <p:txBody>
@@ -23862,8 +23908,35 @@
                   <a:schemeClr val="tx1"/>
                 </a:solidFill>
               </a:rPr>
-              <a:t>Generally Optimized SVM performed better than baseline on a per representative basis.</a:t>
-            </a:r>
+              <a:t>Generally Optimized SVM performed better than baseline on a per representative basis</a:t>
+            </a:r>
+            <a:r>
+              <a:rPr lang="en-US" dirty="0" smtClean="0">
+                <a:solidFill>
+                  <a:schemeClr val="tx1"/>
+                </a:solidFill>
+              </a:rPr>
+              <a:t>.</a:t>
+            </a:r>
+          </a:p>
+          <a:p>
+            <a:pPr marL="285750" indent="-285750">
+              <a:buFont typeface="Arial" pitchFamily="34" charset="0"/>
+              <a:buChar char="•"/>
+            </a:pPr>
+            <a:r>
+              <a:rPr lang="en-US" dirty="0" smtClean="0">
+                <a:solidFill>
+                  <a:schemeClr val="tx1"/>
+                </a:solidFill>
+              </a:rPr>
+              <a:t>Optimized SVM C values were predominantly C=0.1. A few instances of C=0.01 and C=0.05.</a:t>
+            </a:r>
+            <a:endParaRPr lang="en-US" dirty="0" smtClean="0">
+              <a:solidFill>
+                <a:schemeClr val="tx1"/>
+              </a:solidFill>
+            </a:endParaRPr>
           </a:p>
         </p:txBody>
       </p:sp>
@@ -23941,8 +24014,8 @@
         </p:nvSpPr>
         <p:spPr>
           <a:xfrm>
-            <a:off x="24686420" y="7517025"/>
-            <a:ext cx="7535264" cy="2822695"/>
+            <a:off x="24683837" y="12437213"/>
+            <a:ext cx="7535264" cy="3099694"/>
           </a:xfrm>
         </p:spPr>
         <p:txBody>
@@ -23959,24 +24032,13 @@
                   <a:schemeClr val="tx1"/>
                 </a:solidFill>
               </a:rPr>
-              <a:t>Run </a:t>
-            </a:r>
-            <a:r>
-              <a:rPr lang="en-US" dirty="0" err="1" smtClean="0">
-                <a:solidFill>
-                  <a:schemeClr val="tx1"/>
-                </a:solidFill>
-              </a:rPr>
-              <a:t>McNemar’s</a:t>
-            </a:r>
-            <a:r>
-              <a:rPr lang="en-US" dirty="0" smtClean="0">
-                <a:solidFill>
-                  <a:schemeClr val="tx1"/>
-                </a:solidFill>
-              </a:rPr>
-              <a:t> test on each representative’s optimized SVM against the baseline for each representative.</a:t>
-            </a:r>
+              <a:t>Predict bill passage using sum of predicted votes, weighted by test set accuracy.</a:t>
+            </a:r>
+            <a:endParaRPr lang="en-US" dirty="0" smtClean="0">
+              <a:solidFill>
+                <a:schemeClr val="tx1"/>
+              </a:solidFill>
+            </a:endParaRPr>
           </a:p>
           <a:p>
             <a:pPr marL="285750" indent="-285750">
@@ -23989,7 +24051,7 @@
                   <a:schemeClr val="tx1"/>
                 </a:solidFill>
               </a:rPr>
-              <a:t>Consolidate </a:t>
+              <a:t>Run </a:t>
             </a:r>
             <a:r>
               <a:rPr lang="en-US" dirty="0" err="1" smtClean="0">
@@ -24005,7 +24067,7 @@
                   <a:schemeClr val="tx1"/>
                 </a:solidFill>
               </a:rPr>
-              <a:t> tests to determine if optimized SVMs are likely better than baseline hypothesis.</a:t>
+              <a:t> test on each representative’s optimized SVM against the baseline for each representative.</a:t>
             </a:r>
           </a:p>
           <a:p>
@@ -24019,7 +24081,23 @@
                   <a:schemeClr val="tx1"/>
                 </a:solidFill>
               </a:rPr>
-              <a:t>Separate bills into categories using clustering on bill summaries.</a:t>
+              <a:t>Consolidate </a:t>
+            </a:r>
+            <a:r>
+              <a:rPr lang="en-US" dirty="0" err="1" smtClean="0">
+                <a:solidFill>
+                  <a:schemeClr val="tx1"/>
+                </a:solidFill>
+              </a:rPr>
+              <a:t>McNemar’s</a:t>
+            </a:r>
+            <a:r>
+              <a:rPr lang="en-US" dirty="0" smtClean="0">
+                <a:solidFill>
+                  <a:schemeClr val="tx1"/>
+                </a:solidFill>
+              </a:rPr>
+              <a:t> tests to determine if optimized SVMs are likely better than baseline hypothesis.</a:t>
             </a:r>
           </a:p>
           <a:p>
@@ -24033,7 +24111,7 @@
                   <a:schemeClr val="tx1"/>
                 </a:solidFill>
               </a:rPr>
-              <a:t>Consider bill summary and bill categories as further features. </a:t>
+              <a:t>Separate bills into categories using clustering on bill summaries.</a:t>
             </a:r>
           </a:p>
           <a:p>
@@ -24047,7 +24125,7 @@
                   <a:schemeClr val="tx1"/>
                 </a:solidFill>
               </a:rPr>
-              <a:t>Consider bill summary and bill categories as isolated feature sets.</a:t>
+              <a:t>Consider bill summary and bill categories as further features. </a:t>
             </a:r>
           </a:p>
           <a:p>
@@ -24055,6 +24133,22 @@
               <a:buFont typeface="Arial" pitchFamily="34" charset="0"/>
               <a:buChar char="•"/>
             </a:pPr>
+            <a:r>
+              <a:rPr lang="en-US" dirty="0" smtClean="0">
+                <a:solidFill>
+                  <a:schemeClr val="tx1"/>
+                </a:solidFill>
+              </a:rPr>
+              <a:t>Consider bill summary and bill categories as isolated feature sets</a:t>
+            </a:r>
+            <a:r>
+              <a:rPr lang="en-US" dirty="0" smtClean="0">
+                <a:solidFill>
+                  <a:schemeClr val="tx1"/>
+                </a:solidFill>
+              </a:rPr>
+              <a:t>.</a:t>
+            </a:r>
             <a:endParaRPr lang="en-US" dirty="0" smtClean="0">
               <a:solidFill>
                 <a:schemeClr val="tx1"/>
@@ -24333,7 +24427,7 @@
         </p:nvSpPr>
         <p:spPr>
           <a:xfrm>
-            <a:off x="696519" y="15536907"/>
+            <a:off x="678141" y="15782990"/>
             <a:ext cx="7542610" cy="2767295"/>
           </a:xfrm>
         </p:spPr>
@@ -24403,8 +24497,8 @@
         </p:nvSpPr>
         <p:spPr>
           <a:xfrm>
-            <a:off x="8690375" y="13461460"/>
-            <a:ext cx="7542610" cy="5814283"/>
+            <a:off x="8690375" y="15383604"/>
+            <a:ext cx="7542610" cy="4207689"/>
           </a:xfrm>
         </p:spPr>
         <p:txBody>
@@ -24580,48 +24674,6 @@
             <a:r>
               <a:rPr lang="en-US" dirty="0" smtClean="0"/>
               <a:t>otherwise</a:t>
-            </a:r>
-            <a:endParaRPr lang="en-US" dirty="0"/>
-          </a:p>
-          <a:p>
-            <a:pPr marL="285750" indent="-285750">
-              <a:buFont typeface="Arial" pitchFamily="34" charset="0"/>
-              <a:buChar char="•"/>
-            </a:pPr>
-            <a:r>
-              <a:rPr lang="en-US" dirty="0" smtClean="0">
-                <a:solidFill>
-                  <a:schemeClr val="tx1"/>
-                </a:solidFill>
-              </a:rPr>
-              <a:t>Bill Passage Prediction (JOHNS STUFF)</a:t>
-            </a:r>
-          </a:p>
-          <a:p>
-            <a:pPr marL="1346926" lvl="1" indent="-285750">
-              <a:buFont typeface="Arial" pitchFamily="34" charset="0"/>
-              <a:buChar char="•"/>
-            </a:pPr>
-            <a:r>
-              <a:rPr lang="en-US" dirty="0" smtClean="0"/>
-              <a:t>Pulled a newly voted on bill from govtrack.us</a:t>
-            </a:r>
-          </a:p>
-          <a:p>
-            <a:pPr marL="1346926" lvl="1" indent="-285750">
-              <a:buFont typeface="Arial" pitchFamily="34" charset="0"/>
-              <a:buChar char="•"/>
-            </a:pPr>
-            <a:r>
-              <a:rPr lang="en-US" dirty="0" smtClean="0"/>
-              <a:t>Predicted outcome of the bill by weighted average of predicted votes</a:t>
-            </a:r>
-          </a:p>
-          <a:p>
-            <a:pPr marL="1755072" lvl="2" indent="-285750"/>
-            <a:r>
-              <a:rPr lang="en-US" dirty="0" smtClean="0"/>
-              <a:t>For optimized SVMs as well as baseline</a:t>
             </a:r>
             <a:endParaRPr lang="en-US" dirty="0"/>
           </a:p>
@@ -24639,8 +24691,8 @@
         </p:nvSpPr>
         <p:spPr>
           <a:xfrm>
-            <a:off x="24686420" y="4300997"/>
-            <a:ext cx="7542610" cy="2102498"/>
+            <a:off x="24686420" y="4037194"/>
+            <a:ext cx="7542610" cy="1770099"/>
           </a:xfrm>
         </p:spPr>
         <p:txBody>
@@ -24679,21 +24731,15 @@
                   <a:schemeClr val="tx1"/>
                 </a:solidFill>
               </a:rPr>
-              <a:t>When party sponsor is not a predominant factor for a representative, our optimized SVM captures other factors and performs well.</a:t>
-            </a:r>
-          </a:p>
-          <a:p>
-            <a:pPr marL="285750" indent="-285750">
-              <a:buFont typeface="Arial" pitchFamily="34" charset="0"/>
-              <a:buChar char="•"/>
-            </a:pPr>
+              <a:t>When party sponsor is not a predominant factor for a representative, our optimized SVM captures other factors and performs well</a:t>
+            </a:r>
             <a:r>
               <a:rPr lang="en-US" dirty="0" smtClean="0">
                 <a:solidFill>
                   <a:schemeClr val="tx1"/>
                 </a:solidFill>
               </a:rPr>
-              <a:t>Conclusions from JOHN</a:t>
+              <a:t>.</a:t>
             </a:r>
             <a:endParaRPr lang="en-US" dirty="0">
               <a:solidFill>
@@ -24715,7 +24761,7 @@
         </p:nvSpPr>
         <p:spPr>
           <a:xfrm>
-            <a:off x="16709809" y="11316635"/>
+            <a:off x="16709809" y="12902872"/>
             <a:ext cx="7542610" cy="822147"/>
           </a:xfrm>
         </p:spPr>
@@ -24752,14 +24798,15 @@
         </p:nvSpPr>
         <p:spPr>
           <a:xfrm>
-            <a:off x="16693754" y="13053105"/>
-            <a:ext cx="2478077" cy="1560811"/>
+            <a:off x="24708458" y="10714365"/>
+            <a:ext cx="7529109" cy="822147"/>
           </a:xfrm>
         </p:spPr>
         <p:txBody>
           <a:bodyPr/>
           <a:lstStyle/>
           <a:p>
+            <a:pPr algn="ctr"/>
             <a:r>
               <a:rPr lang="en-US" sz="1600" dirty="0" smtClean="0">
                 <a:solidFill>
@@ -24788,7 +24835,7 @@
         </p:nvSpPr>
         <p:spPr>
           <a:xfrm>
-            <a:off x="16693754" y="20585629"/>
+            <a:off x="16693754" y="19574198"/>
             <a:ext cx="7558665" cy="575926"/>
           </a:xfrm>
         </p:spPr>
@@ -24810,34 +24857,6 @@
                 <a:schemeClr val="tx1"/>
               </a:solidFill>
             </a:endParaRPr>
-          </a:p>
-        </p:txBody>
-      </p:sp>
-      <p:sp>
-        <p:nvSpPr>
-          <p:cNvPr id="25" name="Text Placeholder 24"/>
-          <p:cNvSpPr>
-            <a:spLocks noGrp="1"/>
-          </p:cNvSpPr>
-          <p:nvPr>
-            <p:ph type="body" sz="quarter" idx="121"/>
-          </p:nvPr>
-        </p:nvSpPr>
-        <p:spPr>
-          <a:xfrm>
-            <a:off x="24686420" y="12963638"/>
-            <a:ext cx="7542610" cy="883702"/>
-          </a:xfrm>
-        </p:spPr>
-        <p:txBody>
-          <a:bodyPr/>
-          <a:lstStyle/>
-          <a:p>
-            <a:r>
-              <a:rPr lang="en-US" dirty="0" smtClean="0"/>
-              <a:t>Put a graphic in this column, from John or of a random bill, show how baseline did</a:t>
-            </a:r>
-            <a:endParaRPr lang="en-US" dirty="0"/>
           </a:p>
         </p:txBody>
       </p:sp>
@@ -25329,7 +25348,7 @@
         </p:nvSpPr>
         <p:spPr>
           <a:xfrm>
-            <a:off x="24686420" y="6820340"/>
+            <a:off x="24683837" y="12005006"/>
             <a:ext cx="7537847" cy="531993"/>
           </a:xfrm>
         </p:spPr>
@@ -25365,7 +25384,7 @@
         </p:nvSpPr>
         <p:spPr>
           <a:xfrm>
-            <a:off x="8684420" y="12734997"/>
+            <a:off x="8684420" y="14844721"/>
             <a:ext cx="7537847" cy="531993"/>
           </a:xfrm>
         </p:spPr>
@@ -25660,30 +25679,6 @@
           </a:p>
         </p:txBody>
       </p:sp>
-      <p:graphicFrame>
-        <p:nvGraphicFramePr>
-          <p:cNvPr id="61" name="Chart 60"/>
-          <p:cNvGraphicFramePr>
-            <a:graphicFrameLocks noGrp="1"/>
-          </p:cNvGraphicFramePr>
-          <p:nvPr>
-            <p:extLst>
-              <p:ext uri="{D42A27DB-BD31-4B8C-83A1-F6EECF244321}">
-                <p14:modId xmlns:p14="http://schemas.microsoft.com/office/powerpoint/2010/main" val="3730469690"/>
-              </p:ext>
-            </p:extLst>
-          </p:nvPr>
-        </p:nvGraphicFramePr>
-        <p:xfrm>
-          <a:off x="19129260" y="12157772"/>
-          <a:ext cx="4657726" cy="3379135"/>
-        </p:xfrm>
-        <a:graphic>
-          <a:graphicData uri="http://schemas.openxmlformats.org/drawingml/2006/chart">
-            <c:chart xmlns:c="http://schemas.openxmlformats.org/drawingml/2006/chart" xmlns:r="http://schemas.openxmlformats.org/officeDocument/2006/relationships" r:id="rId6"/>
-          </a:graphicData>
-        </a:graphic>
-      </p:graphicFrame>
       <p:sp>
         <p:nvSpPr>
           <p:cNvPr id="30" name="Picture Placeholder 29"/>
@@ -25705,18 +25700,18 @@
           <p:nvPr>
             <p:extLst>
               <p:ext uri="{D42A27DB-BD31-4B8C-83A1-F6EECF244321}">
-                <p14:modId xmlns:p14="http://schemas.microsoft.com/office/powerpoint/2010/main" val="927610270"/>
+                <p14:modId xmlns:p14="http://schemas.microsoft.com/office/powerpoint/2010/main" val="854851426"/>
               </p:ext>
             </p:extLst>
           </p:nvPr>
         </p:nvGraphicFramePr>
         <p:xfrm>
-          <a:off x="17094896" y="6487941"/>
-          <a:ext cx="6692090" cy="4855046"/>
+          <a:off x="17094896" y="8047826"/>
+          <a:ext cx="6768290" cy="4855046"/>
         </p:xfrm>
         <a:graphic>
           <a:graphicData uri="http://schemas.openxmlformats.org/drawingml/2006/chart">
-            <c:chart xmlns:c="http://schemas.openxmlformats.org/drawingml/2006/chart" xmlns:r="http://schemas.openxmlformats.org/officeDocument/2006/relationships" r:id="rId7"/>
+            <c:chart xmlns:c="http://schemas.openxmlformats.org/drawingml/2006/chart" xmlns:r="http://schemas.openxmlformats.org/officeDocument/2006/relationships" r:id="rId6"/>
           </a:graphicData>
         </a:graphic>
       </p:graphicFrame>
@@ -25729,18 +25724,18 @@
           <p:nvPr>
             <p:extLst>
               <p:ext uri="{D42A27DB-BD31-4B8C-83A1-F6EECF244321}">
-                <p14:modId xmlns:p14="http://schemas.microsoft.com/office/powerpoint/2010/main" val="2537127256"/>
+                <p14:modId xmlns:p14="http://schemas.microsoft.com/office/powerpoint/2010/main" val="3244752092"/>
               </p:ext>
             </p:extLst>
           </p:nvPr>
         </p:nvGraphicFramePr>
         <p:xfrm>
-          <a:off x="17094896" y="15832976"/>
+          <a:off x="17094896" y="14743274"/>
           <a:ext cx="6692090" cy="4752653"/>
         </p:xfrm>
         <a:graphic>
           <a:graphicData uri="http://schemas.openxmlformats.org/drawingml/2006/chart">
-            <c:chart xmlns:c="http://schemas.openxmlformats.org/drawingml/2006/chart" xmlns:r="http://schemas.openxmlformats.org/officeDocument/2006/relationships" r:id="rId8"/>
+            <c:chart xmlns:c="http://schemas.openxmlformats.org/drawingml/2006/chart" xmlns:r="http://schemas.openxmlformats.org/officeDocument/2006/relationships" r:id="rId7"/>
           </a:graphicData>
         </a:graphic>
       </p:graphicFrame>
@@ -25753,7 +25748,7 @@
           <p:nvPr>
             <p:extLst>
               <p:ext uri="{D42A27DB-BD31-4B8C-83A1-F6EECF244321}">
-                <p14:modId xmlns:p14="http://schemas.microsoft.com/office/powerpoint/2010/main" val="3990556720"/>
+                <p14:modId xmlns:p14="http://schemas.microsoft.com/office/powerpoint/2010/main" val="4258579362"/>
               </p:ext>
             </p:extLst>
           </p:nvPr>
@@ -25764,7 +25759,7 @@
         </p:xfrm>
         <a:graphic>
           <a:graphicData uri="http://schemas.openxmlformats.org/drawingml/2006/chart">
-            <c:chart xmlns:c="http://schemas.openxmlformats.org/drawingml/2006/chart" xmlns:r="http://schemas.openxmlformats.org/officeDocument/2006/relationships" r:id="rId9"/>
+            <c:chart xmlns:c="http://schemas.openxmlformats.org/drawingml/2006/chart" xmlns:r="http://schemas.openxmlformats.org/officeDocument/2006/relationships" r:id="rId8"/>
           </a:graphicData>
         </a:graphic>
       </p:graphicFrame>
@@ -25787,6 +25782,59 @@
           </a:p>
         </p:txBody>
       </p:sp>
+      <p:sp>
+        <p:nvSpPr>
+          <p:cNvPr id="28" name="Text Placeholder 27"/>
+          <p:cNvSpPr>
+            <a:spLocks noGrp="1"/>
+          </p:cNvSpPr>
+          <p:nvPr>
+            <p:ph type="body" sz="quarter" idx="121"/>
+          </p:nvPr>
+        </p:nvSpPr>
+        <p:spPr>
+          <a:xfrm>
+            <a:off x="701282" y="13720059"/>
+            <a:ext cx="7542610" cy="822291"/>
+          </a:xfrm>
+        </p:spPr>
+        <p:txBody>
+          <a:bodyPr/>
+          <a:lstStyle/>
+          <a:p>
+            <a:pPr algn="ctr"/>
+            <a:r>
+              <a:rPr lang="en-US" sz="1600" dirty="0" smtClean="0"/>
+              <a:t>A histogram of our data sets, showing distribution of size of sets.</a:t>
+            </a:r>
+            <a:endParaRPr lang="en-US" sz="1600" dirty="0"/>
+          </a:p>
+        </p:txBody>
+      </p:sp>
+      <p:graphicFrame>
+        <p:nvGraphicFramePr>
+          <p:cNvPr id="64" name="Chart 63"/>
+          <p:cNvGraphicFramePr>
+            <a:graphicFrameLocks noGrp="1"/>
+          </p:cNvGraphicFramePr>
+          <p:nvPr>
+            <p:extLst>
+              <p:ext uri="{D42A27DB-BD31-4B8C-83A1-F6EECF244321}">
+                <p14:modId xmlns:p14="http://schemas.microsoft.com/office/powerpoint/2010/main" val="2137907348"/>
+              </p:ext>
+            </p:extLst>
+          </p:nvPr>
+        </p:nvGraphicFramePr>
+        <p:xfrm>
+          <a:off x="25293916" y="6104250"/>
+          <a:ext cx="6348133" cy="4554070"/>
+        </p:xfrm>
+        <a:graphic>
+          <a:graphicData uri="http://schemas.openxmlformats.org/drawingml/2006/chart">
+            <c:chart xmlns:c="http://schemas.openxmlformats.org/drawingml/2006/chart" xmlns:r="http://schemas.openxmlformats.org/officeDocument/2006/relationships" r:id="rId9"/>
+          </a:graphicData>
+        </a:graphic>
+      </p:graphicFrame>
     </p:spTree>
     <p:extLst>
       <p:ext uri="{BB962C8B-B14F-4D97-AF65-F5344CB8AC3E}">
